--- a/ProjectPPT/KwonChangHyun_2차발표_준비중.pptx
+++ b/ProjectPPT/KwonChangHyun_2차발표_준비중.pptx
@@ -8,14 +8,18 @@
   <p:sldIdLst>
     <p:sldId id="317" r:id="rId3"/>
     <p:sldId id="318" r:id="rId4"/>
-    <p:sldId id="321" r:id="rId5"/>
-    <p:sldId id="326" r:id="rId6"/>
-    <p:sldId id="319" r:id="rId7"/>
-    <p:sldId id="327" r:id="rId8"/>
+    <p:sldId id="329" r:id="rId5"/>
+    <p:sldId id="330" r:id="rId6"/>
+    <p:sldId id="321" r:id="rId7"/>
+    <p:sldId id="326" r:id="rId8"/>
     <p:sldId id="323" r:id="rId9"/>
     <p:sldId id="324" r:id="rId10"/>
-    <p:sldId id="325" r:id="rId11"/>
-    <p:sldId id="322" r:id="rId12"/>
+    <p:sldId id="335" r:id="rId11"/>
+    <p:sldId id="336" r:id="rId12"/>
+    <p:sldId id="337" r:id="rId13"/>
+    <p:sldId id="334" r:id="rId14"/>
+    <p:sldId id="325" r:id="rId15"/>
+    <p:sldId id="322" r:id="rId16"/>
   </p:sldIdLst>
   <p:sldSz cx="9144000" cy="6858000" type="screen4x3"/>
   <p:notesSz cx="6858000" cy="9144000"/>
@@ -174,10 +178,10 @@
 
 <file path=ppt/comments/comment1.xml><?xml version="1.0" encoding="utf-8"?>
 <p:cmLst xmlns:a="http://schemas.openxmlformats.org/drawingml/2006/main" xmlns:r="http://schemas.openxmlformats.org/officeDocument/2006/relationships" xmlns:p="http://schemas.openxmlformats.org/presentationml/2006/main">
-  <p:cm authorId="1" dt="2015-09-16T15:06:01.746" idx="3">
-    <p:pos x="16" y="16"/>
-    <p:text>개발 범위</p:text>
-    <p:extLst mod="1">
+  <p:cm authorId="1" dt="2015-09-16T14:15:14.927" idx="2">
+    <p:pos x="10" y="10"/>
+    <p:text>게임컨셉</p:text>
+    <p:extLst>
       <p:ext uri="{C676402C-5697-4E1C-873F-D02D1690AC5C}">
         <p15:threadingInfo xmlns:p15="http://schemas.microsoft.com/office/powerpoint/2012/main" timeZoneBias="-540"/>
       </p:ext>
@@ -188,10 +192,10 @@
 
 <file path=ppt/comments/comment2.xml><?xml version="1.0" encoding="utf-8"?>
 <p:cmLst xmlns:a="http://schemas.openxmlformats.org/drawingml/2006/main" xmlns:r="http://schemas.openxmlformats.org/officeDocument/2006/relationships" xmlns:p="http://schemas.openxmlformats.org/presentationml/2006/main">
-  <p:cm authorId="1" dt="2015-09-16T14:14:57.640" idx="1">
-    <p:pos x="10" y="10"/>
-    <p:text>실행흐름</p:text>
-    <p:extLst>
+  <p:cm authorId="1" dt="2015-09-16T15:06:01.746" idx="3">
+    <p:pos x="16" y="16"/>
+    <p:text>개발 범위</p:text>
+    <p:extLst mod="1">
       <p:ext uri="{C676402C-5697-4E1C-873F-D02D1690AC5C}">
         <p15:threadingInfo xmlns:p15="http://schemas.microsoft.com/office/powerpoint/2012/main" timeZoneBias="-540"/>
       </p:ext>
@@ -15562,6 +15566,2436 @@
           <a:p>
             <a:pPr eaLnBrk="1" latinLnBrk="1" hangingPunct="1"/>
             <a:r>
+              <a:rPr lang="en-US" altLang="ko-KR" sz="3200" dirty="0" smtClean="0">
+                <a:latin typeface="Tahoma" panose="020B0604030504040204" pitchFamily="34" charset="0"/>
+                <a:cs typeface="Tahoma" panose="020B0604030504040204" pitchFamily="34" charset="0"/>
+              </a:rPr>
+              <a:t>Development of </a:t>
+            </a:r>
+            <a:r>
+              <a:rPr lang="en-US" altLang="ko-KR" sz="3200" b="1" dirty="0" smtClean="0">
+                <a:latin typeface="Tahoma" panose="020B0604030504040204" pitchFamily="34" charset="0"/>
+                <a:cs typeface="Tahoma" panose="020B0604030504040204" pitchFamily="34" charset="0"/>
+              </a:rPr>
+              <a:t>Schedule</a:t>
+            </a:r>
+            <a:endParaRPr lang="ko-KR" altLang="ko-KR" sz="3200" b="1" dirty="0">
+              <a:latin typeface="Tahoma" panose="020B0604030504040204" pitchFamily="34" charset="0"/>
+              <a:cs typeface="Tahoma" panose="020B0604030504040204" pitchFamily="34" charset="0"/>
+            </a:endParaRPr>
+          </a:p>
+        </p:txBody>
+      </p:sp>
+      <p:graphicFrame>
+        <p:nvGraphicFramePr>
+          <p:cNvPr id="5" name="표 4"/>
+          <p:cNvGraphicFramePr>
+            <a:graphicFrameLocks noGrp="1"/>
+          </p:cNvGraphicFramePr>
+          <p:nvPr>
+            <p:extLst/>
+          </p:nvPr>
+        </p:nvGraphicFramePr>
+        <p:xfrm>
+          <a:off x="577850" y="1124744"/>
+          <a:ext cx="8170614" cy="767080"/>
+        </p:xfrm>
+        <a:graphic>
+          <a:graphicData uri="http://schemas.openxmlformats.org/drawingml/2006/table">
+            <a:tbl>
+              <a:tblPr firstRow="1" bandRow="1">
+                <a:tableStyleId>{073A0DAA-6AF3-43AB-8588-CEC1D06C72B9}</a:tableStyleId>
+              </a:tblPr>
+              <a:tblGrid>
+                <a:gridCol w="1905918"/>
+                <a:gridCol w="936104"/>
+                <a:gridCol w="5328592"/>
+              </a:tblGrid>
+              <a:tr h="370840">
+                <a:tc>
+                  <a:txBody>
+                    <a:bodyPr/>
+                    <a:lstStyle/>
+                    <a:p>
+                      <a:pPr algn="ctr" latinLnBrk="1"/>
+                      <a:r>
+                        <a:rPr lang="ko-KR" altLang="en-US" dirty="0" smtClean="0"/>
+                        <a:t>주</a:t>
+                      </a:r>
+                      <a:endParaRPr lang="ko-KR" altLang="en-US" dirty="0"/>
+                    </a:p>
+                  </a:txBody>
+                  <a:tcPr anchor="ctr">
+                    <a:solidFill>
+                      <a:schemeClr val="bg1">
+                        <a:lumMod val="85000"/>
+                        <a:lumOff val="15000"/>
+                      </a:schemeClr>
+                    </a:solidFill>
+                  </a:tcPr>
+                </a:tc>
+                <a:tc>
+                  <a:txBody>
+                    <a:bodyPr/>
+                    <a:lstStyle/>
+                    <a:p>
+                      <a:pPr algn="ctr" latinLnBrk="1"/>
+                      <a:r>
+                        <a:rPr lang="ko-KR" altLang="en-US" dirty="0" smtClean="0"/>
+                        <a:t>완성도</a:t>
+                      </a:r>
+                      <a:endParaRPr lang="ko-KR" altLang="en-US" dirty="0"/>
+                    </a:p>
+                  </a:txBody>
+                  <a:tcPr anchor="ctr">
+                    <a:solidFill>
+                      <a:schemeClr val="bg1">
+                        <a:lumMod val="85000"/>
+                        <a:lumOff val="15000"/>
+                      </a:schemeClr>
+                    </a:solidFill>
+                  </a:tcPr>
+                </a:tc>
+                <a:tc>
+                  <a:txBody>
+                    <a:bodyPr/>
+                    <a:lstStyle/>
+                    <a:p>
+                      <a:pPr algn="ctr" latinLnBrk="1"/>
+                      <a:r>
+                        <a:rPr lang="ko-KR" altLang="en-US" dirty="0" smtClean="0"/>
+                        <a:t>주제</a:t>
+                      </a:r>
+                      <a:endParaRPr lang="ko-KR" altLang="en-US" dirty="0"/>
+                    </a:p>
+                  </a:txBody>
+                  <a:tcPr anchor="ctr">
+                    <a:solidFill>
+                      <a:schemeClr val="bg1">
+                        <a:lumMod val="85000"/>
+                        <a:lumOff val="15000"/>
+                      </a:schemeClr>
+                    </a:solidFill>
+                  </a:tcPr>
+                </a:tc>
+              </a:tr>
+              <a:tr h="360000">
+                <a:tc>
+                  <a:txBody>
+                    <a:bodyPr/>
+                    <a:lstStyle/>
+                    <a:p>
+                      <a:pPr marL="0" marR="0" lvl="0" indent="0" algn="l" defTabSz="914400" rtl="0" eaLnBrk="1" fontAlgn="auto" latinLnBrk="1" hangingPunct="1">
+                        <a:lnSpc>
+                          <a:spcPct val="100000"/>
+                        </a:lnSpc>
+                        <a:spcBef>
+                          <a:spcPts val="0"/>
+                        </a:spcBef>
+                        <a:spcAft>
+                          <a:spcPts val="0"/>
+                        </a:spcAft>
+                        <a:buClrTx/>
+                        <a:buSzTx/>
+                        <a:buFontTx/>
+                        <a:buNone/>
+                        <a:tabLst/>
+                        <a:defRPr/>
+                      </a:pPr>
+                      <a:r>
+                        <a:rPr lang="en-US" altLang="ko-KR" sz="2000" b="0" dirty="0" smtClean="0"/>
+                        <a:t>3</a:t>
+                      </a:r>
+                      <a:r>
+                        <a:rPr lang="ko-KR" altLang="en-US" sz="2000" b="0" dirty="0" smtClean="0"/>
+                        <a:t>주차 </a:t>
+                      </a:r>
+                      <a:r>
+                        <a:rPr lang="en-US" altLang="ko-KR" sz="2000" b="0" dirty="0" smtClean="0"/>
+                        <a:t>(10/07)</a:t>
+                      </a:r>
+                      <a:endParaRPr lang="ko-KR" altLang="en-US" sz="2000" b="0" dirty="0" smtClean="0"/>
+                    </a:p>
+                  </a:txBody>
+                  <a:tcPr anchor="ctr"/>
+                </a:tc>
+                <a:tc>
+                  <a:txBody>
+                    <a:bodyPr/>
+                    <a:lstStyle/>
+                    <a:p>
+                      <a:pPr lvl="0" algn="ctr" latinLnBrk="1"/>
+                      <a:r>
+                        <a:rPr lang="en-US" altLang="ko-KR" sz="2000" b="0" dirty="0" smtClean="0">
+                          <a:solidFill>
+                            <a:srgbClr val="FFFFFF"/>
+                          </a:solidFill>
+                        </a:rPr>
+                        <a:t>100%</a:t>
+                      </a:r>
+                      <a:endParaRPr lang="ko-KR" altLang="en-US" sz="2000" b="0" dirty="0">
+                        <a:solidFill>
+                          <a:srgbClr val="FFFFFF"/>
+                        </a:solidFill>
+                      </a:endParaRPr>
+                    </a:p>
+                  </a:txBody>
+                  <a:tcPr anchor="ctr"/>
+                </a:tc>
+                <a:tc>
+                  <a:txBody>
+                    <a:bodyPr/>
+                    <a:lstStyle/>
+                    <a:p>
+                      <a:pPr latinLnBrk="1"/>
+                      <a:r>
+                        <a:rPr lang="ko-KR" altLang="en-US" dirty="0" smtClean="0"/>
+                        <a:t>난이도 조절 관련 메뉴 및 시작</a:t>
+                      </a:r>
+                      <a:r>
+                        <a:rPr lang="ko-KR" altLang="en-US" baseline="0" dirty="0" smtClean="0"/>
+                        <a:t> 페이지 </a:t>
+                      </a:r>
+                      <a:r>
+                        <a:rPr lang="ko-KR" altLang="en-US" dirty="0" smtClean="0"/>
+                        <a:t>구성</a:t>
+                      </a:r>
+                      <a:endParaRPr lang="ko-KR" altLang="en-US" dirty="0"/>
+                    </a:p>
+                  </a:txBody>
+                  <a:tcPr anchor="ctr"/>
+                </a:tc>
+              </a:tr>
+            </a:tbl>
+          </a:graphicData>
+        </a:graphic>
+      </p:graphicFrame>
+      <p:pic>
+        <p:nvPicPr>
+          <p:cNvPr id="3" name="그림 2"/>
+          <p:cNvPicPr>
+            <a:picLocks noChangeAspect="1"/>
+          </p:cNvPicPr>
+          <p:nvPr/>
+        </p:nvPicPr>
+        <p:blipFill>
+          <a:blip r:embed="rId2"/>
+          <a:stretch>
+            <a:fillRect/>
+          </a:stretch>
+        </p:blipFill>
+        <p:spPr>
+          <a:xfrm>
+            <a:off x="577850" y="1988840"/>
+            <a:ext cx="2550606" cy="4329733"/>
+          </a:xfrm>
+          <a:prstGeom prst="rect">
+            <a:avLst/>
+          </a:prstGeom>
+        </p:spPr>
+      </p:pic>
+      <p:pic>
+        <p:nvPicPr>
+          <p:cNvPr id="4" name="그림 3"/>
+          <p:cNvPicPr>
+            <a:picLocks noChangeAspect="1"/>
+          </p:cNvPicPr>
+          <p:nvPr/>
+        </p:nvPicPr>
+        <p:blipFill>
+          <a:blip r:embed="rId3"/>
+          <a:stretch>
+            <a:fillRect/>
+          </a:stretch>
+        </p:blipFill>
+        <p:spPr>
+          <a:xfrm>
+            <a:off x="6197229" y="1988840"/>
+            <a:ext cx="2551235" cy="4330800"/>
+          </a:xfrm>
+          <a:prstGeom prst="rect">
+            <a:avLst/>
+          </a:prstGeom>
+        </p:spPr>
+      </p:pic>
+    </p:spTree>
+    <p:extLst>
+      <p:ext uri="{BB962C8B-B14F-4D97-AF65-F5344CB8AC3E}">
+        <p14:creationId xmlns:p14="http://schemas.microsoft.com/office/powerpoint/2010/main" val="3327043490"/>
+      </p:ext>
+    </p:extLst>
+  </p:cSld>
+  <p:clrMapOvr>
+    <a:masterClrMapping/>
+  </p:clrMapOvr>
+  <p:timing>
+    <p:tnLst>
+      <p:par>
+        <p:cTn id="1" dur="indefinite" restart="never" nodeType="tmRoot"/>
+      </p:par>
+    </p:tnLst>
+  </p:timing>
+</p:sld>
+</file>
+
+<file path=ppt/slides/slide11.xml><?xml version="1.0" encoding="utf-8"?>
+<p:sld xmlns:a="http://schemas.openxmlformats.org/drawingml/2006/main" xmlns:r="http://schemas.openxmlformats.org/officeDocument/2006/relationships" xmlns:p="http://schemas.openxmlformats.org/presentationml/2006/main">
+  <p:cSld>
+    <p:spTree>
+      <p:nvGrpSpPr>
+        <p:cNvPr id="1" name=""/>
+        <p:cNvGrpSpPr/>
+        <p:nvPr/>
+      </p:nvGrpSpPr>
+      <p:grpSpPr>
+        <a:xfrm>
+          <a:off x="0" y="0"/>
+          <a:ext cx="0" cy="0"/>
+          <a:chOff x="0" y="0"/>
+          <a:chExt cx="0" cy="0"/>
+        </a:xfrm>
+      </p:grpSpPr>
+      <p:sp>
+        <p:nvSpPr>
+          <p:cNvPr id="13315" name="Text Box 5"/>
+          <p:cNvSpPr txBox="1">
+            <a:spLocks noChangeArrowheads="1"/>
+          </p:cNvSpPr>
+          <p:nvPr/>
+        </p:nvSpPr>
+        <p:spPr bwMode="auto">
+          <a:xfrm>
+            <a:off x="325438" y="120650"/>
+            <a:ext cx="6600825" cy="585788"/>
+          </a:xfrm>
+          <a:prstGeom prst="rect">
+            <a:avLst/>
+          </a:prstGeom>
+          <a:noFill/>
+          <a:ln>
+            <a:noFill/>
+          </a:ln>
+          <a:extLst>
+            <a:ext uri="{909E8E84-426E-40DD-AFC4-6F175D3DCCD1}">
+              <a14:hiddenFill xmlns:a14="http://schemas.microsoft.com/office/drawing/2010/main">
+                <a:solidFill>
+                  <a:srgbClr val="FFFFFF"/>
+                </a:solidFill>
+              </a14:hiddenFill>
+            </a:ext>
+            <a:ext uri="{91240B29-F687-4F45-9708-019B960494DF}">
+              <a14:hiddenLine xmlns:a14="http://schemas.microsoft.com/office/drawing/2010/main" w="9525">
+                <a:solidFill>
+                  <a:srgbClr val="000000"/>
+                </a:solidFill>
+                <a:miter lim="800000"/>
+                <a:headEnd/>
+                <a:tailEnd/>
+              </a14:hiddenLine>
+            </a:ext>
+          </a:extLst>
+        </p:spPr>
+        <p:txBody>
+          <a:bodyPr anchor="ctr">
+            <a:spAutoFit/>
+          </a:bodyPr>
+          <a:lstStyle>
+            <a:lvl1pPr>
+              <a:defRPr kumimoji="1">
+                <a:solidFill>
+                  <a:schemeClr val="tx1"/>
+                </a:solidFill>
+                <a:latin typeface="굴림" panose="020B0600000101010101" pitchFamily="50" charset="-127"/>
+                <a:ea typeface="굴림" panose="020B0600000101010101" pitchFamily="50" charset="-127"/>
+              </a:defRPr>
+            </a:lvl1pPr>
+            <a:lvl2pPr marL="742950" indent="-285750">
+              <a:defRPr kumimoji="1">
+                <a:solidFill>
+                  <a:schemeClr val="tx1"/>
+                </a:solidFill>
+                <a:latin typeface="굴림" panose="020B0600000101010101" pitchFamily="50" charset="-127"/>
+                <a:ea typeface="굴림" panose="020B0600000101010101" pitchFamily="50" charset="-127"/>
+              </a:defRPr>
+            </a:lvl2pPr>
+            <a:lvl3pPr marL="1143000" indent="-228600">
+              <a:defRPr kumimoji="1">
+                <a:solidFill>
+                  <a:schemeClr val="tx1"/>
+                </a:solidFill>
+                <a:latin typeface="굴림" panose="020B0600000101010101" pitchFamily="50" charset="-127"/>
+                <a:ea typeface="굴림" panose="020B0600000101010101" pitchFamily="50" charset="-127"/>
+              </a:defRPr>
+            </a:lvl3pPr>
+            <a:lvl4pPr marL="1600200" indent="-228600">
+              <a:defRPr kumimoji="1">
+                <a:solidFill>
+                  <a:schemeClr val="tx1"/>
+                </a:solidFill>
+                <a:latin typeface="굴림" panose="020B0600000101010101" pitchFamily="50" charset="-127"/>
+                <a:ea typeface="굴림" panose="020B0600000101010101" pitchFamily="50" charset="-127"/>
+              </a:defRPr>
+            </a:lvl4pPr>
+            <a:lvl5pPr marL="2057400" indent="-228600">
+              <a:defRPr kumimoji="1">
+                <a:solidFill>
+                  <a:schemeClr val="tx1"/>
+                </a:solidFill>
+                <a:latin typeface="굴림" panose="020B0600000101010101" pitchFamily="50" charset="-127"/>
+                <a:ea typeface="굴림" panose="020B0600000101010101" pitchFamily="50" charset="-127"/>
+              </a:defRPr>
+            </a:lvl5pPr>
+            <a:lvl6pPr marL="2514600" indent="-228600" eaLnBrk="0" fontAlgn="base" hangingPunct="0">
+              <a:spcBef>
+                <a:spcPct val="0"/>
+              </a:spcBef>
+              <a:spcAft>
+                <a:spcPct val="0"/>
+              </a:spcAft>
+              <a:defRPr kumimoji="1">
+                <a:solidFill>
+                  <a:schemeClr val="tx1"/>
+                </a:solidFill>
+                <a:latin typeface="굴림" panose="020B0600000101010101" pitchFamily="50" charset="-127"/>
+                <a:ea typeface="굴림" panose="020B0600000101010101" pitchFamily="50" charset="-127"/>
+              </a:defRPr>
+            </a:lvl6pPr>
+            <a:lvl7pPr marL="2971800" indent="-228600" eaLnBrk="0" fontAlgn="base" hangingPunct="0">
+              <a:spcBef>
+                <a:spcPct val="0"/>
+              </a:spcBef>
+              <a:spcAft>
+                <a:spcPct val="0"/>
+              </a:spcAft>
+              <a:defRPr kumimoji="1">
+                <a:solidFill>
+                  <a:schemeClr val="tx1"/>
+                </a:solidFill>
+                <a:latin typeface="굴림" panose="020B0600000101010101" pitchFamily="50" charset="-127"/>
+                <a:ea typeface="굴림" panose="020B0600000101010101" pitchFamily="50" charset="-127"/>
+              </a:defRPr>
+            </a:lvl7pPr>
+            <a:lvl8pPr marL="3429000" indent="-228600" eaLnBrk="0" fontAlgn="base" hangingPunct="0">
+              <a:spcBef>
+                <a:spcPct val="0"/>
+              </a:spcBef>
+              <a:spcAft>
+                <a:spcPct val="0"/>
+              </a:spcAft>
+              <a:defRPr kumimoji="1">
+                <a:solidFill>
+                  <a:schemeClr val="tx1"/>
+                </a:solidFill>
+                <a:latin typeface="굴림" panose="020B0600000101010101" pitchFamily="50" charset="-127"/>
+                <a:ea typeface="굴림" panose="020B0600000101010101" pitchFamily="50" charset="-127"/>
+              </a:defRPr>
+            </a:lvl8pPr>
+            <a:lvl9pPr marL="3886200" indent="-228600" eaLnBrk="0" fontAlgn="base" hangingPunct="0">
+              <a:spcBef>
+                <a:spcPct val="0"/>
+              </a:spcBef>
+              <a:spcAft>
+                <a:spcPct val="0"/>
+              </a:spcAft>
+              <a:defRPr kumimoji="1">
+                <a:solidFill>
+                  <a:schemeClr val="tx1"/>
+                </a:solidFill>
+                <a:latin typeface="굴림" panose="020B0600000101010101" pitchFamily="50" charset="-127"/>
+                <a:ea typeface="굴림" panose="020B0600000101010101" pitchFamily="50" charset="-127"/>
+              </a:defRPr>
+            </a:lvl9pPr>
+          </a:lstStyle>
+          <a:p>
+            <a:pPr eaLnBrk="1" latinLnBrk="1" hangingPunct="1"/>
+            <a:r>
+              <a:rPr lang="en-US" altLang="ko-KR" sz="3200" dirty="0" smtClean="0">
+                <a:latin typeface="Tahoma" panose="020B0604030504040204" pitchFamily="34" charset="0"/>
+                <a:cs typeface="Tahoma" panose="020B0604030504040204" pitchFamily="34" charset="0"/>
+              </a:rPr>
+              <a:t>Development of </a:t>
+            </a:r>
+            <a:r>
+              <a:rPr lang="en-US" altLang="ko-KR" sz="3200" b="1" dirty="0" smtClean="0">
+                <a:latin typeface="Tahoma" panose="020B0604030504040204" pitchFamily="34" charset="0"/>
+                <a:cs typeface="Tahoma" panose="020B0604030504040204" pitchFamily="34" charset="0"/>
+              </a:rPr>
+              <a:t>Schedule</a:t>
+            </a:r>
+            <a:endParaRPr lang="ko-KR" altLang="ko-KR" sz="3200" b="1" dirty="0">
+              <a:latin typeface="Tahoma" panose="020B0604030504040204" pitchFamily="34" charset="0"/>
+              <a:cs typeface="Tahoma" panose="020B0604030504040204" pitchFamily="34" charset="0"/>
+            </a:endParaRPr>
+          </a:p>
+        </p:txBody>
+      </p:sp>
+      <p:graphicFrame>
+        <p:nvGraphicFramePr>
+          <p:cNvPr id="5" name="표 4"/>
+          <p:cNvGraphicFramePr>
+            <a:graphicFrameLocks noGrp="1"/>
+          </p:cNvGraphicFramePr>
+          <p:nvPr>
+            <p:extLst>
+              <p:ext uri="{D42A27DB-BD31-4B8C-83A1-F6EECF244321}">
+                <p14:modId xmlns:p14="http://schemas.microsoft.com/office/powerpoint/2010/main" val="492977212"/>
+              </p:ext>
+            </p:extLst>
+          </p:nvPr>
+        </p:nvGraphicFramePr>
+        <p:xfrm>
+          <a:off x="577850" y="1124744"/>
+          <a:ext cx="8170614" cy="767080"/>
+        </p:xfrm>
+        <a:graphic>
+          <a:graphicData uri="http://schemas.openxmlformats.org/drawingml/2006/table">
+            <a:tbl>
+              <a:tblPr firstRow="1" bandRow="1">
+                <a:tableStyleId>{073A0DAA-6AF3-43AB-8588-CEC1D06C72B9}</a:tableStyleId>
+              </a:tblPr>
+              <a:tblGrid>
+                <a:gridCol w="1905918"/>
+                <a:gridCol w="936104"/>
+                <a:gridCol w="5328592"/>
+              </a:tblGrid>
+              <a:tr h="370840">
+                <a:tc>
+                  <a:txBody>
+                    <a:bodyPr/>
+                    <a:lstStyle/>
+                    <a:p>
+                      <a:pPr algn="ctr" latinLnBrk="1"/>
+                      <a:r>
+                        <a:rPr lang="ko-KR" altLang="en-US" dirty="0" smtClean="0"/>
+                        <a:t>주</a:t>
+                      </a:r>
+                      <a:endParaRPr lang="ko-KR" altLang="en-US" dirty="0"/>
+                    </a:p>
+                  </a:txBody>
+                  <a:tcPr anchor="ctr">
+                    <a:solidFill>
+                      <a:schemeClr val="bg1">
+                        <a:lumMod val="85000"/>
+                        <a:lumOff val="15000"/>
+                      </a:schemeClr>
+                    </a:solidFill>
+                  </a:tcPr>
+                </a:tc>
+                <a:tc>
+                  <a:txBody>
+                    <a:bodyPr/>
+                    <a:lstStyle/>
+                    <a:p>
+                      <a:pPr algn="ctr" latinLnBrk="1"/>
+                      <a:r>
+                        <a:rPr lang="ko-KR" altLang="en-US" dirty="0" smtClean="0"/>
+                        <a:t>완성도</a:t>
+                      </a:r>
+                      <a:endParaRPr lang="ko-KR" altLang="en-US" dirty="0"/>
+                    </a:p>
+                  </a:txBody>
+                  <a:tcPr anchor="ctr">
+                    <a:solidFill>
+                      <a:schemeClr val="bg1">
+                        <a:lumMod val="85000"/>
+                        <a:lumOff val="15000"/>
+                      </a:schemeClr>
+                    </a:solidFill>
+                  </a:tcPr>
+                </a:tc>
+                <a:tc>
+                  <a:txBody>
+                    <a:bodyPr/>
+                    <a:lstStyle/>
+                    <a:p>
+                      <a:pPr algn="ctr" latinLnBrk="1"/>
+                      <a:r>
+                        <a:rPr lang="ko-KR" altLang="en-US" dirty="0" smtClean="0"/>
+                        <a:t>주제</a:t>
+                      </a:r>
+                      <a:endParaRPr lang="ko-KR" altLang="en-US" dirty="0"/>
+                    </a:p>
+                  </a:txBody>
+                  <a:tcPr anchor="ctr">
+                    <a:solidFill>
+                      <a:schemeClr val="bg1">
+                        <a:lumMod val="85000"/>
+                        <a:lumOff val="15000"/>
+                      </a:schemeClr>
+                    </a:solidFill>
+                  </a:tcPr>
+                </a:tc>
+              </a:tr>
+              <a:tr h="360000">
+                <a:tc>
+                  <a:txBody>
+                    <a:bodyPr/>
+                    <a:lstStyle/>
+                    <a:p>
+                      <a:pPr marL="0" marR="0" lvl="0" indent="0" algn="l" defTabSz="914400" rtl="0" eaLnBrk="1" fontAlgn="auto" latinLnBrk="1" hangingPunct="1">
+                        <a:lnSpc>
+                          <a:spcPct val="100000"/>
+                        </a:lnSpc>
+                        <a:spcBef>
+                          <a:spcPts val="0"/>
+                        </a:spcBef>
+                        <a:spcAft>
+                          <a:spcPts val="0"/>
+                        </a:spcAft>
+                        <a:buClrTx/>
+                        <a:buSzTx/>
+                        <a:buFontTx/>
+                        <a:buNone/>
+                        <a:tabLst/>
+                        <a:defRPr/>
+                      </a:pPr>
+                      <a:r>
+                        <a:rPr lang="en-US" altLang="ko-KR" sz="2000" b="0" dirty="0" smtClean="0"/>
+                        <a:t>4</a:t>
+                      </a:r>
+                      <a:r>
+                        <a:rPr lang="ko-KR" altLang="en-US" sz="2000" b="0" dirty="0" smtClean="0"/>
+                        <a:t>주차 </a:t>
+                      </a:r>
+                      <a:r>
+                        <a:rPr lang="en-US" altLang="ko-KR" sz="2000" b="0" dirty="0" smtClean="0"/>
+                        <a:t>(10/14)</a:t>
+                      </a:r>
+                      <a:endParaRPr lang="ko-KR" altLang="en-US" sz="2000" b="0" dirty="0" smtClean="0"/>
+                    </a:p>
+                  </a:txBody>
+                  <a:tcPr anchor="ctr"/>
+                </a:tc>
+                <a:tc>
+                  <a:txBody>
+                    <a:bodyPr/>
+                    <a:lstStyle/>
+                    <a:p>
+                      <a:pPr lvl="0" algn="ctr" latinLnBrk="1"/>
+                      <a:r>
+                        <a:rPr lang="en-US" altLang="ko-KR" sz="2000" b="0" dirty="0" smtClean="0">
+                          <a:solidFill>
+                            <a:srgbClr val="FFFFFF"/>
+                          </a:solidFill>
+                        </a:rPr>
+                        <a:t>100%</a:t>
+                      </a:r>
+                      <a:endParaRPr lang="ko-KR" altLang="en-US" sz="2000" b="0" dirty="0">
+                        <a:solidFill>
+                          <a:srgbClr val="FFFFFF"/>
+                        </a:solidFill>
+                      </a:endParaRPr>
+                    </a:p>
+                  </a:txBody>
+                  <a:tcPr anchor="ctr"/>
+                </a:tc>
+                <a:tc>
+                  <a:txBody>
+                    <a:bodyPr/>
+                    <a:lstStyle/>
+                    <a:p>
+                      <a:pPr latinLnBrk="1"/>
+                      <a:r>
+                        <a:rPr lang="ko-KR" altLang="en-US" dirty="0" smtClean="0"/>
+                        <a:t>캐릭터 애니메이션 구현</a:t>
+                      </a:r>
+                      <a:endParaRPr lang="ko-KR" altLang="en-US" dirty="0"/>
+                    </a:p>
+                  </a:txBody>
+                  <a:tcPr anchor="ctr"/>
+                </a:tc>
+              </a:tr>
+            </a:tbl>
+          </a:graphicData>
+        </a:graphic>
+      </p:graphicFrame>
+    </p:spTree>
+    <p:extLst>
+      <p:ext uri="{BB962C8B-B14F-4D97-AF65-F5344CB8AC3E}">
+        <p14:creationId xmlns:p14="http://schemas.microsoft.com/office/powerpoint/2010/main" val="1433788657"/>
+      </p:ext>
+    </p:extLst>
+  </p:cSld>
+  <p:clrMapOvr>
+    <a:masterClrMapping/>
+  </p:clrMapOvr>
+  <p:timing>
+    <p:tnLst>
+      <p:par>
+        <p:cTn id="1" dur="indefinite" restart="never" nodeType="tmRoot"/>
+      </p:par>
+    </p:tnLst>
+  </p:timing>
+</p:sld>
+</file>
+
+<file path=ppt/slides/slide12.xml><?xml version="1.0" encoding="utf-8"?>
+<p:sld xmlns:a="http://schemas.openxmlformats.org/drawingml/2006/main" xmlns:r="http://schemas.openxmlformats.org/officeDocument/2006/relationships" xmlns:p="http://schemas.openxmlformats.org/presentationml/2006/main">
+  <p:cSld>
+    <p:spTree>
+      <p:nvGrpSpPr>
+        <p:cNvPr id="1" name=""/>
+        <p:cNvGrpSpPr/>
+        <p:nvPr/>
+      </p:nvGrpSpPr>
+      <p:grpSpPr>
+        <a:xfrm>
+          <a:off x="0" y="0"/>
+          <a:ext cx="0" cy="0"/>
+          <a:chOff x="0" y="0"/>
+          <a:chExt cx="0" cy="0"/>
+        </a:xfrm>
+      </p:grpSpPr>
+      <p:sp>
+        <p:nvSpPr>
+          <p:cNvPr id="13315" name="Text Box 5"/>
+          <p:cNvSpPr txBox="1">
+            <a:spLocks noChangeArrowheads="1"/>
+          </p:cNvSpPr>
+          <p:nvPr/>
+        </p:nvSpPr>
+        <p:spPr bwMode="auto">
+          <a:xfrm>
+            <a:off x="325438" y="120650"/>
+            <a:ext cx="6600825" cy="585788"/>
+          </a:xfrm>
+          <a:prstGeom prst="rect">
+            <a:avLst/>
+          </a:prstGeom>
+          <a:noFill/>
+          <a:ln>
+            <a:noFill/>
+          </a:ln>
+          <a:extLst>
+            <a:ext uri="{909E8E84-426E-40DD-AFC4-6F175D3DCCD1}">
+              <a14:hiddenFill xmlns:a14="http://schemas.microsoft.com/office/drawing/2010/main">
+                <a:solidFill>
+                  <a:srgbClr val="FFFFFF"/>
+                </a:solidFill>
+              </a14:hiddenFill>
+            </a:ext>
+            <a:ext uri="{91240B29-F687-4F45-9708-019B960494DF}">
+              <a14:hiddenLine xmlns:a14="http://schemas.microsoft.com/office/drawing/2010/main" w="9525">
+                <a:solidFill>
+                  <a:srgbClr val="000000"/>
+                </a:solidFill>
+                <a:miter lim="800000"/>
+                <a:headEnd/>
+                <a:tailEnd/>
+              </a14:hiddenLine>
+            </a:ext>
+          </a:extLst>
+        </p:spPr>
+        <p:txBody>
+          <a:bodyPr anchor="ctr">
+            <a:spAutoFit/>
+          </a:bodyPr>
+          <a:lstStyle>
+            <a:lvl1pPr>
+              <a:defRPr kumimoji="1">
+                <a:solidFill>
+                  <a:schemeClr val="tx1"/>
+                </a:solidFill>
+                <a:latin typeface="굴림" panose="020B0600000101010101" pitchFamily="50" charset="-127"/>
+                <a:ea typeface="굴림" panose="020B0600000101010101" pitchFamily="50" charset="-127"/>
+              </a:defRPr>
+            </a:lvl1pPr>
+            <a:lvl2pPr marL="742950" indent="-285750">
+              <a:defRPr kumimoji="1">
+                <a:solidFill>
+                  <a:schemeClr val="tx1"/>
+                </a:solidFill>
+                <a:latin typeface="굴림" panose="020B0600000101010101" pitchFamily="50" charset="-127"/>
+                <a:ea typeface="굴림" panose="020B0600000101010101" pitchFamily="50" charset="-127"/>
+              </a:defRPr>
+            </a:lvl2pPr>
+            <a:lvl3pPr marL="1143000" indent="-228600">
+              <a:defRPr kumimoji="1">
+                <a:solidFill>
+                  <a:schemeClr val="tx1"/>
+                </a:solidFill>
+                <a:latin typeface="굴림" panose="020B0600000101010101" pitchFamily="50" charset="-127"/>
+                <a:ea typeface="굴림" panose="020B0600000101010101" pitchFamily="50" charset="-127"/>
+              </a:defRPr>
+            </a:lvl3pPr>
+            <a:lvl4pPr marL="1600200" indent="-228600">
+              <a:defRPr kumimoji="1">
+                <a:solidFill>
+                  <a:schemeClr val="tx1"/>
+                </a:solidFill>
+                <a:latin typeface="굴림" panose="020B0600000101010101" pitchFamily="50" charset="-127"/>
+                <a:ea typeface="굴림" panose="020B0600000101010101" pitchFamily="50" charset="-127"/>
+              </a:defRPr>
+            </a:lvl4pPr>
+            <a:lvl5pPr marL="2057400" indent="-228600">
+              <a:defRPr kumimoji="1">
+                <a:solidFill>
+                  <a:schemeClr val="tx1"/>
+                </a:solidFill>
+                <a:latin typeface="굴림" panose="020B0600000101010101" pitchFamily="50" charset="-127"/>
+                <a:ea typeface="굴림" panose="020B0600000101010101" pitchFamily="50" charset="-127"/>
+              </a:defRPr>
+            </a:lvl5pPr>
+            <a:lvl6pPr marL="2514600" indent="-228600" eaLnBrk="0" fontAlgn="base" hangingPunct="0">
+              <a:spcBef>
+                <a:spcPct val="0"/>
+              </a:spcBef>
+              <a:spcAft>
+                <a:spcPct val="0"/>
+              </a:spcAft>
+              <a:defRPr kumimoji="1">
+                <a:solidFill>
+                  <a:schemeClr val="tx1"/>
+                </a:solidFill>
+                <a:latin typeface="굴림" panose="020B0600000101010101" pitchFamily="50" charset="-127"/>
+                <a:ea typeface="굴림" panose="020B0600000101010101" pitchFamily="50" charset="-127"/>
+              </a:defRPr>
+            </a:lvl6pPr>
+            <a:lvl7pPr marL="2971800" indent="-228600" eaLnBrk="0" fontAlgn="base" hangingPunct="0">
+              <a:spcBef>
+                <a:spcPct val="0"/>
+              </a:spcBef>
+              <a:spcAft>
+                <a:spcPct val="0"/>
+              </a:spcAft>
+              <a:defRPr kumimoji="1">
+                <a:solidFill>
+                  <a:schemeClr val="tx1"/>
+                </a:solidFill>
+                <a:latin typeface="굴림" panose="020B0600000101010101" pitchFamily="50" charset="-127"/>
+                <a:ea typeface="굴림" panose="020B0600000101010101" pitchFamily="50" charset="-127"/>
+              </a:defRPr>
+            </a:lvl7pPr>
+            <a:lvl8pPr marL="3429000" indent="-228600" eaLnBrk="0" fontAlgn="base" hangingPunct="0">
+              <a:spcBef>
+                <a:spcPct val="0"/>
+              </a:spcBef>
+              <a:spcAft>
+                <a:spcPct val="0"/>
+              </a:spcAft>
+              <a:defRPr kumimoji="1">
+                <a:solidFill>
+                  <a:schemeClr val="tx1"/>
+                </a:solidFill>
+                <a:latin typeface="굴림" panose="020B0600000101010101" pitchFamily="50" charset="-127"/>
+                <a:ea typeface="굴림" panose="020B0600000101010101" pitchFamily="50" charset="-127"/>
+              </a:defRPr>
+            </a:lvl8pPr>
+            <a:lvl9pPr marL="3886200" indent="-228600" eaLnBrk="0" fontAlgn="base" hangingPunct="0">
+              <a:spcBef>
+                <a:spcPct val="0"/>
+              </a:spcBef>
+              <a:spcAft>
+                <a:spcPct val="0"/>
+              </a:spcAft>
+              <a:defRPr kumimoji="1">
+                <a:solidFill>
+                  <a:schemeClr val="tx1"/>
+                </a:solidFill>
+                <a:latin typeface="굴림" panose="020B0600000101010101" pitchFamily="50" charset="-127"/>
+                <a:ea typeface="굴림" panose="020B0600000101010101" pitchFamily="50" charset="-127"/>
+              </a:defRPr>
+            </a:lvl9pPr>
+          </a:lstStyle>
+          <a:p>
+            <a:pPr eaLnBrk="1" latinLnBrk="1" hangingPunct="1"/>
+            <a:r>
+              <a:rPr lang="en-US" altLang="ko-KR" sz="3200" dirty="0" smtClean="0">
+                <a:latin typeface="Tahoma" panose="020B0604030504040204" pitchFamily="34" charset="0"/>
+                <a:cs typeface="Tahoma" panose="020B0604030504040204" pitchFamily="34" charset="0"/>
+              </a:rPr>
+              <a:t>Development of </a:t>
+            </a:r>
+            <a:r>
+              <a:rPr lang="en-US" altLang="ko-KR" sz="3200" b="1" dirty="0" smtClean="0">
+                <a:latin typeface="Tahoma" panose="020B0604030504040204" pitchFamily="34" charset="0"/>
+                <a:cs typeface="Tahoma" panose="020B0604030504040204" pitchFamily="34" charset="0"/>
+              </a:rPr>
+              <a:t>Schedule</a:t>
+            </a:r>
+            <a:endParaRPr lang="ko-KR" altLang="ko-KR" sz="3200" b="1" dirty="0">
+              <a:latin typeface="Tahoma" panose="020B0604030504040204" pitchFamily="34" charset="0"/>
+              <a:cs typeface="Tahoma" panose="020B0604030504040204" pitchFamily="34" charset="0"/>
+            </a:endParaRPr>
+          </a:p>
+        </p:txBody>
+      </p:sp>
+      <p:graphicFrame>
+        <p:nvGraphicFramePr>
+          <p:cNvPr id="5" name="표 4"/>
+          <p:cNvGraphicFramePr>
+            <a:graphicFrameLocks noGrp="1"/>
+          </p:cNvGraphicFramePr>
+          <p:nvPr>
+            <p:extLst>
+              <p:ext uri="{D42A27DB-BD31-4B8C-83A1-F6EECF244321}">
+                <p14:modId xmlns:p14="http://schemas.microsoft.com/office/powerpoint/2010/main" val="382983637"/>
+              </p:ext>
+            </p:extLst>
+          </p:nvPr>
+        </p:nvGraphicFramePr>
+        <p:xfrm>
+          <a:off x="577850" y="1124744"/>
+          <a:ext cx="8170614" cy="4729480"/>
+        </p:xfrm>
+        <a:graphic>
+          <a:graphicData uri="http://schemas.openxmlformats.org/drawingml/2006/table">
+            <a:tbl>
+              <a:tblPr firstRow="1" bandRow="1">
+                <a:tableStyleId>{073A0DAA-6AF3-43AB-8588-CEC1D06C72B9}</a:tableStyleId>
+              </a:tblPr>
+              <a:tblGrid>
+                <a:gridCol w="1905918"/>
+                <a:gridCol w="936104"/>
+                <a:gridCol w="5328592"/>
+              </a:tblGrid>
+              <a:tr h="370840">
+                <a:tc>
+                  <a:txBody>
+                    <a:bodyPr/>
+                    <a:lstStyle/>
+                    <a:p>
+                      <a:pPr algn="ctr" latinLnBrk="1"/>
+                      <a:r>
+                        <a:rPr lang="ko-KR" altLang="en-US" dirty="0" smtClean="0"/>
+                        <a:t>주</a:t>
+                      </a:r>
+                      <a:endParaRPr lang="ko-KR" altLang="en-US" dirty="0"/>
+                    </a:p>
+                  </a:txBody>
+                  <a:tcPr anchor="ctr">
+                    <a:solidFill>
+                      <a:schemeClr val="bg1">
+                        <a:lumMod val="85000"/>
+                        <a:lumOff val="15000"/>
+                      </a:schemeClr>
+                    </a:solidFill>
+                  </a:tcPr>
+                </a:tc>
+                <a:tc>
+                  <a:txBody>
+                    <a:bodyPr/>
+                    <a:lstStyle/>
+                    <a:p>
+                      <a:pPr algn="ctr" latinLnBrk="1"/>
+                      <a:r>
+                        <a:rPr lang="ko-KR" altLang="en-US" dirty="0" smtClean="0"/>
+                        <a:t>완성도</a:t>
+                      </a:r>
+                      <a:endParaRPr lang="ko-KR" altLang="en-US" dirty="0"/>
+                    </a:p>
+                  </a:txBody>
+                  <a:tcPr anchor="ctr">
+                    <a:solidFill>
+                      <a:schemeClr val="bg1">
+                        <a:lumMod val="85000"/>
+                        <a:lumOff val="15000"/>
+                      </a:schemeClr>
+                    </a:solidFill>
+                  </a:tcPr>
+                </a:tc>
+                <a:tc>
+                  <a:txBody>
+                    <a:bodyPr/>
+                    <a:lstStyle/>
+                    <a:p>
+                      <a:pPr algn="ctr" latinLnBrk="1"/>
+                      <a:r>
+                        <a:rPr lang="ko-KR" altLang="en-US" dirty="0" smtClean="0"/>
+                        <a:t>주제</a:t>
+                      </a:r>
+                      <a:endParaRPr lang="ko-KR" altLang="en-US" dirty="0"/>
+                    </a:p>
+                  </a:txBody>
+                  <a:tcPr anchor="ctr">
+                    <a:solidFill>
+                      <a:schemeClr val="bg1">
+                        <a:lumMod val="85000"/>
+                        <a:lumOff val="15000"/>
+                      </a:schemeClr>
+                    </a:solidFill>
+                  </a:tcPr>
+                </a:tc>
+              </a:tr>
+              <a:tr h="360000">
+                <a:tc>
+                  <a:txBody>
+                    <a:bodyPr/>
+                    <a:lstStyle/>
+                    <a:p>
+                      <a:pPr lvl="0" algn="l" latinLnBrk="1"/>
+                      <a:r>
+                        <a:rPr lang="en-US" altLang="ko-KR" sz="2000" b="0" dirty="0" smtClean="0"/>
+                        <a:t>1</a:t>
+                      </a:r>
+                      <a:r>
+                        <a:rPr lang="ko-KR" altLang="en-US" sz="2000" b="0" dirty="0" smtClean="0"/>
+                        <a:t>주차 </a:t>
+                      </a:r>
+                      <a:r>
+                        <a:rPr lang="en-US" altLang="ko-KR" sz="2000" b="0" dirty="0" smtClean="0"/>
+                        <a:t>(09/23)</a:t>
+                      </a:r>
+                      <a:endParaRPr lang="ko-KR" altLang="en-US" sz="2000" b="0" dirty="0"/>
+                    </a:p>
+                  </a:txBody>
+                  <a:tcPr anchor="ctr"/>
+                </a:tc>
+                <a:tc>
+                  <a:txBody>
+                    <a:bodyPr/>
+                    <a:lstStyle/>
+                    <a:p>
+                      <a:pPr lvl="0" algn="l" latinLnBrk="1"/>
+                      <a:endParaRPr lang="ko-KR" altLang="en-US" sz="2000" b="0" dirty="0"/>
+                    </a:p>
+                  </a:txBody>
+                  <a:tcPr anchor="ctr"/>
+                </a:tc>
+                <a:tc>
+                  <a:txBody>
+                    <a:bodyPr/>
+                    <a:lstStyle/>
+                    <a:p>
+                      <a:pPr latinLnBrk="1"/>
+                      <a:r>
+                        <a:rPr lang="ko-KR" altLang="en-US" dirty="0" smtClean="0"/>
+                        <a:t>전체적인 </a:t>
+                      </a:r>
+                      <a:r>
+                        <a:rPr lang="ko-KR" altLang="en-US" dirty="0" err="1" smtClean="0"/>
+                        <a:t>맵</a:t>
+                      </a:r>
+                      <a:r>
+                        <a:rPr lang="ko-KR" altLang="en-US" baseline="0" dirty="0" smtClean="0"/>
+                        <a:t> 틀 및 게임 스토리 구성</a:t>
+                      </a:r>
+                      <a:endParaRPr lang="ko-KR" altLang="en-US" dirty="0"/>
+                    </a:p>
+                  </a:txBody>
+                  <a:tcPr anchor="ctr"/>
+                </a:tc>
+              </a:tr>
+              <a:tr h="360000">
+                <a:tc>
+                  <a:txBody>
+                    <a:bodyPr/>
+                    <a:lstStyle/>
+                    <a:p>
+                      <a:pPr marL="0" marR="0" lvl="0" indent="0" algn="l" defTabSz="914400" rtl="0" eaLnBrk="1" fontAlgn="auto" latinLnBrk="1" hangingPunct="1">
+                        <a:lnSpc>
+                          <a:spcPct val="100000"/>
+                        </a:lnSpc>
+                        <a:spcBef>
+                          <a:spcPts val="0"/>
+                        </a:spcBef>
+                        <a:spcAft>
+                          <a:spcPts val="0"/>
+                        </a:spcAft>
+                        <a:buClrTx/>
+                        <a:buSzTx/>
+                        <a:buFontTx/>
+                        <a:buNone/>
+                        <a:tabLst/>
+                        <a:defRPr/>
+                      </a:pPr>
+                      <a:r>
+                        <a:rPr lang="en-US" altLang="ko-KR" sz="2000" b="0" dirty="0" smtClean="0"/>
+                        <a:t>2</a:t>
+                      </a:r>
+                      <a:r>
+                        <a:rPr lang="ko-KR" altLang="en-US" sz="2000" b="0" dirty="0" smtClean="0"/>
+                        <a:t>주차 </a:t>
+                      </a:r>
+                      <a:r>
+                        <a:rPr lang="en-US" altLang="ko-KR" sz="2000" b="0" dirty="0" smtClean="0"/>
+                        <a:t>(09/30)</a:t>
+                      </a:r>
+                      <a:endParaRPr lang="ko-KR" altLang="en-US" sz="2000" b="0" dirty="0" smtClean="0"/>
+                    </a:p>
+                  </a:txBody>
+                  <a:tcPr anchor="ctr"/>
+                </a:tc>
+                <a:tc>
+                  <a:txBody>
+                    <a:bodyPr/>
+                    <a:lstStyle/>
+                    <a:p>
+                      <a:pPr marL="0" marR="0" lvl="0" indent="0" algn="l" defTabSz="914400" rtl="0" eaLnBrk="1" fontAlgn="auto" latinLnBrk="1" hangingPunct="1">
+                        <a:lnSpc>
+                          <a:spcPct val="100000"/>
+                        </a:lnSpc>
+                        <a:spcBef>
+                          <a:spcPts val="0"/>
+                        </a:spcBef>
+                        <a:spcAft>
+                          <a:spcPts val="0"/>
+                        </a:spcAft>
+                        <a:buClrTx/>
+                        <a:buSzTx/>
+                        <a:buFontTx/>
+                        <a:buNone/>
+                        <a:tabLst/>
+                        <a:defRPr/>
+                      </a:pPr>
+                      <a:endParaRPr lang="ko-KR" altLang="en-US" sz="2000" b="0" dirty="0" smtClean="0"/>
+                    </a:p>
+                  </a:txBody>
+                  <a:tcPr anchor="ctr"/>
+                </a:tc>
+                <a:tc>
+                  <a:txBody>
+                    <a:bodyPr/>
+                    <a:lstStyle/>
+                    <a:p>
+                      <a:pPr latinLnBrk="1"/>
+                      <a:r>
+                        <a:rPr lang="ko-KR" altLang="en-US" dirty="0" smtClean="0"/>
+                        <a:t>리소스 및 사운드 와 알고리즘 계산</a:t>
+                      </a:r>
+                      <a:endParaRPr lang="ko-KR" altLang="en-US" dirty="0"/>
+                    </a:p>
+                  </a:txBody>
+                  <a:tcPr anchor="ctr"/>
+                </a:tc>
+              </a:tr>
+              <a:tr h="360000">
+                <a:tc>
+                  <a:txBody>
+                    <a:bodyPr/>
+                    <a:lstStyle/>
+                    <a:p>
+                      <a:pPr marL="0" marR="0" lvl="0" indent="0" algn="l" defTabSz="914400" rtl="0" eaLnBrk="1" fontAlgn="auto" latinLnBrk="1" hangingPunct="1">
+                        <a:lnSpc>
+                          <a:spcPct val="100000"/>
+                        </a:lnSpc>
+                        <a:spcBef>
+                          <a:spcPts val="0"/>
+                        </a:spcBef>
+                        <a:spcAft>
+                          <a:spcPts val="0"/>
+                        </a:spcAft>
+                        <a:buClrTx/>
+                        <a:buSzTx/>
+                        <a:buFontTx/>
+                        <a:buNone/>
+                        <a:tabLst/>
+                        <a:defRPr/>
+                      </a:pPr>
+                      <a:r>
+                        <a:rPr lang="en-US" altLang="ko-KR" sz="2000" b="0" dirty="0" smtClean="0"/>
+                        <a:t>3</a:t>
+                      </a:r>
+                      <a:r>
+                        <a:rPr lang="ko-KR" altLang="en-US" sz="2000" b="0" dirty="0" smtClean="0"/>
+                        <a:t>주차 </a:t>
+                      </a:r>
+                      <a:r>
+                        <a:rPr lang="en-US" altLang="ko-KR" sz="2000" b="0" dirty="0" smtClean="0"/>
+                        <a:t>(10/07)</a:t>
+                      </a:r>
+                      <a:endParaRPr lang="ko-KR" altLang="en-US" sz="2000" b="0" dirty="0" smtClean="0"/>
+                    </a:p>
+                  </a:txBody>
+                  <a:tcPr anchor="ctr"/>
+                </a:tc>
+                <a:tc>
+                  <a:txBody>
+                    <a:bodyPr/>
+                    <a:lstStyle/>
+                    <a:p>
+                      <a:pPr marL="0" marR="0" lvl="0" indent="0" algn="l" defTabSz="914400" rtl="0" eaLnBrk="1" fontAlgn="auto" latinLnBrk="1" hangingPunct="1">
+                        <a:lnSpc>
+                          <a:spcPct val="100000"/>
+                        </a:lnSpc>
+                        <a:spcBef>
+                          <a:spcPts val="0"/>
+                        </a:spcBef>
+                        <a:spcAft>
+                          <a:spcPts val="0"/>
+                        </a:spcAft>
+                        <a:buClrTx/>
+                        <a:buSzTx/>
+                        <a:buFontTx/>
+                        <a:buNone/>
+                        <a:tabLst/>
+                        <a:defRPr/>
+                      </a:pPr>
+                      <a:endParaRPr lang="ko-KR" altLang="en-US" sz="2000" b="0" dirty="0" smtClean="0"/>
+                    </a:p>
+                  </a:txBody>
+                  <a:tcPr anchor="ctr"/>
+                </a:tc>
+                <a:tc>
+                  <a:txBody>
+                    <a:bodyPr/>
+                    <a:lstStyle/>
+                    <a:p>
+                      <a:pPr latinLnBrk="1"/>
+                      <a:r>
+                        <a:rPr lang="ko-KR" altLang="en-US" dirty="0" smtClean="0"/>
+                        <a:t>난이도 조절 관련 메뉴 및 시작</a:t>
+                      </a:r>
+                      <a:r>
+                        <a:rPr lang="ko-KR" altLang="en-US" baseline="0" dirty="0" smtClean="0"/>
+                        <a:t> 페이지 </a:t>
+                      </a:r>
+                      <a:r>
+                        <a:rPr lang="ko-KR" altLang="en-US" dirty="0" smtClean="0"/>
+                        <a:t>구성</a:t>
+                      </a:r>
+                      <a:endParaRPr lang="ko-KR" altLang="en-US" dirty="0"/>
+                    </a:p>
+                  </a:txBody>
+                  <a:tcPr anchor="ctr"/>
+                </a:tc>
+              </a:tr>
+              <a:tr h="360000">
+                <a:tc>
+                  <a:txBody>
+                    <a:bodyPr/>
+                    <a:lstStyle/>
+                    <a:p>
+                      <a:pPr marL="0" marR="0" lvl="0" indent="0" algn="l" defTabSz="914400" rtl="0" eaLnBrk="1" fontAlgn="auto" latinLnBrk="1" hangingPunct="1">
+                        <a:lnSpc>
+                          <a:spcPct val="100000"/>
+                        </a:lnSpc>
+                        <a:spcBef>
+                          <a:spcPts val="0"/>
+                        </a:spcBef>
+                        <a:spcAft>
+                          <a:spcPts val="0"/>
+                        </a:spcAft>
+                        <a:buClrTx/>
+                        <a:buSzTx/>
+                        <a:buFontTx/>
+                        <a:buNone/>
+                        <a:tabLst/>
+                        <a:defRPr/>
+                      </a:pPr>
+                      <a:r>
+                        <a:rPr lang="en-US" altLang="ko-KR" sz="2000" b="0" dirty="0" smtClean="0"/>
+                        <a:t>4</a:t>
+                      </a:r>
+                      <a:r>
+                        <a:rPr lang="ko-KR" altLang="en-US" sz="2000" b="0" dirty="0" smtClean="0"/>
+                        <a:t>주차 </a:t>
+                      </a:r>
+                      <a:r>
+                        <a:rPr lang="en-US" altLang="ko-KR" sz="2000" b="0" dirty="0" smtClean="0"/>
+                        <a:t>(10/14)</a:t>
+                      </a:r>
+                      <a:endParaRPr lang="ko-KR" altLang="en-US" sz="2000" b="0" dirty="0" smtClean="0"/>
+                    </a:p>
+                  </a:txBody>
+                  <a:tcPr anchor="ctr"/>
+                </a:tc>
+                <a:tc>
+                  <a:txBody>
+                    <a:bodyPr/>
+                    <a:lstStyle/>
+                    <a:p>
+                      <a:pPr marL="0" marR="0" lvl="0" indent="0" algn="l" defTabSz="914400" rtl="0" eaLnBrk="1" fontAlgn="auto" latinLnBrk="1" hangingPunct="1">
+                        <a:lnSpc>
+                          <a:spcPct val="100000"/>
+                        </a:lnSpc>
+                        <a:spcBef>
+                          <a:spcPts val="0"/>
+                        </a:spcBef>
+                        <a:spcAft>
+                          <a:spcPts val="0"/>
+                        </a:spcAft>
+                        <a:buClrTx/>
+                        <a:buSzTx/>
+                        <a:buFontTx/>
+                        <a:buNone/>
+                        <a:tabLst/>
+                        <a:defRPr/>
+                      </a:pPr>
+                      <a:endParaRPr lang="ko-KR" altLang="en-US" sz="2000" b="0" dirty="0" smtClean="0"/>
+                    </a:p>
+                  </a:txBody>
+                  <a:tcPr anchor="ctr"/>
+                </a:tc>
+                <a:tc>
+                  <a:txBody>
+                    <a:bodyPr/>
+                    <a:lstStyle/>
+                    <a:p>
+                      <a:pPr latinLnBrk="1"/>
+                      <a:r>
+                        <a:rPr lang="ko-KR" altLang="en-US" dirty="0" smtClean="0"/>
+                        <a:t>캐릭터 애니메이션 구현</a:t>
+                      </a:r>
+                      <a:endParaRPr lang="ko-KR" altLang="en-US" dirty="0"/>
+                    </a:p>
+                  </a:txBody>
+                  <a:tcPr anchor="ctr"/>
+                </a:tc>
+              </a:tr>
+              <a:tr h="360000">
+                <a:tc>
+                  <a:txBody>
+                    <a:bodyPr/>
+                    <a:lstStyle/>
+                    <a:p>
+                      <a:pPr marL="0" marR="0" lvl="0" indent="0" algn="l" defTabSz="914400" rtl="0" eaLnBrk="1" fontAlgn="auto" latinLnBrk="1" hangingPunct="1">
+                        <a:lnSpc>
+                          <a:spcPct val="100000"/>
+                        </a:lnSpc>
+                        <a:spcBef>
+                          <a:spcPts val="0"/>
+                        </a:spcBef>
+                        <a:spcAft>
+                          <a:spcPts val="0"/>
+                        </a:spcAft>
+                        <a:buClrTx/>
+                        <a:buSzTx/>
+                        <a:buFontTx/>
+                        <a:buNone/>
+                        <a:tabLst/>
+                        <a:defRPr/>
+                      </a:pPr>
+                      <a:r>
+                        <a:rPr lang="en-US" altLang="ko-KR" sz="2000" b="1" dirty="0" smtClean="0"/>
+                        <a:t>5</a:t>
+                      </a:r>
+                      <a:r>
+                        <a:rPr lang="ko-KR" altLang="en-US" sz="2000" b="1" dirty="0" smtClean="0"/>
+                        <a:t>주차 </a:t>
+                      </a:r>
+                      <a:r>
+                        <a:rPr lang="en-US" altLang="ko-KR" sz="2000" b="1" dirty="0" smtClean="0"/>
+                        <a:t>(10/28)</a:t>
+                      </a:r>
+                      <a:endParaRPr lang="ko-KR" altLang="en-US" sz="2000" b="1" dirty="0" smtClean="0"/>
+                    </a:p>
+                  </a:txBody>
+                  <a:tcPr anchor="ctr"/>
+                </a:tc>
+                <a:tc>
+                  <a:txBody>
+                    <a:bodyPr/>
+                    <a:lstStyle/>
+                    <a:p>
+                      <a:pPr marL="0" marR="0" lvl="0" indent="0" algn="l" defTabSz="914400" rtl="0" eaLnBrk="1" fontAlgn="auto" latinLnBrk="1" hangingPunct="1">
+                        <a:lnSpc>
+                          <a:spcPct val="100000"/>
+                        </a:lnSpc>
+                        <a:spcBef>
+                          <a:spcPts val="0"/>
+                        </a:spcBef>
+                        <a:spcAft>
+                          <a:spcPts val="0"/>
+                        </a:spcAft>
+                        <a:buClrTx/>
+                        <a:buSzTx/>
+                        <a:buFontTx/>
+                        <a:buNone/>
+                        <a:tabLst/>
+                        <a:defRPr/>
+                      </a:pPr>
+                      <a:endParaRPr lang="ko-KR" altLang="en-US" sz="2000" b="1" dirty="0" smtClean="0"/>
+                    </a:p>
+                  </a:txBody>
+                  <a:tcPr anchor="ctr"/>
+                </a:tc>
+                <a:tc>
+                  <a:txBody>
+                    <a:bodyPr/>
+                    <a:lstStyle/>
+                    <a:p>
+                      <a:pPr marL="0" marR="0" indent="0" algn="l" defTabSz="914400" rtl="0" eaLnBrk="1" fontAlgn="auto" latinLnBrk="1" hangingPunct="1">
+                        <a:lnSpc>
+                          <a:spcPct val="100000"/>
+                        </a:lnSpc>
+                        <a:spcBef>
+                          <a:spcPts val="0"/>
+                        </a:spcBef>
+                        <a:spcAft>
+                          <a:spcPts val="0"/>
+                        </a:spcAft>
+                        <a:buClrTx/>
+                        <a:buSzTx/>
+                        <a:buFontTx/>
+                        <a:buNone/>
+                        <a:tabLst/>
+                        <a:defRPr/>
+                      </a:pPr>
+                      <a:r>
+                        <a:rPr lang="ko-KR" altLang="en-US" b="1" dirty="0" smtClean="0"/>
+                        <a:t>프로젝트 </a:t>
+                      </a:r>
+                      <a:r>
+                        <a:rPr lang="en-US" altLang="ko-KR" b="1" dirty="0" smtClean="0"/>
+                        <a:t>2</a:t>
+                      </a:r>
+                      <a:r>
+                        <a:rPr lang="ko-KR" altLang="en-US" b="1" dirty="0" smtClean="0"/>
+                        <a:t>차 발표를 위한 정리</a:t>
+                      </a:r>
+                      <a:r>
+                        <a:rPr lang="en-US" altLang="ko-KR" b="1" dirty="0" smtClean="0"/>
+                        <a:t>.</a:t>
+                      </a:r>
+                      <a:endParaRPr lang="ko-KR" altLang="en-US" b="1" dirty="0" smtClean="0"/>
+                    </a:p>
+                  </a:txBody>
+                  <a:tcPr anchor="ctr"/>
+                </a:tc>
+              </a:tr>
+              <a:tr h="360000">
+                <a:tc>
+                  <a:txBody>
+                    <a:bodyPr/>
+                    <a:lstStyle/>
+                    <a:p>
+                      <a:pPr marL="0" marR="0" lvl="0" indent="0" algn="l" defTabSz="914400" rtl="0" eaLnBrk="1" fontAlgn="auto" latinLnBrk="1" hangingPunct="1">
+                        <a:lnSpc>
+                          <a:spcPct val="100000"/>
+                        </a:lnSpc>
+                        <a:spcBef>
+                          <a:spcPts val="0"/>
+                        </a:spcBef>
+                        <a:spcAft>
+                          <a:spcPts val="0"/>
+                        </a:spcAft>
+                        <a:buClrTx/>
+                        <a:buSzTx/>
+                        <a:buFontTx/>
+                        <a:buNone/>
+                        <a:tabLst/>
+                        <a:defRPr/>
+                      </a:pPr>
+                      <a:r>
+                        <a:rPr lang="en-US" altLang="ko-KR" sz="2000" b="0" dirty="0" smtClean="0"/>
+                        <a:t>6</a:t>
+                      </a:r>
+                      <a:r>
+                        <a:rPr lang="ko-KR" altLang="en-US" sz="2000" b="0" dirty="0" smtClean="0"/>
+                        <a:t>주차 </a:t>
+                      </a:r>
+                      <a:r>
+                        <a:rPr lang="en-US" altLang="ko-KR" sz="2000" b="0" dirty="0" smtClean="0"/>
+                        <a:t>(11/04)</a:t>
+                      </a:r>
+                      <a:endParaRPr lang="ko-KR" altLang="en-US" sz="2000" b="0" dirty="0" smtClean="0"/>
+                    </a:p>
+                  </a:txBody>
+                  <a:tcPr anchor="ctr"/>
+                </a:tc>
+                <a:tc>
+                  <a:txBody>
+                    <a:bodyPr/>
+                    <a:lstStyle/>
+                    <a:p>
+                      <a:pPr marL="0" marR="0" lvl="0" indent="0" algn="l" defTabSz="914400" rtl="0" eaLnBrk="1" fontAlgn="auto" latinLnBrk="1" hangingPunct="1">
+                        <a:lnSpc>
+                          <a:spcPct val="100000"/>
+                        </a:lnSpc>
+                        <a:spcBef>
+                          <a:spcPts val="0"/>
+                        </a:spcBef>
+                        <a:spcAft>
+                          <a:spcPts val="0"/>
+                        </a:spcAft>
+                        <a:buClrTx/>
+                        <a:buSzTx/>
+                        <a:buFontTx/>
+                        <a:buNone/>
+                        <a:tabLst/>
+                        <a:defRPr/>
+                      </a:pPr>
+                      <a:endParaRPr lang="ko-KR" altLang="en-US" sz="2000" b="0" dirty="0" smtClean="0"/>
+                    </a:p>
+                  </a:txBody>
+                  <a:tcPr anchor="ctr"/>
+                </a:tc>
+                <a:tc>
+                  <a:txBody>
+                    <a:bodyPr/>
+                    <a:lstStyle/>
+                    <a:p>
+                      <a:pPr marL="0" marR="0" indent="0" algn="l" defTabSz="914400" rtl="0" eaLnBrk="1" fontAlgn="auto" latinLnBrk="1" hangingPunct="1">
+                        <a:lnSpc>
+                          <a:spcPct val="100000"/>
+                        </a:lnSpc>
+                        <a:spcBef>
+                          <a:spcPts val="0"/>
+                        </a:spcBef>
+                        <a:spcAft>
+                          <a:spcPts val="0"/>
+                        </a:spcAft>
+                        <a:buClrTx/>
+                        <a:buSzTx/>
+                        <a:buFontTx/>
+                        <a:buNone/>
+                        <a:tabLst/>
+                        <a:defRPr/>
+                      </a:pPr>
+                      <a:r>
+                        <a:rPr lang="ko-KR" altLang="en-US" dirty="0" smtClean="0"/>
+                        <a:t>발판 등 의</a:t>
+                      </a:r>
+                      <a:r>
+                        <a:rPr lang="ko-KR" altLang="en-US" baseline="0" dirty="0" smtClean="0"/>
+                        <a:t> 생성 부분 알고리즘 추가</a:t>
+                      </a:r>
+                      <a:endParaRPr lang="ko-KR" altLang="en-US" dirty="0" smtClean="0"/>
+                    </a:p>
+                  </a:txBody>
+                  <a:tcPr anchor="ctr"/>
+                </a:tc>
+              </a:tr>
+              <a:tr h="360000">
+                <a:tc>
+                  <a:txBody>
+                    <a:bodyPr/>
+                    <a:lstStyle/>
+                    <a:p>
+                      <a:pPr marL="0" marR="0" lvl="0" indent="0" algn="l" defTabSz="914400" rtl="0" eaLnBrk="1" fontAlgn="auto" latinLnBrk="1" hangingPunct="1">
+                        <a:lnSpc>
+                          <a:spcPct val="100000"/>
+                        </a:lnSpc>
+                        <a:spcBef>
+                          <a:spcPts val="0"/>
+                        </a:spcBef>
+                        <a:spcAft>
+                          <a:spcPts val="0"/>
+                        </a:spcAft>
+                        <a:buClrTx/>
+                        <a:buSzTx/>
+                        <a:buFontTx/>
+                        <a:buNone/>
+                        <a:tabLst/>
+                        <a:defRPr/>
+                      </a:pPr>
+                      <a:r>
+                        <a:rPr lang="en-US" altLang="ko-KR" sz="2000" b="0" dirty="0" smtClean="0"/>
+                        <a:t>7</a:t>
+                      </a:r>
+                      <a:r>
+                        <a:rPr lang="ko-KR" altLang="en-US" sz="2000" b="0" dirty="0" smtClean="0"/>
+                        <a:t>주차 </a:t>
+                      </a:r>
+                      <a:r>
+                        <a:rPr lang="en-US" altLang="ko-KR" sz="2000" b="0" dirty="0" smtClean="0"/>
+                        <a:t>(11/11)</a:t>
+                      </a:r>
+                      <a:endParaRPr lang="ko-KR" altLang="en-US" sz="2000" b="0" dirty="0" smtClean="0"/>
+                    </a:p>
+                  </a:txBody>
+                  <a:tcPr anchor="ctr"/>
+                </a:tc>
+                <a:tc>
+                  <a:txBody>
+                    <a:bodyPr/>
+                    <a:lstStyle/>
+                    <a:p>
+                      <a:pPr marL="0" marR="0" lvl="0" indent="0" algn="l" defTabSz="914400" rtl="0" eaLnBrk="1" fontAlgn="auto" latinLnBrk="1" hangingPunct="1">
+                        <a:lnSpc>
+                          <a:spcPct val="100000"/>
+                        </a:lnSpc>
+                        <a:spcBef>
+                          <a:spcPts val="0"/>
+                        </a:spcBef>
+                        <a:spcAft>
+                          <a:spcPts val="0"/>
+                        </a:spcAft>
+                        <a:buClrTx/>
+                        <a:buSzTx/>
+                        <a:buFontTx/>
+                        <a:buNone/>
+                        <a:tabLst/>
+                        <a:defRPr/>
+                      </a:pPr>
+                      <a:endParaRPr lang="ko-KR" altLang="en-US" sz="2000" b="0" dirty="0" smtClean="0"/>
+                    </a:p>
+                  </a:txBody>
+                  <a:tcPr anchor="ctr"/>
+                </a:tc>
+                <a:tc>
+                  <a:txBody>
+                    <a:bodyPr/>
+                    <a:lstStyle/>
+                    <a:p>
+                      <a:pPr latinLnBrk="1"/>
+                      <a:r>
+                        <a:rPr lang="ko-KR" altLang="en-US" dirty="0" smtClean="0"/>
+                        <a:t>발판과 캐릭터의 충돌 체크 작업</a:t>
+                      </a:r>
+                      <a:endParaRPr lang="ko-KR" altLang="en-US" dirty="0"/>
+                    </a:p>
+                  </a:txBody>
+                  <a:tcPr anchor="ctr"/>
+                </a:tc>
+              </a:tr>
+              <a:tr h="360000">
+                <a:tc>
+                  <a:txBody>
+                    <a:bodyPr/>
+                    <a:lstStyle/>
+                    <a:p>
+                      <a:pPr marL="0" marR="0" lvl="0" indent="0" algn="l" defTabSz="914400" rtl="0" eaLnBrk="1" fontAlgn="auto" latinLnBrk="1" hangingPunct="1">
+                        <a:lnSpc>
+                          <a:spcPct val="100000"/>
+                        </a:lnSpc>
+                        <a:spcBef>
+                          <a:spcPts val="0"/>
+                        </a:spcBef>
+                        <a:spcAft>
+                          <a:spcPts val="0"/>
+                        </a:spcAft>
+                        <a:buClrTx/>
+                        <a:buSzTx/>
+                        <a:buFontTx/>
+                        <a:buNone/>
+                        <a:tabLst/>
+                        <a:defRPr/>
+                      </a:pPr>
+                      <a:r>
+                        <a:rPr lang="en-US" altLang="ko-KR" sz="2000" b="0" dirty="0" smtClean="0"/>
+                        <a:t>8</a:t>
+                      </a:r>
+                      <a:r>
+                        <a:rPr lang="ko-KR" altLang="en-US" sz="2000" b="0" dirty="0" smtClean="0"/>
+                        <a:t>주차 </a:t>
+                      </a:r>
+                      <a:r>
+                        <a:rPr lang="en-US" altLang="ko-KR" sz="2000" b="0" dirty="0" smtClean="0"/>
+                        <a:t>(11/18)</a:t>
+                      </a:r>
+                      <a:endParaRPr lang="ko-KR" altLang="en-US" sz="2000" b="0" dirty="0" smtClean="0"/>
+                    </a:p>
+                  </a:txBody>
+                  <a:tcPr anchor="ctr"/>
+                </a:tc>
+                <a:tc>
+                  <a:txBody>
+                    <a:bodyPr/>
+                    <a:lstStyle/>
+                    <a:p>
+                      <a:pPr marL="0" marR="0" lvl="0" indent="0" algn="l" defTabSz="914400" rtl="0" eaLnBrk="1" fontAlgn="auto" latinLnBrk="1" hangingPunct="1">
+                        <a:lnSpc>
+                          <a:spcPct val="100000"/>
+                        </a:lnSpc>
+                        <a:spcBef>
+                          <a:spcPts val="0"/>
+                        </a:spcBef>
+                        <a:spcAft>
+                          <a:spcPts val="0"/>
+                        </a:spcAft>
+                        <a:buClrTx/>
+                        <a:buSzTx/>
+                        <a:buFontTx/>
+                        <a:buNone/>
+                        <a:tabLst/>
+                        <a:defRPr/>
+                      </a:pPr>
+                      <a:endParaRPr lang="ko-KR" altLang="en-US" sz="2000" b="0" dirty="0" smtClean="0"/>
+                    </a:p>
+                  </a:txBody>
+                  <a:tcPr anchor="ctr"/>
+                </a:tc>
+                <a:tc>
+                  <a:txBody>
+                    <a:bodyPr/>
+                    <a:lstStyle/>
+                    <a:p>
+                      <a:pPr latinLnBrk="1"/>
+                      <a:r>
+                        <a:rPr lang="ko-KR" altLang="en-US" dirty="0" smtClean="0"/>
+                        <a:t>발판을 올라가면서 점수체크 기능 작업</a:t>
+                      </a:r>
+                      <a:endParaRPr lang="ko-KR" altLang="en-US" dirty="0"/>
+                    </a:p>
+                  </a:txBody>
+                  <a:tcPr anchor="ctr"/>
+                </a:tc>
+              </a:tr>
+              <a:tr h="360000">
+                <a:tc>
+                  <a:txBody>
+                    <a:bodyPr/>
+                    <a:lstStyle/>
+                    <a:p>
+                      <a:pPr marL="0" marR="0" lvl="0" indent="0" algn="l" defTabSz="914400" rtl="0" eaLnBrk="1" fontAlgn="auto" latinLnBrk="1" hangingPunct="1">
+                        <a:lnSpc>
+                          <a:spcPct val="100000"/>
+                        </a:lnSpc>
+                        <a:spcBef>
+                          <a:spcPts val="0"/>
+                        </a:spcBef>
+                        <a:spcAft>
+                          <a:spcPts val="0"/>
+                        </a:spcAft>
+                        <a:buClrTx/>
+                        <a:buSzTx/>
+                        <a:buFontTx/>
+                        <a:buNone/>
+                        <a:tabLst/>
+                        <a:defRPr/>
+                      </a:pPr>
+                      <a:r>
+                        <a:rPr lang="en-US" altLang="ko-KR" sz="2000" b="1" dirty="0" smtClean="0"/>
+                        <a:t>9</a:t>
+                      </a:r>
+                      <a:r>
+                        <a:rPr lang="ko-KR" altLang="en-US" sz="2000" b="1" dirty="0" smtClean="0"/>
+                        <a:t>주차 </a:t>
+                      </a:r>
+                      <a:r>
+                        <a:rPr lang="en-US" altLang="ko-KR" sz="2000" b="1" dirty="0" smtClean="0"/>
+                        <a:t>(11/25)</a:t>
+                      </a:r>
+                      <a:endParaRPr lang="ko-KR" altLang="en-US" sz="2000" b="1" dirty="0" smtClean="0"/>
+                    </a:p>
+                  </a:txBody>
+                  <a:tcPr anchor="ctr"/>
+                </a:tc>
+                <a:tc>
+                  <a:txBody>
+                    <a:bodyPr/>
+                    <a:lstStyle/>
+                    <a:p>
+                      <a:pPr marL="0" marR="0" lvl="0" indent="0" algn="l" defTabSz="914400" rtl="0" eaLnBrk="1" fontAlgn="auto" latinLnBrk="1" hangingPunct="1">
+                        <a:lnSpc>
+                          <a:spcPct val="100000"/>
+                        </a:lnSpc>
+                        <a:spcBef>
+                          <a:spcPts val="0"/>
+                        </a:spcBef>
+                        <a:spcAft>
+                          <a:spcPts val="0"/>
+                        </a:spcAft>
+                        <a:buClrTx/>
+                        <a:buSzTx/>
+                        <a:buFontTx/>
+                        <a:buNone/>
+                        <a:tabLst/>
+                        <a:defRPr/>
+                      </a:pPr>
+                      <a:endParaRPr lang="ko-KR" altLang="en-US" sz="2000" b="1" dirty="0" smtClean="0"/>
+                    </a:p>
+                  </a:txBody>
+                  <a:tcPr anchor="ctr"/>
+                </a:tc>
+                <a:tc>
+                  <a:txBody>
+                    <a:bodyPr/>
+                    <a:lstStyle/>
+                    <a:p>
+                      <a:pPr latinLnBrk="1"/>
+                      <a:r>
+                        <a:rPr lang="ko-KR" altLang="en-US" b="1" dirty="0" smtClean="0"/>
+                        <a:t>프로젝트 </a:t>
+                      </a:r>
+                      <a:r>
+                        <a:rPr lang="en-US" altLang="ko-KR" b="1" dirty="0" smtClean="0"/>
+                        <a:t>3</a:t>
+                      </a:r>
+                      <a:r>
+                        <a:rPr lang="ko-KR" altLang="en-US" b="1" dirty="0" smtClean="0"/>
+                        <a:t>차 발표를 위한 정리</a:t>
+                      </a:r>
+                      <a:r>
+                        <a:rPr lang="en-US" altLang="ko-KR" b="1" dirty="0" smtClean="0"/>
+                        <a:t>.</a:t>
+                      </a:r>
+                      <a:endParaRPr lang="ko-KR" altLang="en-US" b="1" dirty="0"/>
+                    </a:p>
+                  </a:txBody>
+                  <a:tcPr anchor="ctr"/>
+                </a:tc>
+              </a:tr>
+              <a:tr h="360000">
+                <a:tc>
+                  <a:txBody>
+                    <a:bodyPr/>
+                    <a:lstStyle/>
+                    <a:p>
+                      <a:pPr marL="0" marR="0" lvl="0" indent="0" algn="l" defTabSz="914400" rtl="0" eaLnBrk="1" fontAlgn="auto" latinLnBrk="1" hangingPunct="1">
+                        <a:lnSpc>
+                          <a:spcPct val="100000"/>
+                        </a:lnSpc>
+                        <a:spcBef>
+                          <a:spcPts val="0"/>
+                        </a:spcBef>
+                        <a:spcAft>
+                          <a:spcPts val="0"/>
+                        </a:spcAft>
+                        <a:buClrTx/>
+                        <a:buSzTx/>
+                        <a:buFontTx/>
+                        <a:buNone/>
+                        <a:tabLst/>
+                        <a:defRPr/>
+                      </a:pPr>
+                      <a:r>
+                        <a:rPr lang="en-US" altLang="ko-KR" sz="2000" b="0" dirty="0" smtClean="0"/>
+                        <a:t>10</a:t>
+                      </a:r>
+                      <a:r>
+                        <a:rPr lang="ko-KR" altLang="en-US" sz="2000" b="0" dirty="0" smtClean="0"/>
+                        <a:t>주차 </a:t>
+                      </a:r>
+                      <a:r>
+                        <a:rPr lang="en-US" altLang="ko-KR" sz="2000" b="0" dirty="0" smtClean="0"/>
+                        <a:t>(12/02)</a:t>
+                      </a:r>
+                      <a:endParaRPr lang="ko-KR" altLang="en-US" sz="2000" b="0" dirty="0" smtClean="0"/>
+                    </a:p>
+                  </a:txBody>
+                  <a:tcPr anchor="ctr"/>
+                </a:tc>
+                <a:tc>
+                  <a:txBody>
+                    <a:bodyPr/>
+                    <a:lstStyle/>
+                    <a:p>
+                      <a:pPr marL="0" marR="0" lvl="0" indent="0" algn="l" defTabSz="914400" rtl="0" eaLnBrk="1" fontAlgn="auto" latinLnBrk="1" hangingPunct="1">
+                        <a:lnSpc>
+                          <a:spcPct val="100000"/>
+                        </a:lnSpc>
+                        <a:spcBef>
+                          <a:spcPts val="0"/>
+                        </a:spcBef>
+                        <a:spcAft>
+                          <a:spcPts val="0"/>
+                        </a:spcAft>
+                        <a:buClrTx/>
+                        <a:buSzTx/>
+                        <a:buFontTx/>
+                        <a:buNone/>
+                        <a:tabLst/>
+                        <a:defRPr/>
+                      </a:pPr>
+                      <a:endParaRPr lang="ko-KR" altLang="en-US" sz="2000" b="0" dirty="0" smtClean="0"/>
+                    </a:p>
+                  </a:txBody>
+                  <a:tcPr anchor="ctr"/>
+                </a:tc>
+                <a:tc>
+                  <a:txBody>
+                    <a:bodyPr/>
+                    <a:lstStyle/>
+                    <a:p>
+                      <a:pPr latinLnBrk="1"/>
+                      <a:r>
+                        <a:rPr lang="ko-KR" altLang="en-US" dirty="0" smtClean="0"/>
+                        <a:t>전체적인 완성도 작업을 위한 마지막 작업</a:t>
+                      </a:r>
+                      <a:endParaRPr lang="ko-KR" altLang="en-US" dirty="0"/>
+                    </a:p>
+                  </a:txBody>
+                  <a:tcPr anchor="ctr"/>
+                </a:tc>
+              </a:tr>
+              <a:tr h="360000">
+                <a:tc>
+                  <a:txBody>
+                    <a:bodyPr/>
+                    <a:lstStyle/>
+                    <a:p>
+                      <a:pPr marL="0" marR="0" lvl="0" indent="0" algn="l" defTabSz="914400" rtl="0" eaLnBrk="1" fontAlgn="auto" latinLnBrk="1" hangingPunct="1">
+                        <a:lnSpc>
+                          <a:spcPct val="100000"/>
+                        </a:lnSpc>
+                        <a:spcBef>
+                          <a:spcPts val="0"/>
+                        </a:spcBef>
+                        <a:spcAft>
+                          <a:spcPts val="0"/>
+                        </a:spcAft>
+                        <a:buClrTx/>
+                        <a:buSzTx/>
+                        <a:buFontTx/>
+                        <a:buNone/>
+                        <a:tabLst/>
+                        <a:defRPr/>
+                      </a:pPr>
+                      <a:r>
+                        <a:rPr lang="en-US" altLang="ko-KR" sz="2000" b="1" dirty="0" smtClean="0"/>
+                        <a:t>11</a:t>
+                      </a:r>
+                      <a:r>
+                        <a:rPr lang="ko-KR" altLang="en-US" sz="2000" b="1" dirty="0" smtClean="0"/>
+                        <a:t>주차 </a:t>
+                      </a:r>
+                      <a:r>
+                        <a:rPr lang="en-US" altLang="ko-KR" sz="2000" b="1" dirty="0" smtClean="0"/>
+                        <a:t>(12/16)</a:t>
+                      </a:r>
+                      <a:endParaRPr lang="ko-KR" altLang="en-US" sz="2000" b="1" dirty="0" smtClean="0"/>
+                    </a:p>
+                  </a:txBody>
+                  <a:tcPr anchor="ctr"/>
+                </a:tc>
+                <a:tc>
+                  <a:txBody>
+                    <a:bodyPr/>
+                    <a:lstStyle/>
+                    <a:p>
+                      <a:pPr marL="0" marR="0" lvl="0" indent="0" algn="l" defTabSz="914400" rtl="0" eaLnBrk="1" fontAlgn="auto" latinLnBrk="1" hangingPunct="1">
+                        <a:lnSpc>
+                          <a:spcPct val="100000"/>
+                        </a:lnSpc>
+                        <a:spcBef>
+                          <a:spcPts val="0"/>
+                        </a:spcBef>
+                        <a:spcAft>
+                          <a:spcPts val="0"/>
+                        </a:spcAft>
+                        <a:buClrTx/>
+                        <a:buSzTx/>
+                        <a:buFontTx/>
+                        <a:buNone/>
+                        <a:tabLst/>
+                        <a:defRPr/>
+                      </a:pPr>
+                      <a:endParaRPr lang="ko-KR" altLang="en-US" sz="2000" b="1" dirty="0" smtClean="0"/>
+                    </a:p>
+                  </a:txBody>
+                  <a:tcPr anchor="ctr"/>
+                </a:tc>
+                <a:tc>
+                  <a:txBody>
+                    <a:bodyPr/>
+                    <a:lstStyle/>
+                    <a:p>
+                      <a:pPr latinLnBrk="1"/>
+                      <a:r>
+                        <a:rPr lang="ko-KR" altLang="en-US" b="1" dirty="0" smtClean="0"/>
+                        <a:t>프로젝트 최종 발표를 위한 정리</a:t>
+                      </a:r>
+                      <a:r>
+                        <a:rPr lang="en-US" altLang="ko-KR" b="1" dirty="0" smtClean="0"/>
+                        <a:t>.</a:t>
+                      </a:r>
+                      <a:endParaRPr lang="ko-KR" altLang="en-US" b="1" dirty="0"/>
+                    </a:p>
+                  </a:txBody>
+                  <a:tcPr anchor="ctr"/>
+                </a:tc>
+              </a:tr>
+            </a:tbl>
+          </a:graphicData>
+        </a:graphic>
+      </p:graphicFrame>
+    </p:spTree>
+    <p:extLst>
+      <p:ext uri="{BB962C8B-B14F-4D97-AF65-F5344CB8AC3E}">
+        <p14:creationId xmlns:p14="http://schemas.microsoft.com/office/powerpoint/2010/main" val="695069274"/>
+      </p:ext>
+    </p:extLst>
+  </p:cSld>
+  <p:clrMapOvr>
+    <a:masterClrMapping/>
+  </p:clrMapOvr>
+  <p:timing>
+    <p:tnLst>
+      <p:par>
+        <p:cTn id="1" dur="indefinite" restart="never" nodeType="tmRoot"/>
+      </p:par>
+    </p:tnLst>
+  </p:timing>
+</p:sld>
+</file>
+
+<file path=ppt/slides/slide13.xml><?xml version="1.0" encoding="utf-8"?>
+<p:sld xmlns:a="http://schemas.openxmlformats.org/drawingml/2006/main" xmlns:r="http://schemas.openxmlformats.org/officeDocument/2006/relationships" xmlns:p="http://schemas.openxmlformats.org/presentationml/2006/main">
+  <p:cSld>
+    <p:spTree>
+      <p:nvGrpSpPr>
+        <p:cNvPr id="1" name=""/>
+        <p:cNvGrpSpPr/>
+        <p:nvPr/>
+      </p:nvGrpSpPr>
+      <p:grpSpPr>
+        <a:xfrm>
+          <a:off x="0" y="0"/>
+          <a:ext cx="0" cy="0"/>
+          <a:chOff x="0" y="0"/>
+          <a:chExt cx="0" cy="0"/>
+        </a:xfrm>
+      </p:grpSpPr>
+      <p:grpSp>
+        <p:nvGrpSpPr>
+          <p:cNvPr id="12290" name="그룹 1"/>
+          <p:cNvGrpSpPr>
+            <a:grpSpLocks/>
+          </p:cNvGrpSpPr>
+          <p:nvPr/>
+        </p:nvGrpSpPr>
+        <p:grpSpPr bwMode="auto">
+          <a:xfrm>
+            <a:off x="3122613" y="3143250"/>
+            <a:ext cx="5164137" cy="1149350"/>
+            <a:chOff x="3177925" y="2002967"/>
+            <a:chExt cx="5164787" cy="1150543"/>
+          </a:xfrm>
+        </p:grpSpPr>
+        <p:sp>
+          <p:nvSpPr>
+            <p:cNvPr id="3" name="TextBox 2"/>
+            <p:cNvSpPr txBox="1">
+              <a:spLocks noChangeArrowheads="1"/>
+            </p:cNvSpPr>
+            <p:nvPr/>
+          </p:nvSpPr>
+          <p:spPr bwMode="auto">
+            <a:xfrm>
+              <a:off x="3177925" y="2002967"/>
+              <a:ext cx="5164787" cy="785644"/>
+            </a:xfrm>
+            <a:prstGeom prst="rect">
+              <a:avLst/>
+            </a:prstGeom>
+            <a:noFill/>
+            <a:ln w="9525">
+              <a:noFill/>
+              <a:miter lim="800000"/>
+              <a:headEnd/>
+              <a:tailEnd/>
+            </a:ln>
+          </p:spPr>
+          <p:txBody>
+            <a:bodyPr>
+              <a:spAutoFit/>
+              <a:scene3d>
+                <a:camera prst="orthographicFront">
+                  <a:rot lat="0" lon="0" rev="0"/>
+                </a:camera>
+                <a:lightRig rig="glow" dir="t">
+                  <a:rot lat="0" lon="0" rev="3600000"/>
+                </a:lightRig>
+              </a:scene3d>
+              <a:sp3d prstMaterial="softEdge">
+                <a:bevelT w="0" h="0"/>
+                <a:contourClr>
+                  <a:schemeClr val="tx1">
+                    <a:lumMod val="75000"/>
+                    <a:lumOff val="25000"/>
+                  </a:schemeClr>
+                </a:contourClr>
+              </a:sp3d>
+            </a:bodyPr>
+            <a:lstStyle/>
+            <a:p>
+              <a:pPr eaLnBrk="1" fontAlgn="auto" latinLnBrk="1" hangingPunct="1">
+                <a:lnSpc>
+                  <a:spcPct val="90000"/>
+                </a:lnSpc>
+                <a:spcBef>
+                  <a:spcPts val="0"/>
+                </a:spcBef>
+                <a:spcAft>
+                  <a:spcPts val="0"/>
+                </a:spcAft>
+                <a:defRPr/>
+              </a:pPr>
+              <a:r>
+                <a:rPr kumimoji="0" lang="en-US" altLang="ko-KR" sz="5000" b="1" spc="-150" dirty="0">
+                  <a:ln>
+                    <a:prstDash val="solid"/>
+                  </a:ln>
+                  <a:solidFill>
+                    <a:srgbClr val="B9E02D"/>
+                  </a:solidFill>
+                  <a:effectLst>
+                    <a:outerShdw blurRad="38100" dist="38100" dir="2700000" algn="tl">
+                      <a:srgbClr val="000000">
+                        <a:alpha val="43137"/>
+                      </a:srgbClr>
+                    </a:outerShdw>
+                  </a:effectLst>
+                  <a:latin typeface="나눔고딕 ExtraBold" pitchFamily="50" charset="-127"/>
+                  <a:ea typeface="나눔고딕 ExtraBold" pitchFamily="50" charset="-127"/>
+                  <a:cs typeface="Tahoma" pitchFamily="34" charset="0"/>
+                </a:rPr>
+                <a:t>Self Assessment</a:t>
+              </a:r>
+            </a:p>
+          </p:txBody>
+        </p:sp>
+        <p:sp>
+          <p:nvSpPr>
+            <p:cNvPr id="12292" name="Text Box 5"/>
+            <p:cNvSpPr txBox="1">
+              <a:spLocks noChangeArrowheads="1"/>
+            </p:cNvSpPr>
+            <p:nvPr/>
+          </p:nvSpPr>
+          <p:spPr bwMode="auto">
+            <a:xfrm>
+              <a:off x="3177925" y="2814956"/>
+              <a:ext cx="4703675" cy="338554"/>
+            </a:xfrm>
+            <a:prstGeom prst="rect">
+              <a:avLst/>
+            </a:prstGeom>
+            <a:noFill/>
+            <a:ln>
+              <a:noFill/>
+            </a:ln>
+            <a:extLst>
+              <a:ext uri="{909E8E84-426E-40DD-AFC4-6F175D3DCCD1}">
+                <a14:hiddenFill xmlns:a14="http://schemas.microsoft.com/office/drawing/2010/main">
+                  <a:solidFill>
+                    <a:srgbClr val="FFFFFF"/>
+                  </a:solidFill>
+                </a14:hiddenFill>
+              </a:ext>
+              <a:ext uri="{91240B29-F687-4F45-9708-019B960494DF}">
+                <a14:hiddenLine xmlns:a14="http://schemas.microsoft.com/office/drawing/2010/main" w="9525">
+                  <a:solidFill>
+                    <a:srgbClr val="000000"/>
+                  </a:solidFill>
+                  <a:miter lim="800000"/>
+                  <a:headEnd/>
+                  <a:tailEnd/>
+                </a14:hiddenLine>
+              </a:ext>
+            </a:extLst>
+          </p:spPr>
+          <p:txBody>
+            <a:bodyPr anchor="ctr">
+              <a:spAutoFit/>
+            </a:bodyPr>
+            <a:lstStyle>
+              <a:lvl1pPr>
+                <a:defRPr kumimoji="1">
+                  <a:solidFill>
+                    <a:schemeClr val="tx1"/>
+                  </a:solidFill>
+                  <a:latin typeface="굴림" panose="020B0600000101010101" pitchFamily="50" charset="-127"/>
+                  <a:ea typeface="굴림" panose="020B0600000101010101" pitchFamily="50" charset="-127"/>
+                </a:defRPr>
+              </a:lvl1pPr>
+              <a:lvl2pPr marL="742950" indent="-285750">
+                <a:defRPr kumimoji="1">
+                  <a:solidFill>
+                    <a:schemeClr val="tx1"/>
+                  </a:solidFill>
+                  <a:latin typeface="굴림" panose="020B0600000101010101" pitchFamily="50" charset="-127"/>
+                  <a:ea typeface="굴림" panose="020B0600000101010101" pitchFamily="50" charset="-127"/>
+                </a:defRPr>
+              </a:lvl2pPr>
+              <a:lvl3pPr marL="1143000" indent="-228600">
+                <a:defRPr kumimoji="1">
+                  <a:solidFill>
+                    <a:schemeClr val="tx1"/>
+                  </a:solidFill>
+                  <a:latin typeface="굴림" panose="020B0600000101010101" pitchFamily="50" charset="-127"/>
+                  <a:ea typeface="굴림" panose="020B0600000101010101" pitchFamily="50" charset="-127"/>
+                </a:defRPr>
+              </a:lvl3pPr>
+              <a:lvl4pPr marL="1600200" indent="-228600">
+                <a:defRPr kumimoji="1">
+                  <a:solidFill>
+                    <a:schemeClr val="tx1"/>
+                  </a:solidFill>
+                  <a:latin typeface="굴림" panose="020B0600000101010101" pitchFamily="50" charset="-127"/>
+                  <a:ea typeface="굴림" panose="020B0600000101010101" pitchFamily="50" charset="-127"/>
+                </a:defRPr>
+              </a:lvl4pPr>
+              <a:lvl5pPr marL="2057400" indent="-228600">
+                <a:defRPr kumimoji="1">
+                  <a:solidFill>
+                    <a:schemeClr val="tx1"/>
+                  </a:solidFill>
+                  <a:latin typeface="굴림" panose="020B0600000101010101" pitchFamily="50" charset="-127"/>
+                  <a:ea typeface="굴림" panose="020B0600000101010101" pitchFamily="50" charset="-127"/>
+                </a:defRPr>
+              </a:lvl5pPr>
+              <a:lvl6pPr marL="2514600" indent="-228600" eaLnBrk="0" fontAlgn="base" hangingPunct="0">
+                <a:spcBef>
+                  <a:spcPct val="0"/>
+                </a:spcBef>
+                <a:spcAft>
+                  <a:spcPct val="0"/>
+                </a:spcAft>
+                <a:defRPr kumimoji="1">
+                  <a:solidFill>
+                    <a:schemeClr val="tx1"/>
+                  </a:solidFill>
+                  <a:latin typeface="굴림" panose="020B0600000101010101" pitchFamily="50" charset="-127"/>
+                  <a:ea typeface="굴림" panose="020B0600000101010101" pitchFamily="50" charset="-127"/>
+                </a:defRPr>
+              </a:lvl6pPr>
+              <a:lvl7pPr marL="2971800" indent="-228600" eaLnBrk="0" fontAlgn="base" hangingPunct="0">
+                <a:spcBef>
+                  <a:spcPct val="0"/>
+                </a:spcBef>
+                <a:spcAft>
+                  <a:spcPct val="0"/>
+                </a:spcAft>
+                <a:defRPr kumimoji="1">
+                  <a:solidFill>
+                    <a:schemeClr val="tx1"/>
+                  </a:solidFill>
+                  <a:latin typeface="굴림" panose="020B0600000101010101" pitchFamily="50" charset="-127"/>
+                  <a:ea typeface="굴림" panose="020B0600000101010101" pitchFamily="50" charset="-127"/>
+                </a:defRPr>
+              </a:lvl7pPr>
+              <a:lvl8pPr marL="3429000" indent="-228600" eaLnBrk="0" fontAlgn="base" hangingPunct="0">
+                <a:spcBef>
+                  <a:spcPct val="0"/>
+                </a:spcBef>
+                <a:spcAft>
+                  <a:spcPct val="0"/>
+                </a:spcAft>
+                <a:defRPr kumimoji="1">
+                  <a:solidFill>
+                    <a:schemeClr val="tx1"/>
+                  </a:solidFill>
+                  <a:latin typeface="굴림" panose="020B0600000101010101" pitchFamily="50" charset="-127"/>
+                  <a:ea typeface="굴림" panose="020B0600000101010101" pitchFamily="50" charset="-127"/>
+                </a:defRPr>
+              </a:lvl8pPr>
+              <a:lvl9pPr marL="3886200" indent="-228600" eaLnBrk="0" fontAlgn="base" hangingPunct="0">
+                <a:spcBef>
+                  <a:spcPct val="0"/>
+                </a:spcBef>
+                <a:spcAft>
+                  <a:spcPct val="0"/>
+                </a:spcAft>
+                <a:defRPr kumimoji="1">
+                  <a:solidFill>
+                    <a:schemeClr val="tx1"/>
+                  </a:solidFill>
+                  <a:latin typeface="굴림" panose="020B0600000101010101" pitchFamily="50" charset="-127"/>
+                  <a:ea typeface="굴림" panose="020B0600000101010101" pitchFamily="50" charset="-127"/>
+                </a:defRPr>
+              </a:lvl9pPr>
+            </a:lstStyle>
+            <a:p>
+              <a:pPr eaLnBrk="1" latinLnBrk="1" hangingPunct="1"/>
+              <a:r>
+                <a:rPr kumimoji="0" lang="en-US" altLang="ko-KR" sz="1600" dirty="0">
+                  <a:solidFill>
+                    <a:prstClr val="white"/>
+                  </a:solidFill>
+                  <a:latin typeface="Arial" panose="020B0604020202020204" pitchFamily="34" charset="0"/>
+                  <a:ea typeface="맑은 고딕" panose="020B0503020000020004" pitchFamily="50" charset="-127"/>
+                  <a:cs typeface="Arial" panose="020B0604020202020204" pitchFamily="34" charset="0"/>
+                </a:rPr>
+                <a:t>Self-diagnosis and score </a:t>
+              </a:r>
+              <a:r>
+                <a:rPr kumimoji="0" lang="en-US" altLang="ko-KR" sz="1600" dirty="0" smtClean="0">
+                  <a:solidFill>
+                    <a:prstClr val="white"/>
+                  </a:solidFill>
+                  <a:latin typeface="Arial" panose="020B0604020202020204" pitchFamily="34" charset="0"/>
+                  <a:ea typeface="맑은 고딕" panose="020B0503020000020004" pitchFamily="50" charset="-127"/>
+                  <a:cs typeface="Arial" panose="020B0604020202020204" pitchFamily="34" charset="0"/>
+                </a:rPr>
+                <a:t>check.</a:t>
+              </a:r>
+              <a:endParaRPr kumimoji="0" lang="en-US" altLang="ko-KR" sz="1600" dirty="0">
+                <a:solidFill>
+                  <a:prstClr val="white"/>
+                </a:solidFill>
+                <a:latin typeface="Arial" panose="020B0604020202020204" pitchFamily="34" charset="0"/>
+                <a:ea typeface="맑은 고딕" panose="020B0503020000020004" pitchFamily="50" charset="-127"/>
+                <a:cs typeface="Arial" panose="020B0604020202020204" pitchFamily="34" charset="0"/>
+              </a:endParaRPr>
+            </a:p>
+          </p:txBody>
+        </p:sp>
+      </p:grpSp>
+    </p:spTree>
+    <p:extLst>
+      <p:ext uri="{BB962C8B-B14F-4D97-AF65-F5344CB8AC3E}">
+        <p14:creationId xmlns:p14="http://schemas.microsoft.com/office/powerpoint/2010/main" val="1647179176"/>
+      </p:ext>
+    </p:extLst>
+  </p:cSld>
+  <p:clrMapOvr>
+    <a:masterClrMapping/>
+  </p:clrMapOvr>
+  <p:timing>
+    <p:tnLst>
+      <p:par>
+        <p:cTn id="1" dur="indefinite" restart="never" nodeType="tmRoot"/>
+      </p:par>
+    </p:tnLst>
+  </p:timing>
+</p:sld>
+</file>
+
+<file path=ppt/slides/slide14.xml><?xml version="1.0" encoding="utf-8"?>
+<p:sld xmlns:a="http://schemas.openxmlformats.org/drawingml/2006/main" xmlns:r="http://schemas.openxmlformats.org/officeDocument/2006/relationships" xmlns:p="http://schemas.openxmlformats.org/presentationml/2006/main">
+  <p:cSld>
+    <p:spTree>
+      <p:nvGrpSpPr>
+        <p:cNvPr id="1" name=""/>
+        <p:cNvGrpSpPr/>
+        <p:nvPr/>
+      </p:nvGrpSpPr>
+      <p:grpSpPr>
+        <a:xfrm>
+          <a:off x="0" y="0"/>
+          <a:ext cx="0" cy="0"/>
+          <a:chOff x="0" y="0"/>
+          <a:chExt cx="0" cy="0"/>
+        </a:xfrm>
+      </p:grpSpPr>
+      <p:sp>
+        <p:nvSpPr>
+          <p:cNvPr id="13315" name="Text Box 5"/>
+          <p:cNvSpPr txBox="1">
+            <a:spLocks noChangeArrowheads="1"/>
+          </p:cNvSpPr>
+          <p:nvPr/>
+        </p:nvSpPr>
+        <p:spPr bwMode="auto">
+          <a:xfrm>
+            <a:off x="325438" y="120650"/>
+            <a:ext cx="6600825" cy="585788"/>
+          </a:xfrm>
+          <a:prstGeom prst="rect">
+            <a:avLst/>
+          </a:prstGeom>
+          <a:noFill/>
+          <a:ln>
+            <a:noFill/>
+          </a:ln>
+          <a:extLst>
+            <a:ext uri="{909E8E84-426E-40DD-AFC4-6F175D3DCCD1}">
+              <a14:hiddenFill xmlns:a14="http://schemas.microsoft.com/office/drawing/2010/main">
+                <a:solidFill>
+                  <a:srgbClr val="FFFFFF"/>
+                </a:solidFill>
+              </a14:hiddenFill>
+            </a:ext>
+            <a:ext uri="{91240B29-F687-4F45-9708-019B960494DF}">
+              <a14:hiddenLine xmlns:a14="http://schemas.microsoft.com/office/drawing/2010/main" w="9525">
+                <a:solidFill>
+                  <a:srgbClr val="000000"/>
+                </a:solidFill>
+                <a:miter lim="800000"/>
+                <a:headEnd/>
+                <a:tailEnd/>
+              </a14:hiddenLine>
+            </a:ext>
+          </a:extLst>
+        </p:spPr>
+        <p:txBody>
+          <a:bodyPr anchor="ctr">
+            <a:spAutoFit/>
+          </a:bodyPr>
+          <a:lstStyle>
+            <a:lvl1pPr>
+              <a:defRPr kumimoji="1">
+                <a:solidFill>
+                  <a:schemeClr val="tx1"/>
+                </a:solidFill>
+                <a:latin typeface="굴림" panose="020B0600000101010101" pitchFamily="50" charset="-127"/>
+                <a:ea typeface="굴림" panose="020B0600000101010101" pitchFamily="50" charset="-127"/>
+              </a:defRPr>
+            </a:lvl1pPr>
+            <a:lvl2pPr marL="742950" indent="-285750">
+              <a:defRPr kumimoji="1">
+                <a:solidFill>
+                  <a:schemeClr val="tx1"/>
+                </a:solidFill>
+                <a:latin typeface="굴림" panose="020B0600000101010101" pitchFamily="50" charset="-127"/>
+                <a:ea typeface="굴림" panose="020B0600000101010101" pitchFamily="50" charset="-127"/>
+              </a:defRPr>
+            </a:lvl2pPr>
+            <a:lvl3pPr marL="1143000" indent="-228600">
+              <a:defRPr kumimoji="1">
+                <a:solidFill>
+                  <a:schemeClr val="tx1"/>
+                </a:solidFill>
+                <a:latin typeface="굴림" panose="020B0600000101010101" pitchFamily="50" charset="-127"/>
+                <a:ea typeface="굴림" panose="020B0600000101010101" pitchFamily="50" charset="-127"/>
+              </a:defRPr>
+            </a:lvl3pPr>
+            <a:lvl4pPr marL="1600200" indent="-228600">
+              <a:defRPr kumimoji="1">
+                <a:solidFill>
+                  <a:schemeClr val="tx1"/>
+                </a:solidFill>
+                <a:latin typeface="굴림" panose="020B0600000101010101" pitchFamily="50" charset="-127"/>
+                <a:ea typeface="굴림" panose="020B0600000101010101" pitchFamily="50" charset="-127"/>
+              </a:defRPr>
+            </a:lvl4pPr>
+            <a:lvl5pPr marL="2057400" indent="-228600">
+              <a:defRPr kumimoji="1">
+                <a:solidFill>
+                  <a:schemeClr val="tx1"/>
+                </a:solidFill>
+                <a:latin typeface="굴림" panose="020B0600000101010101" pitchFamily="50" charset="-127"/>
+                <a:ea typeface="굴림" panose="020B0600000101010101" pitchFamily="50" charset="-127"/>
+              </a:defRPr>
+            </a:lvl5pPr>
+            <a:lvl6pPr marL="2514600" indent="-228600" eaLnBrk="0" fontAlgn="base" hangingPunct="0">
+              <a:spcBef>
+                <a:spcPct val="0"/>
+              </a:spcBef>
+              <a:spcAft>
+                <a:spcPct val="0"/>
+              </a:spcAft>
+              <a:defRPr kumimoji="1">
+                <a:solidFill>
+                  <a:schemeClr val="tx1"/>
+                </a:solidFill>
+                <a:latin typeface="굴림" panose="020B0600000101010101" pitchFamily="50" charset="-127"/>
+                <a:ea typeface="굴림" panose="020B0600000101010101" pitchFamily="50" charset="-127"/>
+              </a:defRPr>
+            </a:lvl6pPr>
+            <a:lvl7pPr marL="2971800" indent="-228600" eaLnBrk="0" fontAlgn="base" hangingPunct="0">
+              <a:spcBef>
+                <a:spcPct val="0"/>
+              </a:spcBef>
+              <a:spcAft>
+                <a:spcPct val="0"/>
+              </a:spcAft>
+              <a:defRPr kumimoji="1">
+                <a:solidFill>
+                  <a:schemeClr val="tx1"/>
+                </a:solidFill>
+                <a:latin typeface="굴림" panose="020B0600000101010101" pitchFamily="50" charset="-127"/>
+                <a:ea typeface="굴림" panose="020B0600000101010101" pitchFamily="50" charset="-127"/>
+              </a:defRPr>
+            </a:lvl7pPr>
+            <a:lvl8pPr marL="3429000" indent="-228600" eaLnBrk="0" fontAlgn="base" hangingPunct="0">
+              <a:spcBef>
+                <a:spcPct val="0"/>
+              </a:spcBef>
+              <a:spcAft>
+                <a:spcPct val="0"/>
+              </a:spcAft>
+              <a:defRPr kumimoji="1">
+                <a:solidFill>
+                  <a:schemeClr val="tx1"/>
+                </a:solidFill>
+                <a:latin typeface="굴림" panose="020B0600000101010101" pitchFamily="50" charset="-127"/>
+                <a:ea typeface="굴림" panose="020B0600000101010101" pitchFamily="50" charset="-127"/>
+              </a:defRPr>
+            </a:lvl8pPr>
+            <a:lvl9pPr marL="3886200" indent="-228600" eaLnBrk="0" fontAlgn="base" hangingPunct="0">
+              <a:spcBef>
+                <a:spcPct val="0"/>
+              </a:spcBef>
+              <a:spcAft>
+                <a:spcPct val="0"/>
+              </a:spcAft>
+              <a:defRPr kumimoji="1">
+                <a:solidFill>
+                  <a:schemeClr val="tx1"/>
+                </a:solidFill>
+                <a:latin typeface="굴림" panose="020B0600000101010101" pitchFamily="50" charset="-127"/>
+                <a:ea typeface="굴림" panose="020B0600000101010101" pitchFamily="50" charset="-127"/>
+              </a:defRPr>
+            </a:lvl9pPr>
+          </a:lstStyle>
+          <a:p>
+            <a:pPr eaLnBrk="1" latinLnBrk="1" hangingPunct="1"/>
+            <a:r>
               <a:rPr lang="en-US" altLang="ko-KR" sz="3200" dirty="0">
                 <a:latin typeface="Tahoma" panose="020B0604030504040204" pitchFamily="34" charset="0"/>
                 <a:cs typeface="Tahoma" panose="020B0604030504040204" pitchFamily="34" charset="0"/>
@@ -16323,7 +18757,20 @@
                       <a:ea typeface="HY견고딕" panose="02030600000101010101" pitchFamily="18" charset="-127"/>
                       <a:cs typeface="Arial" panose="020B0604020202020204" pitchFamily="34" charset="0"/>
                     </a:rPr>
-                    <a:t>실행 흐름</a:t>
+                    <a:t>게임 </a:t>
+                  </a:r>
+                  <a:r>
+                    <a:rPr kumimoji="0" lang="ko-KR" altLang="en-US" sz="1600" dirty="0" err="1" smtClean="0">
+                      <a:solidFill>
+                        <a:schemeClr val="tx1">
+                          <a:lumMod val="85000"/>
+                        </a:schemeClr>
+                      </a:solidFill>
+                      <a:latin typeface="HY견고딕" panose="02030600000101010101" pitchFamily="18" charset="-127"/>
+                      <a:ea typeface="HY견고딕" panose="02030600000101010101" pitchFamily="18" charset="-127"/>
+                      <a:cs typeface="Arial" panose="020B0604020202020204" pitchFamily="34" charset="0"/>
+                    </a:rPr>
+                    <a:t>컨셉</a:t>
                   </a:r>
                   <a:endParaRPr kumimoji="0" lang="ko-KR" altLang="ko-KR" sz="1600" dirty="0" smtClean="0">
                     <a:solidFill>
@@ -16689,7 +19136,7 @@
                       <a:ea typeface="HY견고딕" panose="02030600000101010101" pitchFamily="18" charset="-127"/>
                       <a:cs typeface="Arial" panose="020B0604020202020204" pitchFamily="34" charset="0"/>
                     </a:rPr>
-                    <a:t>실행 흐름</a:t>
+                    <a:t>개발 범위</a:t>
                   </a:r>
                   <a:endParaRPr kumimoji="0" lang="ko-KR" altLang="ko-KR" sz="1600" dirty="0" smtClean="0">
                     <a:solidFill>
@@ -17055,7 +19502,7 @@
                       <a:ea typeface="HY견고딕" panose="02030600000101010101" pitchFamily="18" charset="-127"/>
                       <a:cs typeface="Arial" panose="020B0604020202020204" pitchFamily="34" charset="0"/>
                     </a:rPr>
-                    <a:t>개발 범위</a:t>
+                    <a:t>개발 일정</a:t>
                   </a:r>
                   <a:endParaRPr kumimoji="0" lang="ko-KR" altLang="ko-KR" sz="1600" dirty="0" smtClean="0">
                     <a:solidFill>
@@ -17411,7 +19858,7 @@
                     <a:defRPr/>
                   </a:pPr>
                   <a:r>
-                    <a:rPr kumimoji="0" lang="ko-KR" altLang="en-US" sz="1600" dirty="0" smtClean="0">
+                    <a:rPr kumimoji="0" lang="en-US" altLang="ko-KR" sz="1600" dirty="0" err="1" smtClean="0">
                       <a:solidFill>
                         <a:schemeClr val="tx1">
                           <a:lumMod val="85000"/>
@@ -17421,7 +19868,20 @@
                       <a:ea typeface="HY견고딕" panose="02030600000101010101" pitchFamily="18" charset="-127"/>
                       <a:cs typeface="Arial" panose="020B0604020202020204" pitchFamily="34" charset="0"/>
                     </a:rPr>
-                    <a:t>개발 일정</a:t>
+                    <a:t>Github</a:t>
+                  </a:r>
+                  <a:r>
+                    <a:rPr kumimoji="0" lang="en-US" altLang="ko-KR" sz="1600" dirty="0" smtClean="0">
+                      <a:solidFill>
+                        <a:schemeClr val="tx1">
+                          <a:lumMod val="85000"/>
+                        </a:schemeClr>
+                      </a:solidFill>
+                      <a:latin typeface="HY견고딕" panose="02030600000101010101" pitchFamily="18" charset="-127"/>
+                      <a:ea typeface="HY견고딕" panose="02030600000101010101" pitchFamily="18" charset="-127"/>
+                      <a:cs typeface="Arial" panose="020B0604020202020204" pitchFamily="34" charset="0"/>
+                    </a:rPr>
+                    <a:t> Commits</a:t>
                   </a:r>
                   <a:endParaRPr kumimoji="0" lang="ko-KR" altLang="ko-KR" sz="1600" dirty="0" smtClean="0">
                     <a:solidFill>
@@ -17947,6 +20407,1647 @@
           <p:spPr bwMode="auto">
             <a:xfrm>
               <a:off x="3177925" y="2002967"/>
+              <a:ext cx="5164787" cy="784830"/>
+            </a:xfrm>
+            <a:prstGeom prst="rect">
+              <a:avLst/>
+            </a:prstGeom>
+            <a:noFill/>
+            <a:ln w="9525">
+              <a:noFill/>
+              <a:miter lim="800000"/>
+              <a:headEnd/>
+              <a:tailEnd/>
+            </a:ln>
+          </p:spPr>
+          <p:txBody>
+            <a:bodyPr>
+              <a:spAutoFit/>
+              <a:scene3d>
+                <a:camera prst="orthographicFront">
+                  <a:rot lat="0" lon="0" rev="0"/>
+                </a:camera>
+                <a:lightRig rig="glow" dir="t">
+                  <a:rot lat="0" lon="0" rev="3600000"/>
+                </a:lightRig>
+              </a:scene3d>
+              <a:sp3d prstMaterial="softEdge">
+                <a:bevelT w="0" h="0"/>
+                <a:contourClr>
+                  <a:schemeClr val="tx1">
+                    <a:lumMod val="75000"/>
+                    <a:lumOff val="25000"/>
+                  </a:schemeClr>
+                </a:contourClr>
+              </a:sp3d>
+            </a:bodyPr>
+            <a:lstStyle/>
+            <a:p>
+              <a:pPr eaLnBrk="1" fontAlgn="auto" latinLnBrk="1" hangingPunct="1">
+                <a:lnSpc>
+                  <a:spcPct val="90000"/>
+                </a:lnSpc>
+                <a:spcBef>
+                  <a:spcPts val="0"/>
+                </a:spcBef>
+                <a:spcAft>
+                  <a:spcPts val="0"/>
+                </a:spcAft>
+                <a:defRPr/>
+              </a:pPr>
+              <a:r>
+                <a:rPr kumimoji="0" lang="en-US" altLang="ko-KR" sz="5000" b="1" spc="-150" dirty="0">
+                  <a:ln>
+                    <a:prstDash val="solid"/>
+                  </a:ln>
+                  <a:solidFill>
+                    <a:srgbClr val="B9E02D"/>
+                  </a:solidFill>
+                  <a:effectLst>
+                    <a:outerShdw blurRad="38100" dist="38100" dir="2700000" algn="tl">
+                      <a:srgbClr val="000000">
+                        <a:alpha val="43137"/>
+                      </a:srgbClr>
+                    </a:outerShdw>
+                  </a:effectLst>
+                  <a:latin typeface="나눔고딕 ExtraBold" pitchFamily="50" charset="-127"/>
+                  <a:ea typeface="나눔고딕 ExtraBold" pitchFamily="50" charset="-127"/>
+                  <a:cs typeface="Tahoma" pitchFamily="34" charset="0"/>
+                </a:rPr>
+                <a:t>Game </a:t>
+              </a:r>
+              <a:r>
+                <a:rPr kumimoji="0" lang="en-US" altLang="ko-KR" sz="5000" b="1" spc="-150" dirty="0" smtClean="0">
+                  <a:ln>
+                    <a:prstDash val="solid"/>
+                  </a:ln>
+                  <a:solidFill>
+                    <a:srgbClr val="B9E02D"/>
+                  </a:solidFill>
+                  <a:effectLst>
+                    <a:outerShdw blurRad="38100" dist="38100" dir="2700000" algn="tl">
+                      <a:srgbClr val="000000">
+                        <a:alpha val="43137"/>
+                      </a:srgbClr>
+                    </a:outerShdw>
+                  </a:effectLst>
+                  <a:latin typeface="나눔고딕 ExtraBold" pitchFamily="50" charset="-127"/>
+                  <a:ea typeface="나눔고딕 ExtraBold" pitchFamily="50" charset="-127"/>
+                  <a:cs typeface="Tahoma" pitchFamily="34" charset="0"/>
+                </a:rPr>
+                <a:t>Concept</a:t>
+              </a:r>
+              <a:endParaRPr kumimoji="0" lang="en-US" altLang="ko-KR" sz="5000" b="1" spc="-150" dirty="0">
+                <a:ln>
+                  <a:prstDash val="solid"/>
+                </a:ln>
+                <a:solidFill>
+                  <a:srgbClr val="B9E02D"/>
+                </a:solidFill>
+                <a:effectLst>
+                  <a:outerShdw blurRad="38100" dist="38100" dir="2700000" algn="tl">
+                    <a:srgbClr val="000000">
+                      <a:alpha val="43137"/>
+                    </a:srgbClr>
+                  </a:outerShdw>
+                </a:effectLst>
+                <a:latin typeface="나눔고딕 ExtraBold" pitchFamily="50" charset="-127"/>
+                <a:ea typeface="나눔고딕 ExtraBold" pitchFamily="50" charset="-127"/>
+                <a:cs typeface="Tahoma" pitchFamily="34" charset="0"/>
+              </a:endParaRPr>
+            </a:p>
+          </p:txBody>
+        </p:sp>
+        <p:sp>
+          <p:nvSpPr>
+            <p:cNvPr id="12292" name="Text Box 5"/>
+            <p:cNvSpPr txBox="1">
+              <a:spLocks noChangeArrowheads="1"/>
+            </p:cNvSpPr>
+            <p:nvPr/>
+          </p:nvSpPr>
+          <p:spPr bwMode="auto">
+            <a:xfrm>
+              <a:off x="3177925" y="2814956"/>
+              <a:ext cx="4703675" cy="338554"/>
+            </a:xfrm>
+            <a:prstGeom prst="rect">
+              <a:avLst/>
+            </a:prstGeom>
+            <a:noFill/>
+            <a:ln>
+              <a:noFill/>
+            </a:ln>
+            <a:extLst>
+              <a:ext uri="{909E8E84-426E-40DD-AFC4-6F175D3DCCD1}">
+                <a14:hiddenFill xmlns:a14="http://schemas.microsoft.com/office/drawing/2010/main">
+                  <a:solidFill>
+                    <a:srgbClr val="FFFFFF"/>
+                  </a:solidFill>
+                </a14:hiddenFill>
+              </a:ext>
+              <a:ext uri="{91240B29-F687-4F45-9708-019B960494DF}">
+                <a14:hiddenLine xmlns:a14="http://schemas.microsoft.com/office/drawing/2010/main" w="9525">
+                  <a:solidFill>
+                    <a:srgbClr val="000000"/>
+                  </a:solidFill>
+                  <a:miter lim="800000"/>
+                  <a:headEnd/>
+                  <a:tailEnd/>
+                </a14:hiddenLine>
+              </a:ext>
+            </a:extLst>
+          </p:spPr>
+          <p:txBody>
+            <a:bodyPr anchor="ctr">
+              <a:spAutoFit/>
+            </a:bodyPr>
+            <a:lstStyle>
+              <a:lvl1pPr>
+                <a:defRPr kumimoji="1">
+                  <a:solidFill>
+                    <a:schemeClr val="tx1"/>
+                  </a:solidFill>
+                  <a:latin typeface="굴림" panose="020B0600000101010101" pitchFamily="50" charset="-127"/>
+                  <a:ea typeface="굴림" panose="020B0600000101010101" pitchFamily="50" charset="-127"/>
+                </a:defRPr>
+              </a:lvl1pPr>
+              <a:lvl2pPr marL="742950" indent="-285750">
+                <a:defRPr kumimoji="1">
+                  <a:solidFill>
+                    <a:schemeClr val="tx1"/>
+                  </a:solidFill>
+                  <a:latin typeface="굴림" panose="020B0600000101010101" pitchFamily="50" charset="-127"/>
+                  <a:ea typeface="굴림" panose="020B0600000101010101" pitchFamily="50" charset="-127"/>
+                </a:defRPr>
+              </a:lvl2pPr>
+              <a:lvl3pPr marL="1143000" indent="-228600">
+                <a:defRPr kumimoji="1">
+                  <a:solidFill>
+                    <a:schemeClr val="tx1"/>
+                  </a:solidFill>
+                  <a:latin typeface="굴림" panose="020B0600000101010101" pitchFamily="50" charset="-127"/>
+                  <a:ea typeface="굴림" panose="020B0600000101010101" pitchFamily="50" charset="-127"/>
+                </a:defRPr>
+              </a:lvl3pPr>
+              <a:lvl4pPr marL="1600200" indent="-228600">
+                <a:defRPr kumimoji="1">
+                  <a:solidFill>
+                    <a:schemeClr val="tx1"/>
+                  </a:solidFill>
+                  <a:latin typeface="굴림" panose="020B0600000101010101" pitchFamily="50" charset="-127"/>
+                  <a:ea typeface="굴림" panose="020B0600000101010101" pitchFamily="50" charset="-127"/>
+                </a:defRPr>
+              </a:lvl4pPr>
+              <a:lvl5pPr marL="2057400" indent="-228600">
+                <a:defRPr kumimoji="1">
+                  <a:solidFill>
+                    <a:schemeClr val="tx1"/>
+                  </a:solidFill>
+                  <a:latin typeface="굴림" panose="020B0600000101010101" pitchFamily="50" charset="-127"/>
+                  <a:ea typeface="굴림" panose="020B0600000101010101" pitchFamily="50" charset="-127"/>
+                </a:defRPr>
+              </a:lvl5pPr>
+              <a:lvl6pPr marL="2514600" indent="-228600" eaLnBrk="0" fontAlgn="base" hangingPunct="0">
+                <a:spcBef>
+                  <a:spcPct val="0"/>
+                </a:spcBef>
+                <a:spcAft>
+                  <a:spcPct val="0"/>
+                </a:spcAft>
+                <a:defRPr kumimoji="1">
+                  <a:solidFill>
+                    <a:schemeClr val="tx1"/>
+                  </a:solidFill>
+                  <a:latin typeface="굴림" panose="020B0600000101010101" pitchFamily="50" charset="-127"/>
+                  <a:ea typeface="굴림" panose="020B0600000101010101" pitchFamily="50" charset="-127"/>
+                </a:defRPr>
+              </a:lvl6pPr>
+              <a:lvl7pPr marL="2971800" indent="-228600" eaLnBrk="0" fontAlgn="base" hangingPunct="0">
+                <a:spcBef>
+                  <a:spcPct val="0"/>
+                </a:spcBef>
+                <a:spcAft>
+                  <a:spcPct val="0"/>
+                </a:spcAft>
+                <a:defRPr kumimoji="1">
+                  <a:solidFill>
+                    <a:schemeClr val="tx1"/>
+                  </a:solidFill>
+                  <a:latin typeface="굴림" panose="020B0600000101010101" pitchFamily="50" charset="-127"/>
+                  <a:ea typeface="굴림" panose="020B0600000101010101" pitchFamily="50" charset="-127"/>
+                </a:defRPr>
+              </a:lvl7pPr>
+              <a:lvl8pPr marL="3429000" indent="-228600" eaLnBrk="0" fontAlgn="base" hangingPunct="0">
+                <a:spcBef>
+                  <a:spcPct val="0"/>
+                </a:spcBef>
+                <a:spcAft>
+                  <a:spcPct val="0"/>
+                </a:spcAft>
+                <a:defRPr kumimoji="1">
+                  <a:solidFill>
+                    <a:schemeClr val="tx1"/>
+                  </a:solidFill>
+                  <a:latin typeface="굴림" panose="020B0600000101010101" pitchFamily="50" charset="-127"/>
+                  <a:ea typeface="굴림" panose="020B0600000101010101" pitchFamily="50" charset="-127"/>
+                </a:defRPr>
+              </a:lvl8pPr>
+              <a:lvl9pPr marL="3886200" indent="-228600" eaLnBrk="0" fontAlgn="base" hangingPunct="0">
+                <a:spcBef>
+                  <a:spcPct val="0"/>
+                </a:spcBef>
+                <a:spcAft>
+                  <a:spcPct val="0"/>
+                </a:spcAft>
+                <a:defRPr kumimoji="1">
+                  <a:solidFill>
+                    <a:schemeClr val="tx1"/>
+                  </a:solidFill>
+                  <a:latin typeface="굴림" panose="020B0600000101010101" pitchFamily="50" charset="-127"/>
+                  <a:ea typeface="굴림" panose="020B0600000101010101" pitchFamily="50" charset="-127"/>
+                </a:defRPr>
+              </a:lvl9pPr>
+            </a:lstStyle>
+            <a:p>
+              <a:pPr eaLnBrk="1" latinLnBrk="1" hangingPunct="1"/>
+              <a:r>
+                <a:rPr kumimoji="0" lang="en-US" altLang="ko-KR" sz="1600" dirty="0" smtClean="0">
+                  <a:solidFill>
+                    <a:schemeClr val="tx1">
+                      <a:lumMod val="85000"/>
+                    </a:schemeClr>
+                  </a:solidFill>
+                  <a:latin typeface="HY견고딕" panose="02030600000101010101" pitchFamily="18" charset="-127"/>
+                  <a:ea typeface="HY견고딕" panose="02030600000101010101" pitchFamily="18" charset="-127"/>
+                  <a:cs typeface="Arial" panose="020B0604020202020204" pitchFamily="34" charset="0"/>
+                </a:rPr>
+                <a:t>Crazy Gene Rabbit Game.</a:t>
+              </a:r>
+              <a:endParaRPr kumimoji="0" lang="en-US" altLang="ko-KR" sz="1600" dirty="0">
+                <a:solidFill>
+                  <a:schemeClr val="tx1">
+                    <a:lumMod val="85000"/>
+                  </a:schemeClr>
+                </a:solidFill>
+                <a:latin typeface="HY견고딕" panose="02030600000101010101" pitchFamily="18" charset="-127"/>
+                <a:ea typeface="HY견고딕" panose="02030600000101010101" pitchFamily="18" charset="-127"/>
+                <a:cs typeface="Arial" panose="020B0604020202020204" pitchFamily="34" charset="0"/>
+              </a:endParaRPr>
+            </a:p>
+          </p:txBody>
+        </p:sp>
+      </p:grpSp>
+    </p:spTree>
+    <p:extLst>
+      <p:ext uri="{BB962C8B-B14F-4D97-AF65-F5344CB8AC3E}">
+        <p14:creationId xmlns:p14="http://schemas.microsoft.com/office/powerpoint/2010/main" val="133724988"/>
+      </p:ext>
+    </p:extLst>
+  </p:cSld>
+  <p:clrMapOvr>
+    <a:masterClrMapping/>
+  </p:clrMapOvr>
+  <p:timing>
+    <p:tnLst>
+      <p:par>
+        <p:cTn id="1" dur="indefinite" restart="never" nodeType="tmRoot"/>
+      </p:par>
+    </p:tnLst>
+  </p:timing>
+</p:sld>
+</file>
+
+<file path=ppt/slides/slide4.xml><?xml version="1.0" encoding="utf-8"?>
+<p:sld xmlns:a="http://schemas.openxmlformats.org/drawingml/2006/main" xmlns:r="http://schemas.openxmlformats.org/officeDocument/2006/relationships" xmlns:p="http://schemas.openxmlformats.org/presentationml/2006/main">
+  <p:cSld>
+    <p:spTree>
+      <p:nvGrpSpPr>
+        <p:cNvPr id="1" name=""/>
+        <p:cNvGrpSpPr/>
+        <p:nvPr/>
+      </p:nvGrpSpPr>
+      <p:grpSpPr>
+        <a:xfrm>
+          <a:off x="0" y="0"/>
+          <a:ext cx="0" cy="0"/>
+          <a:chOff x="0" y="0"/>
+          <a:chExt cx="0" cy="0"/>
+        </a:xfrm>
+      </p:grpSpPr>
+      <p:sp>
+        <p:nvSpPr>
+          <p:cNvPr id="4" name="제목 2"/>
+          <p:cNvSpPr txBox="1">
+            <a:spLocks/>
+          </p:cNvSpPr>
+          <p:nvPr/>
+        </p:nvSpPr>
+        <p:spPr bwMode="auto">
+          <a:xfrm>
+            <a:off x="325438" y="836712"/>
+            <a:ext cx="8362950" cy="3970318"/>
+          </a:xfrm>
+          <a:prstGeom prst="rect">
+            <a:avLst/>
+          </a:prstGeom>
+          <a:noFill/>
+          <a:ln>
+            <a:noFill/>
+          </a:ln>
+          <a:extLst>
+            <a:ext uri="{909E8E84-426E-40DD-AFC4-6F175D3DCCD1}">
+              <a14:hiddenFill xmlns:a14="http://schemas.microsoft.com/office/drawing/2010/main">
+                <a:solidFill>
+                  <a:srgbClr val="FFFFFF"/>
+                </a:solidFill>
+              </a14:hiddenFill>
+            </a:ext>
+            <a:ext uri="{91240B29-F687-4F45-9708-019B960494DF}">
+              <a14:hiddenLine xmlns:a14="http://schemas.microsoft.com/office/drawing/2010/main" w="9525">
+                <a:solidFill>
+                  <a:srgbClr val="000000"/>
+                </a:solidFill>
+                <a:miter lim="800000"/>
+                <a:headEnd/>
+                <a:tailEnd/>
+              </a14:hiddenLine>
+            </a:ext>
+          </a:extLst>
+        </p:spPr>
+        <p:txBody>
+          <a:bodyPr>
+            <a:spAutoFit/>
+          </a:bodyPr>
+          <a:lstStyle>
+            <a:lvl1pPr marL="182563" indent="-182563">
+              <a:defRPr kumimoji="1">
+                <a:solidFill>
+                  <a:schemeClr val="tx1"/>
+                </a:solidFill>
+                <a:latin typeface="굴림" panose="020B0600000101010101" pitchFamily="50" charset="-127"/>
+                <a:ea typeface="굴림" panose="020B0600000101010101" pitchFamily="50" charset="-127"/>
+              </a:defRPr>
+            </a:lvl1pPr>
+            <a:lvl2pPr marL="742950" indent="-285750">
+              <a:defRPr kumimoji="1">
+                <a:solidFill>
+                  <a:schemeClr val="tx1"/>
+                </a:solidFill>
+                <a:latin typeface="굴림" panose="020B0600000101010101" pitchFamily="50" charset="-127"/>
+                <a:ea typeface="굴림" panose="020B0600000101010101" pitchFamily="50" charset="-127"/>
+              </a:defRPr>
+            </a:lvl2pPr>
+            <a:lvl3pPr marL="1143000" indent="-228600">
+              <a:defRPr kumimoji="1">
+                <a:solidFill>
+                  <a:schemeClr val="tx1"/>
+                </a:solidFill>
+                <a:latin typeface="굴림" panose="020B0600000101010101" pitchFamily="50" charset="-127"/>
+                <a:ea typeface="굴림" panose="020B0600000101010101" pitchFamily="50" charset="-127"/>
+              </a:defRPr>
+            </a:lvl3pPr>
+            <a:lvl4pPr marL="1600200" indent="-228600">
+              <a:defRPr kumimoji="1">
+                <a:solidFill>
+                  <a:schemeClr val="tx1"/>
+                </a:solidFill>
+                <a:latin typeface="굴림" panose="020B0600000101010101" pitchFamily="50" charset="-127"/>
+                <a:ea typeface="굴림" panose="020B0600000101010101" pitchFamily="50" charset="-127"/>
+              </a:defRPr>
+            </a:lvl4pPr>
+            <a:lvl5pPr marL="2057400" indent="-228600">
+              <a:defRPr kumimoji="1">
+                <a:solidFill>
+                  <a:schemeClr val="tx1"/>
+                </a:solidFill>
+                <a:latin typeface="굴림" panose="020B0600000101010101" pitchFamily="50" charset="-127"/>
+                <a:ea typeface="굴림" panose="020B0600000101010101" pitchFamily="50" charset="-127"/>
+              </a:defRPr>
+            </a:lvl5pPr>
+            <a:lvl6pPr marL="2514600" indent="-228600" eaLnBrk="0" fontAlgn="base" hangingPunct="0">
+              <a:spcBef>
+                <a:spcPct val="0"/>
+              </a:spcBef>
+              <a:spcAft>
+                <a:spcPct val="0"/>
+              </a:spcAft>
+              <a:defRPr kumimoji="1">
+                <a:solidFill>
+                  <a:schemeClr val="tx1"/>
+                </a:solidFill>
+                <a:latin typeface="굴림" panose="020B0600000101010101" pitchFamily="50" charset="-127"/>
+                <a:ea typeface="굴림" panose="020B0600000101010101" pitchFamily="50" charset="-127"/>
+              </a:defRPr>
+            </a:lvl6pPr>
+            <a:lvl7pPr marL="2971800" indent="-228600" eaLnBrk="0" fontAlgn="base" hangingPunct="0">
+              <a:spcBef>
+                <a:spcPct val="0"/>
+              </a:spcBef>
+              <a:spcAft>
+                <a:spcPct val="0"/>
+              </a:spcAft>
+              <a:defRPr kumimoji="1">
+                <a:solidFill>
+                  <a:schemeClr val="tx1"/>
+                </a:solidFill>
+                <a:latin typeface="굴림" panose="020B0600000101010101" pitchFamily="50" charset="-127"/>
+                <a:ea typeface="굴림" panose="020B0600000101010101" pitchFamily="50" charset="-127"/>
+              </a:defRPr>
+            </a:lvl7pPr>
+            <a:lvl8pPr marL="3429000" indent="-228600" eaLnBrk="0" fontAlgn="base" hangingPunct="0">
+              <a:spcBef>
+                <a:spcPct val="0"/>
+              </a:spcBef>
+              <a:spcAft>
+                <a:spcPct val="0"/>
+              </a:spcAft>
+              <a:defRPr kumimoji="1">
+                <a:solidFill>
+                  <a:schemeClr val="tx1"/>
+                </a:solidFill>
+                <a:latin typeface="굴림" panose="020B0600000101010101" pitchFamily="50" charset="-127"/>
+                <a:ea typeface="굴림" panose="020B0600000101010101" pitchFamily="50" charset="-127"/>
+              </a:defRPr>
+            </a:lvl8pPr>
+            <a:lvl9pPr marL="3886200" indent="-228600" eaLnBrk="0" fontAlgn="base" hangingPunct="0">
+              <a:spcBef>
+                <a:spcPct val="0"/>
+              </a:spcBef>
+              <a:spcAft>
+                <a:spcPct val="0"/>
+              </a:spcAft>
+              <a:defRPr kumimoji="1">
+                <a:solidFill>
+                  <a:schemeClr val="tx1"/>
+                </a:solidFill>
+                <a:latin typeface="굴림" panose="020B0600000101010101" pitchFamily="50" charset="-127"/>
+                <a:ea typeface="굴림" panose="020B0600000101010101" pitchFamily="50" charset="-127"/>
+              </a:defRPr>
+            </a:lvl9pPr>
+          </a:lstStyle>
+          <a:p>
+            <a:pPr marL="285750" indent="-285750" latinLnBrk="1">
+              <a:lnSpc>
+                <a:spcPct val="150000"/>
+              </a:lnSpc>
+              <a:buFont typeface="Arial" panose="020B0604020202020204" pitchFamily="34" charset="0"/>
+              <a:buChar char="•"/>
+              <a:defRPr/>
+            </a:pPr>
+            <a:r>
+              <a:rPr lang="ko-KR" altLang="en-US" sz="1600" b="1" dirty="0" smtClean="0">
+                <a:solidFill>
+                  <a:schemeClr val="tx1">
+                    <a:lumMod val="85000"/>
+                  </a:schemeClr>
+                </a:solidFill>
+                <a:latin typeface="HY견고딕" panose="02030600000101010101" pitchFamily="18" charset="-127"/>
+                <a:ea typeface="HY견고딕" panose="02030600000101010101" pitchFamily="18" charset="-127"/>
+                <a:cs typeface="Arial" panose="020B0604020202020204" pitchFamily="34" charset="0"/>
+              </a:rPr>
+              <a:t>게임 </a:t>
+            </a:r>
+            <a:r>
+              <a:rPr lang="ko-KR" altLang="en-US" sz="1600" b="1" dirty="0">
+                <a:solidFill>
+                  <a:schemeClr val="tx1">
+                    <a:lumMod val="85000"/>
+                  </a:schemeClr>
+                </a:solidFill>
+                <a:latin typeface="HY견고딕" panose="02030600000101010101" pitchFamily="18" charset="-127"/>
+                <a:ea typeface="HY견고딕" panose="02030600000101010101" pitchFamily="18" charset="-127"/>
+                <a:cs typeface="Arial" panose="020B0604020202020204" pitchFamily="34" charset="0"/>
+              </a:rPr>
+              <a:t>명 </a:t>
+            </a:r>
+            <a:r>
+              <a:rPr lang="en-US" altLang="ko-KR" sz="1600" b="1" dirty="0">
+                <a:solidFill>
+                  <a:schemeClr val="tx1">
+                    <a:lumMod val="85000"/>
+                  </a:schemeClr>
+                </a:solidFill>
+                <a:latin typeface="HY견고딕" panose="02030600000101010101" pitchFamily="18" charset="-127"/>
+                <a:ea typeface="HY견고딕" panose="02030600000101010101" pitchFamily="18" charset="-127"/>
+                <a:cs typeface="Arial" panose="020B0604020202020204" pitchFamily="34" charset="0"/>
+              </a:rPr>
+              <a:t>: </a:t>
+            </a:r>
+            <a:r>
+              <a:rPr lang="en-US" altLang="ko-KR" sz="1600" b="1" dirty="0" err="1">
+                <a:solidFill>
+                  <a:schemeClr val="tx1">
+                    <a:lumMod val="85000"/>
+                  </a:schemeClr>
+                </a:solidFill>
+                <a:latin typeface="HY견고딕" panose="02030600000101010101" pitchFamily="18" charset="-127"/>
+                <a:ea typeface="HY견고딕" panose="02030600000101010101" pitchFamily="18" charset="-127"/>
+                <a:cs typeface="Arial" panose="020B0604020202020204" pitchFamily="34" charset="0"/>
+              </a:rPr>
+              <a:t>Cragene</a:t>
+            </a:r>
+            <a:r>
+              <a:rPr lang="en-US" altLang="ko-KR" sz="1600" b="1" dirty="0">
+                <a:solidFill>
+                  <a:schemeClr val="tx1">
+                    <a:lumMod val="85000"/>
+                  </a:schemeClr>
+                </a:solidFill>
+                <a:latin typeface="HY견고딕" panose="02030600000101010101" pitchFamily="18" charset="-127"/>
+                <a:ea typeface="HY견고딕" panose="02030600000101010101" pitchFamily="18" charset="-127"/>
+                <a:cs typeface="Arial" panose="020B0604020202020204" pitchFamily="34" charset="0"/>
+              </a:rPr>
+              <a:t> Rabbit</a:t>
+            </a:r>
+          </a:p>
+          <a:p>
+            <a:pPr lvl="1" latinLnBrk="1">
+              <a:lnSpc>
+                <a:spcPct val="150000"/>
+              </a:lnSpc>
+              <a:buFontTx/>
+              <a:buChar char="•"/>
+              <a:defRPr/>
+            </a:pPr>
+            <a:r>
+              <a:rPr lang="ko-KR" altLang="en-US" sz="1400" dirty="0">
+                <a:solidFill>
+                  <a:schemeClr val="tx1">
+                    <a:lumMod val="85000"/>
+                  </a:schemeClr>
+                </a:solidFill>
+                <a:latin typeface="HY견고딕" panose="02030600000101010101" pitchFamily="18" charset="-127"/>
+                <a:ea typeface="HY견고딕" panose="02030600000101010101" pitchFamily="18" charset="-127"/>
+                <a:cs typeface="Arial" panose="020B0604020202020204" pitchFamily="34" charset="0"/>
+              </a:rPr>
+              <a:t>게임 명 뜻 </a:t>
+            </a:r>
+            <a:r>
+              <a:rPr lang="en-US" altLang="ko-KR" sz="1400" dirty="0">
+                <a:solidFill>
+                  <a:schemeClr val="tx1">
+                    <a:lumMod val="85000"/>
+                  </a:schemeClr>
+                </a:solidFill>
+                <a:latin typeface="HY견고딕" panose="02030600000101010101" pitchFamily="18" charset="-127"/>
+                <a:ea typeface="HY견고딕" panose="02030600000101010101" pitchFamily="18" charset="-127"/>
+                <a:cs typeface="Arial" panose="020B0604020202020204" pitchFamily="34" charset="0"/>
+              </a:rPr>
+              <a:t>: Crazy(</a:t>
+            </a:r>
+            <a:r>
+              <a:rPr lang="ko-KR" altLang="en-US" sz="1400" dirty="0">
+                <a:solidFill>
+                  <a:schemeClr val="tx1">
+                    <a:lumMod val="85000"/>
+                  </a:schemeClr>
+                </a:solidFill>
+                <a:latin typeface="HY견고딕" panose="02030600000101010101" pitchFamily="18" charset="-127"/>
+                <a:ea typeface="HY견고딕" panose="02030600000101010101" pitchFamily="18" charset="-127"/>
+                <a:cs typeface="Arial" panose="020B0604020202020204" pitchFamily="34" charset="0"/>
+              </a:rPr>
+              <a:t>미친</a:t>
+            </a:r>
+            <a:r>
+              <a:rPr lang="en-US" altLang="ko-KR" sz="1400" dirty="0">
+                <a:solidFill>
+                  <a:schemeClr val="tx1">
+                    <a:lumMod val="85000"/>
+                  </a:schemeClr>
+                </a:solidFill>
+                <a:latin typeface="HY견고딕" panose="02030600000101010101" pitchFamily="18" charset="-127"/>
+                <a:ea typeface="HY견고딕" panose="02030600000101010101" pitchFamily="18" charset="-127"/>
+                <a:cs typeface="Arial" panose="020B0604020202020204" pitchFamily="34" charset="0"/>
+              </a:rPr>
+              <a:t>)Gene(</a:t>
+            </a:r>
+            <a:r>
+              <a:rPr lang="ko-KR" altLang="en-US" sz="1400" dirty="0">
+                <a:solidFill>
+                  <a:schemeClr val="tx1">
+                    <a:lumMod val="85000"/>
+                  </a:schemeClr>
+                </a:solidFill>
+                <a:latin typeface="HY견고딕" panose="02030600000101010101" pitchFamily="18" charset="-127"/>
+                <a:ea typeface="HY견고딕" panose="02030600000101010101" pitchFamily="18" charset="-127"/>
+                <a:cs typeface="Arial" panose="020B0604020202020204" pitchFamily="34" charset="0"/>
+              </a:rPr>
+              <a:t>유전자</a:t>
+            </a:r>
+            <a:r>
+              <a:rPr lang="en-US" altLang="ko-KR" sz="1400" dirty="0">
+                <a:solidFill>
+                  <a:schemeClr val="tx1">
+                    <a:lumMod val="85000"/>
+                  </a:schemeClr>
+                </a:solidFill>
+                <a:latin typeface="HY견고딕" panose="02030600000101010101" pitchFamily="18" charset="-127"/>
+                <a:ea typeface="HY견고딕" panose="02030600000101010101" pitchFamily="18" charset="-127"/>
+                <a:cs typeface="Arial" panose="020B0604020202020204" pitchFamily="34" charset="0"/>
+              </a:rPr>
+              <a:t>)Rabbit(</a:t>
+            </a:r>
+            <a:r>
+              <a:rPr lang="ko-KR" altLang="en-US" sz="1400" dirty="0">
+                <a:solidFill>
+                  <a:schemeClr val="tx1">
+                    <a:lumMod val="85000"/>
+                  </a:schemeClr>
+                </a:solidFill>
+                <a:latin typeface="HY견고딕" panose="02030600000101010101" pitchFamily="18" charset="-127"/>
+                <a:ea typeface="HY견고딕" panose="02030600000101010101" pitchFamily="18" charset="-127"/>
+                <a:cs typeface="Arial" panose="020B0604020202020204" pitchFamily="34" charset="0"/>
+              </a:rPr>
+              <a:t>토끼</a:t>
+            </a:r>
+            <a:r>
+              <a:rPr lang="en-US" altLang="ko-KR" sz="1400" dirty="0">
+                <a:solidFill>
+                  <a:schemeClr val="tx1">
+                    <a:lumMod val="85000"/>
+                  </a:schemeClr>
+                </a:solidFill>
+                <a:latin typeface="HY견고딕" panose="02030600000101010101" pitchFamily="18" charset="-127"/>
+                <a:ea typeface="HY견고딕" panose="02030600000101010101" pitchFamily="18" charset="-127"/>
+                <a:cs typeface="Arial" panose="020B0604020202020204" pitchFamily="34" charset="0"/>
+              </a:rPr>
+              <a:t>)</a:t>
+            </a:r>
+            <a:r>
+              <a:rPr lang="ko-KR" altLang="en-US" sz="1400" dirty="0">
+                <a:solidFill>
+                  <a:schemeClr val="tx1">
+                    <a:lumMod val="85000"/>
+                  </a:schemeClr>
+                </a:solidFill>
+                <a:latin typeface="HY견고딕" panose="02030600000101010101" pitchFamily="18" charset="-127"/>
+                <a:ea typeface="HY견고딕" panose="02030600000101010101" pitchFamily="18" charset="-127"/>
+                <a:cs typeface="Arial" panose="020B0604020202020204" pitchFamily="34" charset="0"/>
+              </a:rPr>
+              <a:t>를 </a:t>
+            </a:r>
+            <a:r>
+              <a:rPr lang="ko-KR" altLang="en-US" sz="1400" dirty="0" err="1">
+                <a:solidFill>
+                  <a:schemeClr val="tx1">
+                    <a:lumMod val="85000"/>
+                  </a:schemeClr>
+                </a:solidFill>
+                <a:latin typeface="HY견고딕" panose="02030600000101010101" pitchFamily="18" charset="-127"/>
+                <a:ea typeface="HY견고딕" panose="02030600000101010101" pitchFamily="18" charset="-127"/>
+                <a:cs typeface="Arial" panose="020B0604020202020204" pitchFamily="34" charset="0"/>
+              </a:rPr>
+              <a:t>미친의</a:t>
+            </a:r>
+            <a:r>
+              <a:rPr lang="ko-KR" altLang="en-US" sz="1400" dirty="0">
+                <a:solidFill>
+                  <a:schemeClr val="tx1">
+                    <a:lumMod val="85000"/>
+                  </a:schemeClr>
+                </a:solidFill>
+                <a:latin typeface="HY견고딕" panose="02030600000101010101" pitchFamily="18" charset="-127"/>
+                <a:ea typeface="HY견고딕" panose="02030600000101010101" pitchFamily="18" charset="-127"/>
+                <a:cs typeface="Arial" panose="020B0604020202020204" pitchFamily="34" charset="0"/>
+              </a:rPr>
+              <a:t> 뜻을 가진 </a:t>
+            </a:r>
+            <a:r>
+              <a:rPr lang="en-US" altLang="ko-KR" sz="1400" dirty="0">
+                <a:solidFill>
+                  <a:schemeClr val="tx1">
+                    <a:lumMod val="85000"/>
+                  </a:schemeClr>
+                </a:solidFill>
+                <a:latin typeface="HY견고딕" panose="02030600000101010101" pitchFamily="18" charset="-127"/>
+                <a:ea typeface="HY견고딕" panose="02030600000101010101" pitchFamily="18" charset="-127"/>
+                <a:cs typeface="Arial" panose="020B0604020202020204" pitchFamily="34" charset="0"/>
+              </a:rPr>
+              <a:t>Crazy</a:t>
+            </a:r>
+            <a:r>
+              <a:rPr lang="ko-KR" altLang="en-US" sz="1400" dirty="0">
+                <a:solidFill>
+                  <a:schemeClr val="tx1">
+                    <a:lumMod val="85000"/>
+                  </a:schemeClr>
+                </a:solidFill>
+                <a:latin typeface="HY견고딕" panose="02030600000101010101" pitchFamily="18" charset="-127"/>
+                <a:ea typeface="HY견고딕" panose="02030600000101010101" pitchFamily="18" charset="-127"/>
+                <a:cs typeface="Arial" panose="020B0604020202020204" pitchFamily="34" charset="0"/>
+              </a:rPr>
+              <a:t>와</a:t>
+            </a:r>
+            <a:r>
+              <a:rPr lang="en-US" altLang="ko-KR" sz="1400" dirty="0">
+                <a:solidFill>
+                  <a:schemeClr val="tx1">
+                    <a:lumMod val="85000"/>
+                  </a:schemeClr>
+                </a:solidFill>
+                <a:latin typeface="HY견고딕" panose="02030600000101010101" pitchFamily="18" charset="-127"/>
+                <a:ea typeface="HY견고딕" panose="02030600000101010101" pitchFamily="18" charset="-127"/>
+                <a:cs typeface="Arial" panose="020B0604020202020204" pitchFamily="34" charset="0"/>
+              </a:rPr>
+              <a:t> </a:t>
+            </a:r>
+            <a:r>
+              <a:rPr lang="ko-KR" altLang="en-US" sz="1400" dirty="0">
+                <a:solidFill>
+                  <a:schemeClr val="tx1">
+                    <a:lumMod val="85000"/>
+                  </a:schemeClr>
+                </a:solidFill>
+                <a:latin typeface="HY견고딕" panose="02030600000101010101" pitchFamily="18" charset="-127"/>
+                <a:ea typeface="HY견고딕" panose="02030600000101010101" pitchFamily="18" charset="-127"/>
+                <a:cs typeface="Arial" panose="020B0604020202020204" pitchFamily="34" charset="0"/>
+              </a:rPr>
+              <a:t>유전자의 뜻을 가진 </a:t>
+            </a:r>
+            <a:r>
+              <a:rPr lang="en-US" altLang="ko-KR" sz="1400" dirty="0">
+                <a:solidFill>
+                  <a:schemeClr val="tx1">
+                    <a:lumMod val="85000"/>
+                  </a:schemeClr>
+                </a:solidFill>
+                <a:latin typeface="HY견고딕" panose="02030600000101010101" pitchFamily="18" charset="-127"/>
+                <a:ea typeface="HY견고딕" panose="02030600000101010101" pitchFamily="18" charset="-127"/>
+                <a:cs typeface="Arial" panose="020B0604020202020204" pitchFamily="34" charset="0"/>
+              </a:rPr>
+              <a:t>Gene</a:t>
+            </a:r>
+            <a:r>
+              <a:rPr lang="ko-KR" altLang="en-US" sz="1400" dirty="0">
+                <a:solidFill>
+                  <a:schemeClr val="tx1">
+                    <a:lumMod val="85000"/>
+                  </a:schemeClr>
+                </a:solidFill>
+                <a:latin typeface="HY견고딕" panose="02030600000101010101" pitchFamily="18" charset="-127"/>
+                <a:ea typeface="HY견고딕" panose="02030600000101010101" pitchFamily="18" charset="-127"/>
+                <a:cs typeface="Arial" panose="020B0604020202020204" pitchFamily="34" charset="0"/>
+              </a:rPr>
+              <a:t>을 합쳐서 </a:t>
+            </a:r>
+            <a:r>
+              <a:rPr lang="en-US" altLang="ko-KR" sz="1400" dirty="0" err="1">
+                <a:solidFill>
+                  <a:schemeClr val="tx1">
+                    <a:lumMod val="85000"/>
+                  </a:schemeClr>
+                </a:solidFill>
+                <a:latin typeface="HY견고딕" panose="02030600000101010101" pitchFamily="18" charset="-127"/>
+                <a:ea typeface="HY견고딕" panose="02030600000101010101" pitchFamily="18" charset="-127"/>
+                <a:cs typeface="Arial" panose="020B0604020202020204" pitchFamily="34" charset="0"/>
+              </a:rPr>
+              <a:t>Cragene</a:t>
+            </a:r>
+            <a:r>
+              <a:rPr lang="en-US" altLang="ko-KR" sz="1400" dirty="0">
+                <a:solidFill>
+                  <a:schemeClr val="tx1">
+                    <a:lumMod val="85000"/>
+                  </a:schemeClr>
+                </a:solidFill>
+                <a:latin typeface="HY견고딕" panose="02030600000101010101" pitchFamily="18" charset="-127"/>
+                <a:ea typeface="HY견고딕" panose="02030600000101010101" pitchFamily="18" charset="-127"/>
+                <a:cs typeface="Arial" panose="020B0604020202020204" pitchFamily="34" charset="0"/>
+              </a:rPr>
+              <a:t> Rabbit</a:t>
+            </a:r>
+            <a:r>
+              <a:rPr lang="ko-KR" altLang="en-US" sz="1400" dirty="0">
+                <a:solidFill>
+                  <a:schemeClr val="tx1">
+                    <a:lumMod val="85000"/>
+                  </a:schemeClr>
+                </a:solidFill>
+                <a:latin typeface="HY견고딕" panose="02030600000101010101" pitchFamily="18" charset="-127"/>
+                <a:ea typeface="HY견고딕" panose="02030600000101010101" pitchFamily="18" charset="-127"/>
+                <a:cs typeface="Arial" panose="020B0604020202020204" pitchFamily="34" charset="0"/>
+              </a:rPr>
+              <a:t>으로 이름을 정함</a:t>
+            </a:r>
+            <a:r>
+              <a:rPr lang="en-US" altLang="ko-KR" sz="1400" dirty="0" smtClean="0">
+                <a:solidFill>
+                  <a:schemeClr val="tx1">
+                    <a:lumMod val="85000"/>
+                  </a:schemeClr>
+                </a:solidFill>
+                <a:latin typeface="HY견고딕" panose="02030600000101010101" pitchFamily="18" charset="-127"/>
+                <a:ea typeface="HY견고딕" panose="02030600000101010101" pitchFamily="18" charset="-127"/>
+                <a:cs typeface="Arial" panose="020B0604020202020204" pitchFamily="34" charset="0"/>
+              </a:rPr>
+              <a:t>.</a:t>
+            </a:r>
+          </a:p>
+          <a:p>
+            <a:pPr latinLnBrk="1">
+              <a:lnSpc>
+                <a:spcPct val="150000"/>
+              </a:lnSpc>
+              <a:buFontTx/>
+              <a:buChar char="•"/>
+              <a:defRPr/>
+            </a:pPr>
+            <a:endParaRPr lang="en-US" altLang="ko-KR" sz="800" dirty="0">
+              <a:solidFill>
+                <a:schemeClr val="tx1">
+                  <a:lumMod val="85000"/>
+                </a:schemeClr>
+              </a:solidFill>
+              <a:latin typeface="HY견고딕" panose="02030600000101010101" pitchFamily="18" charset="-127"/>
+              <a:ea typeface="HY견고딕" panose="02030600000101010101" pitchFamily="18" charset="-127"/>
+              <a:cs typeface="Arial" panose="020B0604020202020204" pitchFamily="34" charset="0"/>
+            </a:endParaRPr>
+          </a:p>
+          <a:p>
+            <a:pPr latinLnBrk="1">
+              <a:lnSpc>
+                <a:spcPct val="150000"/>
+              </a:lnSpc>
+              <a:buFontTx/>
+              <a:buChar char="•"/>
+              <a:defRPr/>
+            </a:pPr>
+            <a:r>
+              <a:rPr lang="ko-KR" altLang="en-US" sz="1400" dirty="0" smtClean="0">
+                <a:solidFill>
+                  <a:schemeClr val="tx1">
+                    <a:lumMod val="85000"/>
+                  </a:schemeClr>
+                </a:solidFill>
+                <a:latin typeface="HY견고딕" panose="02030600000101010101" pitchFamily="18" charset="-127"/>
+                <a:ea typeface="HY견고딕" panose="02030600000101010101" pitchFamily="18" charset="-127"/>
+                <a:cs typeface="Arial" panose="020B0604020202020204" pitchFamily="34" charset="0"/>
+              </a:rPr>
+              <a:t>장르 </a:t>
+            </a:r>
+            <a:r>
+              <a:rPr lang="en-US" altLang="ko-KR" sz="1400" dirty="0" smtClean="0">
+                <a:solidFill>
+                  <a:schemeClr val="tx1">
+                    <a:lumMod val="85000"/>
+                  </a:schemeClr>
+                </a:solidFill>
+                <a:latin typeface="HY견고딕" panose="02030600000101010101" pitchFamily="18" charset="-127"/>
+                <a:ea typeface="HY견고딕" panose="02030600000101010101" pitchFamily="18" charset="-127"/>
+                <a:cs typeface="Arial" panose="020B0604020202020204" pitchFamily="34" charset="0"/>
+              </a:rPr>
+              <a:t>: </a:t>
+            </a:r>
+            <a:r>
+              <a:rPr lang="ko-KR" altLang="en-US" sz="1400" dirty="0" smtClean="0">
+                <a:solidFill>
+                  <a:schemeClr val="tx1">
+                    <a:lumMod val="85000"/>
+                  </a:schemeClr>
+                </a:solidFill>
+                <a:latin typeface="HY견고딕" panose="02030600000101010101" pitchFamily="18" charset="-127"/>
+                <a:ea typeface="HY견고딕" panose="02030600000101010101" pitchFamily="18" charset="-127"/>
+                <a:cs typeface="Arial" panose="020B0604020202020204" pitchFamily="34" charset="0"/>
+              </a:rPr>
+              <a:t>단순 액션 </a:t>
+            </a:r>
+            <a:r>
+              <a:rPr lang="en-US" altLang="ko-KR" sz="1400" dirty="0" smtClean="0">
+                <a:solidFill>
+                  <a:schemeClr val="tx1">
+                    <a:lumMod val="85000"/>
+                  </a:schemeClr>
+                </a:solidFill>
+                <a:latin typeface="HY견고딕" panose="02030600000101010101" pitchFamily="18" charset="-127"/>
+                <a:ea typeface="HY견고딕" panose="02030600000101010101" pitchFamily="18" charset="-127"/>
+                <a:cs typeface="Arial" panose="020B0604020202020204" pitchFamily="34" charset="0"/>
+              </a:rPr>
+              <a:t>+ </a:t>
+            </a:r>
+            <a:r>
+              <a:rPr lang="ko-KR" altLang="en-US" sz="1400" dirty="0" smtClean="0">
+                <a:solidFill>
+                  <a:schemeClr val="tx1">
+                    <a:lumMod val="85000"/>
+                  </a:schemeClr>
+                </a:solidFill>
+                <a:latin typeface="HY견고딕" panose="02030600000101010101" pitchFamily="18" charset="-127"/>
+                <a:ea typeface="HY견고딕" panose="02030600000101010101" pitchFamily="18" charset="-127"/>
+                <a:cs typeface="Arial" panose="020B0604020202020204" pitchFamily="34" charset="0"/>
+              </a:rPr>
+              <a:t>슈팅</a:t>
+            </a:r>
+            <a:endParaRPr lang="en-US" altLang="ko-KR" sz="1400" dirty="0" smtClean="0">
+              <a:solidFill>
+                <a:schemeClr val="tx1">
+                  <a:lumMod val="85000"/>
+                </a:schemeClr>
+              </a:solidFill>
+              <a:latin typeface="HY견고딕" panose="02030600000101010101" pitchFamily="18" charset="-127"/>
+              <a:ea typeface="HY견고딕" panose="02030600000101010101" pitchFamily="18" charset="-127"/>
+              <a:cs typeface="Arial" panose="020B0604020202020204" pitchFamily="34" charset="0"/>
+            </a:endParaRPr>
+          </a:p>
+          <a:p>
+            <a:pPr latinLnBrk="1">
+              <a:lnSpc>
+                <a:spcPct val="150000"/>
+              </a:lnSpc>
+              <a:buFontTx/>
+              <a:buChar char="•"/>
+              <a:defRPr/>
+            </a:pPr>
+            <a:endParaRPr lang="en-US" altLang="ko-KR" sz="800" dirty="0">
+              <a:solidFill>
+                <a:schemeClr val="tx1">
+                  <a:lumMod val="85000"/>
+                </a:schemeClr>
+              </a:solidFill>
+              <a:latin typeface="HY견고딕" panose="02030600000101010101" pitchFamily="18" charset="-127"/>
+              <a:ea typeface="HY견고딕" panose="02030600000101010101" pitchFamily="18" charset="-127"/>
+              <a:cs typeface="Arial" panose="020B0604020202020204" pitchFamily="34" charset="0"/>
+            </a:endParaRPr>
+          </a:p>
+          <a:p>
+            <a:pPr latinLnBrk="1">
+              <a:lnSpc>
+                <a:spcPct val="150000"/>
+              </a:lnSpc>
+              <a:buFontTx/>
+              <a:buChar char="•"/>
+              <a:defRPr/>
+            </a:pPr>
+            <a:r>
+              <a:rPr lang="ko-KR" altLang="en-US" sz="1400" dirty="0" err="1" smtClean="0">
+                <a:solidFill>
+                  <a:schemeClr val="tx1">
+                    <a:lumMod val="85000"/>
+                  </a:schemeClr>
+                </a:solidFill>
+                <a:latin typeface="HY견고딕" panose="02030600000101010101" pitchFamily="18" charset="-127"/>
+                <a:ea typeface="HY견고딕" panose="02030600000101010101" pitchFamily="18" charset="-127"/>
+                <a:cs typeface="Arial" panose="020B0604020202020204" pitchFamily="34" charset="0"/>
+              </a:rPr>
+              <a:t>타겟</a:t>
+            </a:r>
+            <a:r>
+              <a:rPr lang="ko-KR" altLang="en-US" sz="1400" dirty="0" smtClean="0">
+                <a:solidFill>
+                  <a:schemeClr val="tx1">
+                    <a:lumMod val="85000"/>
+                  </a:schemeClr>
+                </a:solidFill>
+                <a:latin typeface="HY견고딕" panose="02030600000101010101" pitchFamily="18" charset="-127"/>
+                <a:ea typeface="HY견고딕" panose="02030600000101010101" pitchFamily="18" charset="-127"/>
+                <a:cs typeface="Arial" panose="020B0604020202020204" pitchFamily="34" charset="0"/>
+              </a:rPr>
+              <a:t> </a:t>
+            </a:r>
+            <a:r>
+              <a:rPr lang="en-US" altLang="ko-KR" sz="1400" dirty="0" smtClean="0">
+                <a:solidFill>
+                  <a:schemeClr val="tx1">
+                    <a:lumMod val="85000"/>
+                  </a:schemeClr>
+                </a:solidFill>
+                <a:latin typeface="HY견고딕" panose="02030600000101010101" pitchFamily="18" charset="-127"/>
+                <a:ea typeface="HY견고딕" panose="02030600000101010101" pitchFamily="18" charset="-127"/>
+                <a:cs typeface="Arial" panose="020B0604020202020204" pitchFamily="34" charset="0"/>
+              </a:rPr>
+              <a:t>: </a:t>
+            </a:r>
+            <a:r>
+              <a:rPr lang="ko-KR" altLang="en-US" sz="1400" dirty="0" smtClean="0">
+                <a:solidFill>
+                  <a:schemeClr val="tx1">
+                    <a:lumMod val="85000"/>
+                  </a:schemeClr>
+                </a:solidFill>
+                <a:latin typeface="HY견고딕" panose="02030600000101010101" pitchFamily="18" charset="-127"/>
+                <a:ea typeface="HY견고딕" panose="02030600000101010101" pitchFamily="18" charset="-127"/>
+                <a:cs typeface="Arial" panose="020B0604020202020204" pitchFamily="34" charset="0"/>
+              </a:rPr>
+              <a:t>모든 연령층</a:t>
+            </a:r>
+            <a:endParaRPr lang="en-US" altLang="ko-KR" sz="1400" dirty="0" smtClean="0">
+              <a:solidFill>
+                <a:schemeClr val="tx1">
+                  <a:lumMod val="85000"/>
+                </a:schemeClr>
+              </a:solidFill>
+              <a:latin typeface="HY견고딕" panose="02030600000101010101" pitchFamily="18" charset="-127"/>
+              <a:ea typeface="HY견고딕" panose="02030600000101010101" pitchFamily="18" charset="-127"/>
+              <a:cs typeface="Arial" panose="020B0604020202020204" pitchFamily="34" charset="0"/>
+            </a:endParaRPr>
+          </a:p>
+          <a:p>
+            <a:pPr latinLnBrk="1">
+              <a:lnSpc>
+                <a:spcPct val="150000"/>
+              </a:lnSpc>
+              <a:buFontTx/>
+              <a:buChar char="•"/>
+              <a:defRPr/>
+            </a:pPr>
+            <a:endParaRPr lang="en-US" altLang="ko-KR" sz="800" dirty="0">
+              <a:solidFill>
+                <a:schemeClr val="tx1">
+                  <a:lumMod val="85000"/>
+                </a:schemeClr>
+              </a:solidFill>
+              <a:latin typeface="HY견고딕" panose="02030600000101010101" pitchFamily="18" charset="-127"/>
+              <a:ea typeface="HY견고딕" panose="02030600000101010101" pitchFamily="18" charset="-127"/>
+              <a:cs typeface="Arial" panose="020B0604020202020204" pitchFamily="34" charset="0"/>
+            </a:endParaRPr>
+          </a:p>
+          <a:p>
+            <a:pPr latinLnBrk="1">
+              <a:lnSpc>
+                <a:spcPct val="150000"/>
+              </a:lnSpc>
+              <a:buFontTx/>
+              <a:buChar char="•"/>
+              <a:defRPr/>
+            </a:pPr>
+            <a:r>
+              <a:rPr lang="ko-KR" altLang="en-US" sz="1400" dirty="0" smtClean="0">
+                <a:solidFill>
+                  <a:schemeClr val="tx1">
+                    <a:lumMod val="85000"/>
+                  </a:schemeClr>
+                </a:solidFill>
+                <a:latin typeface="HY견고딕" panose="02030600000101010101" pitchFamily="18" charset="-127"/>
+                <a:ea typeface="HY견고딕" panose="02030600000101010101" pitchFamily="18" charset="-127"/>
+                <a:cs typeface="Arial" panose="020B0604020202020204" pitchFamily="34" charset="0"/>
+              </a:rPr>
+              <a:t>게임 조작</a:t>
+            </a:r>
+            <a:endParaRPr lang="en-US" altLang="ko-KR" sz="1400" dirty="0" smtClean="0">
+              <a:solidFill>
+                <a:schemeClr val="tx1">
+                  <a:lumMod val="85000"/>
+                </a:schemeClr>
+              </a:solidFill>
+              <a:latin typeface="HY견고딕" panose="02030600000101010101" pitchFamily="18" charset="-127"/>
+              <a:ea typeface="HY견고딕" panose="02030600000101010101" pitchFamily="18" charset="-127"/>
+              <a:cs typeface="Arial" panose="020B0604020202020204" pitchFamily="34" charset="0"/>
+            </a:endParaRPr>
+          </a:p>
+          <a:p>
+            <a:pPr lvl="1" latinLnBrk="1">
+              <a:lnSpc>
+                <a:spcPct val="150000"/>
+              </a:lnSpc>
+              <a:buFontTx/>
+              <a:buChar char="•"/>
+              <a:defRPr/>
+            </a:pPr>
+            <a:r>
+              <a:rPr lang="en-US" altLang="ko-KR" sz="1400" dirty="0" smtClean="0">
+                <a:solidFill>
+                  <a:schemeClr val="tx1">
+                    <a:lumMod val="85000"/>
+                  </a:schemeClr>
+                </a:solidFill>
+                <a:latin typeface="HY견고딕" panose="02030600000101010101" pitchFamily="18" charset="-127"/>
+                <a:ea typeface="HY견고딕" panose="02030600000101010101" pitchFamily="18" charset="-127"/>
+                <a:cs typeface="Arial" panose="020B0604020202020204" pitchFamily="34" charset="0"/>
+              </a:rPr>
+              <a:t>View : 3</a:t>
+            </a:r>
+            <a:r>
+              <a:rPr lang="ko-KR" altLang="en-US" sz="1400" dirty="0" smtClean="0">
+                <a:solidFill>
+                  <a:schemeClr val="tx1">
+                    <a:lumMod val="85000"/>
+                  </a:schemeClr>
+                </a:solidFill>
+                <a:latin typeface="HY견고딕" panose="02030600000101010101" pitchFamily="18" charset="-127"/>
+                <a:ea typeface="HY견고딕" panose="02030600000101010101" pitchFamily="18" charset="-127"/>
+                <a:cs typeface="Arial" panose="020B0604020202020204" pitchFamily="34" charset="0"/>
+              </a:rPr>
+              <a:t>인칭 관찰자 시점</a:t>
+            </a:r>
+            <a:endParaRPr lang="en-US" altLang="ko-KR" sz="1400" dirty="0" smtClean="0">
+              <a:solidFill>
+                <a:schemeClr val="tx1">
+                  <a:lumMod val="85000"/>
+                </a:schemeClr>
+              </a:solidFill>
+              <a:latin typeface="HY견고딕" panose="02030600000101010101" pitchFamily="18" charset="-127"/>
+              <a:ea typeface="HY견고딕" panose="02030600000101010101" pitchFamily="18" charset="-127"/>
+              <a:cs typeface="Arial" panose="020B0604020202020204" pitchFamily="34" charset="0"/>
+            </a:endParaRPr>
+          </a:p>
+          <a:p>
+            <a:pPr lvl="1" latinLnBrk="1">
+              <a:lnSpc>
+                <a:spcPct val="150000"/>
+              </a:lnSpc>
+              <a:buFontTx/>
+              <a:buChar char="•"/>
+              <a:defRPr/>
+            </a:pPr>
+            <a:r>
+              <a:rPr lang="ko-KR" altLang="en-US" sz="1400" dirty="0" smtClean="0">
+                <a:solidFill>
+                  <a:schemeClr val="tx1">
+                    <a:lumMod val="85000"/>
+                  </a:schemeClr>
+                </a:solidFill>
+                <a:latin typeface="HY견고딕" panose="02030600000101010101" pitchFamily="18" charset="-127"/>
+                <a:ea typeface="HY견고딕" panose="02030600000101010101" pitchFamily="18" charset="-127"/>
+                <a:cs typeface="Arial" panose="020B0604020202020204" pitchFamily="34" charset="0"/>
+              </a:rPr>
+              <a:t>키 조작 </a:t>
+            </a:r>
+            <a:r>
+              <a:rPr lang="en-US" altLang="ko-KR" sz="1400" dirty="0" smtClean="0">
+                <a:solidFill>
+                  <a:schemeClr val="tx1">
+                    <a:lumMod val="85000"/>
+                  </a:schemeClr>
+                </a:solidFill>
+                <a:latin typeface="HY견고딕" panose="02030600000101010101" pitchFamily="18" charset="-127"/>
+                <a:ea typeface="HY견고딕" panose="02030600000101010101" pitchFamily="18" charset="-127"/>
+                <a:cs typeface="Arial" panose="020B0604020202020204" pitchFamily="34" charset="0"/>
+              </a:rPr>
+              <a:t>: </a:t>
+            </a:r>
+            <a:r>
+              <a:rPr lang="ko-KR" altLang="en-US" sz="1400" dirty="0" smtClean="0">
+                <a:solidFill>
+                  <a:schemeClr val="tx1">
+                    <a:lumMod val="85000"/>
+                  </a:schemeClr>
+                </a:solidFill>
+                <a:latin typeface="HY견고딕" panose="02030600000101010101" pitchFamily="18" charset="-127"/>
+                <a:ea typeface="HY견고딕" panose="02030600000101010101" pitchFamily="18" charset="-127"/>
+                <a:cs typeface="Arial" panose="020B0604020202020204" pitchFamily="34" charset="0"/>
+              </a:rPr>
+              <a:t>키보드 좌</a:t>
+            </a:r>
+            <a:r>
+              <a:rPr lang="en-US" altLang="ko-KR" sz="1400" dirty="0" smtClean="0">
+                <a:solidFill>
+                  <a:schemeClr val="tx1">
+                    <a:lumMod val="85000"/>
+                  </a:schemeClr>
+                </a:solidFill>
+                <a:latin typeface="HY견고딕" panose="02030600000101010101" pitchFamily="18" charset="-127"/>
+                <a:ea typeface="HY견고딕" panose="02030600000101010101" pitchFamily="18" charset="-127"/>
+                <a:cs typeface="Arial" panose="020B0604020202020204" pitchFamily="34" charset="0"/>
+              </a:rPr>
+              <a:t>,</a:t>
+            </a:r>
+            <a:r>
+              <a:rPr lang="ko-KR" altLang="en-US" sz="1400" dirty="0" smtClean="0">
+                <a:solidFill>
+                  <a:schemeClr val="tx1">
+                    <a:lumMod val="85000"/>
+                  </a:schemeClr>
+                </a:solidFill>
+                <a:latin typeface="HY견고딕" panose="02030600000101010101" pitchFamily="18" charset="-127"/>
+                <a:ea typeface="HY견고딕" panose="02030600000101010101" pitchFamily="18" charset="-127"/>
+                <a:cs typeface="Arial" panose="020B0604020202020204" pitchFamily="34" charset="0"/>
+              </a:rPr>
+              <a:t>우 버튼으로 캐릭터 이동</a:t>
+            </a:r>
+            <a:endParaRPr lang="en-US" altLang="ko-KR" sz="1400" dirty="0" smtClean="0">
+              <a:solidFill>
+                <a:schemeClr val="tx1">
+                  <a:lumMod val="85000"/>
+                </a:schemeClr>
+              </a:solidFill>
+              <a:latin typeface="HY견고딕" panose="02030600000101010101" pitchFamily="18" charset="-127"/>
+              <a:ea typeface="HY견고딕" panose="02030600000101010101" pitchFamily="18" charset="-127"/>
+              <a:cs typeface="Arial" panose="020B0604020202020204" pitchFamily="34" charset="0"/>
+            </a:endParaRPr>
+          </a:p>
+          <a:p>
+            <a:pPr lvl="1" latinLnBrk="1">
+              <a:lnSpc>
+                <a:spcPct val="150000"/>
+              </a:lnSpc>
+              <a:buFontTx/>
+              <a:buChar char="•"/>
+              <a:defRPr/>
+            </a:pPr>
+            <a:r>
+              <a:rPr lang="ko-KR" altLang="en-US" sz="1400" dirty="0" smtClean="0">
+                <a:solidFill>
+                  <a:schemeClr val="tx1">
+                    <a:lumMod val="85000"/>
+                  </a:schemeClr>
+                </a:solidFill>
+                <a:latin typeface="HY견고딕" panose="02030600000101010101" pitchFamily="18" charset="-127"/>
+                <a:ea typeface="HY견고딕" panose="02030600000101010101" pitchFamily="18" charset="-127"/>
+                <a:cs typeface="Arial" panose="020B0604020202020204" pitchFamily="34" charset="0"/>
+              </a:rPr>
+              <a:t>마우스 </a:t>
+            </a:r>
+            <a:r>
+              <a:rPr lang="en-US" altLang="ko-KR" sz="1400" dirty="0" smtClean="0">
+                <a:solidFill>
+                  <a:schemeClr val="tx1">
+                    <a:lumMod val="85000"/>
+                  </a:schemeClr>
+                </a:solidFill>
+                <a:latin typeface="HY견고딕" panose="02030600000101010101" pitchFamily="18" charset="-127"/>
+                <a:ea typeface="HY견고딕" panose="02030600000101010101" pitchFamily="18" charset="-127"/>
+                <a:cs typeface="Arial" panose="020B0604020202020204" pitchFamily="34" charset="0"/>
+              </a:rPr>
+              <a:t>: </a:t>
+            </a:r>
+            <a:r>
+              <a:rPr lang="ko-KR" altLang="en-US" sz="1400" dirty="0" smtClean="0">
+                <a:solidFill>
+                  <a:schemeClr val="tx1">
+                    <a:lumMod val="85000"/>
+                  </a:schemeClr>
+                </a:solidFill>
+                <a:latin typeface="HY견고딕" panose="02030600000101010101" pitchFamily="18" charset="-127"/>
+                <a:ea typeface="HY견고딕" panose="02030600000101010101" pitchFamily="18" charset="-127"/>
+                <a:cs typeface="Arial" panose="020B0604020202020204" pitchFamily="34" charset="0"/>
+              </a:rPr>
+              <a:t>게임 시작을 위한 메뉴 접근</a:t>
+            </a:r>
+            <a:endParaRPr lang="en-US" altLang="ko-KR" sz="1400" dirty="0">
+              <a:solidFill>
+                <a:schemeClr val="tx1">
+                  <a:lumMod val="85000"/>
+                </a:schemeClr>
+              </a:solidFill>
+              <a:latin typeface="HY견고딕" panose="02030600000101010101" pitchFamily="18" charset="-127"/>
+              <a:ea typeface="HY견고딕" panose="02030600000101010101" pitchFamily="18" charset="-127"/>
+              <a:cs typeface="Arial" panose="020B0604020202020204" pitchFamily="34" charset="0"/>
+            </a:endParaRPr>
+          </a:p>
+          <a:p>
+            <a:pPr latinLnBrk="1">
+              <a:lnSpc>
+                <a:spcPct val="150000"/>
+              </a:lnSpc>
+              <a:buFontTx/>
+              <a:buChar char="•"/>
+              <a:defRPr/>
+            </a:pPr>
+            <a:endParaRPr lang="en-US" altLang="ko-KR" sz="1600" dirty="0">
+              <a:solidFill>
+                <a:schemeClr val="tx1">
+                  <a:lumMod val="85000"/>
+                </a:schemeClr>
+              </a:solidFill>
+              <a:latin typeface="HY견고딕" panose="02030600000101010101" pitchFamily="18" charset="-127"/>
+              <a:ea typeface="HY견고딕" panose="02030600000101010101" pitchFamily="18" charset="-127"/>
+              <a:cs typeface="Arial" panose="020B0604020202020204" pitchFamily="34" charset="0"/>
+            </a:endParaRPr>
+          </a:p>
+        </p:txBody>
+      </p:sp>
+      <p:sp>
+        <p:nvSpPr>
+          <p:cNvPr id="13315" name="Text Box 5"/>
+          <p:cNvSpPr txBox="1">
+            <a:spLocks noChangeArrowheads="1"/>
+          </p:cNvSpPr>
+          <p:nvPr/>
+        </p:nvSpPr>
+        <p:spPr bwMode="auto">
+          <a:xfrm>
+            <a:off x="325438" y="120650"/>
+            <a:ext cx="6600825" cy="585788"/>
+          </a:xfrm>
+          <a:prstGeom prst="rect">
+            <a:avLst/>
+          </a:prstGeom>
+          <a:noFill/>
+          <a:ln>
+            <a:noFill/>
+          </a:ln>
+          <a:extLst>
+            <a:ext uri="{909E8E84-426E-40DD-AFC4-6F175D3DCCD1}">
+              <a14:hiddenFill xmlns:a14="http://schemas.microsoft.com/office/drawing/2010/main">
+                <a:solidFill>
+                  <a:srgbClr val="FFFFFF"/>
+                </a:solidFill>
+              </a14:hiddenFill>
+            </a:ext>
+            <a:ext uri="{91240B29-F687-4F45-9708-019B960494DF}">
+              <a14:hiddenLine xmlns:a14="http://schemas.microsoft.com/office/drawing/2010/main" w="9525">
+                <a:solidFill>
+                  <a:srgbClr val="000000"/>
+                </a:solidFill>
+                <a:miter lim="800000"/>
+                <a:headEnd/>
+                <a:tailEnd/>
+              </a14:hiddenLine>
+            </a:ext>
+          </a:extLst>
+        </p:spPr>
+        <p:txBody>
+          <a:bodyPr anchor="ctr">
+            <a:spAutoFit/>
+          </a:bodyPr>
+          <a:lstStyle>
+            <a:lvl1pPr>
+              <a:defRPr kumimoji="1">
+                <a:solidFill>
+                  <a:schemeClr val="tx1"/>
+                </a:solidFill>
+                <a:latin typeface="굴림" panose="020B0600000101010101" pitchFamily="50" charset="-127"/>
+                <a:ea typeface="굴림" panose="020B0600000101010101" pitchFamily="50" charset="-127"/>
+              </a:defRPr>
+            </a:lvl1pPr>
+            <a:lvl2pPr marL="742950" indent="-285750">
+              <a:defRPr kumimoji="1">
+                <a:solidFill>
+                  <a:schemeClr val="tx1"/>
+                </a:solidFill>
+                <a:latin typeface="굴림" panose="020B0600000101010101" pitchFamily="50" charset="-127"/>
+                <a:ea typeface="굴림" panose="020B0600000101010101" pitchFamily="50" charset="-127"/>
+              </a:defRPr>
+            </a:lvl2pPr>
+            <a:lvl3pPr marL="1143000" indent="-228600">
+              <a:defRPr kumimoji="1">
+                <a:solidFill>
+                  <a:schemeClr val="tx1"/>
+                </a:solidFill>
+                <a:latin typeface="굴림" panose="020B0600000101010101" pitchFamily="50" charset="-127"/>
+                <a:ea typeface="굴림" panose="020B0600000101010101" pitchFamily="50" charset="-127"/>
+              </a:defRPr>
+            </a:lvl3pPr>
+            <a:lvl4pPr marL="1600200" indent="-228600">
+              <a:defRPr kumimoji="1">
+                <a:solidFill>
+                  <a:schemeClr val="tx1"/>
+                </a:solidFill>
+                <a:latin typeface="굴림" panose="020B0600000101010101" pitchFamily="50" charset="-127"/>
+                <a:ea typeface="굴림" panose="020B0600000101010101" pitchFamily="50" charset="-127"/>
+              </a:defRPr>
+            </a:lvl4pPr>
+            <a:lvl5pPr marL="2057400" indent="-228600">
+              <a:defRPr kumimoji="1">
+                <a:solidFill>
+                  <a:schemeClr val="tx1"/>
+                </a:solidFill>
+                <a:latin typeface="굴림" panose="020B0600000101010101" pitchFamily="50" charset="-127"/>
+                <a:ea typeface="굴림" panose="020B0600000101010101" pitchFamily="50" charset="-127"/>
+              </a:defRPr>
+            </a:lvl5pPr>
+            <a:lvl6pPr marL="2514600" indent="-228600" eaLnBrk="0" fontAlgn="base" hangingPunct="0">
+              <a:spcBef>
+                <a:spcPct val="0"/>
+              </a:spcBef>
+              <a:spcAft>
+                <a:spcPct val="0"/>
+              </a:spcAft>
+              <a:defRPr kumimoji="1">
+                <a:solidFill>
+                  <a:schemeClr val="tx1"/>
+                </a:solidFill>
+                <a:latin typeface="굴림" panose="020B0600000101010101" pitchFamily="50" charset="-127"/>
+                <a:ea typeface="굴림" panose="020B0600000101010101" pitchFamily="50" charset="-127"/>
+              </a:defRPr>
+            </a:lvl6pPr>
+            <a:lvl7pPr marL="2971800" indent="-228600" eaLnBrk="0" fontAlgn="base" hangingPunct="0">
+              <a:spcBef>
+                <a:spcPct val="0"/>
+              </a:spcBef>
+              <a:spcAft>
+                <a:spcPct val="0"/>
+              </a:spcAft>
+              <a:defRPr kumimoji="1">
+                <a:solidFill>
+                  <a:schemeClr val="tx1"/>
+                </a:solidFill>
+                <a:latin typeface="굴림" panose="020B0600000101010101" pitchFamily="50" charset="-127"/>
+                <a:ea typeface="굴림" panose="020B0600000101010101" pitchFamily="50" charset="-127"/>
+              </a:defRPr>
+            </a:lvl7pPr>
+            <a:lvl8pPr marL="3429000" indent="-228600" eaLnBrk="0" fontAlgn="base" hangingPunct="0">
+              <a:spcBef>
+                <a:spcPct val="0"/>
+              </a:spcBef>
+              <a:spcAft>
+                <a:spcPct val="0"/>
+              </a:spcAft>
+              <a:defRPr kumimoji="1">
+                <a:solidFill>
+                  <a:schemeClr val="tx1"/>
+                </a:solidFill>
+                <a:latin typeface="굴림" panose="020B0600000101010101" pitchFamily="50" charset="-127"/>
+                <a:ea typeface="굴림" panose="020B0600000101010101" pitchFamily="50" charset="-127"/>
+              </a:defRPr>
+            </a:lvl8pPr>
+            <a:lvl9pPr marL="3886200" indent="-228600" eaLnBrk="0" fontAlgn="base" hangingPunct="0">
+              <a:spcBef>
+                <a:spcPct val="0"/>
+              </a:spcBef>
+              <a:spcAft>
+                <a:spcPct val="0"/>
+              </a:spcAft>
+              <a:defRPr kumimoji="1">
+                <a:solidFill>
+                  <a:schemeClr val="tx1"/>
+                </a:solidFill>
+                <a:latin typeface="굴림" panose="020B0600000101010101" pitchFamily="50" charset="-127"/>
+                <a:ea typeface="굴림" panose="020B0600000101010101" pitchFamily="50" charset="-127"/>
+              </a:defRPr>
+            </a:lvl9pPr>
+          </a:lstStyle>
+          <a:p>
+            <a:pPr eaLnBrk="1" latinLnBrk="1" hangingPunct="1"/>
+            <a:r>
+              <a:rPr lang="en-US" altLang="ko-KR" sz="3200" dirty="0" smtClean="0">
+                <a:latin typeface="Tahoma" panose="020B0604030504040204" pitchFamily="34" charset="0"/>
+                <a:cs typeface="Tahoma" panose="020B0604030504040204" pitchFamily="34" charset="0"/>
+              </a:rPr>
+              <a:t>Game </a:t>
+            </a:r>
+            <a:r>
+              <a:rPr lang="en-US" altLang="ko-KR" sz="3200" b="1" dirty="0">
+                <a:latin typeface="Tahoma" panose="020B0604030504040204" pitchFamily="34" charset="0"/>
+                <a:cs typeface="Tahoma" panose="020B0604030504040204" pitchFamily="34" charset="0"/>
+              </a:rPr>
+              <a:t>C</a:t>
+            </a:r>
+            <a:r>
+              <a:rPr lang="en-US" altLang="ko-KR" sz="3200" b="1" dirty="0" smtClean="0">
+                <a:latin typeface="Tahoma" panose="020B0604030504040204" pitchFamily="34" charset="0"/>
+                <a:cs typeface="Tahoma" panose="020B0604030504040204" pitchFamily="34" charset="0"/>
+              </a:rPr>
+              <a:t>oncept</a:t>
+            </a:r>
+            <a:endParaRPr lang="ko-KR" altLang="ko-KR" sz="3200" b="1" dirty="0">
+              <a:latin typeface="Tahoma" panose="020B0604030504040204" pitchFamily="34" charset="0"/>
+              <a:cs typeface="Tahoma" panose="020B0604030504040204" pitchFamily="34" charset="0"/>
+            </a:endParaRPr>
+          </a:p>
+        </p:txBody>
+      </p:sp>
+      <p:grpSp>
+        <p:nvGrpSpPr>
+          <p:cNvPr id="7" name="그룹 6"/>
+          <p:cNvGrpSpPr/>
+          <p:nvPr/>
+        </p:nvGrpSpPr>
+        <p:grpSpPr>
+          <a:xfrm>
+            <a:off x="325438" y="4437112"/>
+            <a:ext cx="8362950" cy="2065271"/>
+            <a:chOff x="325438" y="1340768"/>
+            <a:chExt cx="8362950" cy="2065271"/>
+          </a:xfrm>
+        </p:grpSpPr>
+        <p:pic>
+          <p:nvPicPr>
+            <p:cNvPr id="8" name="Picture 2" descr="http://app.chosun.com/site/data/img_dir/2010/11/12/2010111200622_1.jpg"/>
+            <p:cNvPicPr>
+              <a:picLocks noChangeAspect="1" noChangeArrowheads="1"/>
+            </p:cNvPicPr>
+            <p:nvPr/>
+          </p:nvPicPr>
+          <p:blipFill>
+            <a:blip r:embed="rId2">
+              <a:extLst>
+                <a:ext uri="{28A0092B-C50C-407E-A947-70E740481C1C}">
+                  <a14:useLocalDpi xmlns:a14="http://schemas.microsoft.com/office/drawing/2010/main" val="0"/>
+                </a:ext>
+              </a:extLst>
+            </a:blip>
+            <a:srcRect/>
+            <a:stretch>
+              <a:fillRect/>
+            </a:stretch>
+          </p:blipFill>
+          <p:spPr bwMode="auto">
+            <a:xfrm>
+              <a:off x="325438" y="1340768"/>
+              <a:ext cx="6356550" cy="2065271"/>
+            </a:xfrm>
+            <a:prstGeom prst="rect">
+              <a:avLst/>
+            </a:prstGeom>
+            <a:noFill/>
+            <a:extLst>
+              <a:ext uri="{909E8E84-426E-40DD-AFC4-6F175D3DCCD1}">
+                <a14:hiddenFill xmlns:a14="http://schemas.microsoft.com/office/drawing/2010/main">
+                  <a:solidFill>
+                    <a:srgbClr val="FFFFFF"/>
+                  </a:solidFill>
+                </a14:hiddenFill>
+              </a:ext>
+            </a:extLst>
+          </p:spPr>
+        </p:pic>
+        <p:pic>
+          <p:nvPicPr>
+            <p:cNvPr id="9" name="Picture 4" descr="http://cfile29.uf.tistory.com/image/1966AE194BCD159969D8AD"/>
+            <p:cNvPicPr>
+              <a:picLocks noChangeAspect="1" noChangeArrowheads="1"/>
+            </p:cNvPicPr>
+            <p:nvPr/>
+          </p:nvPicPr>
+          <p:blipFill>
+            <a:blip r:embed="rId3">
+              <a:extLst>
+                <a:ext uri="{28A0092B-C50C-407E-A947-70E740481C1C}">
+                  <a14:useLocalDpi xmlns:a14="http://schemas.microsoft.com/office/drawing/2010/main" val="0"/>
+                </a:ext>
+              </a:extLst>
+            </a:blip>
+            <a:srcRect/>
+            <a:stretch>
+              <a:fillRect/>
+            </a:stretch>
+          </p:blipFill>
+          <p:spPr bwMode="auto">
+            <a:xfrm>
+              <a:off x="6681988" y="1340975"/>
+              <a:ext cx="2006400" cy="2065063"/>
+            </a:xfrm>
+            <a:prstGeom prst="rect">
+              <a:avLst/>
+            </a:prstGeom>
+            <a:noFill/>
+            <a:extLst>
+              <a:ext uri="{909E8E84-426E-40DD-AFC4-6F175D3DCCD1}">
+                <a14:hiddenFill xmlns:a14="http://schemas.microsoft.com/office/drawing/2010/main">
+                  <a:solidFill>
+                    <a:srgbClr val="FFFFFF"/>
+                  </a:solidFill>
+                </a14:hiddenFill>
+              </a:ext>
+            </a:extLst>
+          </p:spPr>
+        </p:pic>
+      </p:grpSp>
+    </p:spTree>
+    <p:extLst>
+      <p:ext uri="{BB962C8B-B14F-4D97-AF65-F5344CB8AC3E}">
+        <p14:creationId xmlns:p14="http://schemas.microsoft.com/office/powerpoint/2010/main" val="1153761330"/>
+      </p:ext>
+    </p:extLst>
+  </p:cSld>
+  <p:clrMapOvr>
+    <a:masterClrMapping/>
+  </p:clrMapOvr>
+  <p:timing>
+    <p:tnLst>
+      <p:par>
+        <p:cTn id="1" dur="indefinite" restart="never" nodeType="tmRoot"/>
+      </p:par>
+    </p:tnLst>
+  </p:timing>
+</p:sld>
+</file>
+
+<file path=ppt/slides/slide5.xml><?xml version="1.0" encoding="utf-8"?>
+<p:sld xmlns:a="http://schemas.openxmlformats.org/drawingml/2006/main" xmlns:r="http://schemas.openxmlformats.org/officeDocument/2006/relationships" xmlns:p="http://schemas.openxmlformats.org/presentationml/2006/main">
+  <p:cSld>
+    <p:spTree>
+      <p:nvGrpSpPr>
+        <p:cNvPr id="1" name=""/>
+        <p:cNvGrpSpPr/>
+        <p:nvPr/>
+      </p:nvGrpSpPr>
+      <p:grpSpPr>
+        <a:xfrm>
+          <a:off x="0" y="0"/>
+          <a:ext cx="0" cy="0"/>
+          <a:chOff x="0" y="0"/>
+          <a:chExt cx="0" cy="0"/>
+        </a:xfrm>
+      </p:grpSpPr>
+      <p:grpSp>
+        <p:nvGrpSpPr>
+          <p:cNvPr id="12290" name="그룹 1"/>
+          <p:cNvGrpSpPr>
+            <a:grpSpLocks/>
+          </p:cNvGrpSpPr>
+          <p:nvPr/>
+        </p:nvGrpSpPr>
+        <p:grpSpPr bwMode="auto">
+          <a:xfrm>
+            <a:off x="3122613" y="3143250"/>
+            <a:ext cx="5164137" cy="1149350"/>
+            <a:chOff x="3177925" y="2002967"/>
+            <a:chExt cx="5164787" cy="1150543"/>
+          </a:xfrm>
+        </p:grpSpPr>
+        <p:sp>
+          <p:nvSpPr>
+            <p:cNvPr id="3" name="TextBox 2"/>
+            <p:cNvSpPr txBox="1">
+              <a:spLocks noChangeArrowheads="1"/>
+            </p:cNvSpPr>
+            <p:nvPr/>
+          </p:nvSpPr>
+          <p:spPr bwMode="auto">
+            <a:xfrm>
+              <a:off x="3177925" y="2002967"/>
               <a:ext cx="5164787" cy="785644"/>
             </a:xfrm>
             <a:prstGeom prst="rect">
@@ -18225,7 +22326,7 @@
 </p:sld>
 </file>
 
-<file path=ppt/slides/slide4.xml><?xml version="1.0" encoding="utf-8"?>
+<file path=ppt/slides/slide6.xml><?xml version="1.0" encoding="utf-8"?>
 <p:sld xmlns:a="http://schemas.openxmlformats.org/drawingml/2006/main" xmlns:r="http://schemas.openxmlformats.org/officeDocument/2006/relationships" xmlns:p="http://schemas.openxmlformats.org/presentationml/2006/main">
   <p:cSld>
     <p:spTree>
@@ -18425,14 +22526,14 @@
           <p:nvPr>
             <p:extLst>
               <p:ext uri="{D42A27DB-BD31-4B8C-83A1-F6EECF244321}">
-                <p14:modId xmlns:p14="http://schemas.microsoft.com/office/powerpoint/2010/main" val="1489873545"/>
+                <p14:modId xmlns:p14="http://schemas.microsoft.com/office/powerpoint/2010/main" val="1297606014"/>
               </p:ext>
             </p:extLst>
           </p:nvPr>
         </p:nvGraphicFramePr>
         <p:xfrm>
           <a:off x="577851" y="1124744"/>
-          <a:ext cx="7954589" cy="4690840"/>
+          <a:ext cx="7954589" cy="4824536"/>
         </p:xfrm>
         <a:graphic>
           <a:graphicData uri="http://schemas.openxmlformats.org/drawingml/2006/table">
@@ -18441,9 +22542,8 @@
                 <a:tableStyleId>{073A0DAA-6AF3-43AB-8588-CEC1D06C72B9}</a:tableStyleId>
               </a:tblPr>
               <a:tblGrid>
-                <a:gridCol w="1055579"/>
-                <a:gridCol w="1055579"/>
-                <a:gridCol w="5843431"/>
+                <a:gridCol w="1257845"/>
+                <a:gridCol w="6696744"/>
               </a:tblGrid>
               <a:tr h="370840">
                 <a:tc>
@@ -18476,28 +22576,6 @@
                       <a:pPr algn="ctr" latinLnBrk="1"/>
                       <a:r>
                         <a:rPr lang="ko-KR" altLang="en-US" dirty="0" smtClean="0"/>
-                        <a:t>완성도</a:t>
-                      </a:r>
-                      <a:endParaRPr lang="ko-KR" altLang="en-US" dirty="0"/>
-                    </a:p>
-                  </a:txBody>
-                  <a:tcPr>
-                    <a:solidFill>
-                      <a:schemeClr val="bg1">
-                        <a:lumMod val="85000"/>
-                        <a:lumOff val="15000"/>
-                      </a:schemeClr>
-                    </a:solidFill>
-                  </a:tcPr>
-                </a:tc>
-                <a:tc>
-                  <a:txBody>
-                    <a:bodyPr/>
-                    <a:lstStyle/>
-                    <a:p>
-                      <a:pPr algn="ctr" latinLnBrk="1"/>
-                      <a:r>
-                        <a:rPr lang="ko-KR" altLang="en-US" dirty="0" smtClean="0"/>
                         <a:t>범위</a:t>
                       </a:r>
                       <a:endParaRPr lang="ko-KR" altLang="en-US" dirty="0"/>
@@ -18513,13 +22591,13 @@
                   </a:tcPr>
                 </a:tc>
               </a:tr>
-              <a:tr h="540000">
+              <a:tr h="556712">
                 <a:tc>
                   <a:txBody>
                     <a:bodyPr/>
                     <a:lstStyle/>
                     <a:p>
-                      <a:pPr lvl="0" algn="l" latinLnBrk="1"/>
+                      <a:pPr lvl="0" algn="ctr" latinLnBrk="1"/>
                       <a:r>
                         <a:rPr lang="ko-KR" altLang="en-US" sz="1200" b="0" dirty="0" err="1" smtClean="0"/>
                         <a:t>맵</a:t>
@@ -18534,20 +22612,41 @@
                     <a:bodyPr/>
                     <a:lstStyle/>
                     <a:p>
+                      <a:pPr latinLnBrk="1"/>
+                      <a:r>
+                        <a:rPr lang="ko-KR" altLang="en-US" sz="1200" dirty="0" smtClean="0"/>
+                        <a:t>메인 </a:t>
+                      </a:r>
+                      <a:r>
+                        <a:rPr lang="en-US" altLang="ko-KR" sz="1200" dirty="0" smtClean="0"/>
+                        <a:t>Stage, Score ( 10</a:t>
+                      </a:r>
+                      <a:r>
+                        <a:rPr lang="ko-KR" altLang="en-US" sz="1200" dirty="0" smtClean="0"/>
+                        <a:t>주차 예정 </a:t>
+                      </a:r>
+                      <a:r>
+                        <a:rPr lang="en-US" altLang="ko-KR" sz="1200" dirty="0" smtClean="0"/>
+                        <a:t>)</a:t>
+                      </a:r>
+                      <a:endParaRPr lang="ko-KR" altLang="en-US" sz="1200" dirty="0"/>
+                    </a:p>
+                  </a:txBody>
+                  <a:tcPr anchor="ctr"/>
+                </a:tc>
+              </a:tr>
+              <a:tr h="556712">
+                <a:tc>
+                  <a:txBody>
+                    <a:bodyPr/>
+                    <a:lstStyle/>
+                    <a:p>
                       <a:pPr lvl="0" algn="ctr" latinLnBrk="1"/>
                       <a:r>
-                        <a:rPr lang="en-US" altLang="ko-KR" sz="1800" b="0" dirty="0" smtClean="0">
-                          <a:solidFill>
-                            <a:schemeClr val="tx1"/>
-                          </a:solidFill>
-                        </a:rPr>
-                        <a:t>50%</a:t>
-                      </a:r>
-                      <a:endParaRPr lang="ko-KR" altLang="en-US" sz="1800" b="0" dirty="0">
-                        <a:solidFill>
-                          <a:schemeClr val="tx1"/>
-                        </a:solidFill>
-                      </a:endParaRPr>
+                        <a:rPr lang="ko-KR" altLang="en-US" sz="1200" b="0" dirty="0" smtClean="0"/>
+                        <a:t>캐릭터</a:t>
+                      </a:r>
+                      <a:endParaRPr lang="ko-KR" altLang="en-US" sz="1200" b="0" dirty="0"/>
                     </a:p>
                   </a:txBody>
                   <a:tcPr anchor="ctr"/>
@@ -18560,18 +22659,22 @@
                       <a:pPr latinLnBrk="1"/>
                       <a:r>
                         <a:rPr lang="ko-KR" altLang="en-US" sz="1200" dirty="0" smtClean="0"/>
-                        <a:t>메인 </a:t>
+                        <a:t>유저 캐릭터 </a:t>
                       </a:r>
                       <a:r>
                         <a:rPr lang="en-US" altLang="ko-KR" sz="1200" dirty="0" smtClean="0"/>
-                        <a:t>Stage, Score ( 10</a:t>
-                      </a:r>
-                      <a:r>
-                        <a:rPr lang="ko-KR" altLang="en-US" sz="1200" dirty="0" smtClean="0"/>
-                        <a:t>주차 예정 </a:t>
-                      </a:r>
-                      <a:r>
-                        <a:rPr lang="en-US" altLang="ko-KR" sz="1200" dirty="0" smtClean="0"/>
+                        <a:t>(</a:t>
+                      </a:r>
+                      <a:r>
+                        <a:rPr lang="en-US" altLang="ko-KR" sz="1200" baseline="0" dirty="0" smtClean="0"/>
+                        <a:t> </a:t>
+                      </a:r>
+                      <a:r>
+                        <a:rPr lang="ko-KR" altLang="en-US" sz="1200" baseline="0" dirty="0" smtClean="0"/>
+                        <a:t>토끼 캐릭터 사용 </a:t>
+                      </a:r>
+                      <a:r>
+                        <a:rPr lang="en-US" altLang="ko-KR" sz="1200" baseline="0" dirty="0" smtClean="0"/>
                         <a:t>)</a:t>
                       </a:r>
                       <a:endParaRPr lang="ko-KR" altLang="en-US" sz="1200" dirty="0"/>
@@ -18580,16 +22683,16 @@
                   <a:tcPr anchor="ctr"/>
                 </a:tc>
               </a:tr>
-              <a:tr h="540000">
+              <a:tr h="556712">
                 <a:tc>
                   <a:txBody>
                     <a:bodyPr/>
                     <a:lstStyle/>
                     <a:p>
-                      <a:pPr lvl="0" algn="l" latinLnBrk="1"/>
+                      <a:pPr lvl="0" algn="ctr" latinLnBrk="1"/>
                       <a:r>
                         <a:rPr lang="ko-KR" altLang="en-US" sz="1200" b="0" dirty="0" smtClean="0"/>
-                        <a:t>캐릭터</a:t>
+                        <a:t>보조 캐릭터</a:t>
                       </a:r>
                       <a:endParaRPr lang="ko-KR" altLang="en-US" sz="1200" b="0" dirty="0"/>
                     </a:p>
@@ -18601,20 +22704,61 @@
                     <a:bodyPr/>
                     <a:lstStyle/>
                     <a:p>
+                      <a:pPr latinLnBrk="1"/>
+                      <a:r>
+                        <a:rPr lang="ko-KR" altLang="en-US" sz="1200" dirty="0" smtClean="0"/>
+                        <a:t>밟고 올라갈 발판</a:t>
+                      </a:r>
+                      <a:r>
+                        <a:rPr lang="en-US" altLang="ko-KR" sz="1200" baseline="0" dirty="0" smtClean="0"/>
+                        <a:t> + </a:t>
+                      </a:r>
+                      <a:r>
+                        <a:rPr lang="ko-KR" altLang="en-US" sz="1200" baseline="0" dirty="0" smtClean="0"/>
+                        <a:t>부분부분 </a:t>
+                      </a:r>
+                      <a:r>
+                        <a:rPr lang="ko-KR" altLang="en-US" sz="1200" baseline="0" dirty="0" smtClean="0"/>
+                        <a:t>함정 </a:t>
+                      </a:r>
+                      <a:r>
+                        <a:rPr lang="en-US" altLang="ko-KR" sz="1200" baseline="0" dirty="0" smtClean="0"/>
+                        <a:t>( </a:t>
+                      </a:r>
+                      <a:r>
+                        <a:rPr lang="ko-KR" altLang="en-US" sz="1200" baseline="0" dirty="0" smtClean="0"/>
+                        <a:t>블랙홀</a:t>
+                      </a:r>
+                      <a:r>
+                        <a:rPr lang="en-US" altLang="ko-KR" sz="1200" baseline="0" dirty="0" smtClean="0"/>
+                        <a:t>, </a:t>
+                      </a:r>
+                      <a:r>
+                        <a:rPr lang="ko-KR" altLang="en-US" sz="1200" baseline="0" dirty="0" smtClean="0"/>
+                        <a:t>우주선</a:t>
+                      </a:r>
+                      <a:r>
+                        <a:rPr lang="en-US" altLang="ko-KR" sz="1200" baseline="0" dirty="0" smtClean="0"/>
+                        <a:t> )</a:t>
+                      </a:r>
+                      <a:endParaRPr lang="ko-KR" altLang="en-US" sz="1200" dirty="0"/>
+                    </a:p>
+                  </a:txBody>
+                  <a:tcPr anchor="ctr"/>
+                </a:tc>
+              </a:tr>
+              <a:tr h="556712">
+                <a:tc>
+                  <a:txBody>
+                    <a:bodyPr/>
+                    <a:lstStyle/>
+                    <a:p>
                       <a:pPr lvl="0" algn="ctr" latinLnBrk="1"/>
                       <a:r>
-                        <a:rPr lang="en-US" altLang="ko-KR" sz="1800" b="0" dirty="0" smtClean="0">
-                          <a:solidFill>
-                            <a:schemeClr val="tx1"/>
-                          </a:solidFill>
-                        </a:rPr>
-                        <a:t>80%</a:t>
-                      </a:r>
-                      <a:endParaRPr lang="ko-KR" altLang="en-US" sz="1800" b="0" dirty="0">
-                        <a:solidFill>
-                          <a:schemeClr val="tx1"/>
-                        </a:solidFill>
-                      </a:endParaRPr>
+                        <a:rPr lang="ko-KR" altLang="en-US" sz="1200" b="0" dirty="0" smtClean="0"/>
+                        <a:t>애니메이션</a:t>
+                      </a:r>
+                      <a:endParaRPr lang="ko-KR" altLang="en-US" sz="1200" b="0" dirty="0"/>
                     </a:p>
                   </a:txBody>
                   <a:tcPr anchor="ctr"/>
@@ -18627,19 +22771,23 @@
                       <a:pPr latinLnBrk="1"/>
                       <a:r>
                         <a:rPr lang="ko-KR" altLang="en-US" sz="1200" dirty="0" smtClean="0"/>
-                        <a:t>유저 </a:t>
+                        <a:t>캐릭터 점프</a:t>
+                      </a:r>
+                      <a:r>
+                        <a:rPr lang="en-US" altLang="ko-KR" sz="1200" dirty="0" smtClean="0"/>
+                        <a:t>, </a:t>
                       </a:r>
                       <a:r>
                         <a:rPr lang="ko-KR" altLang="en-US" sz="1200" dirty="0" smtClean="0"/>
-                        <a:t>캐릭터 </a:t>
-                      </a:r>
-                      <a:r>
-                        <a:rPr lang="en-US" altLang="ko-KR" sz="1200" smtClean="0"/>
-                        <a:t>(</a:t>
-                      </a:r>
-                      <a:r>
-                        <a:rPr lang="en-US" altLang="ko-KR" sz="1200" baseline="0" smtClean="0"/>
-                        <a:t> </a:t>
+                        <a:t>날라가는 모션</a:t>
+                      </a:r>
+                      <a:r>
+                        <a:rPr lang="en-US" altLang="ko-KR" sz="1200" dirty="0" smtClean="0"/>
+                        <a:t>, </a:t>
+                      </a:r>
+                      <a:r>
+                        <a:rPr lang="ko-KR" altLang="en-US" sz="1200" dirty="0" smtClean="0"/>
+                        <a:t>발판이 생김</a:t>
                       </a:r>
                       <a:endParaRPr lang="ko-KR" altLang="en-US" sz="1200" dirty="0"/>
                     </a:p>
@@ -18647,16 +22795,16 @@
                   <a:tcPr anchor="ctr"/>
                 </a:tc>
               </a:tr>
-              <a:tr h="540000">
+              <a:tr h="556712">
                 <a:tc>
                   <a:txBody>
                     <a:bodyPr/>
                     <a:lstStyle/>
                     <a:p>
-                      <a:pPr lvl="0" algn="l" latinLnBrk="1"/>
+                      <a:pPr lvl="0" algn="ctr" latinLnBrk="1"/>
                       <a:r>
                         <a:rPr lang="ko-KR" altLang="en-US" sz="1200" b="0" dirty="0" smtClean="0"/>
-                        <a:t>보조 캐릭터</a:t>
+                        <a:t>게임 코어 기능</a:t>
                       </a:r>
                       <a:endParaRPr lang="ko-KR" altLang="en-US" sz="1200" b="0" dirty="0"/>
                     </a:p>
@@ -18668,20 +22816,61 @@
                     <a:bodyPr/>
                     <a:lstStyle/>
                     <a:p>
+                      <a:pPr latinLnBrk="1"/>
+                      <a:r>
+                        <a:rPr lang="ko-KR" altLang="en-US" sz="1200" dirty="0" err="1" smtClean="0"/>
+                        <a:t>맵</a:t>
+                      </a:r>
+                      <a:r>
+                        <a:rPr lang="ko-KR" altLang="en-US" sz="1200" baseline="0" dirty="0" smtClean="0"/>
+                        <a:t> </a:t>
+                      </a:r>
+                      <a:r>
+                        <a:rPr lang="ko-KR" altLang="en-US" sz="1200" baseline="0" dirty="0" err="1" smtClean="0"/>
+                        <a:t>스크롤링</a:t>
+                      </a:r>
+                      <a:r>
+                        <a:rPr lang="en-US" altLang="ko-KR" sz="1200" baseline="0" dirty="0" smtClean="0"/>
+                        <a:t>, </a:t>
+                      </a:r>
+                      <a:r>
+                        <a:rPr lang="ko-KR" altLang="en-US" sz="1200" baseline="0" dirty="0" smtClean="0"/>
+                        <a:t>캐릭터 점프</a:t>
+                      </a:r>
+                      <a:r>
+                        <a:rPr lang="en-US" altLang="ko-KR" sz="1200" baseline="0" dirty="0" smtClean="0"/>
+                        <a:t>, </a:t>
+                      </a:r>
+                      <a:r>
+                        <a:rPr lang="ko-KR" altLang="en-US" sz="1200" baseline="0" dirty="0" smtClean="0"/>
+                        <a:t>발판의 생김</a:t>
+                      </a:r>
+                      <a:r>
+                        <a:rPr lang="en-US" altLang="ko-KR" sz="1200" baseline="0" dirty="0" smtClean="0"/>
+                        <a:t>, </a:t>
+                      </a:r>
+                      <a:r>
+                        <a:rPr lang="ko-KR" altLang="en-US" sz="1200" baseline="0" dirty="0" smtClean="0"/>
+                        <a:t>거리에 따른 점수변화 및 발판 거리 증가</a:t>
+                      </a:r>
+                      <a:endParaRPr lang="ko-KR" altLang="en-US" sz="1200" dirty="0"/>
+                    </a:p>
+                  </a:txBody>
+                  <a:tcPr anchor="ctr"/>
+                </a:tc>
+              </a:tr>
+              <a:tr h="556712">
+                <a:tc>
+                  <a:txBody>
+                    <a:bodyPr/>
+                    <a:lstStyle/>
+                    <a:p>
                       <a:pPr lvl="0" algn="ctr" latinLnBrk="1"/>
                       <a:r>
-                        <a:rPr lang="en-US" altLang="ko-KR" sz="1800" b="0" dirty="0" smtClean="0">
-                          <a:solidFill>
-                            <a:schemeClr val="tx1"/>
-                          </a:solidFill>
-                        </a:rPr>
-                        <a:t>10%</a:t>
-                      </a:r>
-                      <a:endParaRPr lang="ko-KR" altLang="en-US" sz="1800" b="0" dirty="0">
-                        <a:solidFill>
-                          <a:schemeClr val="tx1"/>
-                        </a:solidFill>
-                      </a:endParaRPr>
+                        <a:rPr lang="ko-KR" altLang="en-US" sz="1200" b="0" dirty="0" smtClean="0"/>
+                        <a:t>컨트롤</a:t>
+                      </a:r>
+                      <a:endParaRPr lang="ko-KR" altLang="en-US" sz="1200" b="0" dirty="0"/>
                     </a:p>
                   </a:txBody>
                   <a:tcPr anchor="ctr"/>
@@ -18694,15 +22883,11 @@
                       <a:pPr latinLnBrk="1"/>
                       <a:r>
                         <a:rPr lang="ko-KR" altLang="en-US" sz="1200" dirty="0" smtClean="0"/>
-                        <a:t>밟고 올라갈 발판</a:t>
-                      </a:r>
-                      <a:r>
-                        <a:rPr lang="en-US" altLang="ko-KR" sz="1200" baseline="0" dirty="0" smtClean="0"/>
-                        <a:t> + </a:t>
-                      </a:r>
-                      <a:r>
-                        <a:rPr lang="ko-KR" altLang="en-US" sz="1200" baseline="0" dirty="0" smtClean="0"/>
-                        <a:t>부분부분 함정</a:t>
+                        <a:t>캐릭터 좌우 </a:t>
+                      </a:r>
+                      <a:r>
+                        <a:rPr lang="ko-KR" altLang="en-US" sz="1200" dirty="0" smtClean="0"/>
+                        <a:t>이동</a:t>
                       </a:r>
                       <a:endParaRPr lang="ko-KR" altLang="en-US" sz="1200" dirty="0"/>
                     </a:p>
@@ -18710,16 +22895,16 @@
                   <a:tcPr anchor="ctr"/>
                 </a:tc>
               </a:tr>
-              <a:tr h="540000">
+              <a:tr h="556712">
                 <a:tc>
                   <a:txBody>
                     <a:bodyPr/>
                     <a:lstStyle/>
                     <a:p>
-                      <a:pPr lvl="0" algn="l" latinLnBrk="1"/>
+                      <a:pPr lvl="0" algn="ctr" latinLnBrk="1"/>
                       <a:r>
                         <a:rPr lang="ko-KR" altLang="en-US" sz="1200" b="0" dirty="0" smtClean="0"/>
-                        <a:t>애니메이션</a:t>
+                        <a:t>난이도</a:t>
                       </a:r>
                       <a:endParaRPr lang="ko-KR" altLang="en-US" sz="1200" b="0" dirty="0"/>
                     </a:p>
@@ -18731,20 +22916,65 @@
                     <a:bodyPr/>
                     <a:lstStyle/>
                     <a:p>
+                      <a:pPr latinLnBrk="1"/>
+                      <a:r>
+                        <a:rPr lang="en-US" altLang="ko-KR" sz="1200" dirty="0" smtClean="0"/>
+                        <a:t>Easy</a:t>
+                      </a:r>
+                      <a:r>
+                        <a:rPr lang="en-US" altLang="ko-KR" sz="1200" baseline="0" dirty="0" smtClean="0"/>
+                        <a:t>, Middle, Hard ( </a:t>
+                      </a:r>
+                      <a:r>
+                        <a:rPr lang="ko-KR" altLang="en-US" sz="1200" baseline="0" dirty="0" smtClean="0"/>
+                        <a:t>발판의 거리</a:t>
+                      </a:r>
+                      <a:r>
+                        <a:rPr lang="en-US" altLang="ko-KR" sz="1200" baseline="0" dirty="0" smtClean="0"/>
+                        <a:t>, </a:t>
+                      </a:r>
+                      <a:r>
+                        <a:rPr lang="ko-KR" altLang="en-US" sz="1200" baseline="0" dirty="0" err="1" smtClean="0"/>
+                        <a:t>발판수</a:t>
+                      </a:r>
+                      <a:r>
+                        <a:rPr lang="en-US" altLang="ko-KR" sz="1200" baseline="0" dirty="0" smtClean="0"/>
+                        <a:t>, </a:t>
+                      </a:r>
+                      <a:r>
+                        <a:rPr lang="ko-KR" altLang="en-US" sz="1200" baseline="0" dirty="0" smtClean="0"/>
+                        <a:t>함정 </a:t>
+                      </a:r>
+                      <a:r>
+                        <a:rPr lang="ko-KR" altLang="en-US" sz="1200" baseline="0" dirty="0" err="1" smtClean="0"/>
+                        <a:t>출연수</a:t>
+                      </a:r>
+                      <a:r>
+                        <a:rPr lang="ko-KR" altLang="en-US" sz="1200" baseline="0" dirty="0" smtClean="0"/>
+                        <a:t> 증가</a:t>
+                      </a:r>
+                      <a:r>
+                        <a:rPr lang="en-US" altLang="ko-KR" sz="1200" baseline="0" dirty="0" smtClean="0"/>
+                        <a:t>)</a:t>
+                      </a:r>
+                      <a:endParaRPr lang="ko-KR" altLang="en-US" sz="1200" dirty="0"/>
+                    </a:p>
+                  </a:txBody>
+                  <a:tcPr anchor="ctr"/>
+                </a:tc>
+              </a:tr>
+              <a:tr h="556712">
+                <a:tc>
+                  <a:txBody>
+                    <a:bodyPr/>
+                    <a:lstStyle/>
+                    <a:p>
                       <a:pPr lvl="0" algn="ctr" latinLnBrk="1"/>
                       <a:r>
-                        <a:rPr lang="en-US" altLang="ko-KR" sz="1800" b="0" dirty="0" smtClean="0">
-                          <a:solidFill>
-                            <a:schemeClr val="tx1"/>
-                          </a:solidFill>
-                        </a:rPr>
-                        <a:t>70%</a:t>
-                      </a:r>
-                      <a:endParaRPr lang="ko-KR" altLang="en-US" sz="1800" b="0" dirty="0">
-                        <a:solidFill>
-                          <a:schemeClr val="tx1"/>
-                        </a:solidFill>
-                      </a:endParaRPr>
+                        <a:rPr lang="ko-KR" altLang="en-US" sz="1200" b="0" dirty="0" smtClean="0"/>
+                        <a:t>사운드</a:t>
+                      </a:r>
+                      <a:endParaRPr lang="ko-KR" altLang="en-US" sz="1200" b="0" dirty="0"/>
                     </a:p>
                   </a:txBody>
                   <a:tcPr anchor="ctr"/>
@@ -18757,78 +22987,15 @@
                       <a:pPr latinLnBrk="1"/>
                       <a:r>
                         <a:rPr lang="ko-KR" altLang="en-US" sz="1200" dirty="0" smtClean="0"/>
-                        <a:t>캐릭터 점프</a:t>
+                        <a:t>점프</a:t>
                       </a:r>
                       <a:r>
                         <a:rPr lang="en-US" altLang="ko-KR" sz="1200" dirty="0" smtClean="0"/>
                         <a:t>, </a:t>
                       </a:r>
                       <a:r>
-                        <a:rPr lang="ko-KR" altLang="en-US" sz="1200" dirty="0" smtClean="0"/>
-                        <a:t>날라가는 모션</a:t>
-                      </a:r>
-                      <a:r>
-                        <a:rPr lang="en-US" altLang="ko-KR" sz="1200" dirty="0" smtClean="0"/>
-                        <a:t>, </a:t>
-                      </a:r>
-                      <a:r>
-                        <a:rPr lang="ko-KR" altLang="en-US" sz="1200" dirty="0" smtClean="0"/>
-                        <a:t>발판이 생김</a:t>
-                      </a:r>
-                      <a:endParaRPr lang="ko-KR" altLang="en-US" sz="1200" dirty="0"/>
-                    </a:p>
-                  </a:txBody>
-                  <a:tcPr anchor="ctr"/>
-                </a:tc>
-              </a:tr>
-              <a:tr h="540000">
-                <a:tc>
-                  <a:txBody>
-                    <a:bodyPr/>
-                    <a:lstStyle/>
-                    <a:p>
-                      <a:pPr lvl="0" algn="l" latinLnBrk="1"/>
-                      <a:r>
-                        <a:rPr lang="ko-KR" altLang="en-US" sz="1200" b="0" dirty="0" smtClean="0"/>
-                        <a:t>컨트롤</a:t>
-                      </a:r>
-                      <a:endParaRPr lang="ko-KR" altLang="en-US" sz="1200" b="0" dirty="0"/>
-                    </a:p>
-                  </a:txBody>
-                  <a:tcPr anchor="ctr"/>
-                </a:tc>
-                <a:tc>
-                  <a:txBody>
-                    <a:bodyPr/>
-                    <a:lstStyle/>
-                    <a:p>
-                      <a:pPr lvl="0" algn="ctr" latinLnBrk="1"/>
-                      <a:r>
-                        <a:rPr lang="en-US" altLang="ko-KR" sz="1800" b="0" dirty="0" smtClean="0">
-                          <a:solidFill>
-                            <a:schemeClr val="tx1"/>
-                          </a:solidFill>
-                        </a:rPr>
-                        <a:t>100%</a:t>
-                      </a:r>
-                      <a:endParaRPr lang="ko-KR" altLang="en-US" sz="1800" b="0" dirty="0">
-                        <a:solidFill>
-                          <a:schemeClr val="tx1"/>
-                        </a:solidFill>
-                      </a:endParaRPr>
-                    </a:p>
-                  </a:txBody>
-                  <a:tcPr anchor="ctr"/>
-                </a:tc>
-                <a:tc>
-                  <a:txBody>
-                    <a:bodyPr/>
-                    <a:lstStyle/>
-                    <a:p>
-                      <a:pPr latinLnBrk="1"/>
-                      <a:r>
-                        <a:rPr lang="ko-KR" altLang="en-US" sz="1200" dirty="0" smtClean="0"/>
-                        <a:t>캐릭터 좌우 이동</a:t>
+                        <a:rPr lang="en-US" altLang="ko-KR" sz="1200" dirty="0" err="1" smtClean="0"/>
+                        <a:t>GameOver</a:t>
                       </a:r>
                       <a:r>
                         <a:rPr lang="en-US" altLang="ko-KR" sz="1200" dirty="0" smtClean="0"/>
@@ -18840,256 +23007,7 @@
                       </a:r>
                       <a:r>
                         <a:rPr lang="ko-KR" altLang="en-US" sz="1200" baseline="0" dirty="0" smtClean="0"/>
-                        <a:t>추가 될 수 있는 </a:t>
-                      </a:r>
-                      <a:r>
-                        <a:rPr lang="ko-KR" altLang="en-US" sz="1200" baseline="0" dirty="0" err="1" smtClean="0"/>
-                        <a:t>단축기</a:t>
-                      </a:r>
-                      <a:endParaRPr lang="ko-KR" altLang="en-US" sz="1200" dirty="0"/>
-                    </a:p>
-                  </a:txBody>
-                  <a:tcPr anchor="ctr"/>
-                </a:tc>
-              </a:tr>
-              <a:tr h="540000">
-                <a:tc>
-                  <a:txBody>
-                    <a:bodyPr/>
-                    <a:lstStyle/>
-                    <a:p>
-                      <a:pPr lvl="0" algn="l" latinLnBrk="1"/>
-                      <a:r>
-                        <a:rPr lang="ko-KR" altLang="en-US" sz="1200" b="0" dirty="0" smtClean="0"/>
-                        <a:t>난이도</a:t>
-                      </a:r>
-                      <a:endParaRPr lang="ko-KR" altLang="en-US" sz="1200" b="0" dirty="0"/>
-                    </a:p>
-                  </a:txBody>
-                  <a:tcPr anchor="ctr"/>
-                </a:tc>
-                <a:tc>
-                  <a:txBody>
-                    <a:bodyPr/>
-                    <a:lstStyle/>
-                    <a:p>
-                      <a:pPr lvl="0" algn="ctr" latinLnBrk="1"/>
-                      <a:r>
-                        <a:rPr lang="en-US" altLang="ko-KR" sz="1800" b="0" dirty="0" smtClean="0">
-                          <a:solidFill>
-                            <a:schemeClr val="tx1"/>
-                          </a:solidFill>
-                        </a:rPr>
-                        <a:t>30%</a:t>
-                      </a:r>
-                      <a:endParaRPr lang="ko-KR" altLang="en-US" sz="1800" b="0" dirty="0">
-                        <a:solidFill>
-                          <a:schemeClr val="tx1"/>
-                        </a:solidFill>
-                      </a:endParaRPr>
-                    </a:p>
-                  </a:txBody>
-                  <a:tcPr anchor="ctr"/>
-                </a:tc>
-                <a:tc>
-                  <a:txBody>
-                    <a:bodyPr/>
-                    <a:lstStyle/>
-                    <a:p>
-                      <a:pPr latinLnBrk="1"/>
-                      <a:r>
-                        <a:rPr lang="en-US" altLang="ko-KR" sz="1200" dirty="0" smtClean="0"/>
-                        <a:t>Easy</a:t>
-                      </a:r>
-                      <a:r>
-                        <a:rPr lang="en-US" altLang="ko-KR" sz="1200" baseline="0" dirty="0" smtClean="0"/>
-                        <a:t>, Middle, Hard ( </a:t>
-                      </a:r>
-                      <a:r>
-                        <a:rPr lang="ko-KR" altLang="en-US" sz="1200" baseline="0" dirty="0" smtClean="0"/>
-                        <a:t>발판의 거리</a:t>
-                      </a:r>
-                      <a:r>
-                        <a:rPr lang="en-US" altLang="ko-KR" sz="1200" baseline="0" dirty="0" smtClean="0"/>
-                        <a:t>, </a:t>
-                      </a:r>
-                      <a:r>
-                        <a:rPr lang="ko-KR" altLang="en-US" sz="1200" baseline="0" dirty="0" err="1" smtClean="0"/>
-                        <a:t>발판수</a:t>
-                      </a:r>
-                      <a:r>
-                        <a:rPr lang="en-US" altLang="ko-KR" sz="1200" baseline="0" dirty="0" smtClean="0"/>
-                        <a:t>, </a:t>
-                      </a:r>
-                      <a:r>
-                        <a:rPr lang="ko-KR" altLang="en-US" sz="1200" baseline="0" dirty="0" smtClean="0"/>
-                        <a:t>함정 </a:t>
-                      </a:r>
-                      <a:r>
-                        <a:rPr lang="ko-KR" altLang="en-US" sz="1200" baseline="0" dirty="0" err="1" smtClean="0"/>
-                        <a:t>출연수</a:t>
-                      </a:r>
-                      <a:r>
-                        <a:rPr lang="en-US" altLang="ko-KR" sz="1200" baseline="0" dirty="0" smtClean="0"/>
-                        <a:t>)</a:t>
-                      </a:r>
-                      <a:endParaRPr lang="ko-KR" altLang="en-US" sz="1200" dirty="0"/>
-                    </a:p>
-                  </a:txBody>
-                  <a:tcPr anchor="ctr"/>
-                </a:tc>
-              </a:tr>
-              <a:tr h="540000">
-                <a:tc>
-                  <a:txBody>
-                    <a:bodyPr/>
-                    <a:lstStyle/>
-                    <a:p>
-                      <a:pPr lvl="0" algn="l" latinLnBrk="1"/>
-                      <a:r>
-                        <a:rPr lang="ko-KR" altLang="en-US" sz="1200" b="0" dirty="0" smtClean="0"/>
-                        <a:t>사운드</a:t>
-                      </a:r>
-                      <a:endParaRPr lang="ko-KR" altLang="en-US" sz="1200" b="0" dirty="0"/>
-                    </a:p>
-                  </a:txBody>
-                  <a:tcPr anchor="ctr"/>
-                </a:tc>
-                <a:tc>
-                  <a:txBody>
-                    <a:bodyPr/>
-                    <a:lstStyle/>
-                    <a:p>
-                      <a:pPr lvl="0" algn="ctr" latinLnBrk="1"/>
-                      <a:r>
-                        <a:rPr lang="en-US" altLang="ko-KR" sz="1800" b="0" dirty="0" smtClean="0">
-                          <a:solidFill>
-                            <a:schemeClr val="tx1"/>
-                          </a:solidFill>
-                        </a:rPr>
-                        <a:t>50%</a:t>
-                      </a:r>
-                      <a:endParaRPr lang="ko-KR" altLang="en-US" sz="1800" b="0" dirty="0">
-                        <a:solidFill>
-                          <a:schemeClr val="tx1"/>
-                        </a:solidFill>
-                      </a:endParaRPr>
-                    </a:p>
-                  </a:txBody>
-                  <a:tcPr anchor="ctr"/>
-                </a:tc>
-                <a:tc>
-                  <a:txBody>
-                    <a:bodyPr/>
-                    <a:lstStyle/>
-                    <a:p>
-                      <a:pPr latinLnBrk="1"/>
-                      <a:r>
-                        <a:rPr lang="ko-KR" altLang="en-US" sz="1200" dirty="0" smtClean="0"/>
-                        <a:t>점프</a:t>
-                      </a:r>
-                      <a:r>
-                        <a:rPr lang="en-US" altLang="ko-KR" sz="1200" dirty="0" smtClean="0"/>
-                        <a:t>, </a:t>
-                      </a:r>
-                      <a:r>
-                        <a:rPr lang="en-US" altLang="ko-KR" sz="1200" dirty="0" err="1" smtClean="0"/>
-                        <a:t>GameOver</a:t>
-                      </a:r>
-                      <a:r>
-                        <a:rPr lang="en-US" altLang="ko-KR" sz="1200" dirty="0" smtClean="0"/>
-                        <a:t>,</a:t>
-                      </a:r>
-                      <a:r>
-                        <a:rPr lang="en-US" altLang="ko-KR" sz="1200" baseline="0" dirty="0" smtClean="0"/>
-                        <a:t> </a:t>
-                      </a:r>
-                      <a:r>
-                        <a:rPr lang="ko-KR" altLang="en-US" sz="1200" baseline="0" dirty="0" smtClean="0"/>
                         <a:t>함정</a:t>
-                      </a:r>
-                      <a:r>
-                        <a:rPr lang="en-US" altLang="ko-KR" sz="1200" baseline="0" dirty="0" smtClean="0"/>
-                        <a:t> </a:t>
-                      </a:r>
-                      <a:r>
-                        <a:rPr lang="ko-KR" altLang="en-US" sz="1200" baseline="0" dirty="0" smtClean="0"/>
-                        <a:t>등등</a:t>
-                      </a:r>
-                      <a:r>
-                        <a:rPr lang="en-US" altLang="ko-KR" sz="1200" baseline="0" dirty="0" smtClean="0"/>
-                        <a:t>…</a:t>
-                      </a:r>
-                      <a:endParaRPr lang="ko-KR" altLang="en-US" sz="1200" dirty="0"/>
-                    </a:p>
-                  </a:txBody>
-                  <a:tcPr anchor="ctr"/>
-                </a:tc>
-              </a:tr>
-              <a:tr h="540000">
-                <a:tc>
-                  <a:txBody>
-                    <a:bodyPr/>
-                    <a:lstStyle/>
-                    <a:p>
-                      <a:pPr lvl="0" algn="l" latinLnBrk="1"/>
-                      <a:r>
-                        <a:rPr lang="ko-KR" altLang="en-US" sz="1200" b="0" dirty="0" smtClean="0"/>
-                        <a:t>개발 환경</a:t>
-                      </a:r>
-                      <a:endParaRPr lang="ko-KR" altLang="en-US" sz="1200" b="0" dirty="0"/>
-                    </a:p>
-                  </a:txBody>
-                  <a:tcPr anchor="ctr"/>
-                </a:tc>
-                <a:tc>
-                  <a:txBody>
-                    <a:bodyPr/>
-                    <a:lstStyle/>
-                    <a:p>
-                      <a:pPr lvl="0" algn="ctr" latinLnBrk="1"/>
-                      <a:r>
-                        <a:rPr lang="en-US" altLang="ko-KR" sz="1800" b="0" dirty="0" smtClean="0">
-                          <a:solidFill>
-                            <a:schemeClr val="tx1"/>
-                          </a:solidFill>
-                        </a:rPr>
-                        <a:t>N/A</a:t>
-                      </a:r>
-                      <a:endParaRPr lang="ko-KR" altLang="en-US" sz="1800" b="0" dirty="0">
-                        <a:solidFill>
-                          <a:schemeClr val="tx1"/>
-                        </a:solidFill>
-                      </a:endParaRPr>
-                    </a:p>
-                  </a:txBody>
-                  <a:tcPr anchor="ctr"/>
-                </a:tc>
-                <a:tc>
-                  <a:txBody>
-                    <a:bodyPr/>
-                    <a:lstStyle/>
-                    <a:p>
-                      <a:pPr latinLnBrk="1"/>
-                      <a:r>
-                        <a:rPr lang="en-US" altLang="ko-KR" sz="1200" dirty="0" smtClean="0"/>
-                        <a:t>Python</a:t>
-                      </a:r>
-                      <a:r>
-                        <a:rPr lang="ko-KR" altLang="en-US" sz="1200" baseline="0" dirty="0" smtClean="0"/>
-                        <a:t>을 </a:t>
-                      </a:r>
-                      <a:r>
-                        <a:rPr lang="ko-KR" altLang="en-US" sz="1200" baseline="0" dirty="0" err="1" smtClean="0"/>
-                        <a:t>기반으로한</a:t>
-                      </a:r>
-                      <a:r>
-                        <a:rPr lang="ko-KR" altLang="en-US" sz="1200" baseline="0" dirty="0" smtClean="0"/>
-                        <a:t> </a:t>
-                      </a:r>
-                      <a:r>
-                        <a:rPr lang="en-US" altLang="ko-KR" sz="1200" baseline="0" dirty="0" err="1" smtClean="0"/>
-                        <a:t>PyCharm</a:t>
                       </a:r>
                       <a:endParaRPr lang="ko-KR" altLang="en-US" sz="1200" dirty="0"/>
                     </a:p>
@@ -19105,1894 +23023,6 @@
     <p:extLst>
       <p:ext uri="{BB962C8B-B14F-4D97-AF65-F5344CB8AC3E}">
         <p14:creationId xmlns:p14="http://schemas.microsoft.com/office/powerpoint/2010/main" val="108700790"/>
-      </p:ext>
-    </p:extLst>
-  </p:cSld>
-  <p:clrMapOvr>
-    <a:masterClrMapping/>
-  </p:clrMapOvr>
-  <p:timing>
-    <p:tnLst>
-      <p:par>
-        <p:cTn id="1" dur="indefinite" restart="never" nodeType="tmRoot"/>
-      </p:par>
-    </p:tnLst>
-  </p:timing>
-</p:sld>
-</file>
-
-<file path=ppt/slides/slide5.xml><?xml version="1.0" encoding="utf-8"?>
-<p:sld xmlns:a="http://schemas.openxmlformats.org/drawingml/2006/main" xmlns:r="http://schemas.openxmlformats.org/officeDocument/2006/relationships" xmlns:p="http://schemas.openxmlformats.org/presentationml/2006/main">
-  <p:cSld>
-    <p:spTree>
-      <p:nvGrpSpPr>
-        <p:cNvPr id="1" name=""/>
-        <p:cNvGrpSpPr/>
-        <p:nvPr/>
-      </p:nvGrpSpPr>
-      <p:grpSpPr>
-        <a:xfrm>
-          <a:off x="0" y="0"/>
-          <a:ext cx="0" cy="0"/>
-          <a:chOff x="0" y="0"/>
-          <a:chExt cx="0" cy="0"/>
-        </a:xfrm>
-      </p:grpSpPr>
-      <p:grpSp>
-        <p:nvGrpSpPr>
-          <p:cNvPr id="12290" name="그룹 1"/>
-          <p:cNvGrpSpPr>
-            <a:grpSpLocks/>
-          </p:cNvGrpSpPr>
-          <p:nvPr/>
-        </p:nvGrpSpPr>
-        <p:grpSpPr bwMode="auto">
-          <a:xfrm>
-            <a:off x="3122613" y="3143250"/>
-            <a:ext cx="5164137" cy="1149350"/>
-            <a:chOff x="3177925" y="2002967"/>
-            <a:chExt cx="5164787" cy="1150543"/>
-          </a:xfrm>
-        </p:grpSpPr>
-        <p:sp>
-          <p:nvSpPr>
-            <p:cNvPr id="3" name="TextBox 2"/>
-            <p:cNvSpPr txBox="1">
-              <a:spLocks noChangeArrowheads="1"/>
-            </p:cNvSpPr>
-            <p:nvPr/>
-          </p:nvSpPr>
-          <p:spPr bwMode="auto">
-            <a:xfrm>
-              <a:off x="3177925" y="2002967"/>
-              <a:ext cx="5164787" cy="785644"/>
-            </a:xfrm>
-            <a:prstGeom prst="rect">
-              <a:avLst/>
-            </a:prstGeom>
-            <a:noFill/>
-            <a:ln w="9525">
-              <a:noFill/>
-              <a:miter lim="800000"/>
-              <a:headEnd/>
-              <a:tailEnd/>
-            </a:ln>
-          </p:spPr>
-          <p:txBody>
-            <a:bodyPr>
-              <a:spAutoFit/>
-              <a:scene3d>
-                <a:camera prst="orthographicFront">
-                  <a:rot lat="0" lon="0" rev="0"/>
-                </a:camera>
-                <a:lightRig rig="glow" dir="t">
-                  <a:rot lat="0" lon="0" rev="3600000"/>
-                </a:lightRig>
-              </a:scene3d>
-              <a:sp3d prstMaterial="softEdge">
-                <a:bevelT w="0" h="0"/>
-                <a:contourClr>
-                  <a:schemeClr val="tx1">
-                    <a:lumMod val="75000"/>
-                    <a:lumOff val="25000"/>
-                  </a:schemeClr>
-                </a:contourClr>
-              </a:sp3d>
-            </a:bodyPr>
-            <a:lstStyle/>
-            <a:p>
-              <a:pPr eaLnBrk="1" fontAlgn="auto" latinLnBrk="1" hangingPunct="1">
-                <a:lnSpc>
-                  <a:spcPct val="90000"/>
-                </a:lnSpc>
-                <a:spcBef>
-                  <a:spcPts val="0"/>
-                </a:spcBef>
-                <a:spcAft>
-                  <a:spcPts val="0"/>
-                </a:spcAft>
-                <a:defRPr/>
-              </a:pPr>
-              <a:r>
-                <a:rPr kumimoji="0" lang="en-US" altLang="ko-KR" sz="5000" b="1" spc="-150" dirty="0" smtClean="0">
-                  <a:ln>
-                    <a:prstDash val="solid"/>
-                  </a:ln>
-                  <a:solidFill>
-                    <a:srgbClr val="B9E02D"/>
-                  </a:solidFill>
-                  <a:effectLst>
-                    <a:outerShdw blurRad="38100" dist="38100" dir="2700000" algn="tl">
-                      <a:srgbClr val="000000">
-                        <a:alpha val="43137"/>
-                      </a:srgbClr>
-                    </a:outerShdw>
-                  </a:effectLst>
-                  <a:latin typeface="나눔고딕 ExtraBold" pitchFamily="50" charset="-127"/>
-                  <a:ea typeface="나눔고딕 ExtraBold" pitchFamily="50" charset="-127"/>
-                  <a:cs typeface="Tahoma" pitchFamily="34" charset="0"/>
-                </a:rPr>
-                <a:t>Execution Flow</a:t>
-              </a:r>
-              <a:endParaRPr kumimoji="0" lang="en-US" altLang="ko-KR" sz="5000" b="1" spc="-150" dirty="0">
-                <a:ln>
-                  <a:prstDash val="solid"/>
-                </a:ln>
-                <a:solidFill>
-                  <a:srgbClr val="B9E02D"/>
-                </a:solidFill>
-                <a:effectLst>
-                  <a:outerShdw blurRad="38100" dist="38100" dir="2700000" algn="tl">
-                    <a:srgbClr val="000000">
-                      <a:alpha val="43137"/>
-                    </a:srgbClr>
-                  </a:outerShdw>
-                </a:effectLst>
-                <a:latin typeface="나눔고딕 ExtraBold" pitchFamily="50" charset="-127"/>
-                <a:ea typeface="나눔고딕 ExtraBold" pitchFamily="50" charset="-127"/>
-                <a:cs typeface="Tahoma" pitchFamily="34" charset="0"/>
-              </a:endParaRPr>
-            </a:p>
-          </p:txBody>
-        </p:sp>
-        <p:sp>
-          <p:nvSpPr>
-            <p:cNvPr id="12292" name="Text Box 5"/>
-            <p:cNvSpPr txBox="1">
-              <a:spLocks noChangeArrowheads="1"/>
-            </p:cNvSpPr>
-            <p:nvPr/>
-          </p:nvSpPr>
-          <p:spPr bwMode="auto">
-            <a:xfrm>
-              <a:off x="3177925" y="2814956"/>
-              <a:ext cx="4703675" cy="338554"/>
-            </a:xfrm>
-            <a:prstGeom prst="rect">
-              <a:avLst/>
-            </a:prstGeom>
-            <a:noFill/>
-            <a:ln>
-              <a:noFill/>
-            </a:ln>
-            <a:extLst>
-              <a:ext uri="{909E8E84-426E-40DD-AFC4-6F175D3DCCD1}">
-                <a14:hiddenFill xmlns:a14="http://schemas.microsoft.com/office/drawing/2010/main">
-                  <a:solidFill>
-                    <a:srgbClr val="FFFFFF"/>
-                  </a:solidFill>
-                </a14:hiddenFill>
-              </a:ext>
-              <a:ext uri="{91240B29-F687-4F45-9708-019B960494DF}">
-                <a14:hiddenLine xmlns:a14="http://schemas.microsoft.com/office/drawing/2010/main" w="9525">
-                  <a:solidFill>
-                    <a:srgbClr val="000000"/>
-                  </a:solidFill>
-                  <a:miter lim="800000"/>
-                  <a:headEnd/>
-                  <a:tailEnd/>
-                </a14:hiddenLine>
-              </a:ext>
-            </a:extLst>
-          </p:spPr>
-          <p:txBody>
-            <a:bodyPr anchor="ctr">
-              <a:spAutoFit/>
-            </a:bodyPr>
-            <a:lstStyle>
-              <a:lvl1pPr>
-                <a:defRPr kumimoji="1">
-                  <a:solidFill>
-                    <a:schemeClr val="tx1"/>
-                  </a:solidFill>
-                  <a:latin typeface="굴림" panose="020B0600000101010101" pitchFamily="50" charset="-127"/>
-                  <a:ea typeface="굴림" panose="020B0600000101010101" pitchFamily="50" charset="-127"/>
-                </a:defRPr>
-              </a:lvl1pPr>
-              <a:lvl2pPr marL="742950" indent="-285750">
-                <a:defRPr kumimoji="1">
-                  <a:solidFill>
-                    <a:schemeClr val="tx1"/>
-                  </a:solidFill>
-                  <a:latin typeface="굴림" panose="020B0600000101010101" pitchFamily="50" charset="-127"/>
-                  <a:ea typeface="굴림" panose="020B0600000101010101" pitchFamily="50" charset="-127"/>
-                </a:defRPr>
-              </a:lvl2pPr>
-              <a:lvl3pPr marL="1143000" indent="-228600">
-                <a:defRPr kumimoji="1">
-                  <a:solidFill>
-                    <a:schemeClr val="tx1"/>
-                  </a:solidFill>
-                  <a:latin typeface="굴림" panose="020B0600000101010101" pitchFamily="50" charset="-127"/>
-                  <a:ea typeface="굴림" panose="020B0600000101010101" pitchFamily="50" charset="-127"/>
-                </a:defRPr>
-              </a:lvl3pPr>
-              <a:lvl4pPr marL="1600200" indent="-228600">
-                <a:defRPr kumimoji="1">
-                  <a:solidFill>
-                    <a:schemeClr val="tx1"/>
-                  </a:solidFill>
-                  <a:latin typeface="굴림" panose="020B0600000101010101" pitchFamily="50" charset="-127"/>
-                  <a:ea typeface="굴림" panose="020B0600000101010101" pitchFamily="50" charset="-127"/>
-                </a:defRPr>
-              </a:lvl4pPr>
-              <a:lvl5pPr marL="2057400" indent="-228600">
-                <a:defRPr kumimoji="1">
-                  <a:solidFill>
-                    <a:schemeClr val="tx1"/>
-                  </a:solidFill>
-                  <a:latin typeface="굴림" panose="020B0600000101010101" pitchFamily="50" charset="-127"/>
-                  <a:ea typeface="굴림" panose="020B0600000101010101" pitchFamily="50" charset="-127"/>
-                </a:defRPr>
-              </a:lvl5pPr>
-              <a:lvl6pPr marL="2514600" indent="-228600" eaLnBrk="0" fontAlgn="base" hangingPunct="0">
-                <a:spcBef>
-                  <a:spcPct val="0"/>
-                </a:spcBef>
-                <a:spcAft>
-                  <a:spcPct val="0"/>
-                </a:spcAft>
-                <a:defRPr kumimoji="1">
-                  <a:solidFill>
-                    <a:schemeClr val="tx1"/>
-                  </a:solidFill>
-                  <a:latin typeface="굴림" panose="020B0600000101010101" pitchFamily="50" charset="-127"/>
-                  <a:ea typeface="굴림" panose="020B0600000101010101" pitchFamily="50" charset="-127"/>
-                </a:defRPr>
-              </a:lvl6pPr>
-              <a:lvl7pPr marL="2971800" indent="-228600" eaLnBrk="0" fontAlgn="base" hangingPunct="0">
-                <a:spcBef>
-                  <a:spcPct val="0"/>
-                </a:spcBef>
-                <a:spcAft>
-                  <a:spcPct val="0"/>
-                </a:spcAft>
-                <a:defRPr kumimoji="1">
-                  <a:solidFill>
-                    <a:schemeClr val="tx1"/>
-                  </a:solidFill>
-                  <a:latin typeface="굴림" panose="020B0600000101010101" pitchFamily="50" charset="-127"/>
-                  <a:ea typeface="굴림" panose="020B0600000101010101" pitchFamily="50" charset="-127"/>
-                </a:defRPr>
-              </a:lvl7pPr>
-              <a:lvl8pPr marL="3429000" indent="-228600" eaLnBrk="0" fontAlgn="base" hangingPunct="0">
-                <a:spcBef>
-                  <a:spcPct val="0"/>
-                </a:spcBef>
-                <a:spcAft>
-                  <a:spcPct val="0"/>
-                </a:spcAft>
-                <a:defRPr kumimoji="1">
-                  <a:solidFill>
-                    <a:schemeClr val="tx1"/>
-                  </a:solidFill>
-                  <a:latin typeface="굴림" panose="020B0600000101010101" pitchFamily="50" charset="-127"/>
-                  <a:ea typeface="굴림" panose="020B0600000101010101" pitchFamily="50" charset="-127"/>
-                </a:defRPr>
-              </a:lvl8pPr>
-              <a:lvl9pPr marL="3886200" indent="-228600" eaLnBrk="0" fontAlgn="base" hangingPunct="0">
-                <a:spcBef>
-                  <a:spcPct val="0"/>
-                </a:spcBef>
-                <a:spcAft>
-                  <a:spcPct val="0"/>
-                </a:spcAft>
-                <a:defRPr kumimoji="1">
-                  <a:solidFill>
-                    <a:schemeClr val="tx1"/>
-                  </a:solidFill>
-                  <a:latin typeface="굴림" panose="020B0600000101010101" pitchFamily="50" charset="-127"/>
-                  <a:ea typeface="굴림" panose="020B0600000101010101" pitchFamily="50" charset="-127"/>
-                </a:defRPr>
-              </a:lvl9pPr>
-            </a:lstStyle>
-            <a:p>
-              <a:pPr eaLnBrk="1" latinLnBrk="1" hangingPunct="1"/>
-              <a:r>
-                <a:rPr kumimoji="0" lang="en-US" altLang="ko-KR" sz="1600" dirty="0">
-                  <a:solidFill>
-                    <a:prstClr val="white"/>
-                  </a:solidFill>
-                  <a:latin typeface="HY견고딕" panose="02030600000101010101" pitchFamily="18" charset="-127"/>
-                  <a:ea typeface="HY견고딕" panose="02030600000101010101" pitchFamily="18" charset="-127"/>
-                  <a:cs typeface="Arial" panose="020B0604020202020204" pitchFamily="34" charset="0"/>
-                </a:rPr>
-                <a:t>How the game progress and </a:t>
-              </a:r>
-              <a:r>
-                <a:rPr kumimoji="0" lang="en-US" altLang="ko-KR" sz="1600" dirty="0" smtClean="0">
-                  <a:solidFill>
-                    <a:prstClr val="white"/>
-                  </a:solidFill>
-                  <a:latin typeface="HY견고딕" panose="02030600000101010101" pitchFamily="18" charset="-127"/>
-                  <a:ea typeface="HY견고딕" panose="02030600000101010101" pitchFamily="18" charset="-127"/>
-                  <a:cs typeface="Arial" panose="020B0604020202020204" pitchFamily="34" charset="0"/>
-                </a:rPr>
-                <a:t>instructions.</a:t>
-              </a:r>
-              <a:endParaRPr kumimoji="0" lang="en-US" altLang="ko-KR" sz="1600" dirty="0">
-                <a:solidFill>
-                  <a:prstClr val="white"/>
-                </a:solidFill>
-                <a:latin typeface="HY견고딕" panose="02030600000101010101" pitchFamily="18" charset="-127"/>
-                <a:ea typeface="HY견고딕" panose="02030600000101010101" pitchFamily="18" charset="-127"/>
-                <a:cs typeface="Arial" panose="020B0604020202020204" pitchFamily="34" charset="0"/>
-              </a:endParaRPr>
-            </a:p>
-          </p:txBody>
-        </p:sp>
-      </p:grpSp>
-    </p:spTree>
-    <p:extLst>
-      <p:ext uri="{BB962C8B-B14F-4D97-AF65-F5344CB8AC3E}">
-        <p14:creationId xmlns:p14="http://schemas.microsoft.com/office/powerpoint/2010/main" val="2795344147"/>
-      </p:ext>
-    </p:extLst>
-  </p:cSld>
-  <p:clrMapOvr>
-    <a:masterClrMapping/>
-  </p:clrMapOvr>
-  <p:timing>
-    <p:tnLst>
-      <p:par>
-        <p:cTn id="1" dur="indefinite" restart="never" nodeType="tmRoot"/>
-      </p:par>
-    </p:tnLst>
-  </p:timing>
-</p:sld>
-</file>
-
-<file path=ppt/slides/slide6.xml><?xml version="1.0" encoding="utf-8"?>
-<p:sld xmlns:a="http://schemas.openxmlformats.org/drawingml/2006/main" xmlns:r="http://schemas.openxmlformats.org/officeDocument/2006/relationships" xmlns:p="http://schemas.openxmlformats.org/presentationml/2006/main">
-  <p:cSld>
-    <p:spTree>
-      <p:nvGrpSpPr>
-        <p:cNvPr id="1" name=""/>
-        <p:cNvGrpSpPr/>
-        <p:nvPr/>
-      </p:nvGrpSpPr>
-      <p:grpSpPr>
-        <a:xfrm>
-          <a:off x="0" y="0"/>
-          <a:ext cx="0" cy="0"/>
-          <a:chOff x="0" y="0"/>
-          <a:chExt cx="0" cy="0"/>
-        </a:xfrm>
-      </p:grpSpPr>
-      <p:sp>
-        <p:nvSpPr>
-          <p:cNvPr id="13315" name="Text Box 5"/>
-          <p:cNvSpPr txBox="1">
-            <a:spLocks noChangeArrowheads="1"/>
-          </p:cNvSpPr>
-          <p:nvPr/>
-        </p:nvSpPr>
-        <p:spPr bwMode="auto">
-          <a:xfrm>
-            <a:off x="325438" y="120650"/>
-            <a:ext cx="6600825" cy="585788"/>
-          </a:xfrm>
-          <a:prstGeom prst="rect">
-            <a:avLst/>
-          </a:prstGeom>
-          <a:noFill/>
-          <a:ln>
-            <a:noFill/>
-          </a:ln>
-          <a:extLst>
-            <a:ext uri="{909E8E84-426E-40DD-AFC4-6F175D3DCCD1}">
-              <a14:hiddenFill xmlns:a14="http://schemas.microsoft.com/office/drawing/2010/main">
-                <a:solidFill>
-                  <a:srgbClr val="FFFFFF"/>
-                </a:solidFill>
-              </a14:hiddenFill>
-            </a:ext>
-            <a:ext uri="{91240B29-F687-4F45-9708-019B960494DF}">
-              <a14:hiddenLine xmlns:a14="http://schemas.microsoft.com/office/drawing/2010/main" w="9525">
-                <a:solidFill>
-                  <a:srgbClr val="000000"/>
-                </a:solidFill>
-                <a:miter lim="800000"/>
-                <a:headEnd/>
-                <a:tailEnd/>
-              </a14:hiddenLine>
-            </a:ext>
-          </a:extLst>
-        </p:spPr>
-        <p:txBody>
-          <a:bodyPr anchor="ctr">
-            <a:spAutoFit/>
-          </a:bodyPr>
-          <a:lstStyle>
-            <a:lvl1pPr>
-              <a:defRPr kumimoji="1">
-                <a:solidFill>
-                  <a:schemeClr val="tx1"/>
-                </a:solidFill>
-                <a:latin typeface="굴림" panose="020B0600000101010101" pitchFamily="50" charset="-127"/>
-                <a:ea typeface="굴림" panose="020B0600000101010101" pitchFamily="50" charset="-127"/>
-              </a:defRPr>
-            </a:lvl1pPr>
-            <a:lvl2pPr marL="742950" indent="-285750">
-              <a:defRPr kumimoji="1">
-                <a:solidFill>
-                  <a:schemeClr val="tx1"/>
-                </a:solidFill>
-                <a:latin typeface="굴림" panose="020B0600000101010101" pitchFamily="50" charset="-127"/>
-                <a:ea typeface="굴림" panose="020B0600000101010101" pitchFamily="50" charset="-127"/>
-              </a:defRPr>
-            </a:lvl2pPr>
-            <a:lvl3pPr marL="1143000" indent="-228600">
-              <a:defRPr kumimoji="1">
-                <a:solidFill>
-                  <a:schemeClr val="tx1"/>
-                </a:solidFill>
-                <a:latin typeface="굴림" panose="020B0600000101010101" pitchFamily="50" charset="-127"/>
-                <a:ea typeface="굴림" panose="020B0600000101010101" pitchFamily="50" charset="-127"/>
-              </a:defRPr>
-            </a:lvl3pPr>
-            <a:lvl4pPr marL="1600200" indent="-228600">
-              <a:defRPr kumimoji="1">
-                <a:solidFill>
-                  <a:schemeClr val="tx1"/>
-                </a:solidFill>
-                <a:latin typeface="굴림" panose="020B0600000101010101" pitchFamily="50" charset="-127"/>
-                <a:ea typeface="굴림" panose="020B0600000101010101" pitchFamily="50" charset="-127"/>
-              </a:defRPr>
-            </a:lvl4pPr>
-            <a:lvl5pPr marL="2057400" indent="-228600">
-              <a:defRPr kumimoji="1">
-                <a:solidFill>
-                  <a:schemeClr val="tx1"/>
-                </a:solidFill>
-                <a:latin typeface="굴림" panose="020B0600000101010101" pitchFamily="50" charset="-127"/>
-                <a:ea typeface="굴림" panose="020B0600000101010101" pitchFamily="50" charset="-127"/>
-              </a:defRPr>
-            </a:lvl5pPr>
-            <a:lvl6pPr marL="2514600" indent="-228600" eaLnBrk="0" fontAlgn="base" hangingPunct="0">
-              <a:spcBef>
-                <a:spcPct val="0"/>
-              </a:spcBef>
-              <a:spcAft>
-                <a:spcPct val="0"/>
-              </a:spcAft>
-              <a:defRPr kumimoji="1">
-                <a:solidFill>
-                  <a:schemeClr val="tx1"/>
-                </a:solidFill>
-                <a:latin typeface="굴림" panose="020B0600000101010101" pitchFamily="50" charset="-127"/>
-                <a:ea typeface="굴림" panose="020B0600000101010101" pitchFamily="50" charset="-127"/>
-              </a:defRPr>
-            </a:lvl6pPr>
-            <a:lvl7pPr marL="2971800" indent="-228600" eaLnBrk="0" fontAlgn="base" hangingPunct="0">
-              <a:spcBef>
-                <a:spcPct val="0"/>
-              </a:spcBef>
-              <a:spcAft>
-                <a:spcPct val="0"/>
-              </a:spcAft>
-              <a:defRPr kumimoji="1">
-                <a:solidFill>
-                  <a:schemeClr val="tx1"/>
-                </a:solidFill>
-                <a:latin typeface="굴림" panose="020B0600000101010101" pitchFamily="50" charset="-127"/>
-                <a:ea typeface="굴림" panose="020B0600000101010101" pitchFamily="50" charset="-127"/>
-              </a:defRPr>
-            </a:lvl7pPr>
-            <a:lvl8pPr marL="3429000" indent="-228600" eaLnBrk="0" fontAlgn="base" hangingPunct="0">
-              <a:spcBef>
-                <a:spcPct val="0"/>
-              </a:spcBef>
-              <a:spcAft>
-                <a:spcPct val="0"/>
-              </a:spcAft>
-              <a:defRPr kumimoji="1">
-                <a:solidFill>
-                  <a:schemeClr val="tx1"/>
-                </a:solidFill>
-                <a:latin typeface="굴림" panose="020B0600000101010101" pitchFamily="50" charset="-127"/>
-                <a:ea typeface="굴림" panose="020B0600000101010101" pitchFamily="50" charset="-127"/>
-              </a:defRPr>
-            </a:lvl8pPr>
-            <a:lvl9pPr marL="3886200" indent="-228600" eaLnBrk="0" fontAlgn="base" hangingPunct="0">
-              <a:spcBef>
-                <a:spcPct val="0"/>
-              </a:spcBef>
-              <a:spcAft>
-                <a:spcPct val="0"/>
-              </a:spcAft>
-              <a:defRPr kumimoji="1">
-                <a:solidFill>
-                  <a:schemeClr val="tx1"/>
-                </a:solidFill>
-                <a:latin typeface="굴림" panose="020B0600000101010101" pitchFamily="50" charset="-127"/>
-                <a:ea typeface="굴림" panose="020B0600000101010101" pitchFamily="50" charset="-127"/>
-              </a:defRPr>
-            </a:lvl9pPr>
-          </a:lstStyle>
-          <a:p>
-            <a:pPr eaLnBrk="1" latinLnBrk="1" hangingPunct="1"/>
-            <a:r>
-              <a:rPr lang="en-US" altLang="ko-KR" sz="3200" dirty="0">
-                <a:latin typeface="Tahoma" panose="020B0604030504040204" pitchFamily="34" charset="0"/>
-                <a:cs typeface="Tahoma" panose="020B0604030504040204" pitchFamily="34" charset="0"/>
-              </a:rPr>
-              <a:t>Execution </a:t>
-            </a:r>
-            <a:r>
-              <a:rPr lang="en-US" altLang="ko-KR" sz="3200" b="1" dirty="0">
-                <a:latin typeface="Tahoma" panose="020B0604030504040204" pitchFamily="34" charset="0"/>
-                <a:cs typeface="Tahoma" panose="020B0604030504040204" pitchFamily="34" charset="0"/>
-              </a:rPr>
-              <a:t>Flow</a:t>
-            </a:r>
-            <a:endParaRPr lang="ko-KR" altLang="ko-KR" sz="3200" b="1" dirty="0">
-              <a:latin typeface="Tahoma" panose="020B0604030504040204" pitchFamily="34" charset="0"/>
-              <a:cs typeface="Tahoma" panose="020B0604030504040204" pitchFamily="34" charset="0"/>
-            </a:endParaRPr>
-          </a:p>
-        </p:txBody>
-      </p:sp>
-      <p:pic>
-        <p:nvPicPr>
-          <p:cNvPr id="3" name="그림 2"/>
-          <p:cNvPicPr>
-            <a:picLocks noChangeAspect="1"/>
-          </p:cNvPicPr>
-          <p:nvPr/>
-        </p:nvPicPr>
-        <p:blipFill>
-          <a:blip r:embed="rId2"/>
-          <a:stretch>
-            <a:fillRect/>
-          </a:stretch>
-        </p:blipFill>
-        <p:spPr>
-          <a:xfrm>
-            <a:off x="325439" y="706439"/>
-            <a:ext cx="1731094" cy="2938586"/>
-          </a:xfrm>
-          <a:prstGeom prst="rect">
-            <a:avLst/>
-          </a:prstGeom>
-        </p:spPr>
-      </p:pic>
-      <p:pic>
-        <p:nvPicPr>
-          <p:cNvPr id="7" name="그림 6"/>
-          <p:cNvPicPr>
-            <a:picLocks/>
-          </p:cNvPicPr>
-          <p:nvPr/>
-        </p:nvPicPr>
-        <p:blipFill>
-          <a:blip r:embed="rId3"/>
-          <a:stretch>
-            <a:fillRect/>
-          </a:stretch>
-        </p:blipFill>
-        <p:spPr>
-          <a:xfrm>
-            <a:off x="2195736" y="2175732"/>
-            <a:ext cx="1731600" cy="2938587"/>
-          </a:xfrm>
-          <a:prstGeom prst="rect">
-            <a:avLst/>
-          </a:prstGeom>
-        </p:spPr>
-      </p:pic>
-      <p:pic>
-        <p:nvPicPr>
-          <p:cNvPr id="8" name="그림 7"/>
-          <p:cNvPicPr>
-            <a:picLocks noChangeAspect="1"/>
-          </p:cNvPicPr>
-          <p:nvPr/>
-        </p:nvPicPr>
-        <p:blipFill>
-          <a:blip r:embed="rId4"/>
-          <a:stretch>
-            <a:fillRect/>
-          </a:stretch>
-        </p:blipFill>
-        <p:spPr>
-          <a:xfrm>
-            <a:off x="4068844" y="3514752"/>
-            <a:ext cx="1730514" cy="2937600"/>
-          </a:xfrm>
-          <a:prstGeom prst="rect">
-            <a:avLst/>
-          </a:prstGeom>
-        </p:spPr>
-      </p:pic>
-      <p:sp>
-        <p:nvSpPr>
-          <p:cNvPr id="10" name="제목 2"/>
-          <p:cNvSpPr txBox="1">
-            <a:spLocks/>
-          </p:cNvSpPr>
-          <p:nvPr/>
-        </p:nvSpPr>
-        <p:spPr bwMode="auto">
-          <a:xfrm>
-            <a:off x="2065058" y="836712"/>
-            <a:ext cx="6200890" cy="1212640"/>
-          </a:xfrm>
-          <a:prstGeom prst="rect">
-            <a:avLst/>
-          </a:prstGeom>
-          <a:noFill/>
-          <a:ln>
-            <a:noFill/>
-          </a:ln>
-          <a:extLst>
-            <a:ext uri="{909E8E84-426E-40DD-AFC4-6F175D3DCCD1}">
-              <a14:hiddenFill xmlns:a14="http://schemas.microsoft.com/office/drawing/2010/main">
-                <a:solidFill>
-                  <a:srgbClr val="FFFFFF"/>
-                </a:solidFill>
-              </a14:hiddenFill>
-            </a:ext>
-            <a:ext uri="{91240B29-F687-4F45-9708-019B960494DF}">
-              <a14:hiddenLine xmlns:a14="http://schemas.microsoft.com/office/drawing/2010/main" w="9525">
-                <a:solidFill>
-                  <a:srgbClr val="000000"/>
-                </a:solidFill>
-                <a:miter lim="800000"/>
-                <a:headEnd/>
-                <a:tailEnd/>
-              </a14:hiddenLine>
-            </a:ext>
-          </a:extLst>
-        </p:spPr>
-        <p:txBody>
-          <a:bodyPr wrap="square">
-            <a:spAutoFit/>
-          </a:bodyPr>
-          <a:lstStyle>
-            <a:lvl1pPr marL="182563" indent="-182563">
-              <a:defRPr kumimoji="1">
-                <a:solidFill>
-                  <a:schemeClr val="tx1"/>
-                </a:solidFill>
-                <a:latin typeface="굴림" panose="020B0600000101010101" pitchFamily="50" charset="-127"/>
-                <a:ea typeface="굴림" panose="020B0600000101010101" pitchFamily="50" charset="-127"/>
-              </a:defRPr>
-            </a:lvl1pPr>
-            <a:lvl2pPr marL="742950" indent="-285750">
-              <a:defRPr kumimoji="1">
-                <a:solidFill>
-                  <a:schemeClr val="tx1"/>
-                </a:solidFill>
-                <a:latin typeface="굴림" panose="020B0600000101010101" pitchFamily="50" charset="-127"/>
-                <a:ea typeface="굴림" panose="020B0600000101010101" pitchFamily="50" charset="-127"/>
-              </a:defRPr>
-            </a:lvl2pPr>
-            <a:lvl3pPr marL="1143000" indent="-228600">
-              <a:defRPr kumimoji="1">
-                <a:solidFill>
-                  <a:schemeClr val="tx1"/>
-                </a:solidFill>
-                <a:latin typeface="굴림" panose="020B0600000101010101" pitchFamily="50" charset="-127"/>
-                <a:ea typeface="굴림" panose="020B0600000101010101" pitchFamily="50" charset="-127"/>
-              </a:defRPr>
-            </a:lvl3pPr>
-            <a:lvl4pPr marL="1600200" indent="-228600">
-              <a:defRPr kumimoji="1">
-                <a:solidFill>
-                  <a:schemeClr val="tx1"/>
-                </a:solidFill>
-                <a:latin typeface="굴림" panose="020B0600000101010101" pitchFamily="50" charset="-127"/>
-                <a:ea typeface="굴림" panose="020B0600000101010101" pitchFamily="50" charset="-127"/>
-              </a:defRPr>
-            </a:lvl4pPr>
-            <a:lvl5pPr marL="2057400" indent="-228600">
-              <a:defRPr kumimoji="1">
-                <a:solidFill>
-                  <a:schemeClr val="tx1"/>
-                </a:solidFill>
-                <a:latin typeface="굴림" panose="020B0600000101010101" pitchFamily="50" charset="-127"/>
-                <a:ea typeface="굴림" panose="020B0600000101010101" pitchFamily="50" charset="-127"/>
-              </a:defRPr>
-            </a:lvl5pPr>
-            <a:lvl6pPr marL="2514600" indent="-228600" eaLnBrk="0" fontAlgn="base" hangingPunct="0">
-              <a:spcBef>
-                <a:spcPct val="0"/>
-              </a:spcBef>
-              <a:spcAft>
-                <a:spcPct val="0"/>
-              </a:spcAft>
-              <a:defRPr kumimoji="1">
-                <a:solidFill>
-                  <a:schemeClr val="tx1"/>
-                </a:solidFill>
-                <a:latin typeface="굴림" panose="020B0600000101010101" pitchFamily="50" charset="-127"/>
-                <a:ea typeface="굴림" panose="020B0600000101010101" pitchFamily="50" charset="-127"/>
-              </a:defRPr>
-            </a:lvl6pPr>
-            <a:lvl7pPr marL="2971800" indent="-228600" eaLnBrk="0" fontAlgn="base" hangingPunct="0">
-              <a:spcBef>
-                <a:spcPct val="0"/>
-              </a:spcBef>
-              <a:spcAft>
-                <a:spcPct val="0"/>
-              </a:spcAft>
-              <a:defRPr kumimoji="1">
-                <a:solidFill>
-                  <a:schemeClr val="tx1"/>
-                </a:solidFill>
-                <a:latin typeface="굴림" panose="020B0600000101010101" pitchFamily="50" charset="-127"/>
-                <a:ea typeface="굴림" panose="020B0600000101010101" pitchFamily="50" charset="-127"/>
-              </a:defRPr>
-            </a:lvl7pPr>
-            <a:lvl8pPr marL="3429000" indent="-228600" eaLnBrk="0" fontAlgn="base" hangingPunct="0">
-              <a:spcBef>
-                <a:spcPct val="0"/>
-              </a:spcBef>
-              <a:spcAft>
-                <a:spcPct val="0"/>
-              </a:spcAft>
-              <a:defRPr kumimoji="1">
-                <a:solidFill>
-                  <a:schemeClr val="tx1"/>
-                </a:solidFill>
-                <a:latin typeface="굴림" panose="020B0600000101010101" pitchFamily="50" charset="-127"/>
-                <a:ea typeface="굴림" panose="020B0600000101010101" pitchFamily="50" charset="-127"/>
-              </a:defRPr>
-            </a:lvl8pPr>
-            <a:lvl9pPr marL="3886200" indent="-228600" eaLnBrk="0" fontAlgn="base" hangingPunct="0">
-              <a:spcBef>
-                <a:spcPct val="0"/>
-              </a:spcBef>
-              <a:spcAft>
-                <a:spcPct val="0"/>
-              </a:spcAft>
-              <a:defRPr kumimoji="1">
-                <a:solidFill>
-                  <a:schemeClr val="tx1"/>
-                </a:solidFill>
-                <a:latin typeface="굴림" panose="020B0600000101010101" pitchFamily="50" charset="-127"/>
-                <a:ea typeface="굴림" panose="020B0600000101010101" pitchFamily="50" charset="-127"/>
-              </a:defRPr>
-            </a:lvl9pPr>
-          </a:lstStyle>
-          <a:p>
-            <a:pPr latinLnBrk="1">
-              <a:lnSpc>
-                <a:spcPct val="80000"/>
-              </a:lnSpc>
-              <a:buFontTx/>
-              <a:buChar char="•"/>
-              <a:defRPr/>
-            </a:pPr>
-            <a:r>
-              <a:rPr lang="en-US" altLang="ko-KR" sz="1300" dirty="0" smtClean="0">
-                <a:solidFill>
-                  <a:schemeClr val="tx1">
-                    <a:lumMod val="85000"/>
-                  </a:schemeClr>
-                </a:solidFill>
-                <a:latin typeface="HY견고딕" panose="02030600000101010101" pitchFamily="18" charset="-127"/>
-                <a:ea typeface="HY견고딕" panose="02030600000101010101" pitchFamily="18" charset="-127"/>
-                <a:cs typeface="Arial" panose="020B0604020202020204" pitchFamily="34" charset="0"/>
-              </a:rPr>
-              <a:t>Start, </a:t>
-            </a:r>
-            <a:r>
-              <a:rPr lang="en-US" altLang="ko-KR" sz="1300" dirty="0" smtClean="0">
-                <a:solidFill>
-                  <a:schemeClr val="tx1">
-                    <a:lumMod val="85000"/>
-                  </a:schemeClr>
-                </a:solidFill>
-                <a:latin typeface="HY견고딕" panose="02030600000101010101" pitchFamily="18" charset="-127"/>
-                <a:ea typeface="HY견고딕" panose="02030600000101010101" pitchFamily="18" charset="-127"/>
-                <a:cs typeface="Arial" panose="020B0604020202020204" pitchFamily="34" charset="0"/>
-              </a:rPr>
-              <a:t>Scores, </a:t>
-            </a:r>
-            <a:r>
-              <a:rPr lang="en-US" altLang="ko-KR" sz="1300" dirty="0" smtClean="0">
-                <a:solidFill>
-                  <a:schemeClr val="tx1">
-                    <a:lumMod val="85000"/>
-                  </a:schemeClr>
-                </a:solidFill>
-                <a:latin typeface="HY견고딕" panose="02030600000101010101" pitchFamily="18" charset="-127"/>
-                <a:ea typeface="HY견고딕" panose="02030600000101010101" pitchFamily="18" charset="-127"/>
-                <a:cs typeface="Arial" panose="020B0604020202020204" pitchFamily="34" charset="0"/>
-              </a:rPr>
-              <a:t>Exits 3</a:t>
-            </a:r>
-            <a:r>
-              <a:rPr lang="ko-KR" altLang="en-US" sz="1300" dirty="0" smtClean="0">
-                <a:solidFill>
-                  <a:schemeClr val="tx1">
-                    <a:lumMod val="85000"/>
-                  </a:schemeClr>
-                </a:solidFill>
-                <a:latin typeface="HY견고딕" panose="02030600000101010101" pitchFamily="18" charset="-127"/>
-                <a:ea typeface="HY견고딕" panose="02030600000101010101" pitchFamily="18" charset="-127"/>
-                <a:cs typeface="Arial" panose="020B0604020202020204" pitchFamily="34" charset="0"/>
-              </a:rPr>
-              <a:t>가지의 버튼을 만들었습니다</a:t>
-            </a:r>
-            <a:r>
-              <a:rPr lang="en-US" altLang="ko-KR" sz="1300" dirty="0" smtClean="0">
-                <a:solidFill>
-                  <a:schemeClr val="tx1">
-                    <a:lumMod val="85000"/>
-                  </a:schemeClr>
-                </a:solidFill>
-                <a:latin typeface="HY견고딕" panose="02030600000101010101" pitchFamily="18" charset="-127"/>
-                <a:ea typeface="HY견고딕" panose="02030600000101010101" pitchFamily="18" charset="-127"/>
-                <a:cs typeface="Arial" panose="020B0604020202020204" pitchFamily="34" charset="0"/>
-              </a:rPr>
-              <a:t>.</a:t>
-            </a:r>
-            <a:endParaRPr lang="en-US" altLang="ko-KR" sz="1300" dirty="0" smtClean="0">
-              <a:solidFill>
-                <a:schemeClr val="tx1">
-                  <a:lumMod val="85000"/>
-                </a:schemeClr>
-              </a:solidFill>
-              <a:latin typeface="HY견고딕" panose="02030600000101010101" pitchFamily="18" charset="-127"/>
-              <a:ea typeface="HY견고딕" panose="02030600000101010101" pitchFamily="18" charset="-127"/>
-              <a:cs typeface="Arial" panose="020B0604020202020204" pitchFamily="34" charset="0"/>
-            </a:endParaRPr>
-          </a:p>
-          <a:p>
-            <a:pPr latinLnBrk="1">
-              <a:lnSpc>
-                <a:spcPct val="80000"/>
-              </a:lnSpc>
-              <a:buFontTx/>
-              <a:buChar char="•"/>
-              <a:defRPr/>
-            </a:pPr>
-            <a:endParaRPr lang="en-US" altLang="ko-KR" sz="1300" dirty="0">
-              <a:solidFill>
-                <a:schemeClr val="tx1">
-                  <a:lumMod val="85000"/>
-                </a:schemeClr>
-              </a:solidFill>
-              <a:latin typeface="HY견고딕" panose="02030600000101010101" pitchFamily="18" charset="-127"/>
-              <a:ea typeface="HY견고딕" panose="02030600000101010101" pitchFamily="18" charset="-127"/>
-              <a:cs typeface="Arial" panose="020B0604020202020204" pitchFamily="34" charset="0"/>
-            </a:endParaRPr>
-          </a:p>
-          <a:p>
-            <a:pPr latinLnBrk="1">
-              <a:lnSpc>
-                <a:spcPct val="80000"/>
-              </a:lnSpc>
-              <a:buFontTx/>
-              <a:buChar char="•"/>
-              <a:defRPr/>
-            </a:pPr>
-            <a:r>
-              <a:rPr lang="en-US" altLang="ko-KR" sz="1300" dirty="0" smtClean="0">
-                <a:solidFill>
-                  <a:schemeClr val="tx1">
-                    <a:lumMod val="85000"/>
-                  </a:schemeClr>
-                </a:solidFill>
-                <a:latin typeface="HY견고딕" panose="02030600000101010101" pitchFamily="18" charset="-127"/>
-                <a:ea typeface="HY견고딕" panose="02030600000101010101" pitchFamily="18" charset="-127"/>
-                <a:cs typeface="Arial" panose="020B0604020202020204" pitchFamily="34" charset="0"/>
-              </a:rPr>
-              <a:t>Start </a:t>
-            </a:r>
-            <a:r>
-              <a:rPr lang="en-US" altLang="ko-KR" sz="1300" dirty="0" smtClean="0">
-                <a:solidFill>
-                  <a:schemeClr val="tx1">
-                    <a:lumMod val="85000"/>
-                  </a:schemeClr>
-                </a:solidFill>
-                <a:latin typeface="HY견고딕" panose="02030600000101010101" pitchFamily="18" charset="-127"/>
-                <a:ea typeface="HY견고딕" panose="02030600000101010101" pitchFamily="18" charset="-127"/>
-                <a:cs typeface="Arial" panose="020B0604020202020204" pitchFamily="34" charset="0"/>
-              </a:rPr>
-              <a:t>: </a:t>
-            </a:r>
-            <a:r>
-              <a:rPr lang="ko-KR" altLang="en-US" sz="1300" dirty="0" smtClean="0">
-                <a:solidFill>
-                  <a:schemeClr val="tx1">
-                    <a:lumMod val="85000"/>
-                  </a:schemeClr>
-                </a:solidFill>
-                <a:latin typeface="HY견고딕" panose="02030600000101010101" pitchFamily="18" charset="-127"/>
-                <a:ea typeface="HY견고딕" panose="02030600000101010101" pitchFamily="18" charset="-127"/>
-                <a:cs typeface="Arial" panose="020B0604020202020204" pitchFamily="34" charset="0"/>
-              </a:rPr>
-              <a:t>게임 시작 버튼</a:t>
-            </a:r>
-            <a:endParaRPr lang="en-US" altLang="ko-KR" sz="1300" dirty="0" smtClean="0">
-              <a:solidFill>
-                <a:schemeClr val="tx1">
-                  <a:lumMod val="85000"/>
-                </a:schemeClr>
-              </a:solidFill>
-              <a:latin typeface="HY견고딕" panose="02030600000101010101" pitchFamily="18" charset="-127"/>
-              <a:ea typeface="HY견고딕" panose="02030600000101010101" pitchFamily="18" charset="-127"/>
-              <a:cs typeface="Arial" panose="020B0604020202020204" pitchFamily="34" charset="0"/>
-            </a:endParaRPr>
-          </a:p>
-          <a:p>
-            <a:pPr latinLnBrk="1">
-              <a:lnSpc>
-                <a:spcPct val="80000"/>
-              </a:lnSpc>
-              <a:buFontTx/>
-              <a:buChar char="•"/>
-              <a:defRPr/>
-            </a:pPr>
-            <a:endParaRPr lang="en-US" altLang="ko-KR" sz="1300" dirty="0">
-              <a:solidFill>
-                <a:schemeClr val="tx1">
-                  <a:lumMod val="85000"/>
-                </a:schemeClr>
-              </a:solidFill>
-              <a:latin typeface="HY견고딕" panose="02030600000101010101" pitchFamily="18" charset="-127"/>
-              <a:ea typeface="HY견고딕" panose="02030600000101010101" pitchFamily="18" charset="-127"/>
-              <a:cs typeface="Arial" panose="020B0604020202020204" pitchFamily="34" charset="0"/>
-            </a:endParaRPr>
-          </a:p>
-          <a:p>
-            <a:pPr latinLnBrk="1">
-              <a:lnSpc>
-                <a:spcPct val="80000"/>
-              </a:lnSpc>
-              <a:buFontTx/>
-              <a:buChar char="•"/>
-              <a:defRPr/>
-            </a:pPr>
-            <a:r>
-              <a:rPr lang="en-US" altLang="ko-KR" sz="1300" dirty="0" smtClean="0">
-                <a:solidFill>
-                  <a:schemeClr val="tx1">
-                    <a:lumMod val="85000"/>
-                  </a:schemeClr>
-                </a:solidFill>
-                <a:latin typeface="HY견고딕" panose="02030600000101010101" pitchFamily="18" charset="-127"/>
-                <a:ea typeface="HY견고딕" panose="02030600000101010101" pitchFamily="18" charset="-127"/>
-                <a:cs typeface="Arial" panose="020B0604020202020204" pitchFamily="34" charset="0"/>
-              </a:rPr>
-              <a:t>Score </a:t>
-            </a:r>
-            <a:r>
-              <a:rPr lang="en-US" altLang="ko-KR" sz="1300" dirty="0" smtClean="0">
-                <a:solidFill>
-                  <a:schemeClr val="tx1">
-                    <a:lumMod val="85000"/>
-                  </a:schemeClr>
-                </a:solidFill>
-                <a:latin typeface="HY견고딕" panose="02030600000101010101" pitchFamily="18" charset="-127"/>
-                <a:ea typeface="HY견고딕" panose="02030600000101010101" pitchFamily="18" charset="-127"/>
-                <a:cs typeface="Arial" panose="020B0604020202020204" pitchFamily="34" charset="0"/>
-              </a:rPr>
-              <a:t>: </a:t>
-            </a:r>
-            <a:r>
-              <a:rPr lang="ko-KR" altLang="en-US" sz="1300" dirty="0" smtClean="0">
-                <a:solidFill>
-                  <a:schemeClr val="tx1">
-                    <a:lumMod val="85000"/>
-                  </a:schemeClr>
-                </a:solidFill>
-                <a:latin typeface="HY견고딕" panose="02030600000101010101" pitchFamily="18" charset="-127"/>
-                <a:ea typeface="HY견고딕" panose="02030600000101010101" pitchFamily="18" charset="-127"/>
-                <a:cs typeface="Arial" panose="020B0604020202020204" pitchFamily="34" charset="0"/>
-              </a:rPr>
-              <a:t>지금까지 해온 점수를 보여준다</a:t>
-            </a:r>
-            <a:r>
-              <a:rPr lang="en-US" altLang="ko-KR" sz="1300" dirty="0" smtClean="0">
-                <a:solidFill>
-                  <a:schemeClr val="tx1">
-                    <a:lumMod val="85000"/>
-                  </a:schemeClr>
-                </a:solidFill>
-                <a:latin typeface="HY견고딕" panose="02030600000101010101" pitchFamily="18" charset="-127"/>
-                <a:ea typeface="HY견고딕" panose="02030600000101010101" pitchFamily="18" charset="-127"/>
-                <a:cs typeface="Arial" panose="020B0604020202020204" pitchFamily="34" charset="0"/>
-              </a:rPr>
-              <a:t>.</a:t>
-            </a:r>
-          </a:p>
-          <a:p>
-            <a:pPr latinLnBrk="1">
-              <a:lnSpc>
-                <a:spcPct val="80000"/>
-              </a:lnSpc>
-              <a:buFontTx/>
-              <a:buChar char="•"/>
-              <a:defRPr/>
-            </a:pPr>
-            <a:endParaRPr lang="en-US" altLang="ko-KR" sz="1300" dirty="0">
-              <a:solidFill>
-                <a:schemeClr val="tx1">
-                  <a:lumMod val="85000"/>
-                </a:schemeClr>
-              </a:solidFill>
-              <a:latin typeface="HY견고딕" panose="02030600000101010101" pitchFamily="18" charset="-127"/>
-              <a:ea typeface="HY견고딕" panose="02030600000101010101" pitchFamily="18" charset="-127"/>
-              <a:cs typeface="Arial" panose="020B0604020202020204" pitchFamily="34" charset="0"/>
-            </a:endParaRPr>
-          </a:p>
-          <a:p>
-            <a:pPr latinLnBrk="1">
-              <a:lnSpc>
-                <a:spcPct val="80000"/>
-              </a:lnSpc>
-              <a:buFontTx/>
-              <a:buChar char="•"/>
-              <a:defRPr/>
-            </a:pPr>
-            <a:r>
-              <a:rPr lang="en-US" altLang="ko-KR" sz="1300" dirty="0" smtClean="0">
-                <a:solidFill>
-                  <a:schemeClr val="tx1">
-                    <a:lumMod val="85000"/>
-                  </a:schemeClr>
-                </a:solidFill>
-                <a:latin typeface="HY견고딕" panose="02030600000101010101" pitchFamily="18" charset="-127"/>
-                <a:ea typeface="HY견고딕" panose="02030600000101010101" pitchFamily="18" charset="-127"/>
-                <a:cs typeface="Arial" panose="020B0604020202020204" pitchFamily="34" charset="0"/>
-              </a:rPr>
-              <a:t>Exits </a:t>
-            </a:r>
-            <a:r>
-              <a:rPr lang="en-US" altLang="ko-KR" sz="1300" dirty="0" smtClean="0">
-                <a:solidFill>
-                  <a:schemeClr val="tx1">
-                    <a:lumMod val="85000"/>
-                  </a:schemeClr>
-                </a:solidFill>
-                <a:latin typeface="HY견고딕" panose="02030600000101010101" pitchFamily="18" charset="-127"/>
-                <a:ea typeface="HY견고딕" panose="02030600000101010101" pitchFamily="18" charset="-127"/>
-                <a:cs typeface="Arial" panose="020B0604020202020204" pitchFamily="34" charset="0"/>
-              </a:rPr>
-              <a:t>: </a:t>
-            </a:r>
-            <a:r>
-              <a:rPr lang="ko-KR" altLang="en-US" sz="1300" dirty="0" smtClean="0">
-                <a:solidFill>
-                  <a:schemeClr val="tx1">
-                    <a:lumMod val="85000"/>
-                  </a:schemeClr>
-                </a:solidFill>
-                <a:latin typeface="HY견고딕" panose="02030600000101010101" pitchFamily="18" charset="-127"/>
-                <a:ea typeface="HY견고딕" panose="02030600000101010101" pitchFamily="18" charset="-127"/>
-                <a:cs typeface="Arial" panose="020B0604020202020204" pitchFamily="34" charset="0"/>
-              </a:rPr>
-              <a:t>게임 종료 버튼</a:t>
-            </a:r>
-            <a:endParaRPr lang="en-US" altLang="ko-KR" sz="1300" dirty="0" smtClean="0">
-              <a:solidFill>
-                <a:schemeClr val="tx1">
-                  <a:lumMod val="85000"/>
-                </a:schemeClr>
-              </a:solidFill>
-              <a:latin typeface="HY견고딕" panose="02030600000101010101" pitchFamily="18" charset="-127"/>
-              <a:ea typeface="HY견고딕" panose="02030600000101010101" pitchFamily="18" charset="-127"/>
-              <a:cs typeface="Arial" panose="020B0604020202020204" pitchFamily="34" charset="0"/>
-            </a:endParaRPr>
-          </a:p>
-        </p:txBody>
-      </p:sp>
-      <p:sp>
-        <p:nvSpPr>
-          <p:cNvPr id="11" name="제목 2"/>
-          <p:cNvSpPr txBox="1">
-            <a:spLocks/>
-          </p:cNvSpPr>
-          <p:nvPr/>
-        </p:nvSpPr>
-        <p:spPr bwMode="auto">
-          <a:xfrm>
-            <a:off x="4066539" y="2175732"/>
-            <a:ext cx="5064666" cy="1212640"/>
-          </a:xfrm>
-          <a:prstGeom prst="rect">
-            <a:avLst/>
-          </a:prstGeom>
-          <a:noFill/>
-          <a:ln>
-            <a:noFill/>
-          </a:ln>
-          <a:extLst>
-            <a:ext uri="{909E8E84-426E-40DD-AFC4-6F175D3DCCD1}">
-              <a14:hiddenFill xmlns:a14="http://schemas.microsoft.com/office/drawing/2010/main">
-                <a:solidFill>
-                  <a:srgbClr val="FFFFFF"/>
-                </a:solidFill>
-              </a14:hiddenFill>
-            </a:ext>
-            <a:ext uri="{91240B29-F687-4F45-9708-019B960494DF}">
-              <a14:hiddenLine xmlns:a14="http://schemas.microsoft.com/office/drawing/2010/main" w="9525">
-                <a:solidFill>
-                  <a:srgbClr val="000000"/>
-                </a:solidFill>
-                <a:miter lim="800000"/>
-                <a:headEnd/>
-                <a:tailEnd/>
-              </a14:hiddenLine>
-            </a:ext>
-          </a:extLst>
-        </p:spPr>
-        <p:txBody>
-          <a:bodyPr wrap="square">
-            <a:spAutoFit/>
-          </a:bodyPr>
-          <a:lstStyle>
-            <a:lvl1pPr marL="182563" indent="-182563">
-              <a:defRPr kumimoji="1">
-                <a:solidFill>
-                  <a:schemeClr val="tx1"/>
-                </a:solidFill>
-                <a:latin typeface="굴림" panose="020B0600000101010101" pitchFamily="50" charset="-127"/>
-                <a:ea typeface="굴림" panose="020B0600000101010101" pitchFamily="50" charset="-127"/>
-              </a:defRPr>
-            </a:lvl1pPr>
-            <a:lvl2pPr marL="742950" indent="-285750">
-              <a:defRPr kumimoji="1">
-                <a:solidFill>
-                  <a:schemeClr val="tx1"/>
-                </a:solidFill>
-                <a:latin typeface="굴림" panose="020B0600000101010101" pitchFamily="50" charset="-127"/>
-                <a:ea typeface="굴림" panose="020B0600000101010101" pitchFamily="50" charset="-127"/>
-              </a:defRPr>
-            </a:lvl2pPr>
-            <a:lvl3pPr marL="1143000" indent="-228600">
-              <a:defRPr kumimoji="1">
-                <a:solidFill>
-                  <a:schemeClr val="tx1"/>
-                </a:solidFill>
-                <a:latin typeface="굴림" panose="020B0600000101010101" pitchFamily="50" charset="-127"/>
-                <a:ea typeface="굴림" panose="020B0600000101010101" pitchFamily="50" charset="-127"/>
-              </a:defRPr>
-            </a:lvl3pPr>
-            <a:lvl4pPr marL="1600200" indent="-228600">
-              <a:defRPr kumimoji="1">
-                <a:solidFill>
-                  <a:schemeClr val="tx1"/>
-                </a:solidFill>
-                <a:latin typeface="굴림" panose="020B0600000101010101" pitchFamily="50" charset="-127"/>
-                <a:ea typeface="굴림" panose="020B0600000101010101" pitchFamily="50" charset="-127"/>
-              </a:defRPr>
-            </a:lvl4pPr>
-            <a:lvl5pPr marL="2057400" indent="-228600">
-              <a:defRPr kumimoji="1">
-                <a:solidFill>
-                  <a:schemeClr val="tx1"/>
-                </a:solidFill>
-                <a:latin typeface="굴림" panose="020B0600000101010101" pitchFamily="50" charset="-127"/>
-                <a:ea typeface="굴림" panose="020B0600000101010101" pitchFamily="50" charset="-127"/>
-              </a:defRPr>
-            </a:lvl5pPr>
-            <a:lvl6pPr marL="2514600" indent="-228600" eaLnBrk="0" fontAlgn="base" hangingPunct="0">
-              <a:spcBef>
-                <a:spcPct val="0"/>
-              </a:spcBef>
-              <a:spcAft>
-                <a:spcPct val="0"/>
-              </a:spcAft>
-              <a:defRPr kumimoji="1">
-                <a:solidFill>
-                  <a:schemeClr val="tx1"/>
-                </a:solidFill>
-                <a:latin typeface="굴림" panose="020B0600000101010101" pitchFamily="50" charset="-127"/>
-                <a:ea typeface="굴림" panose="020B0600000101010101" pitchFamily="50" charset="-127"/>
-              </a:defRPr>
-            </a:lvl6pPr>
-            <a:lvl7pPr marL="2971800" indent="-228600" eaLnBrk="0" fontAlgn="base" hangingPunct="0">
-              <a:spcBef>
-                <a:spcPct val="0"/>
-              </a:spcBef>
-              <a:spcAft>
-                <a:spcPct val="0"/>
-              </a:spcAft>
-              <a:defRPr kumimoji="1">
-                <a:solidFill>
-                  <a:schemeClr val="tx1"/>
-                </a:solidFill>
-                <a:latin typeface="굴림" panose="020B0600000101010101" pitchFamily="50" charset="-127"/>
-                <a:ea typeface="굴림" panose="020B0600000101010101" pitchFamily="50" charset="-127"/>
-              </a:defRPr>
-            </a:lvl7pPr>
-            <a:lvl8pPr marL="3429000" indent="-228600" eaLnBrk="0" fontAlgn="base" hangingPunct="0">
-              <a:spcBef>
-                <a:spcPct val="0"/>
-              </a:spcBef>
-              <a:spcAft>
-                <a:spcPct val="0"/>
-              </a:spcAft>
-              <a:defRPr kumimoji="1">
-                <a:solidFill>
-                  <a:schemeClr val="tx1"/>
-                </a:solidFill>
-                <a:latin typeface="굴림" panose="020B0600000101010101" pitchFamily="50" charset="-127"/>
-                <a:ea typeface="굴림" panose="020B0600000101010101" pitchFamily="50" charset="-127"/>
-              </a:defRPr>
-            </a:lvl8pPr>
-            <a:lvl9pPr marL="3886200" indent="-228600" eaLnBrk="0" fontAlgn="base" hangingPunct="0">
-              <a:spcBef>
-                <a:spcPct val="0"/>
-              </a:spcBef>
-              <a:spcAft>
-                <a:spcPct val="0"/>
-              </a:spcAft>
-              <a:defRPr kumimoji="1">
-                <a:solidFill>
-                  <a:schemeClr val="tx1"/>
-                </a:solidFill>
-                <a:latin typeface="굴림" panose="020B0600000101010101" pitchFamily="50" charset="-127"/>
-                <a:ea typeface="굴림" panose="020B0600000101010101" pitchFamily="50" charset="-127"/>
-              </a:defRPr>
-            </a:lvl9pPr>
-          </a:lstStyle>
-          <a:p>
-            <a:pPr latinLnBrk="1">
-              <a:lnSpc>
-                <a:spcPct val="80000"/>
-              </a:lnSpc>
-              <a:buFontTx/>
-              <a:buChar char="•"/>
-              <a:defRPr/>
-            </a:pPr>
-            <a:r>
-              <a:rPr lang="en-US" altLang="ko-KR" sz="1300" dirty="0" smtClean="0">
-                <a:solidFill>
-                  <a:schemeClr val="tx1">
-                    <a:lumMod val="85000"/>
-                  </a:schemeClr>
-                </a:solidFill>
-                <a:latin typeface="HY견고딕" panose="02030600000101010101" pitchFamily="18" charset="-127"/>
-                <a:ea typeface="HY견고딕" panose="02030600000101010101" pitchFamily="18" charset="-127"/>
-                <a:cs typeface="Arial" panose="020B0604020202020204" pitchFamily="34" charset="0"/>
-              </a:rPr>
-              <a:t>Start </a:t>
-            </a:r>
-            <a:r>
-              <a:rPr lang="ko-KR" altLang="en-US" sz="1300" dirty="0" smtClean="0">
-                <a:solidFill>
-                  <a:schemeClr val="tx1">
-                    <a:lumMod val="85000"/>
-                  </a:schemeClr>
-                </a:solidFill>
-                <a:latin typeface="HY견고딕" panose="02030600000101010101" pitchFamily="18" charset="-127"/>
-                <a:ea typeface="HY견고딕" panose="02030600000101010101" pitchFamily="18" charset="-127"/>
-                <a:cs typeface="Arial" panose="020B0604020202020204" pitchFamily="34" charset="0"/>
-              </a:rPr>
-              <a:t>버튼을 클릭 시 </a:t>
-            </a:r>
-            <a:r>
-              <a:rPr lang="en-US" altLang="ko-KR" sz="1300" dirty="0" smtClean="0">
-                <a:solidFill>
-                  <a:schemeClr val="tx1">
-                    <a:lumMod val="85000"/>
-                  </a:schemeClr>
-                </a:solidFill>
-                <a:latin typeface="HY견고딕" panose="02030600000101010101" pitchFamily="18" charset="-127"/>
-                <a:ea typeface="HY견고딕" panose="02030600000101010101" pitchFamily="18" charset="-127"/>
-                <a:cs typeface="Arial" panose="020B0604020202020204" pitchFamily="34" charset="0"/>
-              </a:rPr>
-              <a:t>3</a:t>
-            </a:r>
-            <a:r>
-              <a:rPr lang="ko-KR" altLang="en-US" sz="1300" dirty="0" smtClean="0">
-                <a:solidFill>
-                  <a:schemeClr val="tx1">
-                    <a:lumMod val="85000"/>
-                  </a:schemeClr>
-                </a:solidFill>
-                <a:latin typeface="HY견고딕" panose="02030600000101010101" pitchFamily="18" charset="-127"/>
-                <a:ea typeface="HY견고딕" panose="02030600000101010101" pitchFamily="18" charset="-127"/>
-                <a:cs typeface="Arial" panose="020B0604020202020204" pitchFamily="34" charset="0"/>
-              </a:rPr>
-              <a:t>가지의 버튼을 나타나게 하였습니다</a:t>
-            </a:r>
-            <a:r>
-              <a:rPr lang="en-US" altLang="ko-KR" sz="1300" dirty="0" smtClean="0">
-                <a:solidFill>
-                  <a:schemeClr val="tx1">
-                    <a:lumMod val="85000"/>
-                  </a:schemeClr>
-                </a:solidFill>
-                <a:latin typeface="HY견고딕" panose="02030600000101010101" pitchFamily="18" charset="-127"/>
-                <a:ea typeface="HY견고딕" panose="02030600000101010101" pitchFamily="18" charset="-127"/>
-                <a:cs typeface="Arial" panose="020B0604020202020204" pitchFamily="34" charset="0"/>
-              </a:rPr>
-              <a:t>.</a:t>
-            </a:r>
-          </a:p>
-          <a:p>
-            <a:pPr latinLnBrk="1">
-              <a:lnSpc>
-                <a:spcPct val="80000"/>
-              </a:lnSpc>
-              <a:buFontTx/>
-              <a:buChar char="•"/>
-              <a:defRPr/>
-            </a:pPr>
-            <a:endParaRPr lang="en-US" altLang="ko-KR" sz="1300" dirty="0" smtClean="0">
-              <a:solidFill>
-                <a:schemeClr val="tx1">
-                  <a:lumMod val="85000"/>
-                </a:schemeClr>
-              </a:solidFill>
-              <a:latin typeface="HY견고딕" panose="02030600000101010101" pitchFamily="18" charset="-127"/>
-              <a:ea typeface="HY견고딕" panose="02030600000101010101" pitchFamily="18" charset="-127"/>
-              <a:cs typeface="Arial" panose="020B0604020202020204" pitchFamily="34" charset="0"/>
-            </a:endParaRPr>
-          </a:p>
-          <a:p>
-            <a:pPr latinLnBrk="1">
-              <a:lnSpc>
-                <a:spcPct val="80000"/>
-              </a:lnSpc>
-              <a:buFontTx/>
-              <a:buChar char="•"/>
-              <a:defRPr/>
-            </a:pPr>
-            <a:r>
-              <a:rPr lang="en-US" altLang="ko-KR" sz="1300" dirty="0" smtClean="0">
-                <a:solidFill>
-                  <a:schemeClr val="tx1">
-                    <a:lumMod val="85000"/>
-                  </a:schemeClr>
-                </a:solidFill>
-                <a:latin typeface="HY견고딕" panose="02030600000101010101" pitchFamily="18" charset="-127"/>
-                <a:ea typeface="HY견고딕" panose="02030600000101010101" pitchFamily="18" charset="-127"/>
-                <a:cs typeface="Arial" panose="020B0604020202020204" pitchFamily="34" charset="0"/>
-              </a:rPr>
-              <a:t>Easy : </a:t>
-            </a:r>
-            <a:r>
-              <a:rPr lang="ko-KR" altLang="en-US" sz="1300" dirty="0" smtClean="0">
-                <a:solidFill>
-                  <a:schemeClr val="tx1">
-                    <a:lumMod val="85000"/>
-                  </a:schemeClr>
-                </a:solidFill>
-                <a:latin typeface="HY견고딕" panose="02030600000101010101" pitchFamily="18" charset="-127"/>
-                <a:ea typeface="HY견고딕" panose="02030600000101010101" pitchFamily="18" charset="-127"/>
-                <a:cs typeface="Arial" panose="020B0604020202020204" pitchFamily="34" charset="0"/>
-              </a:rPr>
-              <a:t>난이도 쉬움</a:t>
-            </a:r>
-            <a:endParaRPr lang="en-US" altLang="ko-KR" sz="1300" dirty="0" smtClean="0">
-              <a:solidFill>
-                <a:schemeClr val="tx1">
-                  <a:lumMod val="85000"/>
-                </a:schemeClr>
-              </a:solidFill>
-              <a:latin typeface="HY견고딕" panose="02030600000101010101" pitchFamily="18" charset="-127"/>
-              <a:ea typeface="HY견고딕" panose="02030600000101010101" pitchFamily="18" charset="-127"/>
-              <a:cs typeface="Arial" panose="020B0604020202020204" pitchFamily="34" charset="0"/>
-            </a:endParaRPr>
-          </a:p>
-          <a:p>
-            <a:pPr latinLnBrk="1">
-              <a:lnSpc>
-                <a:spcPct val="80000"/>
-              </a:lnSpc>
-              <a:buFontTx/>
-              <a:buChar char="•"/>
-              <a:defRPr/>
-            </a:pPr>
-            <a:endParaRPr lang="en-US" altLang="ko-KR" sz="1300" dirty="0">
-              <a:solidFill>
-                <a:schemeClr val="tx1">
-                  <a:lumMod val="85000"/>
-                </a:schemeClr>
-              </a:solidFill>
-              <a:latin typeface="HY견고딕" panose="02030600000101010101" pitchFamily="18" charset="-127"/>
-              <a:ea typeface="HY견고딕" panose="02030600000101010101" pitchFamily="18" charset="-127"/>
-              <a:cs typeface="Arial" panose="020B0604020202020204" pitchFamily="34" charset="0"/>
-            </a:endParaRPr>
-          </a:p>
-          <a:p>
-            <a:pPr latinLnBrk="1">
-              <a:lnSpc>
-                <a:spcPct val="80000"/>
-              </a:lnSpc>
-              <a:buFontTx/>
-              <a:buChar char="•"/>
-              <a:defRPr/>
-            </a:pPr>
-            <a:r>
-              <a:rPr lang="en-US" altLang="ko-KR" sz="1300" dirty="0" smtClean="0">
-                <a:solidFill>
-                  <a:schemeClr val="tx1">
-                    <a:lumMod val="85000"/>
-                  </a:schemeClr>
-                </a:solidFill>
-                <a:latin typeface="HY견고딕" panose="02030600000101010101" pitchFamily="18" charset="-127"/>
-                <a:ea typeface="HY견고딕" panose="02030600000101010101" pitchFamily="18" charset="-127"/>
-                <a:cs typeface="Arial" panose="020B0604020202020204" pitchFamily="34" charset="0"/>
-              </a:rPr>
-              <a:t>Medium : </a:t>
-            </a:r>
-            <a:r>
-              <a:rPr lang="ko-KR" altLang="en-US" sz="1300" dirty="0" smtClean="0">
-                <a:solidFill>
-                  <a:schemeClr val="tx1">
-                    <a:lumMod val="85000"/>
-                  </a:schemeClr>
-                </a:solidFill>
-                <a:latin typeface="HY견고딕" panose="02030600000101010101" pitchFamily="18" charset="-127"/>
-                <a:ea typeface="HY견고딕" panose="02030600000101010101" pitchFamily="18" charset="-127"/>
-                <a:cs typeface="Arial" panose="020B0604020202020204" pitchFamily="34" charset="0"/>
-              </a:rPr>
-              <a:t>난이도 중간</a:t>
-            </a:r>
-            <a:endParaRPr lang="en-US" altLang="ko-KR" sz="1300" dirty="0" smtClean="0">
-              <a:solidFill>
-                <a:schemeClr val="tx1">
-                  <a:lumMod val="85000"/>
-                </a:schemeClr>
-              </a:solidFill>
-              <a:latin typeface="HY견고딕" panose="02030600000101010101" pitchFamily="18" charset="-127"/>
-              <a:ea typeface="HY견고딕" panose="02030600000101010101" pitchFamily="18" charset="-127"/>
-              <a:cs typeface="Arial" panose="020B0604020202020204" pitchFamily="34" charset="0"/>
-            </a:endParaRPr>
-          </a:p>
-          <a:p>
-            <a:pPr latinLnBrk="1">
-              <a:lnSpc>
-                <a:spcPct val="80000"/>
-              </a:lnSpc>
-              <a:buFontTx/>
-              <a:buChar char="•"/>
-              <a:defRPr/>
-            </a:pPr>
-            <a:endParaRPr lang="en-US" altLang="ko-KR" sz="1300" dirty="0">
-              <a:solidFill>
-                <a:schemeClr val="tx1">
-                  <a:lumMod val="85000"/>
-                </a:schemeClr>
-              </a:solidFill>
-              <a:latin typeface="HY견고딕" panose="02030600000101010101" pitchFamily="18" charset="-127"/>
-              <a:ea typeface="HY견고딕" panose="02030600000101010101" pitchFamily="18" charset="-127"/>
-              <a:cs typeface="Arial" panose="020B0604020202020204" pitchFamily="34" charset="0"/>
-            </a:endParaRPr>
-          </a:p>
-          <a:p>
-            <a:pPr latinLnBrk="1">
-              <a:lnSpc>
-                <a:spcPct val="80000"/>
-              </a:lnSpc>
-              <a:buFontTx/>
-              <a:buChar char="•"/>
-              <a:defRPr/>
-            </a:pPr>
-            <a:r>
-              <a:rPr lang="en-US" altLang="ko-KR" sz="1300" dirty="0" smtClean="0">
-                <a:solidFill>
-                  <a:schemeClr val="tx1">
-                    <a:lumMod val="85000"/>
-                  </a:schemeClr>
-                </a:solidFill>
-                <a:latin typeface="HY견고딕" panose="02030600000101010101" pitchFamily="18" charset="-127"/>
-                <a:ea typeface="HY견고딕" panose="02030600000101010101" pitchFamily="18" charset="-127"/>
-                <a:cs typeface="Arial" panose="020B0604020202020204" pitchFamily="34" charset="0"/>
-              </a:rPr>
-              <a:t>Hard : </a:t>
-            </a:r>
-            <a:r>
-              <a:rPr lang="ko-KR" altLang="en-US" sz="1300" dirty="0" smtClean="0">
-                <a:solidFill>
-                  <a:schemeClr val="tx1">
-                    <a:lumMod val="85000"/>
-                  </a:schemeClr>
-                </a:solidFill>
-                <a:latin typeface="HY견고딕" panose="02030600000101010101" pitchFamily="18" charset="-127"/>
-                <a:ea typeface="HY견고딕" panose="02030600000101010101" pitchFamily="18" charset="-127"/>
-                <a:cs typeface="Arial" panose="020B0604020202020204" pitchFamily="34" charset="0"/>
-              </a:rPr>
-              <a:t>난이도 어려움</a:t>
-            </a:r>
-            <a:endParaRPr lang="en-US" altLang="ko-KR" sz="1300" dirty="0" smtClean="0">
-              <a:solidFill>
-                <a:schemeClr val="tx1">
-                  <a:lumMod val="85000"/>
-                </a:schemeClr>
-              </a:solidFill>
-              <a:latin typeface="HY견고딕" panose="02030600000101010101" pitchFamily="18" charset="-127"/>
-              <a:ea typeface="HY견고딕" panose="02030600000101010101" pitchFamily="18" charset="-127"/>
-              <a:cs typeface="Arial" panose="020B0604020202020204" pitchFamily="34" charset="0"/>
-            </a:endParaRPr>
-          </a:p>
-        </p:txBody>
-      </p:sp>
-      <p:sp>
-        <p:nvSpPr>
-          <p:cNvPr id="12" name="제목 2"/>
-          <p:cNvSpPr txBox="1">
-            <a:spLocks/>
-          </p:cNvSpPr>
-          <p:nvPr/>
-        </p:nvSpPr>
-        <p:spPr bwMode="auto">
-          <a:xfrm>
-            <a:off x="5940866" y="3514752"/>
-            <a:ext cx="3190339" cy="1692771"/>
-          </a:xfrm>
-          <a:prstGeom prst="rect">
-            <a:avLst/>
-          </a:prstGeom>
-          <a:noFill/>
-          <a:ln>
-            <a:noFill/>
-          </a:ln>
-          <a:extLst>
-            <a:ext uri="{909E8E84-426E-40DD-AFC4-6F175D3DCCD1}">
-              <a14:hiddenFill xmlns:a14="http://schemas.microsoft.com/office/drawing/2010/main">
-                <a:solidFill>
-                  <a:srgbClr val="FFFFFF"/>
-                </a:solidFill>
-              </a14:hiddenFill>
-            </a:ext>
-            <a:ext uri="{91240B29-F687-4F45-9708-019B960494DF}">
-              <a14:hiddenLine xmlns:a14="http://schemas.microsoft.com/office/drawing/2010/main" w="9525">
-                <a:solidFill>
-                  <a:srgbClr val="000000"/>
-                </a:solidFill>
-                <a:miter lim="800000"/>
-                <a:headEnd/>
-                <a:tailEnd/>
-              </a14:hiddenLine>
-            </a:ext>
-          </a:extLst>
-        </p:spPr>
-        <p:txBody>
-          <a:bodyPr wrap="square">
-            <a:spAutoFit/>
-          </a:bodyPr>
-          <a:lstStyle>
-            <a:lvl1pPr marL="182563" indent="-182563">
-              <a:defRPr kumimoji="1">
-                <a:solidFill>
-                  <a:schemeClr val="tx1"/>
-                </a:solidFill>
-                <a:latin typeface="굴림" panose="020B0600000101010101" pitchFamily="50" charset="-127"/>
-                <a:ea typeface="굴림" panose="020B0600000101010101" pitchFamily="50" charset="-127"/>
-              </a:defRPr>
-            </a:lvl1pPr>
-            <a:lvl2pPr marL="742950" indent="-285750">
-              <a:defRPr kumimoji="1">
-                <a:solidFill>
-                  <a:schemeClr val="tx1"/>
-                </a:solidFill>
-                <a:latin typeface="굴림" panose="020B0600000101010101" pitchFamily="50" charset="-127"/>
-                <a:ea typeface="굴림" panose="020B0600000101010101" pitchFamily="50" charset="-127"/>
-              </a:defRPr>
-            </a:lvl2pPr>
-            <a:lvl3pPr marL="1143000" indent="-228600">
-              <a:defRPr kumimoji="1">
-                <a:solidFill>
-                  <a:schemeClr val="tx1"/>
-                </a:solidFill>
-                <a:latin typeface="굴림" panose="020B0600000101010101" pitchFamily="50" charset="-127"/>
-                <a:ea typeface="굴림" panose="020B0600000101010101" pitchFamily="50" charset="-127"/>
-              </a:defRPr>
-            </a:lvl3pPr>
-            <a:lvl4pPr marL="1600200" indent="-228600">
-              <a:defRPr kumimoji="1">
-                <a:solidFill>
-                  <a:schemeClr val="tx1"/>
-                </a:solidFill>
-                <a:latin typeface="굴림" panose="020B0600000101010101" pitchFamily="50" charset="-127"/>
-                <a:ea typeface="굴림" panose="020B0600000101010101" pitchFamily="50" charset="-127"/>
-              </a:defRPr>
-            </a:lvl4pPr>
-            <a:lvl5pPr marL="2057400" indent="-228600">
-              <a:defRPr kumimoji="1">
-                <a:solidFill>
-                  <a:schemeClr val="tx1"/>
-                </a:solidFill>
-                <a:latin typeface="굴림" panose="020B0600000101010101" pitchFamily="50" charset="-127"/>
-                <a:ea typeface="굴림" panose="020B0600000101010101" pitchFamily="50" charset="-127"/>
-              </a:defRPr>
-            </a:lvl5pPr>
-            <a:lvl6pPr marL="2514600" indent="-228600" eaLnBrk="0" fontAlgn="base" hangingPunct="0">
-              <a:spcBef>
-                <a:spcPct val="0"/>
-              </a:spcBef>
-              <a:spcAft>
-                <a:spcPct val="0"/>
-              </a:spcAft>
-              <a:defRPr kumimoji="1">
-                <a:solidFill>
-                  <a:schemeClr val="tx1"/>
-                </a:solidFill>
-                <a:latin typeface="굴림" panose="020B0600000101010101" pitchFamily="50" charset="-127"/>
-                <a:ea typeface="굴림" panose="020B0600000101010101" pitchFamily="50" charset="-127"/>
-              </a:defRPr>
-            </a:lvl6pPr>
-            <a:lvl7pPr marL="2971800" indent="-228600" eaLnBrk="0" fontAlgn="base" hangingPunct="0">
-              <a:spcBef>
-                <a:spcPct val="0"/>
-              </a:spcBef>
-              <a:spcAft>
-                <a:spcPct val="0"/>
-              </a:spcAft>
-              <a:defRPr kumimoji="1">
-                <a:solidFill>
-                  <a:schemeClr val="tx1"/>
-                </a:solidFill>
-                <a:latin typeface="굴림" panose="020B0600000101010101" pitchFamily="50" charset="-127"/>
-                <a:ea typeface="굴림" panose="020B0600000101010101" pitchFamily="50" charset="-127"/>
-              </a:defRPr>
-            </a:lvl7pPr>
-            <a:lvl8pPr marL="3429000" indent="-228600" eaLnBrk="0" fontAlgn="base" hangingPunct="0">
-              <a:spcBef>
-                <a:spcPct val="0"/>
-              </a:spcBef>
-              <a:spcAft>
-                <a:spcPct val="0"/>
-              </a:spcAft>
-              <a:defRPr kumimoji="1">
-                <a:solidFill>
-                  <a:schemeClr val="tx1"/>
-                </a:solidFill>
-                <a:latin typeface="굴림" panose="020B0600000101010101" pitchFamily="50" charset="-127"/>
-                <a:ea typeface="굴림" panose="020B0600000101010101" pitchFamily="50" charset="-127"/>
-              </a:defRPr>
-            </a:lvl8pPr>
-            <a:lvl9pPr marL="3886200" indent="-228600" eaLnBrk="0" fontAlgn="base" hangingPunct="0">
-              <a:spcBef>
-                <a:spcPct val="0"/>
-              </a:spcBef>
-              <a:spcAft>
-                <a:spcPct val="0"/>
-              </a:spcAft>
-              <a:defRPr kumimoji="1">
-                <a:solidFill>
-                  <a:schemeClr val="tx1"/>
-                </a:solidFill>
-                <a:latin typeface="굴림" panose="020B0600000101010101" pitchFamily="50" charset="-127"/>
-                <a:ea typeface="굴림" panose="020B0600000101010101" pitchFamily="50" charset="-127"/>
-              </a:defRPr>
-            </a:lvl9pPr>
-          </a:lstStyle>
-          <a:p>
-            <a:pPr latinLnBrk="1">
-              <a:lnSpc>
-                <a:spcPct val="80000"/>
-              </a:lnSpc>
-              <a:buFontTx/>
-              <a:buChar char="•"/>
-              <a:defRPr/>
-            </a:pPr>
-            <a:r>
-              <a:rPr lang="en-US" altLang="ko-KR" sz="1300" dirty="0" smtClean="0">
-                <a:solidFill>
-                  <a:schemeClr val="tx1">
-                    <a:lumMod val="85000"/>
-                  </a:schemeClr>
-                </a:solidFill>
-                <a:latin typeface="HY견고딕" panose="02030600000101010101" pitchFamily="18" charset="-127"/>
-                <a:ea typeface="HY견고딕" panose="02030600000101010101" pitchFamily="18" charset="-127"/>
-                <a:cs typeface="Arial" panose="020B0604020202020204" pitchFamily="34" charset="0"/>
-              </a:rPr>
-              <a:t>Easy, Medium, Hard</a:t>
-            </a:r>
-            <a:r>
-              <a:rPr lang="ko-KR" altLang="en-US" sz="1300" dirty="0" smtClean="0">
-                <a:solidFill>
-                  <a:schemeClr val="tx1">
-                    <a:lumMod val="85000"/>
-                  </a:schemeClr>
-                </a:solidFill>
-                <a:latin typeface="HY견고딕" panose="02030600000101010101" pitchFamily="18" charset="-127"/>
-                <a:ea typeface="HY견고딕" panose="02030600000101010101" pitchFamily="18" charset="-127"/>
-                <a:cs typeface="Arial" panose="020B0604020202020204" pitchFamily="34" charset="0"/>
-              </a:rPr>
-              <a:t>를 클릭 시</a:t>
-            </a:r>
-            <a:endParaRPr lang="en-US" altLang="ko-KR" sz="1300" dirty="0" smtClean="0">
-              <a:solidFill>
-                <a:schemeClr val="tx1">
-                  <a:lumMod val="85000"/>
-                </a:schemeClr>
-              </a:solidFill>
-              <a:latin typeface="HY견고딕" panose="02030600000101010101" pitchFamily="18" charset="-127"/>
-              <a:ea typeface="HY견고딕" panose="02030600000101010101" pitchFamily="18" charset="-127"/>
-              <a:cs typeface="Arial" panose="020B0604020202020204" pitchFamily="34" charset="0"/>
-            </a:endParaRPr>
-          </a:p>
-          <a:p>
-            <a:pPr latinLnBrk="1">
-              <a:lnSpc>
-                <a:spcPct val="80000"/>
-              </a:lnSpc>
-              <a:buFontTx/>
-              <a:buChar char="•"/>
-              <a:defRPr/>
-            </a:pPr>
-            <a:endParaRPr lang="en-US" altLang="ko-KR" sz="1300" dirty="0">
-              <a:solidFill>
-                <a:schemeClr val="tx1">
-                  <a:lumMod val="85000"/>
-                </a:schemeClr>
-              </a:solidFill>
-              <a:latin typeface="HY견고딕" panose="02030600000101010101" pitchFamily="18" charset="-127"/>
-              <a:ea typeface="HY견고딕" panose="02030600000101010101" pitchFamily="18" charset="-127"/>
-              <a:cs typeface="Arial" panose="020B0604020202020204" pitchFamily="34" charset="0"/>
-            </a:endParaRPr>
-          </a:p>
-          <a:p>
-            <a:pPr latinLnBrk="1">
-              <a:lnSpc>
-                <a:spcPct val="80000"/>
-              </a:lnSpc>
-              <a:buFontTx/>
-              <a:buChar char="•"/>
-              <a:defRPr/>
-            </a:pPr>
-            <a:r>
-              <a:rPr lang="ko-KR" altLang="en-US" sz="1300" dirty="0" smtClean="0">
-                <a:solidFill>
-                  <a:schemeClr val="tx1">
-                    <a:lumMod val="85000"/>
-                  </a:schemeClr>
-                </a:solidFill>
-                <a:latin typeface="HY견고딕" panose="02030600000101010101" pitchFamily="18" charset="-127"/>
-                <a:ea typeface="HY견고딕" panose="02030600000101010101" pitchFamily="18" charset="-127"/>
-                <a:cs typeface="Arial" panose="020B0604020202020204" pitchFamily="34" charset="0"/>
-              </a:rPr>
-              <a:t>실제 게임 화면 이 나타나면서 게임을 진행 할 수 있게 화면 창 이 나타납니다</a:t>
-            </a:r>
-            <a:r>
-              <a:rPr lang="en-US" altLang="ko-KR" sz="1300" dirty="0" smtClean="0">
-                <a:solidFill>
-                  <a:schemeClr val="tx1">
-                    <a:lumMod val="85000"/>
-                  </a:schemeClr>
-                </a:solidFill>
-                <a:latin typeface="HY견고딕" panose="02030600000101010101" pitchFamily="18" charset="-127"/>
-                <a:ea typeface="HY견고딕" panose="02030600000101010101" pitchFamily="18" charset="-127"/>
-                <a:cs typeface="Arial" panose="020B0604020202020204" pitchFamily="34" charset="0"/>
-              </a:rPr>
-              <a:t>.</a:t>
-            </a:r>
-          </a:p>
-          <a:p>
-            <a:pPr latinLnBrk="1">
-              <a:lnSpc>
-                <a:spcPct val="80000"/>
-              </a:lnSpc>
-              <a:buFontTx/>
-              <a:buChar char="•"/>
-              <a:defRPr/>
-            </a:pPr>
-            <a:endParaRPr lang="en-US" altLang="ko-KR" sz="1300" dirty="0">
-              <a:solidFill>
-                <a:schemeClr val="tx1">
-                  <a:lumMod val="85000"/>
-                </a:schemeClr>
-              </a:solidFill>
-              <a:latin typeface="HY견고딕" panose="02030600000101010101" pitchFamily="18" charset="-127"/>
-              <a:ea typeface="HY견고딕" panose="02030600000101010101" pitchFamily="18" charset="-127"/>
-              <a:cs typeface="Arial" panose="020B0604020202020204" pitchFamily="34" charset="0"/>
-            </a:endParaRPr>
-          </a:p>
-          <a:p>
-            <a:pPr latinLnBrk="1">
-              <a:lnSpc>
-                <a:spcPct val="80000"/>
-              </a:lnSpc>
-              <a:buFontTx/>
-              <a:buChar char="•"/>
-              <a:defRPr/>
-            </a:pPr>
-            <a:r>
-              <a:rPr lang="en-US" altLang="ko-KR" sz="1300" dirty="0" smtClean="0">
-                <a:solidFill>
-                  <a:schemeClr val="tx1">
-                    <a:lumMod val="85000"/>
-                  </a:schemeClr>
-                </a:solidFill>
-                <a:latin typeface="HY견고딕" panose="02030600000101010101" pitchFamily="18" charset="-127"/>
-                <a:ea typeface="HY견고딕" panose="02030600000101010101" pitchFamily="18" charset="-127"/>
-                <a:cs typeface="Arial" panose="020B0604020202020204" pitchFamily="34" charset="0"/>
-              </a:rPr>
-              <a:t>4</a:t>
-            </a:r>
-            <a:r>
-              <a:rPr lang="ko-KR" altLang="en-US" sz="1300" dirty="0" smtClean="0">
-                <a:solidFill>
-                  <a:schemeClr val="tx1">
-                    <a:lumMod val="85000"/>
-                  </a:schemeClr>
-                </a:solidFill>
-                <a:latin typeface="HY견고딕" panose="02030600000101010101" pitchFamily="18" charset="-127"/>
-                <a:ea typeface="HY견고딕" panose="02030600000101010101" pitchFamily="18" charset="-127"/>
-                <a:cs typeface="Arial" panose="020B0604020202020204" pitchFamily="34" charset="0"/>
-              </a:rPr>
-              <a:t>주차 까지 적용을 하였기에</a:t>
-            </a:r>
-            <a:r>
-              <a:rPr lang="en-US" altLang="ko-KR" sz="1300" dirty="0" smtClean="0">
-                <a:solidFill>
-                  <a:schemeClr val="tx1">
-                    <a:lumMod val="85000"/>
-                  </a:schemeClr>
-                </a:solidFill>
-                <a:latin typeface="HY견고딕" panose="02030600000101010101" pitchFamily="18" charset="-127"/>
-                <a:ea typeface="HY견고딕" panose="02030600000101010101" pitchFamily="18" charset="-127"/>
-                <a:cs typeface="Arial" panose="020B0604020202020204" pitchFamily="34" charset="0"/>
-              </a:rPr>
-              <a:t>, </a:t>
-            </a:r>
-            <a:r>
-              <a:rPr lang="ko-KR" altLang="en-US" sz="1300" dirty="0" smtClean="0">
-                <a:solidFill>
-                  <a:schemeClr val="tx1">
-                    <a:lumMod val="85000"/>
-                  </a:schemeClr>
-                </a:solidFill>
-                <a:latin typeface="HY견고딕" panose="02030600000101010101" pitchFamily="18" charset="-127"/>
-                <a:ea typeface="HY견고딕" panose="02030600000101010101" pitchFamily="18" charset="-127"/>
-                <a:cs typeface="Arial" panose="020B0604020202020204" pitchFamily="34" charset="0"/>
-              </a:rPr>
-              <a:t>발판이 나오거나 하는 부분은 따로 만들지 않고 현재는 그냥 점프만 가능한 애니메이션만 구동이 되어있습니다</a:t>
-            </a:r>
-            <a:r>
-              <a:rPr lang="en-US" altLang="ko-KR" sz="1300" dirty="0" smtClean="0">
-                <a:solidFill>
-                  <a:schemeClr val="tx1">
-                    <a:lumMod val="85000"/>
-                  </a:schemeClr>
-                </a:solidFill>
-                <a:latin typeface="HY견고딕" panose="02030600000101010101" pitchFamily="18" charset="-127"/>
-                <a:ea typeface="HY견고딕" panose="02030600000101010101" pitchFamily="18" charset="-127"/>
-                <a:cs typeface="Arial" panose="020B0604020202020204" pitchFamily="34" charset="0"/>
-              </a:rPr>
-              <a:t>.</a:t>
-            </a:r>
-            <a:endParaRPr lang="en-US" altLang="ko-KR" sz="1300" dirty="0" smtClean="0">
-              <a:solidFill>
-                <a:schemeClr val="tx1">
-                  <a:lumMod val="85000"/>
-                </a:schemeClr>
-              </a:solidFill>
-              <a:latin typeface="HY견고딕" panose="02030600000101010101" pitchFamily="18" charset="-127"/>
-              <a:ea typeface="HY견고딕" panose="02030600000101010101" pitchFamily="18" charset="-127"/>
-              <a:cs typeface="Arial" panose="020B0604020202020204" pitchFamily="34" charset="0"/>
-            </a:endParaRPr>
-          </a:p>
-        </p:txBody>
-      </p:sp>
-    </p:spTree>
-    <p:extLst>
-      <p:ext uri="{BB962C8B-B14F-4D97-AF65-F5344CB8AC3E}">
-        <p14:creationId xmlns:p14="http://schemas.microsoft.com/office/powerpoint/2010/main" val="68729180"/>
       </p:ext>
     </p:extLst>
   </p:cSld>
@@ -21554,14 +23584,14 @@
           <p:nvPr>
             <p:extLst>
               <p:ext uri="{D42A27DB-BD31-4B8C-83A1-F6EECF244321}">
-                <p14:modId xmlns:p14="http://schemas.microsoft.com/office/powerpoint/2010/main" val="3626064709"/>
+                <p14:modId xmlns:p14="http://schemas.microsoft.com/office/powerpoint/2010/main" val="2885555207"/>
               </p:ext>
             </p:extLst>
           </p:nvPr>
         </p:nvGraphicFramePr>
         <p:xfrm>
           <a:off x="577850" y="1124744"/>
-          <a:ext cx="8026598" cy="4729480"/>
+          <a:ext cx="8170614" cy="767080"/>
         </p:xfrm>
         <a:graphic>
           <a:graphicData uri="http://schemas.openxmlformats.org/drawingml/2006/table">
@@ -21570,8 +23600,9 @@
                 <a:tableStyleId>{073A0DAA-6AF3-43AB-8588-CEC1D06C72B9}</a:tableStyleId>
               </a:tblPr>
               <a:tblGrid>
-                <a:gridCol w="2130269"/>
-                <a:gridCol w="5896329"/>
+                <a:gridCol w="1905918"/>
+                <a:gridCol w="936104"/>
+                <a:gridCol w="5328592"/>
               </a:tblGrid>
               <a:tr h="370840">
                 <a:tc>
@@ -21587,7 +23618,7 @@
                       <a:endParaRPr lang="ko-KR" altLang="en-US" dirty="0"/>
                     </a:p>
                   </a:txBody>
-                  <a:tcPr>
+                  <a:tcPr anchor="ctr">
                     <a:solidFill>
                       <a:schemeClr val="bg1">
                         <a:lumMod val="85000"/>
@@ -21604,12 +23635,34 @@
                       <a:pPr algn="ctr" latinLnBrk="1"/>
                       <a:r>
                         <a:rPr lang="ko-KR" altLang="en-US" dirty="0" smtClean="0"/>
-                        <a:t>주제</a:t>
+                        <a:t>완성도</a:t>
                       </a:r>
                       <a:endParaRPr lang="ko-KR" altLang="en-US" dirty="0"/>
                     </a:p>
                   </a:txBody>
-                  <a:tcPr>
+                  <a:tcPr anchor="ctr">
+                    <a:solidFill>
+                      <a:schemeClr val="bg1">
+                        <a:lumMod val="85000"/>
+                        <a:lumOff val="15000"/>
+                      </a:schemeClr>
+                    </a:solidFill>
+                  </a:tcPr>
+                </a:tc>
+                <a:tc>
+                  <a:txBody>
+                    <a:bodyPr/>
+                    <a:lstStyle/>
+                    <a:p>
+                      <a:pPr algn="ctr" latinLnBrk="1"/>
+                      <a:r>
+                        <a:rPr lang="ko-KR" altLang="en-US" dirty="0" smtClean="0"/>
+                        <a:t>주제</a:t>
+                      </a:r>
+                      <a:endParaRPr lang="ko-KR" altLang="en-US" dirty="0"/>
+                    </a:p>
+                  </a:txBody>
+                  <a:tcPr anchor="ctr">
                     <a:solidFill>
                       <a:schemeClr val="bg1">
                         <a:lumMod val="85000"/>
@@ -21648,64 +23701,23 @@
                     <a:bodyPr/>
                     <a:lstStyle/>
                     <a:p>
-                      <a:pPr latinLnBrk="1"/>
-                      <a:r>
-                        <a:rPr lang="ko-KR" altLang="en-US" dirty="0" smtClean="0"/>
-                        <a:t>전체적인 </a:t>
-                      </a:r>
-                      <a:r>
-                        <a:rPr lang="ko-KR" altLang="en-US" dirty="0" err="1" smtClean="0"/>
-                        <a:t>맵</a:t>
-                      </a:r>
-                      <a:r>
-                        <a:rPr lang="ko-KR" altLang="en-US" baseline="0" dirty="0" smtClean="0"/>
-                        <a:t> 틀 및 게임 스토리 구성</a:t>
-                      </a:r>
-                      <a:endParaRPr lang="ko-KR" altLang="en-US" dirty="0"/>
+                      <a:pPr lvl="0" algn="ctr" latinLnBrk="1"/>
+                      <a:r>
+                        <a:rPr lang="en-US" altLang="ko-KR" sz="2000" b="0" dirty="0" smtClean="0">
+                          <a:solidFill>
+                            <a:srgbClr val="FFFFFF"/>
+                          </a:solidFill>
+                        </a:rPr>
+                        <a:t>100%</a:t>
+                      </a:r>
+                      <a:endParaRPr lang="ko-KR" altLang="en-US" sz="2000" b="0" dirty="0">
+                        <a:solidFill>
+                          <a:srgbClr val="FFFFFF"/>
+                        </a:solidFill>
+                      </a:endParaRPr>
                     </a:p>
                   </a:txBody>
                   <a:tcPr anchor="ctr"/>
-                </a:tc>
-              </a:tr>
-              <a:tr h="360000">
-                <a:tc>
-                  <a:txBody>
-                    <a:bodyPr/>
-                    <a:lstStyle/>
-                    <a:p>
-                      <a:pPr marL="0" marR="0" lvl="0" indent="0" algn="l" defTabSz="914400" rtl="0" eaLnBrk="1" fontAlgn="auto" latinLnBrk="1" hangingPunct="1">
-                        <a:lnSpc>
-                          <a:spcPct val="100000"/>
-                        </a:lnSpc>
-                        <a:spcBef>
-                          <a:spcPts val="0"/>
-                        </a:spcBef>
-                        <a:spcAft>
-                          <a:spcPts val="0"/>
-                        </a:spcAft>
-                        <a:buClrTx/>
-                        <a:buSzTx/>
-                        <a:buFontTx/>
-                        <a:buNone/>
-                        <a:tabLst/>
-                        <a:defRPr/>
-                      </a:pPr>
-                      <a:r>
-                        <a:rPr lang="en-US" altLang="ko-KR" sz="2000" b="0" dirty="0" smtClean="0"/>
-                        <a:t>2</a:t>
-                      </a:r>
-                      <a:r>
-                        <a:rPr lang="ko-KR" altLang="en-US" sz="2000" b="0" dirty="0" smtClean="0"/>
-                        <a:t>주차 </a:t>
-                      </a:r>
-                      <a:r>
-                        <a:rPr lang="en-US" altLang="ko-KR" sz="2000" b="0" dirty="0" smtClean="0"/>
-                        <a:t>(09/30)</a:t>
-                      </a:r>
-                      <a:endParaRPr lang="ko-KR" altLang="en-US" sz="2000" b="0" dirty="0" smtClean="0"/>
-                    </a:p>
-                  </a:txBody>
-                  <a:tcPr/>
                 </a:tc>
                 <a:tc>
                   <a:txBody>
@@ -21715,592 +23727,694 @@
                       <a:pPr latinLnBrk="1"/>
                       <a:r>
                         <a:rPr lang="ko-KR" altLang="en-US" dirty="0" smtClean="0"/>
-                        <a:t>리소스 및 사운드 와 </a:t>
-                      </a:r>
-                      <a:r>
-                        <a:rPr lang="ko-KR" altLang="en-US" smtClean="0"/>
-                        <a:t>알고리즘 계산</a:t>
+                        <a:t>전체적인 </a:t>
+                      </a:r>
+                      <a:r>
+                        <a:rPr lang="ko-KR" altLang="en-US" dirty="0" err="1" smtClean="0"/>
+                        <a:t>맵</a:t>
+                      </a:r>
+                      <a:r>
+                        <a:rPr lang="ko-KR" altLang="en-US" baseline="0" dirty="0" smtClean="0"/>
+                        <a:t> 틀 및 게임 스토리 구성</a:t>
                       </a:r>
                       <a:endParaRPr lang="ko-KR" altLang="en-US" dirty="0"/>
                     </a:p>
                   </a:txBody>
-                  <a:tcPr/>
+                  <a:tcPr anchor="ctr"/>
                 </a:tc>
               </a:tr>
-              <a:tr h="360000">
+            </a:tbl>
+          </a:graphicData>
+        </a:graphic>
+      </p:graphicFrame>
+      <p:graphicFrame>
+        <p:nvGraphicFramePr>
+          <p:cNvPr id="2" name="표 1"/>
+          <p:cNvGraphicFramePr>
+            <a:graphicFrameLocks noGrp="1"/>
+          </p:cNvGraphicFramePr>
+          <p:nvPr>
+            <p:extLst>
+              <p:ext uri="{D42A27DB-BD31-4B8C-83A1-F6EECF244321}">
+                <p14:modId xmlns:p14="http://schemas.microsoft.com/office/powerpoint/2010/main" val="3130684031"/>
+              </p:ext>
+            </p:extLst>
+          </p:nvPr>
+        </p:nvGraphicFramePr>
+        <p:xfrm>
+          <a:off x="577850" y="1926590"/>
+          <a:ext cx="8170614" cy="4516120"/>
+        </p:xfrm>
+        <a:graphic>
+          <a:graphicData uri="http://schemas.openxmlformats.org/drawingml/2006/table">
+            <a:tbl>
+              <a:tblPr firstRow="1" bandRow="1">
+                <a:tableStyleId>{073A0DAA-6AF3-43AB-8588-CEC1D06C72B9}</a:tableStyleId>
+              </a:tblPr>
+              <a:tblGrid>
+                <a:gridCol w="2842022"/>
+                <a:gridCol w="5328592"/>
+              </a:tblGrid>
+              <a:tr h="370840">
                 <a:tc>
                   <a:txBody>
                     <a:bodyPr/>
                     <a:lstStyle/>
                     <a:p>
-                      <a:pPr marL="0" marR="0" lvl="0" indent="0" algn="l" defTabSz="914400" rtl="0" eaLnBrk="1" fontAlgn="auto" latinLnBrk="1" hangingPunct="1">
-                        <a:lnSpc>
-                          <a:spcPct val="100000"/>
-                        </a:lnSpc>
-                        <a:spcBef>
-                          <a:spcPts val="0"/>
-                        </a:spcBef>
-                        <a:spcAft>
-                          <a:spcPts val="0"/>
-                        </a:spcAft>
-                        <a:buClrTx/>
-                        <a:buSzTx/>
-                        <a:buFontTx/>
-                        <a:buNone/>
-                        <a:tabLst/>
-                        <a:defRPr/>
-                      </a:pPr>
-                      <a:r>
-                        <a:rPr lang="en-US" altLang="ko-KR" sz="2000" b="0" dirty="0" smtClean="0"/>
-                        <a:t>3</a:t>
-                      </a:r>
-                      <a:r>
-                        <a:rPr lang="ko-KR" altLang="en-US" sz="2000" b="0" dirty="0" smtClean="0"/>
-                        <a:t>주차 </a:t>
-                      </a:r>
-                      <a:r>
-                        <a:rPr lang="en-US" altLang="ko-KR" sz="2000" b="0" dirty="0" smtClean="0"/>
-                        <a:t>(10/07)</a:t>
-                      </a:r>
-                      <a:endParaRPr lang="ko-KR" altLang="en-US" sz="2000" b="0" dirty="0" smtClean="0"/>
+                      <a:pPr algn="ctr" latinLnBrk="1"/>
+                      <a:r>
+                        <a:rPr lang="ko-KR" altLang="en-US" dirty="0" smtClean="0"/>
+                        <a:t>세부적인 작업 내용</a:t>
+                      </a:r>
+                      <a:endParaRPr lang="ko-KR" altLang="en-US" dirty="0"/>
                     </a:p>
                   </a:txBody>
-                  <a:tcPr/>
+                  <a:tcPr anchor="ctr">
+                    <a:solidFill>
+                      <a:schemeClr val="bg1">
+                        <a:lumMod val="85000"/>
+                        <a:lumOff val="15000"/>
+                      </a:schemeClr>
+                    </a:solidFill>
+                  </a:tcPr>
                 </a:tc>
                 <a:tc>
                   <a:txBody>
                     <a:bodyPr/>
                     <a:lstStyle/>
                     <a:p>
-                      <a:pPr latinLnBrk="1"/>
+                      <a:pPr algn="ctr" latinLnBrk="1"/>
                       <a:r>
                         <a:rPr lang="ko-KR" altLang="en-US" dirty="0" smtClean="0"/>
-                        <a:t>난이도 조절 관련 메뉴 및 시작</a:t>
-                      </a:r>
-                      <a:r>
-                        <a:rPr lang="ko-KR" altLang="en-US" baseline="0" dirty="0" smtClean="0"/>
-                        <a:t> 페이지 </a:t>
-                      </a:r>
-                      <a:r>
-                        <a:rPr lang="ko-KR" altLang="en-US" dirty="0" smtClean="0"/>
-                        <a:t>구성</a:t>
+                        <a:t>작업 결과</a:t>
                       </a:r>
                       <a:endParaRPr lang="ko-KR" altLang="en-US" dirty="0"/>
                     </a:p>
                   </a:txBody>
-                  <a:tcPr/>
+                  <a:tcPr anchor="ctr">
+                    <a:solidFill>
+                      <a:schemeClr val="bg1">
+                        <a:lumMod val="85000"/>
+                        <a:lumOff val="15000"/>
+                      </a:schemeClr>
+                    </a:solidFill>
+                  </a:tcPr>
                 </a:tc>
               </a:tr>
-              <a:tr h="360000">
+              <a:tr h="518160">
                 <a:tc>
                   <a:txBody>
                     <a:bodyPr/>
                     <a:lstStyle/>
                     <a:p>
-                      <a:pPr marL="0" marR="0" lvl="0" indent="0" algn="l" defTabSz="914400" rtl="0" eaLnBrk="1" fontAlgn="auto" latinLnBrk="1" hangingPunct="1">
-                        <a:lnSpc>
-                          <a:spcPct val="100000"/>
-                        </a:lnSpc>
-                        <a:spcBef>
-                          <a:spcPts val="0"/>
-                        </a:spcBef>
-                        <a:spcAft>
-                          <a:spcPts val="0"/>
-                        </a:spcAft>
-                        <a:buClrTx/>
-                        <a:buSzTx/>
-                        <a:buFontTx/>
-                        <a:buNone/>
-                        <a:tabLst/>
-                        <a:defRPr/>
-                      </a:pPr>
-                      <a:r>
-                        <a:rPr lang="en-US" altLang="ko-KR" sz="2000" b="0" dirty="0" smtClean="0"/>
-                        <a:t>4</a:t>
-                      </a:r>
-                      <a:r>
-                        <a:rPr lang="ko-KR" altLang="en-US" sz="2000" b="0" dirty="0" smtClean="0"/>
-                        <a:t>주차 </a:t>
-                      </a:r>
-                      <a:r>
-                        <a:rPr lang="en-US" altLang="ko-KR" sz="2000" b="0" dirty="0" smtClean="0"/>
-                        <a:t>(10/14)</a:t>
-                      </a:r>
-                      <a:endParaRPr lang="ko-KR" altLang="en-US" sz="2000" b="0" dirty="0" smtClean="0"/>
+                      <a:pPr algn="l"/>
+                      <a:r>
+                        <a:rPr lang="ko-KR" altLang="en-US" sz="1200" b="0" i="0" kern="1200" dirty="0" smtClean="0">
+                          <a:solidFill>
+                            <a:schemeClr val="dk1"/>
+                          </a:solidFill>
+                          <a:effectLst/>
+                          <a:latin typeface="+mn-lt"/>
+                          <a:ea typeface="+mn-ea"/>
+                          <a:cs typeface="+mn-cs"/>
+                        </a:rPr>
+                        <a:t>백그라운드 </a:t>
+                      </a:r>
+                      <a:r>
+                        <a:rPr lang="ko-KR" altLang="en-US" sz="1200" b="0" i="0" kern="1200" dirty="0" err="1" smtClean="0">
+                          <a:solidFill>
+                            <a:schemeClr val="dk1"/>
+                          </a:solidFill>
+                          <a:effectLst/>
+                          <a:latin typeface="+mn-lt"/>
+                          <a:ea typeface="+mn-ea"/>
+                          <a:cs typeface="+mn-cs"/>
+                        </a:rPr>
+                        <a:t>맵</a:t>
+                      </a:r>
+                      <a:r>
+                        <a:rPr lang="ko-KR" altLang="en-US" sz="1200" b="0" i="0" kern="1200" dirty="0" smtClean="0">
+                          <a:solidFill>
+                            <a:schemeClr val="dk1"/>
+                          </a:solidFill>
+                          <a:effectLst/>
+                          <a:latin typeface="+mn-lt"/>
+                          <a:ea typeface="+mn-ea"/>
+                          <a:cs typeface="+mn-cs"/>
+                        </a:rPr>
+                        <a:t> 이미지 구상</a:t>
+                      </a:r>
+                      <a:endParaRPr lang="ko-KR" altLang="en-US" sz="1200" b="0" i="0" kern="1200" dirty="0">
+                        <a:solidFill>
+                          <a:schemeClr val="dk1"/>
+                        </a:solidFill>
+                        <a:effectLst/>
+                        <a:latin typeface="+mn-lt"/>
+                        <a:ea typeface="+mn-ea"/>
+                        <a:cs typeface="+mn-cs"/>
+                      </a:endParaRPr>
                     </a:p>
                   </a:txBody>
-                  <a:tcPr/>
+                  <a:tcPr anchor="ctr"/>
                 </a:tc>
                 <a:tc>
                   <a:txBody>
                     <a:bodyPr/>
                     <a:lstStyle/>
                     <a:p>
-                      <a:pPr latinLnBrk="1"/>
-                      <a:r>
-                        <a:rPr lang="ko-KR" altLang="en-US" dirty="0" smtClean="0"/>
-                        <a:t>캐릭터 애니메이션 구현</a:t>
-                      </a:r>
-                      <a:endParaRPr lang="ko-KR" altLang="en-US" dirty="0"/>
+                      <a:pPr algn="l" latinLnBrk="1"/>
+                      <a:r>
+                        <a:rPr lang="ko-KR" altLang="en-US" sz="1200" dirty="0" smtClean="0"/>
+                        <a:t>하늘 </a:t>
+                      </a:r>
+                      <a:r>
+                        <a:rPr lang="ko-KR" altLang="en-US" sz="1200" dirty="0" err="1" smtClean="0"/>
+                        <a:t>맵</a:t>
+                      </a:r>
+                      <a:r>
+                        <a:rPr lang="ko-KR" altLang="en-US" sz="1200" dirty="0" smtClean="0"/>
+                        <a:t> 혹은 그 외 반복되는 느낌이 드는 이미지 사용하자</a:t>
+                      </a:r>
+                      <a:r>
+                        <a:rPr lang="en-US" altLang="ko-KR" sz="1200" dirty="0" smtClean="0"/>
+                        <a:t>.</a:t>
+                      </a:r>
+                      <a:endParaRPr lang="ko-KR" altLang="en-US" sz="1200" dirty="0"/>
                     </a:p>
                   </a:txBody>
-                  <a:tcPr/>
+                  <a:tcPr anchor="ctr"/>
                 </a:tc>
               </a:tr>
-              <a:tr h="360000">
+              <a:tr h="518160">
                 <a:tc>
                   <a:txBody>
                     <a:bodyPr/>
                     <a:lstStyle/>
                     <a:p>
-                      <a:pPr marL="0" marR="0" lvl="0" indent="0" algn="l" defTabSz="914400" rtl="0" eaLnBrk="1" fontAlgn="auto" latinLnBrk="1" hangingPunct="1">
-                        <a:lnSpc>
-                          <a:spcPct val="100000"/>
-                        </a:lnSpc>
-                        <a:spcBef>
-                          <a:spcPts val="0"/>
-                        </a:spcBef>
-                        <a:spcAft>
-                          <a:spcPts val="0"/>
-                        </a:spcAft>
-                        <a:buClrTx/>
-                        <a:buSzTx/>
-                        <a:buFontTx/>
-                        <a:buNone/>
-                        <a:tabLst/>
-                        <a:defRPr/>
-                      </a:pPr>
-                      <a:r>
-                        <a:rPr lang="en-US" altLang="ko-KR" sz="2000" b="1" dirty="0" smtClean="0"/>
-                        <a:t>5</a:t>
-                      </a:r>
-                      <a:r>
-                        <a:rPr lang="ko-KR" altLang="en-US" sz="2000" b="1" dirty="0" smtClean="0"/>
-                        <a:t>주차 </a:t>
-                      </a:r>
-                      <a:r>
-                        <a:rPr lang="en-US" altLang="ko-KR" sz="2000" b="1" dirty="0" smtClean="0"/>
-                        <a:t>(10/28)</a:t>
-                      </a:r>
-                      <a:endParaRPr lang="ko-KR" altLang="en-US" sz="2000" b="1" dirty="0" smtClean="0"/>
+                      <a:pPr algn="l"/>
+                      <a:r>
+                        <a:rPr lang="ko-KR" altLang="en-US" sz="1200" b="0" i="0" kern="1200" dirty="0" smtClean="0">
+                          <a:solidFill>
+                            <a:schemeClr val="dk1"/>
+                          </a:solidFill>
+                          <a:effectLst/>
+                          <a:latin typeface="+mn-lt"/>
+                          <a:ea typeface="+mn-ea"/>
+                          <a:cs typeface="+mn-cs"/>
+                        </a:rPr>
+                        <a:t>게임 시작 시 어떻게 해야 할 지 구상</a:t>
+                      </a:r>
+                      <a:endParaRPr lang="ko-KR" altLang="en-US" sz="1200" b="0" i="0" kern="1200" dirty="0">
+                        <a:solidFill>
+                          <a:schemeClr val="dk1"/>
+                        </a:solidFill>
+                        <a:effectLst/>
+                        <a:latin typeface="+mn-lt"/>
+                        <a:ea typeface="+mn-ea"/>
+                        <a:cs typeface="+mn-cs"/>
+                      </a:endParaRPr>
                     </a:p>
                   </a:txBody>
-                  <a:tcPr/>
+                  <a:tcPr anchor="ctr"/>
                 </a:tc>
                 <a:tc>
                   <a:txBody>
                     <a:bodyPr/>
                     <a:lstStyle/>
                     <a:p>
-                      <a:pPr marL="0" marR="0" indent="0" algn="l" defTabSz="914400" rtl="0" eaLnBrk="1" fontAlgn="auto" latinLnBrk="1" hangingPunct="1">
-                        <a:lnSpc>
-                          <a:spcPct val="100000"/>
-                        </a:lnSpc>
-                        <a:spcBef>
-                          <a:spcPts val="0"/>
-                        </a:spcBef>
-                        <a:spcAft>
-                          <a:spcPts val="0"/>
-                        </a:spcAft>
-                        <a:buClrTx/>
-                        <a:buSzTx/>
-                        <a:buFontTx/>
-                        <a:buNone/>
-                        <a:tabLst/>
-                        <a:defRPr/>
-                      </a:pPr>
-                      <a:r>
-                        <a:rPr lang="ko-KR" altLang="en-US" b="1" dirty="0" smtClean="0"/>
-                        <a:t>프로젝트 </a:t>
-                      </a:r>
-                      <a:r>
-                        <a:rPr lang="en-US" altLang="ko-KR" b="1" dirty="0" smtClean="0"/>
-                        <a:t>2</a:t>
-                      </a:r>
-                      <a:r>
-                        <a:rPr lang="ko-KR" altLang="en-US" b="1" dirty="0" smtClean="0"/>
-                        <a:t>차 발표를 위한 정리</a:t>
-                      </a:r>
-                      <a:r>
-                        <a:rPr lang="en-US" altLang="ko-KR" b="1" dirty="0" smtClean="0"/>
+                      <a:pPr algn="l" latinLnBrk="1"/>
+                      <a:r>
+                        <a:rPr lang="ko-KR" altLang="en-US" sz="1200" dirty="0" smtClean="0"/>
+                        <a:t>메뉴는 </a:t>
+                      </a:r>
+                      <a:r>
+                        <a:rPr lang="en-US" altLang="ko-KR" sz="1200" dirty="0" smtClean="0"/>
+                        <a:t>Play</a:t>
+                      </a:r>
+                      <a:r>
+                        <a:rPr lang="en-US" altLang="ko-KR" sz="1200" baseline="0" dirty="0" smtClean="0"/>
+                        <a:t> </a:t>
+                      </a:r>
+                      <a:r>
+                        <a:rPr lang="ko-KR" altLang="en-US" sz="1200" baseline="0" dirty="0" smtClean="0"/>
+                        <a:t>버튼으로 진입</a:t>
+                      </a:r>
+                      <a:r>
+                        <a:rPr lang="en-US" altLang="ko-KR" sz="1200" baseline="0" dirty="0" smtClean="0"/>
+                        <a:t>, </a:t>
+                      </a:r>
+                      <a:r>
+                        <a:rPr lang="ko-KR" altLang="en-US" sz="1200" baseline="0" dirty="0" smtClean="0"/>
+                        <a:t>처음시작하자 마자 죽는 것 을 방지 하기 위한 안전 발판 설치</a:t>
+                      </a:r>
+                      <a:r>
+                        <a:rPr lang="en-US" altLang="ko-KR" sz="1200" baseline="0" dirty="0" smtClean="0"/>
+                        <a:t>, </a:t>
+                      </a:r>
+                      <a:r>
+                        <a:rPr lang="ko-KR" altLang="en-US" sz="1200" baseline="0" dirty="0" smtClean="0"/>
+                        <a:t>난이도에 따른 안전 발판 제거 하자</a:t>
+                      </a:r>
+                      <a:r>
+                        <a:rPr lang="en-US" altLang="ko-KR" sz="1200" baseline="0" dirty="0" smtClean="0"/>
                         <a:t>.</a:t>
                       </a:r>
-                      <a:endParaRPr lang="ko-KR" altLang="en-US" b="1" dirty="0" smtClean="0"/>
+                      <a:endParaRPr lang="ko-KR" altLang="en-US" sz="1200" dirty="0"/>
                     </a:p>
                   </a:txBody>
-                  <a:tcPr/>
+                  <a:tcPr anchor="ctr"/>
                 </a:tc>
               </a:tr>
-              <a:tr h="360000">
+              <a:tr h="518160">
                 <a:tc>
                   <a:txBody>
                     <a:bodyPr/>
                     <a:lstStyle/>
                     <a:p>
-                      <a:pPr marL="0" marR="0" lvl="0" indent="0" algn="l" defTabSz="914400" rtl="0" eaLnBrk="1" fontAlgn="auto" latinLnBrk="1" hangingPunct="1">
-                        <a:lnSpc>
-                          <a:spcPct val="100000"/>
-                        </a:lnSpc>
-                        <a:spcBef>
-                          <a:spcPts val="0"/>
-                        </a:spcBef>
-                        <a:spcAft>
-                          <a:spcPts val="0"/>
-                        </a:spcAft>
-                        <a:buClrTx/>
-                        <a:buSzTx/>
-                        <a:buFontTx/>
-                        <a:buNone/>
-                        <a:tabLst/>
-                        <a:defRPr/>
-                      </a:pPr>
-                      <a:r>
-                        <a:rPr lang="en-US" altLang="ko-KR" sz="2000" b="0" dirty="0" smtClean="0"/>
-                        <a:t>6</a:t>
-                      </a:r>
-                      <a:r>
-                        <a:rPr lang="ko-KR" altLang="en-US" sz="2000" b="0" dirty="0" smtClean="0"/>
-                        <a:t>주차 </a:t>
-                      </a:r>
-                      <a:r>
-                        <a:rPr lang="en-US" altLang="ko-KR" sz="2000" b="0" dirty="0" smtClean="0"/>
-                        <a:t>(11/04)</a:t>
-                      </a:r>
-                      <a:endParaRPr lang="ko-KR" altLang="en-US" sz="2000" b="0" dirty="0" smtClean="0"/>
+                      <a:pPr algn="l"/>
+                      <a:r>
+                        <a:rPr lang="ko-KR" altLang="en-US" sz="1200" b="0" i="0" kern="1200" dirty="0" smtClean="0">
+                          <a:solidFill>
+                            <a:schemeClr val="dk1"/>
+                          </a:solidFill>
+                          <a:effectLst/>
+                          <a:latin typeface="+mn-lt"/>
+                          <a:ea typeface="+mn-ea"/>
+                          <a:cs typeface="+mn-cs"/>
+                        </a:rPr>
+                        <a:t>게임 오버 시 어떻게 해야 할 지 구상</a:t>
+                      </a:r>
+                      <a:endParaRPr lang="ko-KR" altLang="en-US" sz="1200" b="0" i="0" kern="1200" dirty="0">
+                        <a:solidFill>
+                          <a:schemeClr val="dk1"/>
+                        </a:solidFill>
+                        <a:effectLst/>
+                        <a:latin typeface="+mn-lt"/>
+                        <a:ea typeface="+mn-ea"/>
+                        <a:cs typeface="+mn-cs"/>
+                      </a:endParaRPr>
                     </a:p>
                   </a:txBody>
-                  <a:tcPr/>
+                  <a:tcPr anchor="ctr"/>
                 </a:tc>
                 <a:tc>
                   <a:txBody>
                     <a:bodyPr/>
                     <a:lstStyle/>
                     <a:p>
-                      <a:pPr marL="0" marR="0" indent="0" algn="l" defTabSz="914400" rtl="0" eaLnBrk="1" fontAlgn="auto" latinLnBrk="1" hangingPunct="1">
-                        <a:lnSpc>
-                          <a:spcPct val="100000"/>
-                        </a:lnSpc>
-                        <a:spcBef>
-                          <a:spcPts val="0"/>
-                        </a:spcBef>
-                        <a:spcAft>
-                          <a:spcPts val="0"/>
-                        </a:spcAft>
-                        <a:buClrTx/>
-                        <a:buSzTx/>
-                        <a:buFontTx/>
-                        <a:buNone/>
-                        <a:tabLst/>
-                        <a:defRPr/>
-                      </a:pPr>
-                      <a:r>
-                        <a:rPr lang="ko-KR" altLang="en-US" dirty="0" smtClean="0"/>
-                        <a:t>발판 등 의</a:t>
-                      </a:r>
-                      <a:r>
-                        <a:rPr lang="ko-KR" altLang="en-US" baseline="0" dirty="0" smtClean="0"/>
-                        <a:t> 생성 부분 알고리즘 추가</a:t>
-                      </a:r>
-                      <a:endParaRPr lang="ko-KR" altLang="en-US" dirty="0" smtClean="0"/>
+                      <a:pPr algn="l" latinLnBrk="1"/>
+                      <a:r>
+                        <a:rPr lang="ko-KR" altLang="en-US" sz="1200" dirty="0" smtClean="0"/>
+                        <a:t>게임오버 사운드 추가를 해보자</a:t>
+                      </a:r>
+                      <a:r>
+                        <a:rPr lang="en-US" altLang="ko-KR" sz="1200" dirty="0" smtClean="0"/>
+                        <a:t>,</a:t>
+                      </a:r>
+                      <a:r>
+                        <a:rPr lang="en-US" altLang="ko-KR" sz="1200" baseline="0" dirty="0" smtClean="0"/>
+                        <a:t> </a:t>
+                      </a:r>
+                      <a:r>
+                        <a:rPr lang="ko-KR" altLang="en-US" sz="1200" baseline="0" dirty="0" smtClean="0"/>
+                        <a:t>떨어지고 </a:t>
+                      </a:r>
+                      <a:r>
+                        <a:rPr lang="en-US" altLang="ko-KR" sz="1200" baseline="0" dirty="0" smtClean="0"/>
+                        <a:t>1~2</a:t>
+                      </a:r>
+                      <a:r>
+                        <a:rPr lang="ko-KR" altLang="en-US" sz="1200" baseline="0" dirty="0" smtClean="0"/>
+                        <a:t>초 이내 스코어가 나오게 하자</a:t>
+                      </a:r>
+                      <a:r>
+                        <a:rPr lang="en-US" altLang="ko-KR" sz="1200" baseline="0" dirty="0" smtClean="0"/>
+                        <a:t>, </a:t>
+                      </a:r>
+                      <a:r>
+                        <a:rPr lang="ko-KR" altLang="en-US" sz="1200" baseline="0" dirty="0" smtClean="0"/>
+                        <a:t>함정에 접근 하였을 때 게임 오버 하자</a:t>
+                      </a:r>
+                      <a:endParaRPr lang="ko-KR" altLang="en-US" sz="1200" dirty="0"/>
                     </a:p>
                   </a:txBody>
-                  <a:tcPr/>
+                  <a:tcPr anchor="ctr"/>
                 </a:tc>
               </a:tr>
-              <a:tr h="360000">
+              <a:tr h="518160">
                 <a:tc>
                   <a:txBody>
                     <a:bodyPr/>
                     <a:lstStyle/>
                     <a:p>
-                      <a:pPr marL="0" marR="0" lvl="0" indent="0" algn="l" defTabSz="914400" rtl="0" eaLnBrk="1" fontAlgn="auto" latinLnBrk="1" hangingPunct="1">
-                        <a:lnSpc>
-                          <a:spcPct val="100000"/>
-                        </a:lnSpc>
-                        <a:spcBef>
-                          <a:spcPts val="0"/>
-                        </a:spcBef>
-                        <a:spcAft>
-                          <a:spcPts val="0"/>
-                        </a:spcAft>
-                        <a:buClrTx/>
-                        <a:buSzTx/>
-                        <a:buFontTx/>
-                        <a:buNone/>
-                        <a:tabLst/>
-                        <a:defRPr/>
-                      </a:pPr>
-                      <a:r>
-                        <a:rPr lang="en-US" altLang="ko-KR" sz="2000" b="0" dirty="0" smtClean="0"/>
-                        <a:t>7</a:t>
-                      </a:r>
-                      <a:r>
-                        <a:rPr lang="ko-KR" altLang="en-US" sz="2000" b="0" dirty="0" smtClean="0"/>
-                        <a:t>주차 </a:t>
-                      </a:r>
-                      <a:r>
-                        <a:rPr lang="en-US" altLang="ko-KR" sz="2000" b="0" dirty="0" smtClean="0"/>
-                        <a:t>(11/11)</a:t>
-                      </a:r>
-                      <a:endParaRPr lang="ko-KR" altLang="en-US" sz="2000" b="0" dirty="0" smtClean="0"/>
+                      <a:pPr algn="l"/>
+                      <a:r>
+                        <a:rPr lang="ko-KR" altLang="en-US" sz="1200" b="0" i="0" kern="1200" dirty="0" smtClean="0">
+                          <a:solidFill>
+                            <a:schemeClr val="dk1"/>
+                          </a:solidFill>
+                          <a:effectLst/>
+                          <a:latin typeface="+mn-lt"/>
+                          <a:ea typeface="+mn-ea"/>
+                          <a:cs typeface="+mn-cs"/>
+                        </a:rPr>
+                        <a:t>게임 스코어를 어떻게 계산할지 구상</a:t>
+                      </a:r>
+                      <a:endParaRPr lang="ko-KR" altLang="en-US" sz="1200" b="0" i="0" kern="1200" dirty="0">
+                        <a:solidFill>
+                          <a:schemeClr val="dk1"/>
+                        </a:solidFill>
+                        <a:effectLst/>
+                        <a:latin typeface="+mn-lt"/>
+                        <a:ea typeface="+mn-ea"/>
+                        <a:cs typeface="+mn-cs"/>
+                      </a:endParaRPr>
                     </a:p>
                   </a:txBody>
-                  <a:tcPr/>
+                  <a:tcPr anchor="ctr"/>
                 </a:tc>
                 <a:tc>
                   <a:txBody>
                     <a:bodyPr/>
                     <a:lstStyle/>
                     <a:p>
-                      <a:pPr latinLnBrk="1"/>
-                      <a:r>
-                        <a:rPr lang="ko-KR" altLang="en-US" dirty="0" smtClean="0"/>
-                        <a:t>발판과 캐릭터의 충돌 체크 작업</a:t>
-                      </a:r>
-                      <a:endParaRPr lang="ko-KR" altLang="en-US" dirty="0"/>
+                      <a:pPr algn="l" latinLnBrk="1"/>
+                      <a:r>
+                        <a:rPr lang="ko-KR" altLang="en-US" sz="1200" dirty="0" smtClean="0"/>
+                        <a:t>발판을 밟고 올라가거나</a:t>
+                      </a:r>
+                      <a:r>
+                        <a:rPr lang="en-US" altLang="ko-KR" sz="1200" dirty="0" smtClean="0"/>
+                        <a:t>,</a:t>
+                      </a:r>
+                      <a:r>
+                        <a:rPr lang="en-US" altLang="ko-KR" sz="1200" baseline="0" dirty="0" smtClean="0"/>
+                        <a:t> </a:t>
+                      </a:r>
+                      <a:r>
+                        <a:rPr lang="ko-KR" altLang="en-US" sz="1200" baseline="0" dirty="0" smtClean="0"/>
+                        <a:t>캐릭터 모션에 따라서나</a:t>
+                      </a:r>
+                      <a:r>
+                        <a:rPr lang="en-US" altLang="ko-KR" sz="1200" baseline="0" dirty="0" smtClean="0"/>
+                        <a:t>, </a:t>
+                      </a:r>
+                      <a:r>
+                        <a:rPr lang="ko-KR" altLang="en-US" sz="1200" baseline="0" dirty="0" smtClean="0"/>
+                        <a:t>높이에 따라서 점수를 주게 하자</a:t>
+                      </a:r>
+                      <a:r>
+                        <a:rPr lang="en-US" altLang="ko-KR" sz="1200" baseline="0" dirty="0" smtClean="0"/>
+                        <a:t>.</a:t>
+                      </a:r>
+                      <a:endParaRPr lang="ko-KR" altLang="en-US" sz="1200" dirty="0"/>
                     </a:p>
                   </a:txBody>
-                  <a:tcPr/>
+                  <a:tcPr anchor="ctr"/>
                 </a:tc>
               </a:tr>
-              <a:tr h="360000">
+              <a:tr h="518160">
                 <a:tc>
                   <a:txBody>
                     <a:bodyPr/>
                     <a:lstStyle/>
                     <a:p>
-                      <a:pPr marL="0" marR="0" lvl="0" indent="0" algn="l" defTabSz="914400" rtl="0" eaLnBrk="1" fontAlgn="auto" latinLnBrk="1" hangingPunct="1">
-                        <a:lnSpc>
-                          <a:spcPct val="100000"/>
-                        </a:lnSpc>
-                        <a:spcBef>
-                          <a:spcPts val="0"/>
-                        </a:spcBef>
-                        <a:spcAft>
-                          <a:spcPts val="0"/>
-                        </a:spcAft>
-                        <a:buClrTx/>
-                        <a:buSzTx/>
-                        <a:buFontTx/>
-                        <a:buNone/>
-                        <a:tabLst/>
-                        <a:defRPr/>
-                      </a:pPr>
-                      <a:r>
-                        <a:rPr lang="en-US" altLang="ko-KR" sz="2000" b="0" dirty="0" smtClean="0"/>
-                        <a:t>8</a:t>
-                      </a:r>
-                      <a:r>
-                        <a:rPr lang="ko-KR" altLang="en-US" sz="2000" b="0" dirty="0" smtClean="0"/>
-                        <a:t>주차 </a:t>
-                      </a:r>
-                      <a:r>
-                        <a:rPr lang="en-US" altLang="ko-KR" sz="2000" b="0" dirty="0" smtClean="0"/>
-                        <a:t>(11/18)</a:t>
-                      </a:r>
-                      <a:endParaRPr lang="ko-KR" altLang="en-US" sz="2000" b="0" dirty="0" smtClean="0"/>
+                      <a:pPr algn="l"/>
+                      <a:r>
+                        <a:rPr lang="ko-KR" altLang="en-US" sz="1200" b="0" i="0" kern="1200" dirty="0" smtClean="0">
+                          <a:solidFill>
+                            <a:schemeClr val="dk1"/>
+                          </a:solidFill>
+                          <a:effectLst/>
+                          <a:latin typeface="+mn-lt"/>
+                          <a:ea typeface="+mn-ea"/>
+                          <a:cs typeface="+mn-cs"/>
+                        </a:rPr>
+                        <a:t>올라가는 높이라고 한다면 어떻게 측정을 할 것인가</a:t>
+                      </a:r>
+                      <a:r>
+                        <a:rPr lang="en-US" altLang="ko-KR" sz="1200" b="0" i="0" kern="1200" dirty="0" smtClean="0">
+                          <a:solidFill>
+                            <a:schemeClr val="dk1"/>
+                          </a:solidFill>
+                          <a:effectLst/>
+                          <a:latin typeface="+mn-lt"/>
+                          <a:ea typeface="+mn-ea"/>
+                          <a:cs typeface="+mn-cs"/>
+                        </a:rPr>
+                        <a:t>?</a:t>
+                      </a:r>
+                      <a:endParaRPr lang="ko-KR" altLang="en-US" sz="1200" b="0" i="0" kern="1200" dirty="0">
+                        <a:solidFill>
+                          <a:schemeClr val="dk1"/>
+                        </a:solidFill>
+                        <a:effectLst/>
+                        <a:latin typeface="+mn-lt"/>
+                        <a:ea typeface="+mn-ea"/>
+                        <a:cs typeface="+mn-cs"/>
+                      </a:endParaRPr>
                     </a:p>
                   </a:txBody>
-                  <a:tcPr/>
+                  <a:tcPr anchor="ctr"/>
                 </a:tc>
                 <a:tc>
                   <a:txBody>
                     <a:bodyPr/>
                     <a:lstStyle/>
                     <a:p>
-                      <a:pPr latinLnBrk="1"/>
-                      <a:r>
-                        <a:rPr lang="ko-KR" altLang="en-US" dirty="0" smtClean="0"/>
-                        <a:t>발판을 올라가면서 점수체크 기능 작업</a:t>
-                      </a:r>
-                      <a:endParaRPr lang="ko-KR" altLang="en-US" dirty="0"/>
+                      <a:pPr algn="l" latinLnBrk="1"/>
+                      <a:r>
+                        <a:rPr lang="ko-KR" altLang="en-US" sz="1200" dirty="0" smtClean="0"/>
+                        <a:t>발판이 사라지는 횟수나</a:t>
+                      </a:r>
+                      <a:r>
+                        <a:rPr lang="en-US" altLang="ko-KR" sz="1200" dirty="0" smtClean="0"/>
+                        <a:t>,</a:t>
+                      </a:r>
+                      <a:r>
+                        <a:rPr lang="en-US" altLang="ko-KR" sz="1200" baseline="0" dirty="0" smtClean="0"/>
+                        <a:t> </a:t>
+                      </a:r>
+                      <a:r>
+                        <a:rPr lang="ko-KR" altLang="en-US" sz="1200" baseline="0" dirty="0" smtClean="0"/>
+                        <a:t>발판이 추가되거나</a:t>
+                      </a:r>
+                      <a:r>
+                        <a:rPr lang="en-US" altLang="ko-KR" sz="1200" baseline="0" dirty="0" smtClean="0"/>
+                        <a:t>, </a:t>
+                      </a:r>
+                      <a:r>
+                        <a:rPr lang="ko-KR" altLang="en-US" sz="1200" baseline="0" dirty="0" smtClean="0"/>
+                        <a:t>백그라운드 이미지가 내려 올 때마다 측정을 해보자</a:t>
+                      </a:r>
+                      <a:r>
+                        <a:rPr lang="en-US" altLang="ko-KR" sz="1200" baseline="0" dirty="0" smtClean="0"/>
+                        <a:t>.</a:t>
+                      </a:r>
+                      <a:endParaRPr lang="ko-KR" altLang="en-US" sz="1200" dirty="0"/>
                     </a:p>
                   </a:txBody>
-                  <a:tcPr/>
+                  <a:tcPr anchor="ctr"/>
                 </a:tc>
               </a:tr>
-              <a:tr h="360000">
+              <a:tr h="518160">
                 <a:tc>
                   <a:txBody>
                     <a:bodyPr/>
                     <a:lstStyle/>
                     <a:p>
-                      <a:pPr marL="0" marR="0" lvl="0" indent="0" algn="l" defTabSz="914400" rtl="0" eaLnBrk="1" fontAlgn="auto" latinLnBrk="1" hangingPunct="1">
-                        <a:lnSpc>
-                          <a:spcPct val="100000"/>
-                        </a:lnSpc>
-                        <a:spcBef>
-                          <a:spcPts val="0"/>
-                        </a:spcBef>
-                        <a:spcAft>
-                          <a:spcPts val="0"/>
-                        </a:spcAft>
-                        <a:buClrTx/>
-                        <a:buSzTx/>
-                        <a:buFontTx/>
-                        <a:buNone/>
-                        <a:tabLst/>
-                        <a:defRPr/>
-                      </a:pPr>
-                      <a:r>
-                        <a:rPr lang="en-US" altLang="ko-KR" sz="2000" b="1" dirty="0" smtClean="0"/>
-                        <a:t>9</a:t>
-                      </a:r>
-                      <a:r>
-                        <a:rPr lang="ko-KR" altLang="en-US" sz="2000" b="1" dirty="0" smtClean="0"/>
-                        <a:t>주차 </a:t>
-                      </a:r>
-                      <a:r>
-                        <a:rPr lang="en-US" altLang="ko-KR" sz="2000" b="1" dirty="0" smtClean="0"/>
-                        <a:t>(11/25)</a:t>
-                      </a:r>
-                      <a:endParaRPr lang="ko-KR" altLang="en-US" sz="2000" b="1" dirty="0" smtClean="0"/>
+                      <a:pPr algn="l"/>
+                      <a:r>
+                        <a:rPr lang="ko-KR" altLang="en-US" sz="1200" b="0" i="0" kern="1200" dirty="0" smtClean="0">
+                          <a:solidFill>
+                            <a:schemeClr val="dk1"/>
+                          </a:solidFill>
+                          <a:effectLst/>
+                          <a:latin typeface="+mn-lt"/>
+                          <a:ea typeface="+mn-ea"/>
+                          <a:cs typeface="+mn-cs"/>
+                        </a:rPr>
+                        <a:t>게임 스코어를 어떻게 저장하고 기록할지 구상</a:t>
+                      </a:r>
+                      <a:endParaRPr lang="ko-KR" altLang="en-US" sz="1200" b="0" i="0" kern="1200" dirty="0">
+                        <a:solidFill>
+                          <a:schemeClr val="dk1"/>
+                        </a:solidFill>
+                        <a:effectLst/>
+                        <a:latin typeface="+mn-lt"/>
+                        <a:ea typeface="+mn-ea"/>
+                        <a:cs typeface="+mn-cs"/>
+                      </a:endParaRPr>
                     </a:p>
                   </a:txBody>
-                  <a:tcPr/>
+                  <a:tcPr anchor="ctr"/>
                 </a:tc>
                 <a:tc>
                   <a:txBody>
                     <a:bodyPr/>
                     <a:lstStyle/>
                     <a:p>
-                      <a:pPr latinLnBrk="1"/>
-                      <a:r>
-                        <a:rPr lang="ko-KR" altLang="en-US" b="1" dirty="0" smtClean="0"/>
-                        <a:t>프로젝트 </a:t>
-                      </a:r>
-                      <a:r>
-                        <a:rPr lang="en-US" altLang="ko-KR" b="1" dirty="0" smtClean="0"/>
-                        <a:t>3</a:t>
-                      </a:r>
-                      <a:r>
-                        <a:rPr lang="ko-KR" altLang="en-US" b="1" dirty="0" smtClean="0"/>
-                        <a:t>차 발표를 위한 정리</a:t>
-                      </a:r>
-                      <a:r>
-                        <a:rPr lang="en-US" altLang="ko-KR" b="1" dirty="0" smtClean="0"/>
+                      <a:pPr algn="l" latinLnBrk="1"/>
+                      <a:r>
+                        <a:rPr lang="ko-KR" altLang="en-US" sz="1200" dirty="0" smtClean="0"/>
+                        <a:t>파일 입출력으로 저장을 해보자</a:t>
+                      </a:r>
+                      <a:r>
+                        <a:rPr lang="en-US" altLang="ko-KR" sz="1200" dirty="0" smtClean="0"/>
+                        <a:t>, </a:t>
+                      </a:r>
+                      <a:r>
+                        <a:rPr lang="ko-KR" altLang="en-US" sz="1200" dirty="0" smtClean="0"/>
+                        <a:t>조작이 가능하니 암호화를 해볼까</a:t>
+                      </a:r>
+                      <a:r>
+                        <a:rPr lang="en-US" altLang="ko-KR" sz="1200" dirty="0" smtClean="0"/>
+                        <a:t>? </a:t>
+                      </a:r>
+                      <a:r>
+                        <a:rPr lang="ko-KR" altLang="en-US" sz="1200" dirty="0" smtClean="0"/>
+                        <a:t>높이 </a:t>
+                      </a:r>
+                      <a:r>
+                        <a:rPr lang="en-US" altLang="ko-KR" sz="1200" dirty="0" smtClean="0"/>
+                        <a:t>+ </a:t>
+                      </a:r>
+                      <a:r>
+                        <a:rPr lang="ko-KR" altLang="en-US" sz="1200" dirty="0" smtClean="0"/>
+                        <a:t>발판 </a:t>
+                      </a:r>
+                      <a:r>
+                        <a:rPr lang="en-US" altLang="ko-KR" sz="1200" dirty="0" smtClean="0"/>
+                        <a:t>+ </a:t>
+                      </a:r>
+                      <a:r>
+                        <a:rPr lang="ko-KR" altLang="en-US" sz="1200" dirty="0" smtClean="0"/>
+                        <a:t>백그라운드 내려온 수로 저장을 해보자</a:t>
+                      </a:r>
+                      <a:r>
+                        <a:rPr lang="en-US" altLang="ko-KR" sz="1200" dirty="0" smtClean="0"/>
                         <a:t>.</a:t>
                       </a:r>
-                      <a:endParaRPr lang="ko-KR" altLang="en-US" b="1" dirty="0"/>
+                      <a:endParaRPr lang="ko-KR" altLang="en-US" sz="1200" dirty="0"/>
                     </a:p>
                   </a:txBody>
-                  <a:tcPr/>
+                  <a:tcPr anchor="ctr"/>
                 </a:tc>
               </a:tr>
-              <a:tr h="360000">
+              <a:tr h="518160">
                 <a:tc>
                   <a:txBody>
                     <a:bodyPr/>
                     <a:lstStyle/>
                     <a:p>
-                      <a:pPr marL="0" marR="0" lvl="0" indent="0" algn="l" defTabSz="914400" rtl="0" eaLnBrk="1" fontAlgn="auto" latinLnBrk="1" hangingPunct="1">
-                        <a:lnSpc>
-                          <a:spcPct val="100000"/>
-                        </a:lnSpc>
-                        <a:spcBef>
-                          <a:spcPts val="0"/>
-                        </a:spcBef>
-                        <a:spcAft>
-                          <a:spcPts val="0"/>
-                        </a:spcAft>
-                        <a:buClrTx/>
-                        <a:buSzTx/>
-                        <a:buFontTx/>
-                        <a:buNone/>
-                        <a:tabLst/>
-                        <a:defRPr/>
-                      </a:pPr>
-                      <a:r>
-                        <a:rPr lang="en-US" altLang="ko-KR" sz="2000" b="0" dirty="0" smtClean="0"/>
-                        <a:t>10</a:t>
-                      </a:r>
-                      <a:r>
-                        <a:rPr lang="ko-KR" altLang="en-US" sz="2000" b="0" dirty="0" smtClean="0"/>
-                        <a:t>주차 </a:t>
-                      </a:r>
-                      <a:r>
-                        <a:rPr lang="en-US" altLang="ko-KR" sz="2000" b="0" dirty="0" smtClean="0"/>
-                        <a:t>(12/02)</a:t>
-                      </a:r>
-                      <a:endParaRPr lang="ko-KR" altLang="en-US" sz="2000" b="0" dirty="0" smtClean="0"/>
+                      <a:pPr algn="l"/>
+                      <a:r>
+                        <a:rPr lang="ko-KR" altLang="en-US" sz="1200" b="0" i="0" kern="1200" dirty="0" smtClean="0">
+                          <a:solidFill>
+                            <a:schemeClr val="dk1"/>
+                          </a:solidFill>
+                          <a:effectLst/>
+                          <a:latin typeface="+mn-lt"/>
+                          <a:ea typeface="+mn-ea"/>
+                          <a:cs typeface="+mn-cs"/>
+                        </a:rPr>
+                        <a:t>게임 스토리 구상</a:t>
+                      </a:r>
+                      <a:endParaRPr lang="ko-KR" altLang="en-US" sz="1200" b="0" i="0" kern="1200" dirty="0">
+                        <a:solidFill>
+                          <a:schemeClr val="dk1"/>
+                        </a:solidFill>
+                        <a:effectLst/>
+                        <a:latin typeface="+mn-lt"/>
+                        <a:ea typeface="+mn-ea"/>
+                        <a:cs typeface="+mn-cs"/>
+                      </a:endParaRPr>
                     </a:p>
                   </a:txBody>
-                  <a:tcPr/>
+                  <a:tcPr anchor="ctr"/>
                 </a:tc>
                 <a:tc>
                   <a:txBody>
                     <a:bodyPr/>
                     <a:lstStyle/>
                     <a:p>
-                      <a:pPr latinLnBrk="1"/>
-                      <a:r>
-                        <a:rPr lang="ko-KR" altLang="en-US" dirty="0" smtClean="0"/>
-                        <a:t>전체적인 완성도 작업을 위한 마지막 작업</a:t>
-                      </a:r>
-                      <a:endParaRPr lang="ko-KR" altLang="en-US" dirty="0"/>
+                      <a:pPr algn="l" latinLnBrk="1"/>
+                      <a:r>
+                        <a:rPr lang="ko-KR" altLang="en-US" sz="1200" dirty="0" smtClean="0"/>
+                        <a:t>스토리 라기 보다는 토끼가 행성을 향해 계속 올라가는 것처럼 끝이 없는 끝을 향해 올라가도록 만들어 보자</a:t>
+                      </a:r>
+                      <a:r>
+                        <a:rPr lang="en-US" altLang="ko-KR" sz="1200" dirty="0" smtClean="0"/>
+                        <a:t>.</a:t>
+                      </a:r>
+                      <a:endParaRPr lang="ko-KR" altLang="en-US" sz="1200" dirty="0"/>
                     </a:p>
                   </a:txBody>
-                  <a:tcPr/>
+                  <a:tcPr anchor="ctr"/>
                 </a:tc>
               </a:tr>
-              <a:tr h="360000">
+              <a:tr h="518160">
                 <a:tc>
                   <a:txBody>
                     <a:bodyPr/>
                     <a:lstStyle/>
                     <a:p>
-                      <a:pPr marL="0" marR="0" lvl="0" indent="0" algn="l" defTabSz="914400" rtl="0" eaLnBrk="1" fontAlgn="auto" latinLnBrk="1" hangingPunct="1">
-                        <a:lnSpc>
-                          <a:spcPct val="100000"/>
-                        </a:lnSpc>
-                        <a:spcBef>
-                          <a:spcPts val="0"/>
-                        </a:spcBef>
-                        <a:spcAft>
-                          <a:spcPts val="0"/>
-                        </a:spcAft>
-                        <a:buClrTx/>
-                        <a:buSzTx/>
-                        <a:buFontTx/>
-                        <a:buNone/>
-                        <a:tabLst/>
-                        <a:defRPr/>
-                      </a:pPr>
-                      <a:r>
-                        <a:rPr lang="en-US" altLang="ko-KR" sz="2000" b="1" dirty="0" smtClean="0"/>
-                        <a:t>11</a:t>
-                      </a:r>
-                      <a:r>
-                        <a:rPr lang="ko-KR" altLang="en-US" sz="2000" b="1" dirty="0" smtClean="0"/>
-                        <a:t>주차 </a:t>
-                      </a:r>
-                      <a:r>
-                        <a:rPr lang="en-US" altLang="ko-KR" sz="2000" b="1" dirty="0" smtClean="0"/>
-                        <a:t>(12/16)</a:t>
-                      </a:r>
-                      <a:endParaRPr lang="ko-KR" altLang="en-US" sz="2000" b="1" dirty="0" smtClean="0"/>
+                      <a:pPr algn="l"/>
+                      <a:r>
+                        <a:rPr lang="ko-KR" altLang="en-US" sz="1200" b="0" i="0" kern="1200" dirty="0" smtClean="0">
+                          <a:solidFill>
+                            <a:schemeClr val="dk1"/>
+                          </a:solidFill>
+                          <a:effectLst/>
+                          <a:latin typeface="+mn-lt"/>
+                          <a:ea typeface="+mn-ea"/>
+                          <a:cs typeface="+mn-cs"/>
+                        </a:rPr>
+                        <a:t>발판에 대한 구상</a:t>
+                      </a:r>
+                      <a:endParaRPr lang="ko-KR" altLang="en-US" sz="1200" b="0" i="0" kern="1200" dirty="0">
+                        <a:solidFill>
+                          <a:schemeClr val="dk1"/>
+                        </a:solidFill>
+                        <a:effectLst/>
+                        <a:latin typeface="+mn-lt"/>
+                        <a:ea typeface="+mn-ea"/>
+                        <a:cs typeface="+mn-cs"/>
+                      </a:endParaRPr>
                     </a:p>
                   </a:txBody>
-                  <a:tcPr/>
+                  <a:tcPr anchor="ctr"/>
                 </a:tc>
                 <a:tc>
                   <a:txBody>
                     <a:bodyPr/>
                     <a:lstStyle/>
                     <a:p>
-                      <a:pPr latinLnBrk="1"/>
-                      <a:r>
-                        <a:rPr lang="ko-KR" altLang="en-US" b="1" dirty="0" smtClean="0"/>
-                        <a:t>프로젝트 최종 발표를 위한 정리</a:t>
-                      </a:r>
-                      <a:r>
-                        <a:rPr lang="en-US" altLang="ko-KR" b="1" dirty="0" smtClean="0"/>
+                      <a:pPr algn="l" latinLnBrk="1"/>
+                      <a:r>
+                        <a:rPr lang="ko-KR" altLang="en-US" sz="1200" dirty="0" smtClean="0"/>
+                        <a:t>발판을 여러</a:t>
+                      </a:r>
+                      <a:r>
+                        <a:rPr lang="ko-KR" altLang="en-US" sz="1200" baseline="0" dirty="0" smtClean="0"/>
+                        <a:t> 가지 방법으로 생성을 해보고</a:t>
+                      </a:r>
+                      <a:r>
+                        <a:rPr lang="en-US" altLang="ko-KR" sz="1200" baseline="0" dirty="0" smtClean="0"/>
+                        <a:t>, </a:t>
+                      </a:r>
+                      <a:r>
+                        <a:rPr lang="ko-KR" altLang="en-US" sz="1200" baseline="0" dirty="0" smtClean="0"/>
+                        <a:t>발판 종류에 따라서 발판 특성이 다르게 만들어 지도록 해보자</a:t>
+                      </a:r>
+                      <a:r>
+                        <a:rPr lang="en-US" altLang="ko-KR" sz="1200" baseline="0" dirty="0" smtClean="0"/>
                         <a:t>.</a:t>
                       </a:r>
-                      <a:endParaRPr lang="ko-KR" altLang="en-US" b="1" dirty="0"/>
+                      <a:endParaRPr lang="ko-KR" altLang="en-US" sz="1200" dirty="0"/>
                     </a:p>
                   </a:txBody>
-                  <a:tcPr/>
+                  <a:tcPr anchor="ctr"/>
                 </a:tc>
               </a:tr>
             </a:tbl>
@@ -22344,296 +24458,1279 @@
           <a:chExt cx="0" cy="0"/>
         </a:xfrm>
       </p:grpSpPr>
-      <p:grpSp>
-        <p:nvGrpSpPr>
-          <p:cNvPr id="12290" name="그룹 1"/>
-          <p:cNvGrpSpPr>
-            <a:grpSpLocks/>
-          </p:cNvGrpSpPr>
+      <p:sp>
+        <p:nvSpPr>
+          <p:cNvPr id="13315" name="Text Box 5"/>
+          <p:cNvSpPr txBox="1">
+            <a:spLocks noChangeArrowheads="1"/>
+          </p:cNvSpPr>
           <p:nvPr/>
-        </p:nvGrpSpPr>
-        <p:grpSpPr bwMode="auto">
+        </p:nvSpPr>
+        <p:spPr bwMode="auto">
           <a:xfrm>
-            <a:off x="3122613" y="3143250"/>
-            <a:ext cx="5164137" cy="1149350"/>
-            <a:chOff x="3177925" y="2002967"/>
-            <a:chExt cx="5164787" cy="1150543"/>
+            <a:off x="325438" y="120650"/>
+            <a:ext cx="6600825" cy="585788"/>
           </a:xfrm>
-        </p:grpSpPr>
-        <p:sp>
-          <p:nvSpPr>
-            <p:cNvPr id="3" name="TextBox 2"/>
-            <p:cNvSpPr txBox="1">
-              <a:spLocks noChangeArrowheads="1"/>
-            </p:cNvSpPr>
-            <p:nvPr/>
-          </p:nvSpPr>
-          <p:spPr bwMode="auto">
-            <a:xfrm>
-              <a:off x="3177925" y="2002967"/>
-              <a:ext cx="5164787" cy="785644"/>
-            </a:xfrm>
-            <a:prstGeom prst="rect">
-              <a:avLst/>
-            </a:prstGeom>
+          <a:prstGeom prst="rect">
+            <a:avLst/>
+          </a:prstGeom>
+          <a:noFill/>
+          <a:ln>
             <a:noFill/>
-            <a:ln w="9525">
-              <a:noFill/>
-              <a:miter lim="800000"/>
-              <a:headEnd/>
-              <a:tailEnd/>
-            </a:ln>
-          </p:spPr>
-          <p:txBody>
-            <a:bodyPr>
-              <a:spAutoFit/>
-              <a:scene3d>
-                <a:camera prst="orthographicFront">
-                  <a:rot lat="0" lon="0" rev="0"/>
-                </a:camera>
-                <a:lightRig rig="glow" dir="t">
-                  <a:rot lat="0" lon="0" rev="3600000"/>
-                </a:lightRig>
-              </a:scene3d>
-              <a:sp3d prstMaterial="softEdge">
-                <a:bevelT w="0" h="0"/>
-                <a:contourClr>
-                  <a:schemeClr val="tx1">
-                    <a:lumMod val="75000"/>
-                    <a:lumOff val="25000"/>
-                  </a:schemeClr>
-                </a:contourClr>
-              </a:sp3d>
-            </a:bodyPr>
-            <a:lstStyle/>
-            <a:p>
-              <a:pPr eaLnBrk="1" fontAlgn="auto" latinLnBrk="1" hangingPunct="1">
-                <a:lnSpc>
-                  <a:spcPct val="90000"/>
-                </a:lnSpc>
-                <a:spcBef>
-                  <a:spcPts val="0"/>
-                </a:spcBef>
-                <a:spcAft>
-                  <a:spcPts val="0"/>
-                </a:spcAft>
-                <a:defRPr/>
-              </a:pPr>
-              <a:r>
-                <a:rPr kumimoji="0" lang="en-US" altLang="ko-KR" sz="5000" b="1" spc="-150" dirty="0">
-                  <a:ln>
-                    <a:prstDash val="solid"/>
-                  </a:ln>
-                  <a:solidFill>
-                    <a:srgbClr val="B9E02D"/>
-                  </a:solidFill>
-                  <a:effectLst>
-                    <a:outerShdw blurRad="38100" dist="38100" dir="2700000" algn="tl">
-                      <a:srgbClr val="000000">
-                        <a:alpha val="43137"/>
-                      </a:srgbClr>
-                    </a:outerShdw>
-                  </a:effectLst>
-                  <a:latin typeface="나눔고딕 ExtraBold" pitchFamily="50" charset="-127"/>
-                  <a:ea typeface="나눔고딕 ExtraBold" pitchFamily="50" charset="-127"/>
-                  <a:cs typeface="Tahoma" pitchFamily="34" charset="0"/>
-                </a:rPr>
-                <a:t>Self Assessment</a:t>
-              </a:r>
-            </a:p>
-          </p:txBody>
-        </p:sp>
-        <p:sp>
-          <p:nvSpPr>
-            <p:cNvPr id="12292" name="Text Box 5"/>
-            <p:cNvSpPr txBox="1">
-              <a:spLocks noChangeArrowheads="1"/>
-            </p:cNvSpPr>
-            <p:nvPr/>
-          </p:nvSpPr>
-          <p:spPr bwMode="auto">
-            <a:xfrm>
-              <a:off x="3177925" y="2814956"/>
-              <a:ext cx="4703675" cy="338554"/>
-            </a:xfrm>
-            <a:prstGeom prst="rect">
-              <a:avLst/>
-            </a:prstGeom>
-            <a:noFill/>
-            <a:ln>
-              <a:noFill/>
-            </a:ln>
-            <a:extLst>
-              <a:ext uri="{909E8E84-426E-40DD-AFC4-6F175D3DCCD1}">
-                <a14:hiddenFill xmlns:a14="http://schemas.microsoft.com/office/drawing/2010/main">
-                  <a:solidFill>
-                    <a:srgbClr val="FFFFFF"/>
-                  </a:solidFill>
-                </a14:hiddenFill>
-              </a:ext>
-              <a:ext uri="{91240B29-F687-4F45-9708-019B960494DF}">
-                <a14:hiddenLine xmlns:a14="http://schemas.microsoft.com/office/drawing/2010/main" w="9525">
-                  <a:solidFill>
-                    <a:srgbClr val="000000"/>
-                  </a:solidFill>
-                  <a:miter lim="800000"/>
-                  <a:headEnd/>
-                  <a:tailEnd/>
-                </a14:hiddenLine>
-              </a:ext>
-            </a:extLst>
-          </p:spPr>
-          <p:txBody>
-            <a:bodyPr anchor="ctr">
-              <a:spAutoFit/>
-            </a:bodyPr>
-            <a:lstStyle>
-              <a:lvl1pPr>
-                <a:defRPr kumimoji="1">
-                  <a:solidFill>
-                    <a:schemeClr val="tx1"/>
-                  </a:solidFill>
-                  <a:latin typeface="굴림" panose="020B0600000101010101" pitchFamily="50" charset="-127"/>
-                  <a:ea typeface="굴림" panose="020B0600000101010101" pitchFamily="50" charset="-127"/>
-                </a:defRPr>
-              </a:lvl1pPr>
-              <a:lvl2pPr marL="742950" indent="-285750">
-                <a:defRPr kumimoji="1">
-                  <a:solidFill>
-                    <a:schemeClr val="tx1"/>
-                  </a:solidFill>
-                  <a:latin typeface="굴림" panose="020B0600000101010101" pitchFamily="50" charset="-127"/>
-                  <a:ea typeface="굴림" panose="020B0600000101010101" pitchFamily="50" charset="-127"/>
-                </a:defRPr>
-              </a:lvl2pPr>
-              <a:lvl3pPr marL="1143000" indent="-228600">
-                <a:defRPr kumimoji="1">
-                  <a:solidFill>
-                    <a:schemeClr val="tx1"/>
-                  </a:solidFill>
-                  <a:latin typeface="굴림" panose="020B0600000101010101" pitchFamily="50" charset="-127"/>
-                  <a:ea typeface="굴림" panose="020B0600000101010101" pitchFamily="50" charset="-127"/>
-                </a:defRPr>
-              </a:lvl3pPr>
-              <a:lvl4pPr marL="1600200" indent="-228600">
-                <a:defRPr kumimoji="1">
-                  <a:solidFill>
-                    <a:schemeClr val="tx1"/>
-                  </a:solidFill>
-                  <a:latin typeface="굴림" panose="020B0600000101010101" pitchFamily="50" charset="-127"/>
-                  <a:ea typeface="굴림" panose="020B0600000101010101" pitchFamily="50" charset="-127"/>
-                </a:defRPr>
-              </a:lvl4pPr>
-              <a:lvl5pPr marL="2057400" indent="-228600">
-                <a:defRPr kumimoji="1">
-                  <a:solidFill>
-                    <a:schemeClr val="tx1"/>
-                  </a:solidFill>
-                  <a:latin typeface="굴림" panose="020B0600000101010101" pitchFamily="50" charset="-127"/>
-                  <a:ea typeface="굴림" panose="020B0600000101010101" pitchFamily="50" charset="-127"/>
-                </a:defRPr>
-              </a:lvl5pPr>
-              <a:lvl6pPr marL="2514600" indent="-228600" eaLnBrk="0" fontAlgn="base" hangingPunct="0">
-                <a:spcBef>
-                  <a:spcPct val="0"/>
-                </a:spcBef>
-                <a:spcAft>
-                  <a:spcPct val="0"/>
-                </a:spcAft>
-                <a:defRPr kumimoji="1">
-                  <a:solidFill>
-                    <a:schemeClr val="tx1"/>
-                  </a:solidFill>
-                  <a:latin typeface="굴림" panose="020B0600000101010101" pitchFamily="50" charset="-127"/>
-                  <a:ea typeface="굴림" panose="020B0600000101010101" pitchFamily="50" charset="-127"/>
-                </a:defRPr>
-              </a:lvl6pPr>
-              <a:lvl7pPr marL="2971800" indent="-228600" eaLnBrk="0" fontAlgn="base" hangingPunct="0">
-                <a:spcBef>
-                  <a:spcPct val="0"/>
-                </a:spcBef>
-                <a:spcAft>
-                  <a:spcPct val="0"/>
-                </a:spcAft>
-                <a:defRPr kumimoji="1">
-                  <a:solidFill>
-                    <a:schemeClr val="tx1"/>
-                  </a:solidFill>
-                  <a:latin typeface="굴림" panose="020B0600000101010101" pitchFamily="50" charset="-127"/>
-                  <a:ea typeface="굴림" panose="020B0600000101010101" pitchFamily="50" charset="-127"/>
-                </a:defRPr>
-              </a:lvl7pPr>
-              <a:lvl8pPr marL="3429000" indent="-228600" eaLnBrk="0" fontAlgn="base" hangingPunct="0">
-                <a:spcBef>
-                  <a:spcPct val="0"/>
-                </a:spcBef>
-                <a:spcAft>
-                  <a:spcPct val="0"/>
-                </a:spcAft>
-                <a:defRPr kumimoji="1">
-                  <a:solidFill>
-                    <a:schemeClr val="tx1"/>
-                  </a:solidFill>
-                  <a:latin typeface="굴림" panose="020B0600000101010101" pitchFamily="50" charset="-127"/>
-                  <a:ea typeface="굴림" panose="020B0600000101010101" pitchFamily="50" charset="-127"/>
-                </a:defRPr>
-              </a:lvl8pPr>
-              <a:lvl9pPr marL="3886200" indent="-228600" eaLnBrk="0" fontAlgn="base" hangingPunct="0">
-                <a:spcBef>
-                  <a:spcPct val="0"/>
-                </a:spcBef>
-                <a:spcAft>
-                  <a:spcPct val="0"/>
-                </a:spcAft>
-                <a:defRPr kumimoji="1">
-                  <a:solidFill>
-                    <a:schemeClr val="tx1"/>
-                  </a:solidFill>
-                  <a:latin typeface="굴림" panose="020B0600000101010101" pitchFamily="50" charset="-127"/>
-                  <a:ea typeface="굴림" panose="020B0600000101010101" pitchFamily="50" charset="-127"/>
-                </a:defRPr>
-              </a:lvl9pPr>
-            </a:lstStyle>
-            <a:p>
-              <a:pPr eaLnBrk="1" latinLnBrk="1" hangingPunct="1"/>
-              <a:r>
-                <a:rPr kumimoji="0" lang="en-US" altLang="ko-KR" sz="1600" dirty="0">
-                  <a:solidFill>
-                    <a:prstClr val="white"/>
-                  </a:solidFill>
-                  <a:latin typeface="Arial" panose="020B0604020202020204" pitchFamily="34" charset="0"/>
-                  <a:ea typeface="맑은 고딕" panose="020B0503020000020004" pitchFamily="50" charset="-127"/>
-                  <a:cs typeface="Arial" panose="020B0604020202020204" pitchFamily="34" charset="0"/>
-                </a:rPr>
-                <a:t>Self-diagnosis and score </a:t>
-              </a:r>
-              <a:r>
-                <a:rPr kumimoji="0" lang="en-US" altLang="ko-KR" sz="1600" dirty="0" smtClean="0">
-                  <a:solidFill>
-                    <a:prstClr val="white"/>
-                  </a:solidFill>
-                  <a:latin typeface="Arial" panose="020B0604020202020204" pitchFamily="34" charset="0"/>
-                  <a:ea typeface="맑은 고딕" panose="020B0503020000020004" pitchFamily="50" charset="-127"/>
-                  <a:cs typeface="Arial" panose="020B0604020202020204" pitchFamily="34" charset="0"/>
-                </a:rPr>
-                <a:t>check.</a:t>
-              </a:r>
-              <a:endParaRPr kumimoji="0" lang="en-US" altLang="ko-KR" sz="1600" dirty="0">
+          </a:ln>
+          <a:extLst>
+            <a:ext uri="{909E8E84-426E-40DD-AFC4-6F175D3DCCD1}">
+              <a14:hiddenFill xmlns:a14="http://schemas.microsoft.com/office/drawing/2010/main">
                 <a:solidFill>
-                  <a:prstClr val="white"/>
+                  <a:srgbClr val="FFFFFF"/>
                 </a:solidFill>
-                <a:latin typeface="Arial" panose="020B0604020202020204" pitchFamily="34" charset="0"/>
-                <a:ea typeface="맑은 고딕" panose="020B0503020000020004" pitchFamily="50" charset="-127"/>
-                <a:cs typeface="Arial" panose="020B0604020202020204" pitchFamily="34" charset="0"/>
-              </a:endParaRPr>
-            </a:p>
-          </p:txBody>
-        </p:sp>
-      </p:grpSp>
+              </a14:hiddenFill>
+            </a:ext>
+            <a:ext uri="{91240B29-F687-4F45-9708-019B960494DF}">
+              <a14:hiddenLine xmlns:a14="http://schemas.microsoft.com/office/drawing/2010/main" w="9525">
+                <a:solidFill>
+                  <a:srgbClr val="000000"/>
+                </a:solidFill>
+                <a:miter lim="800000"/>
+                <a:headEnd/>
+                <a:tailEnd/>
+              </a14:hiddenLine>
+            </a:ext>
+          </a:extLst>
+        </p:spPr>
+        <p:txBody>
+          <a:bodyPr anchor="ctr">
+            <a:spAutoFit/>
+          </a:bodyPr>
+          <a:lstStyle>
+            <a:lvl1pPr>
+              <a:defRPr kumimoji="1">
+                <a:solidFill>
+                  <a:schemeClr val="tx1"/>
+                </a:solidFill>
+                <a:latin typeface="굴림" panose="020B0600000101010101" pitchFamily="50" charset="-127"/>
+                <a:ea typeface="굴림" panose="020B0600000101010101" pitchFamily="50" charset="-127"/>
+              </a:defRPr>
+            </a:lvl1pPr>
+            <a:lvl2pPr marL="742950" indent="-285750">
+              <a:defRPr kumimoji="1">
+                <a:solidFill>
+                  <a:schemeClr val="tx1"/>
+                </a:solidFill>
+                <a:latin typeface="굴림" panose="020B0600000101010101" pitchFamily="50" charset="-127"/>
+                <a:ea typeface="굴림" panose="020B0600000101010101" pitchFamily="50" charset="-127"/>
+              </a:defRPr>
+            </a:lvl2pPr>
+            <a:lvl3pPr marL="1143000" indent="-228600">
+              <a:defRPr kumimoji="1">
+                <a:solidFill>
+                  <a:schemeClr val="tx1"/>
+                </a:solidFill>
+                <a:latin typeface="굴림" panose="020B0600000101010101" pitchFamily="50" charset="-127"/>
+                <a:ea typeface="굴림" panose="020B0600000101010101" pitchFamily="50" charset="-127"/>
+              </a:defRPr>
+            </a:lvl3pPr>
+            <a:lvl4pPr marL="1600200" indent="-228600">
+              <a:defRPr kumimoji="1">
+                <a:solidFill>
+                  <a:schemeClr val="tx1"/>
+                </a:solidFill>
+                <a:latin typeface="굴림" panose="020B0600000101010101" pitchFamily="50" charset="-127"/>
+                <a:ea typeface="굴림" panose="020B0600000101010101" pitchFamily="50" charset="-127"/>
+              </a:defRPr>
+            </a:lvl4pPr>
+            <a:lvl5pPr marL="2057400" indent="-228600">
+              <a:defRPr kumimoji="1">
+                <a:solidFill>
+                  <a:schemeClr val="tx1"/>
+                </a:solidFill>
+                <a:latin typeface="굴림" panose="020B0600000101010101" pitchFamily="50" charset="-127"/>
+                <a:ea typeface="굴림" panose="020B0600000101010101" pitchFamily="50" charset="-127"/>
+              </a:defRPr>
+            </a:lvl5pPr>
+            <a:lvl6pPr marL="2514600" indent="-228600" eaLnBrk="0" fontAlgn="base" hangingPunct="0">
+              <a:spcBef>
+                <a:spcPct val="0"/>
+              </a:spcBef>
+              <a:spcAft>
+                <a:spcPct val="0"/>
+              </a:spcAft>
+              <a:defRPr kumimoji="1">
+                <a:solidFill>
+                  <a:schemeClr val="tx1"/>
+                </a:solidFill>
+                <a:latin typeface="굴림" panose="020B0600000101010101" pitchFamily="50" charset="-127"/>
+                <a:ea typeface="굴림" panose="020B0600000101010101" pitchFamily="50" charset="-127"/>
+              </a:defRPr>
+            </a:lvl6pPr>
+            <a:lvl7pPr marL="2971800" indent="-228600" eaLnBrk="0" fontAlgn="base" hangingPunct="0">
+              <a:spcBef>
+                <a:spcPct val="0"/>
+              </a:spcBef>
+              <a:spcAft>
+                <a:spcPct val="0"/>
+              </a:spcAft>
+              <a:defRPr kumimoji="1">
+                <a:solidFill>
+                  <a:schemeClr val="tx1"/>
+                </a:solidFill>
+                <a:latin typeface="굴림" panose="020B0600000101010101" pitchFamily="50" charset="-127"/>
+                <a:ea typeface="굴림" panose="020B0600000101010101" pitchFamily="50" charset="-127"/>
+              </a:defRPr>
+            </a:lvl7pPr>
+            <a:lvl8pPr marL="3429000" indent="-228600" eaLnBrk="0" fontAlgn="base" hangingPunct="0">
+              <a:spcBef>
+                <a:spcPct val="0"/>
+              </a:spcBef>
+              <a:spcAft>
+                <a:spcPct val="0"/>
+              </a:spcAft>
+              <a:defRPr kumimoji="1">
+                <a:solidFill>
+                  <a:schemeClr val="tx1"/>
+                </a:solidFill>
+                <a:latin typeface="굴림" panose="020B0600000101010101" pitchFamily="50" charset="-127"/>
+                <a:ea typeface="굴림" panose="020B0600000101010101" pitchFamily="50" charset="-127"/>
+              </a:defRPr>
+            </a:lvl8pPr>
+            <a:lvl9pPr marL="3886200" indent="-228600" eaLnBrk="0" fontAlgn="base" hangingPunct="0">
+              <a:spcBef>
+                <a:spcPct val="0"/>
+              </a:spcBef>
+              <a:spcAft>
+                <a:spcPct val="0"/>
+              </a:spcAft>
+              <a:defRPr kumimoji="1">
+                <a:solidFill>
+                  <a:schemeClr val="tx1"/>
+                </a:solidFill>
+                <a:latin typeface="굴림" panose="020B0600000101010101" pitchFamily="50" charset="-127"/>
+                <a:ea typeface="굴림" panose="020B0600000101010101" pitchFamily="50" charset="-127"/>
+              </a:defRPr>
+            </a:lvl9pPr>
+          </a:lstStyle>
+          <a:p>
+            <a:pPr eaLnBrk="1" latinLnBrk="1" hangingPunct="1"/>
+            <a:r>
+              <a:rPr lang="en-US" altLang="ko-KR" sz="3200" dirty="0" smtClean="0">
+                <a:latin typeface="Tahoma" panose="020B0604030504040204" pitchFamily="34" charset="0"/>
+                <a:cs typeface="Tahoma" panose="020B0604030504040204" pitchFamily="34" charset="0"/>
+              </a:rPr>
+              <a:t>Development of </a:t>
+            </a:r>
+            <a:r>
+              <a:rPr lang="en-US" altLang="ko-KR" sz="3200" b="1" dirty="0" smtClean="0">
+                <a:latin typeface="Tahoma" panose="020B0604030504040204" pitchFamily="34" charset="0"/>
+                <a:cs typeface="Tahoma" panose="020B0604030504040204" pitchFamily="34" charset="0"/>
+              </a:rPr>
+              <a:t>Schedule</a:t>
+            </a:r>
+            <a:endParaRPr lang="ko-KR" altLang="ko-KR" sz="3200" b="1" dirty="0">
+              <a:latin typeface="Tahoma" panose="020B0604030504040204" pitchFamily="34" charset="0"/>
+              <a:cs typeface="Tahoma" panose="020B0604030504040204" pitchFamily="34" charset="0"/>
+            </a:endParaRPr>
+          </a:p>
+        </p:txBody>
+      </p:sp>
+      <p:graphicFrame>
+        <p:nvGraphicFramePr>
+          <p:cNvPr id="5" name="표 4"/>
+          <p:cNvGraphicFramePr>
+            <a:graphicFrameLocks noGrp="1"/>
+          </p:cNvGraphicFramePr>
+          <p:nvPr>
+            <p:extLst>
+              <p:ext uri="{D42A27DB-BD31-4B8C-83A1-F6EECF244321}">
+                <p14:modId xmlns:p14="http://schemas.microsoft.com/office/powerpoint/2010/main" val="469923562"/>
+              </p:ext>
+            </p:extLst>
+          </p:nvPr>
+        </p:nvGraphicFramePr>
+        <p:xfrm>
+          <a:off x="577850" y="1124744"/>
+          <a:ext cx="8170614" cy="767080"/>
+        </p:xfrm>
+        <a:graphic>
+          <a:graphicData uri="http://schemas.openxmlformats.org/drawingml/2006/table">
+            <a:tbl>
+              <a:tblPr firstRow="1" bandRow="1">
+                <a:tableStyleId>{073A0DAA-6AF3-43AB-8588-CEC1D06C72B9}</a:tableStyleId>
+              </a:tblPr>
+              <a:tblGrid>
+                <a:gridCol w="1905918"/>
+                <a:gridCol w="936104"/>
+                <a:gridCol w="5328592"/>
+              </a:tblGrid>
+              <a:tr h="370840">
+                <a:tc>
+                  <a:txBody>
+                    <a:bodyPr/>
+                    <a:lstStyle/>
+                    <a:p>
+                      <a:pPr algn="ctr" latinLnBrk="1"/>
+                      <a:r>
+                        <a:rPr lang="ko-KR" altLang="en-US" dirty="0" smtClean="0"/>
+                        <a:t>주</a:t>
+                      </a:r>
+                      <a:endParaRPr lang="ko-KR" altLang="en-US" dirty="0"/>
+                    </a:p>
+                  </a:txBody>
+                  <a:tcPr anchor="ctr">
+                    <a:solidFill>
+                      <a:schemeClr val="bg1">
+                        <a:lumMod val="85000"/>
+                        <a:lumOff val="15000"/>
+                      </a:schemeClr>
+                    </a:solidFill>
+                  </a:tcPr>
+                </a:tc>
+                <a:tc>
+                  <a:txBody>
+                    <a:bodyPr/>
+                    <a:lstStyle/>
+                    <a:p>
+                      <a:pPr algn="ctr" latinLnBrk="1"/>
+                      <a:r>
+                        <a:rPr lang="ko-KR" altLang="en-US" dirty="0" smtClean="0"/>
+                        <a:t>완성도</a:t>
+                      </a:r>
+                      <a:endParaRPr lang="ko-KR" altLang="en-US" dirty="0"/>
+                    </a:p>
+                  </a:txBody>
+                  <a:tcPr anchor="ctr">
+                    <a:solidFill>
+                      <a:schemeClr val="bg1">
+                        <a:lumMod val="85000"/>
+                        <a:lumOff val="15000"/>
+                      </a:schemeClr>
+                    </a:solidFill>
+                  </a:tcPr>
+                </a:tc>
+                <a:tc>
+                  <a:txBody>
+                    <a:bodyPr/>
+                    <a:lstStyle/>
+                    <a:p>
+                      <a:pPr algn="ctr" latinLnBrk="1"/>
+                      <a:r>
+                        <a:rPr lang="ko-KR" altLang="en-US" dirty="0" smtClean="0"/>
+                        <a:t>주제</a:t>
+                      </a:r>
+                      <a:endParaRPr lang="ko-KR" altLang="en-US" dirty="0"/>
+                    </a:p>
+                  </a:txBody>
+                  <a:tcPr anchor="ctr">
+                    <a:solidFill>
+                      <a:schemeClr val="bg1">
+                        <a:lumMod val="85000"/>
+                        <a:lumOff val="15000"/>
+                      </a:schemeClr>
+                    </a:solidFill>
+                  </a:tcPr>
+                </a:tc>
+              </a:tr>
+              <a:tr h="360000">
+                <a:tc>
+                  <a:txBody>
+                    <a:bodyPr/>
+                    <a:lstStyle/>
+                    <a:p>
+                      <a:pPr marL="0" marR="0" lvl="0" indent="0" algn="l" defTabSz="914400" rtl="0" eaLnBrk="1" fontAlgn="auto" latinLnBrk="1" hangingPunct="1">
+                        <a:lnSpc>
+                          <a:spcPct val="100000"/>
+                        </a:lnSpc>
+                        <a:spcBef>
+                          <a:spcPts val="0"/>
+                        </a:spcBef>
+                        <a:spcAft>
+                          <a:spcPts val="0"/>
+                        </a:spcAft>
+                        <a:buClrTx/>
+                        <a:buSzTx/>
+                        <a:buFontTx/>
+                        <a:buNone/>
+                        <a:tabLst/>
+                        <a:defRPr/>
+                      </a:pPr>
+                      <a:r>
+                        <a:rPr lang="en-US" altLang="ko-KR" sz="2000" b="0" dirty="0" smtClean="0"/>
+                        <a:t>2</a:t>
+                      </a:r>
+                      <a:r>
+                        <a:rPr lang="ko-KR" altLang="en-US" sz="2000" b="0" dirty="0" smtClean="0"/>
+                        <a:t>주차 </a:t>
+                      </a:r>
+                      <a:r>
+                        <a:rPr lang="en-US" altLang="ko-KR" sz="2000" b="0" dirty="0" smtClean="0"/>
+                        <a:t>(09/30)</a:t>
+                      </a:r>
+                      <a:endParaRPr lang="ko-KR" altLang="en-US" sz="2000" b="0" dirty="0" smtClean="0"/>
+                    </a:p>
+                  </a:txBody>
+                  <a:tcPr anchor="ctr"/>
+                </a:tc>
+                <a:tc>
+                  <a:txBody>
+                    <a:bodyPr/>
+                    <a:lstStyle/>
+                    <a:p>
+                      <a:pPr lvl="0" algn="ctr" latinLnBrk="1"/>
+                      <a:r>
+                        <a:rPr lang="en-US" altLang="ko-KR" sz="2000" b="0" dirty="0" smtClean="0">
+                          <a:solidFill>
+                            <a:srgbClr val="FFFFFF"/>
+                          </a:solidFill>
+                        </a:rPr>
+                        <a:t>100%</a:t>
+                      </a:r>
+                      <a:endParaRPr lang="ko-KR" altLang="en-US" sz="2000" b="0" dirty="0">
+                        <a:solidFill>
+                          <a:srgbClr val="FFFFFF"/>
+                        </a:solidFill>
+                      </a:endParaRPr>
+                    </a:p>
+                  </a:txBody>
+                  <a:tcPr anchor="ctr"/>
+                </a:tc>
+                <a:tc>
+                  <a:txBody>
+                    <a:bodyPr/>
+                    <a:lstStyle/>
+                    <a:p>
+                      <a:pPr latinLnBrk="1"/>
+                      <a:r>
+                        <a:rPr lang="ko-KR" altLang="en-US" dirty="0" smtClean="0"/>
+                        <a:t>리소스 및 사운드 와 알고리즘 계산</a:t>
+                      </a:r>
+                      <a:endParaRPr lang="ko-KR" altLang="en-US" dirty="0"/>
+                    </a:p>
+                  </a:txBody>
+                  <a:tcPr anchor="ctr"/>
+                </a:tc>
+              </a:tr>
+            </a:tbl>
+          </a:graphicData>
+        </a:graphic>
+      </p:graphicFrame>
+      <p:graphicFrame>
+        <p:nvGraphicFramePr>
+          <p:cNvPr id="2" name="표 1"/>
+          <p:cNvGraphicFramePr>
+            <a:graphicFrameLocks noGrp="1"/>
+          </p:cNvGraphicFramePr>
+          <p:nvPr>
+            <p:extLst>
+              <p:ext uri="{D42A27DB-BD31-4B8C-83A1-F6EECF244321}">
+                <p14:modId xmlns:p14="http://schemas.microsoft.com/office/powerpoint/2010/main" val="1152763589"/>
+              </p:ext>
+            </p:extLst>
+          </p:nvPr>
+        </p:nvGraphicFramePr>
+        <p:xfrm>
+          <a:off x="577850" y="1926590"/>
+          <a:ext cx="8170614" cy="4546600"/>
+        </p:xfrm>
+        <a:graphic>
+          <a:graphicData uri="http://schemas.openxmlformats.org/drawingml/2006/table">
+            <a:tbl>
+              <a:tblPr firstRow="1" bandRow="1">
+                <a:tableStyleId>{073A0DAA-6AF3-43AB-8588-CEC1D06C72B9}</a:tableStyleId>
+              </a:tblPr>
+              <a:tblGrid>
+                <a:gridCol w="2842022"/>
+                <a:gridCol w="5328592"/>
+              </a:tblGrid>
+              <a:tr h="370840">
+                <a:tc>
+                  <a:txBody>
+                    <a:bodyPr/>
+                    <a:lstStyle/>
+                    <a:p>
+                      <a:pPr algn="ctr" latinLnBrk="1"/>
+                      <a:r>
+                        <a:rPr lang="ko-KR" altLang="en-US" dirty="0" smtClean="0"/>
+                        <a:t>세부적인 작업 내용</a:t>
+                      </a:r>
+                      <a:endParaRPr lang="ko-KR" altLang="en-US" dirty="0"/>
+                    </a:p>
+                  </a:txBody>
+                  <a:tcPr anchor="ctr">
+                    <a:solidFill>
+                      <a:schemeClr val="bg1">
+                        <a:lumMod val="85000"/>
+                        <a:lumOff val="15000"/>
+                      </a:schemeClr>
+                    </a:solidFill>
+                  </a:tcPr>
+                </a:tc>
+                <a:tc>
+                  <a:txBody>
+                    <a:bodyPr/>
+                    <a:lstStyle/>
+                    <a:p>
+                      <a:pPr algn="ctr" latinLnBrk="1"/>
+                      <a:r>
+                        <a:rPr lang="ko-KR" altLang="en-US" dirty="0" smtClean="0"/>
+                        <a:t>작업 결과</a:t>
+                      </a:r>
+                      <a:endParaRPr lang="ko-KR" altLang="en-US" dirty="0"/>
+                    </a:p>
+                  </a:txBody>
+                  <a:tcPr anchor="ctr">
+                    <a:solidFill>
+                      <a:schemeClr val="bg1">
+                        <a:lumMod val="85000"/>
+                        <a:lumOff val="15000"/>
+                      </a:schemeClr>
+                    </a:solidFill>
+                  </a:tcPr>
+                </a:tc>
+              </a:tr>
+              <a:tr h="518160">
+                <a:tc>
+                  <a:txBody>
+                    <a:bodyPr/>
+                    <a:lstStyle/>
+                    <a:p>
+                      <a:pPr algn="l"/>
+                      <a:r>
+                        <a:rPr lang="ko-KR" altLang="en-US" sz="1200" b="0" i="0" kern="1200" dirty="0" smtClean="0">
+                          <a:solidFill>
+                            <a:schemeClr val="dk1"/>
+                          </a:solidFill>
+                          <a:effectLst/>
+                          <a:latin typeface="+mn-lt"/>
+                          <a:ea typeface="+mn-ea"/>
+                          <a:cs typeface="+mn-cs"/>
+                        </a:rPr>
+                        <a:t>메인 이미지</a:t>
+                      </a:r>
+                      <a:endParaRPr lang="en-US" altLang="ko-KR" sz="1200" b="0" i="0" kern="1200" dirty="0" smtClean="0">
+                        <a:solidFill>
+                          <a:schemeClr val="dk1"/>
+                        </a:solidFill>
+                        <a:effectLst/>
+                        <a:latin typeface="+mn-lt"/>
+                        <a:ea typeface="+mn-ea"/>
+                        <a:cs typeface="+mn-cs"/>
+                      </a:endParaRPr>
+                    </a:p>
+                    <a:p>
+                      <a:pPr algn="l"/>
+                      <a:r>
+                        <a:rPr lang="en-US" altLang="ko-KR" sz="1200" b="0" i="0" kern="1200" dirty="0" smtClean="0">
+                          <a:solidFill>
+                            <a:schemeClr val="dk1"/>
+                          </a:solidFill>
+                          <a:effectLst/>
+                          <a:latin typeface="+mn-lt"/>
+                          <a:ea typeface="+mn-ea"/>
+                          <a:cs typeface="+mn-cs"/>
+                        </a:rPr>
+                        <a:t>( </a:t>
+                      </a:r>
+                      <a:r>
+                        <a:rPr lang="ko-KR" altLang="en-US" sz="1200" b="0" i="0" kern="1200" dirty="0" smtClean="0">
+                          <a:solidFill>
+                            <a:schemeClr val="dk1"/>
+                          </a:solidFill>
+                          <a:effectLst/>
+                          <a:latin typeface="+mn-lt"/>
+                          <a:ea typeface="+mn-ea"/>
+                          <a:cs typeface="+mn-cs"/>
+                        </a:rPr>
+                        <a:t>토끼 관련 및 배경 이미지 </a:t>
+                      </a:r>
+                      <a:r>
+                        <a:rPr lang="en-US" altLang="ko-KR" sz="1200" b="0" i="0" kern="1200" dirty="0" smtClean="0">
+                          <a:solidFill>
+                            <a:schemeClr val="dk1"/>
+                          </a:solidFill>
+                          <a:effectLst/>
+                          <a:latin typeface="+mn-lt"/>
+                          <a:ea typeface="+mn-ea"/>
+                          <a:cs typeface="+mn-cs"/>
+                        </a:rPr>
+                        <a:t>)</a:t>
+                      </a:r>
+                      <a:endParaRPr lang="ko-KR" altLang="en-US" sz="1200" b="0" i="0" kern="1200" dirty="0">
+                        <a:solidFill>
+                          <a:schemeClr val="dk1"/>
+                        </a:solidFill>
+                        <a:effectLst/>
+                        <a:latin typeface="+mn-lt"/>
+                        <a:ea typeface="+mn-ea"/>
+                        <a:cs typeface="+mn-cs"/>
+                      </a:endParaRPr>
+                    </a:p>
+                  </a:txBody>
+                  <a:tcPr anchor="ctr"/>
+                </a:tc>
+                <a:tc>
+                  <a:txBody>
+                    <a:bodyPr/>
+                    <a:lstStyle/>
+                    <a:p>
+                      <a:pPr algn="l" latinLnBrk="1"/>
+                      <a:r>
+                        <a:rPr lang="ko-KR" altLang="en-US" sz="1200" dirty="0" smtClean="0"/>
+                        <a:t>총 </a:t>
+                      </a:r>
+                      <a:r>
+                        <a:rPr lang="en-US" altLang="ko-KR" sz="1200" dirty="0" smtClean="0"/>
+                        <a:t>6</a:t>
+                      </a:r>
+                      <a:r>
+                        <a:rPr lang="ko-KR" altLang="en-US" sz="1200" dirty="0" smtClean="0"/>
+                        <a:t>가지 이미지 </a:t>
+                      </a:r>
+                      <a:r>
+                        <a:rPr lang="en-US" altLang="ko-KR" sz="1200" dirty="0" smtClean="0"/>
+                        <a:t>“</a:t>
+                      </a:r>
+                      <a:r>
+                        <a:rPr lang="en-US" altLang="ko-KR" sz="1200" dirty="0" err="1" smtClean="0"/>
+                        <a:t>Github</a:t>
+                      </a:r>
+                      <a:r>
+                        <a:rPr lang="en-US" altLang="ko-KR" sz="1200" dirty="0" smtClean="0"/>
+                        <a:t>://2DGraphics\</a:t>
+                      </a:r>
+                      <a:r>
+                        <a:rPr lang="en-US" altLang="ko-KR" sz="1200" dirty="0" err="1" smtClean="0"/>
+                        <a:t>ResourceData</a:t>
+                      </a:r>
+                      <a:r>
+                        <a:rPr lang="en-US" altLang="ko-KR" sz="1200" dirty="0" smtClean="0"/>
+                        <a:t>\</a:t>
+                      </a:r>
+                      <a:r>
+                        <a:rPr lang="en-US" altLang="ko-KR" sz="1200" dirty="0" err="1" smtClean="0"/>
+                        <a:t>CharacterImage</a:t>
+                      </a:r>
+                      <a:r>
+                        <a:rPr lang="en-US" altLang="ko-KR" sz="1200" dirty="0" smtClean="0"/>
+                        <a:t>”</a:t>
+                      </a:r>
+                    </a:p>
+                    <a:p>
+                      <a:pPr algn="l" latinLnBrk="1"/>
+                      <a:r>
+                        <a:rPr lang="en-US" altLang="ko-KR" sz="1200" dirty="0" smtClean="0"/>
+                        <a:t>( Rabbit-Left, Rabbit-Right, Rabbit-Up, Rabbit-</a:t>
+                      </a:r>
+                      <a:r>
+                        <a:rPr lang="en-US" altLang="ko-KR" sz="1200" dirty="0" err="1" smtClean="0"/>
+                        <a:t>UpHand</a:t>
+                      </a:r>
+                      <a:r>
+                        <a:rPr lang="en-US" altLang="ko-KR" sz="1200" dirty="0" smtClean="0"/>
+                        <a:t>, </a:t>
+                      </a:r>
+                      <a:r>
+                        <a:rPr lang="en-US" altLang="ko-KR" sz="1200" dirty="0" smtClean="0">
+                          <a:solidFill>
+                            <a:srgbClr val="FF0000"/>
+                          </a:solidFill>
+                        </a:rPr>
+                        <a:t>SBT</a:t>
+                      </a:r>
+                      <a:r>
+                        <a:rPr lang="en-US" altLang="ko-KR" sz="1200" dirty="0" smtClean="0"/>
+                        <a:t> )</a:t>
+                      </a:r>
+                      <a:endParaRPr lang="ko-KR" altLang="en-US" sz="1200" dirty="0"/>
+                    </a:p>
+                  </a:txBody>
+                  <a:tcPr anchor="ctr"/>
+                </a:tc>
+              </a:tr>
+              <a:tr h="518160">
+                <a:tc>
+                  <a:txBody>
+                    <a:bodyPr/>
+                    <a:lstStyle/>
+                    <a:p>
+                      <a:pPr algn="l"/>
+                      <a:r>
+                        <a:rPr lang="ko-KR" altLang="en-US" sz="1200" b="0" i="0" kern="1200" dirty="0" smtClean="0">
+                          <a:solidFill>
+                            <a:schemeClr val="dk1"/>
+                          </a:solidFill>
+                          <a:effectLst/>
+                          <a:latin typeface="+mn-lt"/>
+                          <a:ea typeface="+mn-ea"/>
+                          <a:cs typeface="+mn-cs"/>
+                        </a:rPr>
+                        <a:t>함정 이미지</a:t>
+                      </a:r>
+                      <a:endParaRPr lang="en-US" altLang="ko-KR" sz="1200" b="0" i="0" kern="1200" dirty="0" smtClean="0">
+                        <a:solidFill>
+                          <a:schemeClr val="dk1"/>
+                        </a:solidFill>
+                        <a:effectLst/>
+                        <a:latin typeface="+mn-lt"/>
+                        <a:ea typeface="+mn-ea"/>
+                        <a:cs typeface="+mn-cs"/>
+                      </a:endParaRPr>
+                    </a:p>
+                    <a:p>
+                      <a:pPr algn="l"/>
+                      <a:r>
+                        <a:rPr lang="en-US" altLang="ko-KR" sz="1200" b="0" i="0" kern="1200" dirty="0" smtClean="0">
+                          <a:solidFill>
+                            <a:schemeClr val="dk1"/>
+                          </a:solidFill>
+                          <a:effectLst/>
+                          <a:latin typeface="+mn-lt"/>
+                          <a:ea typeface="+mn-ea"/>
+                          <a:cs typeface="+mn-cs"/>
+                        </a:rPr>
+                        <a:t>( </a:t>
+                      </a:r>
+                      <a:r>
+                        <a:rPr lang="ko-KR" altLang="en-US" sz="1200" b="0" i="0" kern="1200" dirty="0" smtClean="0">
+                          <a:solidFill>
+                            <a:schemeClr val="dk1"/>
+                          </a:solidFill>
+                          <a:effectLst/>
+                          <a:latin typeface="+mn-lt"/>
+                          <a:ea typeface="+mn-ea"/>
+                          <a:cs typeface="+mn-cs"/>
+                        </a:rPr>
+                        <a:t>중간 중간 랜덤으로 출연할 함정 </a:t>
+                      </a:r>
+                      <a:r>
+                        <a:rPr lang="en-US" altLang="ko-KR" sz="1200" b="0" i="0" kern="1200" dirty="0" smtClean="0">
+                          <a:solidFill>
+                            <a:schemeClr val="dk1"/>
+                          </a:solidFill>
+                          <a:effectLst/>
+                          <a:latin typeface="+mn-lt"/>
+                          <a:ea typeface="+mn-ea"/>
+                          <a:cs typeface="+mn-cs"/>
+                        </a:rPr>
+                        <a:t>)</a:t>
+                      </a:r>
+                      <a:endParaRPr lang="ko-KR" altLang="en-US" sz="1200" b="0" i="0" kern="1200" dirty="0">
+                        <a:solidFill>
+                          <a:schemeClr val="dk1"/>
+                        </a:solidFill>
+                        <a:effectLst/>
+                        <a:latin typeface="+mn-lt"/>
+                        <a:ea typeface="+mn-ea"/>
+                        <a:cs typeface="+mn-cs"/>
+                      </a:endParaRPr>
+                    </a:p>
+                  </a:txBody>
+                  <a:tcPr anchor="ctr"/>
+                </a:tc>
+                <a:tc>
+                  <a:txBody>
+                    <a:bodyPr/>
+                    <a:lstStyle/>
+                    <a:p>
+                      <a:pPr marL="0" marR="0" indent="0" algn="l" defTabSz="914400" rtl="0" eaLnBrk="1" fontAlgn="auto" latinLnBrk="1" hangingPunct="1">
+                        <a:lnSpc>
+                          <a:spcPct val="100000"/>
+                        </a:lnSpc>
+                        <a:spcBef>
+                          <a:spcPts val="0"/>
+                        </a:spcBef>
+                        <a:spcAft>
+                          <a:spcPts val="0"/>
+                        </a:spcAft>
+                        <a:buClrTx/>
+                        <a:buSzTx/>
+                        <a:buFontTx/>
+                        <a:buNone/>
+                        <a:tabLst/>
+                        <a:defRPr/>
+                      </a:pPr>
+                      <a:r>
+                        <a:rPr lang="ko-KR" altLang="en-US" sz="1200" dirty="0" smtClean="0"/>
+                        <a:t>총</a:t>
+                      </a:r>
+                      <a:r>
+                        <a:rPr lang="en-US" altLang="ko-KR" sz="1200" dirty="0" smtClean="0"/>
+                        <a:t> 5</a:t>
+                      </a:r>
+                      <a:r>
+                        <a:rPr lang="ko-KR" altLang="en-US" sz="1200" dirty="0" smtClean="0"/>
+                        <a:t>가지 이미지 </a:t>
+                      </a:r>
+                      <a:r>
+                        <a:rPr lang="en-US" altLang="ko-KR" sz="1200" dirty="0" smtClean="0"/>
+                        <a:t>“</a:t>
+                      </a:r>
+                      <a:r>
+                        <a:rPr lang="en-US" altLang="ko-KR" sz="1200" dirty="0" err="1" smtClean="0"/>
+                        <a:t>Github</a:t>
+                      </a:r>
+                      <a:r>
+                        <a:rPr lang="en-US" altLang="ko-KR" sz="1200" dirty="0" smtClean="0"/>
+                        <a:t>://2DGraphics\</a:t>
+                      </a:r>
+                      <a:r>
+                        <a:rPr lang="en-US" altLang="ko-KR" sz="1200" dirty="0" err="1" smtClean="0"/>
+                        <a:t>ResourceData</a:t>
+                      </a:r>
+                      <a:r>
+                        <a:rPr lang="en-US" altLang="ko-KR" sz="1200" dirty="0" smtClean="0"/>
+                        <a:t>\</a:t>
+                      </a:r>
+                      <a:r>
+                        <a:rPr lang="en-US" altLang="ko-KR" sz="1200" dirty="0" err="1" smtClean="0"/>
+                        <a:t>GeneralImage</a:t>
+                      </a:r>
+                      <a:r>
+                        <a:rPr lang="en-US" altLang="ko-KR" sz="1200" dirty="0" smtClean="0"/>
+                        <a:t>”</a:t>
+                      </a:r>
+                    </a:p>
+                    <a:p>
+                      <a:pPr algn="l" latinLnBrk="1"/>
+                      <a:r>
+                        <a:rPr lang="en-US" altLang="ko-KR" sz="1200" dirty="0" smtClean="0"/>
+                        <a:t>( </a:t>
+                      </a:r>
+                      <a:r>
+                        <a:rPr lang="en-US" altLang="ko-KR" sz="1200" dirty="0" err="1" smtClean="0"/>
+                        <a:t>blackhole</a:t>
+                      </a:r>
+                      <a:r>
+                        <a:rPr lang="en-US" altLang="ko-KR" sz="1200" dirty="0" smtClean="0"/>
+                        <a:t>, hole, hole-x2, </a:t>
+                      </a:r>
+                      <a:r>
+                        <a:rPr lang="en-US" altLang="ko-KR" sz="1200" dirty="0" err="1" smtClean="0"/>
+                        <a:t>SpaceshipBlue</a:t>
+                      </a:r>
+                      <a:r>
+                        <a:rPr lang="en-US" altLang="ko-KR" sz="1200" dirty="0" smtClean="0"/>
+                        <a:t>, </a:t>
+                      </a:r>
+                      <a:r>
+                        <a:rPr lang="en-US" altLang="ko-KR" sz="1200" dirty="0" err="1" smtClean="0"/>
+                        <a:t>SpaceshipYellow</a:t>
+                      </a:r>
+                      <a:r>
+                        <a:rPr lang="en-US" altLang="ko-KR" sz="1200" dirty="0" smtClean="0"/>
+                        <a:t> )</a:t>
+                      </a:r>
+                      <a:endParaRPr lang="ko-KR" altLang="en-US" sz="1200" dirty="0"/>
+                    </a:p>
+                  </a:txBody>
+                  <a:tcPr anchor="ctr"/>
+                </a:tc>
+              </a:tr>
+              <a:tr h="518160">
+                <a:tc>
+                  <a:txBody>
+                    <a:bodyPr/>
+                    <a:lstStyle/>
+                    <a:p>
+                      <a:pPr algn="l"/>
+                      <a:r>
+                        <a:rPr lang="ko-KR" altLang="en-US" sz="1200" b="0" i="0" kern="1200" dirty="0" smtClean="0">
+                          <a:solidFill>
+                            <a:schemeClr val="dk1"/>
+                          </a:solidFill>
+                          <a:effectLst/>
+                          <a:latin typeface="+mn-lt"/>
+                          <a:ea typeface="+mn-ea"/>
+                          <a:cs typeface="+mn-cs"/>
+                        </a:rPr>
+                        <a:t>발판 이미지</a:t>
+                      </a:r>
+                      <a:endParaRPr lang="en-US" altLang="ko-KR" sz="1200" b="0" i="0" kern="1200" dirty="0" smtClean="0">
+                        <a:solidFill>
+                          <a:schemeClr val="dk1"/>
+                        </a:solidFill>
+                        <a:effectLst/>
+                        <a:latin typeface="+mn-lt"/>
+                        <a:ea typeface="+mn-ea"/>
+                        <a:cs typeface="+mn-cs"/>
+                      </a:endParaRPr>
+                    </a:p>
+                    <a:p>
+                      <a:pPr algn="l"/>
+                      <a:r>
+                        <a:rPr lang="en-US" altLang="ko-KR" sz="1200" b="0" i="0" kern="1200" dirty="0" smtClean="0">
+                          <a:solidFill>
+                            <a:schemeClr val="dk1"/>
+                          </a:solidFill>
+                          <a:effectLst/>
+                          <a:latin typeface="+mn-lt"/>
+                          <a:ea typeface="+mn-ea"/>
+                          <a:cs typeface="+mn-cs"/>
+                        </a:rPr>
+                        <a:t>( </a:t>
+                      </a:r>
+                      <a:r>
+                        <a:rPr lang="ko-KR" altLang="en-US" sz="1200" b="0" i="0" kern="1200" dirty="0" smtClean="0">
+                          <a:solidFill>
+                            <a:schemeClr val="dk1"/>
+                          </a:solidFill>
+                          <a:effectLst/>
+                          <a:latin typeface="+mn-lt"/>
+                          <a:ea typeface="+mn-ea"/>
+                          <a:cs typeface="+mn-cs"/>
+                        </a:rPr>
+                        <a:t>토끼가 밟고 올라갈 수 있는 발판 </a:t>
+                      </a:r>
+                      <a:r>
+                        <a:rPr lang="en-US" altLang="ko-KR" sz="1200" b="0" i="0" kern="1200" dirty="0" smtClean="0">
+                          <a:solidFill>
+                            <a:schemeClr val="dk1"/>
+                          </a:solidFill>
+                          <a:effectLst/>
+                          <a:latin typeface="+mn-lt"/>
+                          <a:ea typeface="+mn-ea"/>
+                          <a:cs typeface="+mn-cs"/>
+                        </a:rPr>
+                        <a:t>)</a:t>
+                      </a:r>
+                      <a:endParaRPr lang="ko-KR" altLang="en-US" sz="1200" b="0" i="0" kern="1200" dirty="0">
+                        <a:solidFill>
+                          <a:schemeClr val="dk1"/>
+                        </a:solidFill>
+                        <a:effectLst/>
+                        <a:latin typeface="+mn-lt"/>
+                        <a:ea typeface="+mn-ea"/>
+                        <a:cs typeface="+mn-cs"/>
+                      </a:endParaRPr>
+                    </a:p>
+                  </a:txBody>
+                  <a:tcPr anchor="ctr"/>
+                </a:tc>
+                <a:tc>
+                  <a:txBody>
+                    <a:bodyPr/>
+                    <a:lstStyle/>
+                    <a:p>
+                      <a:pPr marL="0" marR="0" indent="0" algn="l" defTabSz="914400" rtl="0" eaLnBrk="1" fontAlgn="auto" latinLnBrk="1" hangingPunct="1">
+                        <a:lnSpc>
+                          <a:spcPct val="100000"/>
+                        </a:lnSpc>
+                        <a:spcBef>
+                          <a:spcPts val="0"/>
+                        </a:spcBef>
+                        <a:spcAft>
+                          <a:spcPts val="0"/>
+                        </a:spcAft>
+                        <a:buClrTx/>
+                        <a:buSzTx/>
+                        <a:buFontTx/>
+                        <a:buNone/>
+                        <a:tabLst/>
+                        <a:defRPr/>
+                      </a:pPr>
+                      <a:r>
+                        <a:rPr lang="ko-KR" altLang="en-US" sz="1200" dirty="0" smtClean="0"/>
+                        <a:t>총 </a:t>
+                      </a:r>
+                      <a:r>
+                        <a:rPr lang="en-US" altLang="ko-KR" sz="1200" dirty="0" smtClean="0"/>
+                        <a:t>1</a:t>
+                      </a:r>
+                      <a:r>
+                        <a:rPr lang="ko-KR" altLang="en-US" sz="1200" dirty="0" smtClean="0"/>
+                        <a:t>가지 이미지 </a:t>
+                      </a:r>
+                      <a:r>
+                        <a:rPr lang="en-US" altLang="ko-KR" sz="1200" dirty="0" smtClean="0"/>
+                        <a:t>“</a:t>
+                      </a:r>
+                      <a:r>
+                        <a:rPr lang="en-US" altLang="ko-KR" sz="1200" dirty="0" err="1" smtClean="0"/>
+                        <a:t>Github</a:t>
+                      </a:r>
+                      <a:r>
+                        <a:rPr lang="en-US" altLang="ko-KR" sz="1200" dirty="0" smtClean="0"/>
+                        <a:t>://2DGraphics\</a:t>
+                      </a:r>
+                      <a:r>
+                        <a:rPr lang="en-US" altLang="ko-KR" sz="1200" dirty="0" err="1" smtClean="0"/>
+                        <a:t>ResourceData</a:t>
+                      </a:r>
+                      <a:r>
+                        <a:rPr lang="en-US" altLang="ko-KR" sz="1200" dirty="0" smtClean="0"/>
+                        <a:t>\</a:t>
+                      </a:r>
+                      <a:r>
+                        <a:rPr lang="en-US" altLang="ko-KR" sz="1200" dirty="0" err="1" smtClean="0"/>
+                        <a:t>GeneralImage</a:t>
+                      </a:r>
+                      <a:r>
+                        <a:rPr lang="en-US" altLang="ko-KR" sz="1200" dirty="0" smtClean="0"/>
+                        <a:t>”</a:t>
+                      </a:r>
+                    </a:p>
+                    <a:p>
+                      <a:pPr algn="l" latinLnBrk="1"/>
+                      <a:r>
+                        <a:rPr lang="en-US" altLang="ko-KR" sz="1200" dirty="0" smtClean="0"/>
+                        <a:t>( </a:t>
+                      </a:r>
+                      <a:r>
+                        <a:rPr lang="en-US" altLang="ko-KR" sz="1200" dirty="0" err="1" smtClean="0"/>
+                        <a:t>newscaffolding</a:t>
+                      </a:r>
+                      <a:r>
+                        <a:rPr lang="en-US" altLang="ko-KR" sz="1200" dirty="0" smtClean="0"/>
+                        <a:t> )</a:t>
+                      </a:r>
+                      <a:endParaRPr lang="ko-KR" altLang="en-US" sz="1200" dirty="0"/>
+                    </a:p>
+                  </a:txBody>
+                  <a:tcPr anchor="ctr"/>
+                </a:tc>
+              </a:tr>
+              <a:tr h="518160">
+                <a:tc>
+                  <a:txBody>
+                    <a:bodyPr/>
+                    <a:lstStyle/>
+                    <a:p>
+                      <a:pPr algn="l"/>
+                      <a:r>
+                        <a:rPr lang="ko-KR" altLang="en-US" sz="1200" b="0" i="0" kern="1200" dirty="0" smtClean="0">
+                          <a:solidFill>
+                            <a:schemeClr val="dk1"/>
+                          </a:solidFill>
+                          <a:effectLst/>
+                          <a:latin typeface="+mn-lt"/>
+                          <a:ea typeface="+mn-ea"/>
+                          <a:cs typeface="+mn-cs"/>
+                        </a:rPr>
+                        <a:t>사운드</a:t>
+                      </a:r>
+                      <a:endParaRPr lang="en-US" altLang="ko-KR" sz="1200" b="0" i="0" kern="1200" dirty="0" smtClean="0">
+                        <a:solidFill>
+                          <a:schemeClr val="dk1"/>
+                        </a:solidFill>
+                        <a:effectLst/>
+                        <a:latin typeface="+mn-lt"/>
+                        <a:ea typeface="+mn-ea"/>
+                        <a:cs typeface="+mn-cs"/>
+                      </a:endParaRPr>
+                    </a:p>
+                    <a:p>
+                      <a:pPr algn="l"/>
+                      <a:r>
+                        <a:rPr lang="en-US" altLang="ko-KR" sz="1200" b="0" i="0" kern="1200" dirty="0" smtClean="0">
+                          <a:solidFill>
+                            <a:schemeClr val="dk1"/>
+                          </a:solidFill>
+                          <a:effectLst/>
+                          <a:latin typeface="+mn-lt"/>
+                          <a:ea typeface="+mn-ea"/>
+                          <a:cs typeface="+mn-cs"/>
+                        </a:rPr>
+                        <a:t>( </a:t>
+                      </a:r>
+                      <a:r>
+                        <a:rPr lang="ko-KR" altLang="en-US" sz="1200" b="0" i="0" kern="1200" dirty="0" smtClean="0">
+                          <a:solidFill>
+                            <a:schemeClr val="dk1"/>
+                          </a:solidFill>
+                          <a:effectLst/>
+                          <a:latin typeface="+mn-lt"/>
+                          <a:ea typeface="+mn-ea"/>
+                          <a:cs typeface="+mn-cs"/>
+                        </a:rPr>
+                        <a:t>점프</a:t>
+                      </a:r>
+                      <a:r>
+                        <a:rPr lang="en-US" altLang="ko-KR" sz="1200" b="0" i="0" kern="1200" dirty="0" smtClean="0">
+                          <a:solidFill>
+                            <a:schemeClr val="dk1"/>
+                          </a:solidFill>
+                          <a:effectLst/>
+                          <a:latin typeface="+mn-lt"/>
+                          <a:ea typeface="+mn-ea"/>
+                          <a:cs typeface="+mn-cs"/>
+                        </a:rPr>
+                        <a:t>, </a:t>
+                      </a:r>
+                      <a:r>
+                        <a:rPr lang="ko-KR" altLang="en-US" sz="1200" b="0" i="0" kern="1200" dirty="0" smtClean="0">
+                          <a:solidFill>
+                            <a:schemeClr val="dk1"/>
+                          </a:solidFill>
+                          <a:effectLst/>
+                          <a:latin typeface="+mn-lt"/>
+                          <a:ea typeface="+mn-ea"/>
+                          <a:cs typeface="+mn-cs"/>
+                        </a:rPr>
+                        <a:t>게임오버</a:t>
+                      </a:r>
+                      <a:r>
+                        <a:rPr lang="en-US" altLang="ko-KR" sz="1200" b="0" i="0" kern="1200" baseline="0" dirty="0" smtClean="0">
+                          <a:solidFill>
+                            <a:schemeClr val="dk1"/>
+                          </a:solidFill>
+                          <a:effectLst/>
+                          <a:latin typeface="+mn-lt"/>
+                          <a:ea typeface="+mn-ea"/>
+                          <a:cs typeface="+mn-cs"/>
+                        </a:rPr>
+                        <a:t> </a:t>
+                      </a:r>
+                      <a:r>
+                        <a:rPr lang="ko-KR" altLang="en-US" sz="1200" b="0" i="0" kern="1200" baseline="0" dirty="0" smtClean="0">
+                          <a:solidFill>
+                            <a:schemeClr val="dk1"/>
+                          </a:solidFill>
+                          <a:effectLst/>
+                          <a:latin typeface="+mn-lt"/>
+                          <a:ea typeface="+mn-ea"/>
+                          <a:cs typeface="+mn-cs"/>
+                        </a:rPr>
+                        <a:t>등등</a:t>
+                      </a:r>
+                      <a:r>
+                        <a:rPr lang="en-US" altLang="ko-KR" sz="1200" b="0" i="0" kern="1200" baseline="0" dirty="0" smtClean="0">
+                          <a:solidFill>
+                            <a:schemeClr val="dk1"/>
+                          </a:solidFill>
+                          <a:effectLst/>
+                          <a:latin typeface="+mn-lt"/>
+                          <a:ea typeface="+mn-ea"/>
+                          <a:cs typeface="+mn-cs"/>
+                        </a:rPr>
+                        <a:t>… )</a:t>
+                      </a:r>
+                      <a:endParaRPr lang="ko-KR" altLang="en-US" sz="1200" b="0" i="0" kern="1200" dirty="0">
+                        <a:solidFill>
+                          <a:schemeClr val="dk1"/>
+                        </a:solidFill>
+                        <a:effectLst/>
+                        <a:latin typeface="+mn-lt"/>
+                        <a:ea typeface="+mn-ea"/>
+                        <a:cs typeface="+mn-cs"/>
+                      </a:endParaRPr>
+                    </a:p>
+                  </a:txBody>
+                  <a:tcPr anchor="ctr"/>
+                </a:tc>
+                <a:tc>
+                  <a:txBody>
+                    <a:bodyPr/>
+                    <a:lstStyle/>
+                    <a:p>
+                      <a:pPr marL="0" marR="0" indent="0" algn="l" defTabSz="914400" rtl="0" eaLnBrk="1" fontAlgn="auto" latinLnBrk="1" hangingPunct="1">
+                        <a:lnSpc>
+                          <a:spcPct val="100000"/>
+                        </a:lnSpc>
+                        <a:spcBef>
+                          <a:spcPts val="0"/>
+                        </a:spcBef>
+                        <a:spcAft>
+                          <a:spcPts val="0"/>
+                        </a:spcAft>
+                        <a:buClrTx/>
+                        <a:buSzTx/>
+                        <a:buFontTx/>
+                        <a:buNone/>
+                        <a:tabLst/>
+                        <a:defRPr/>
+                      </a:pPr>
+                      <a:r>
+                        <a:rPr lang="ko-KR" altLang="en-US" sz="1200" dirty="0" smtClean="0"/>
+                        <a:t>총 </a:t>
+                      </a:r>
+                      <a:r>
+                        <a:rPr lang="en-US" altLang="ko-KR" sz="1200" dirty="0" smtClean="0"/>
+                        <a:t>3</a:t>
+                      </a:r>
+                      <a:r>
+                        <a:rPr lang="ko-KR" altLang="en-US" sz="1200" dirty="0" smtClean="0"/>
+                        <a:t>가지 사운드 </a:t>
+                      </a:r>
+                      <a:r>
+                        <a:rPr lang="en-US" altLang="ko-KR" sz="1200" dirty="0" smtClean="0"/>
+                        <a:t>“</a:t>
+                      </a:r>
+                      <a:r>
+                        <a:rPr lang="en-US" altLang="ko-KR" sz="1200" dirty="0" err="1" smtClean="0"/>
+                        <a:t>Github</a:t>
+                      </a:r>
+                      <a:r>
+                        <a:rPr lang="en-US" altLang="ko-KR" sz="1200" dirty="0" smtClean="0"/>
+                        <a:t>://2DGraphics\</a:t>
+                      </a:r>
+                      <a:r>
+                        <a:rPr lang="en-US" altLang="ko-KR" sz="1200" dirty="0" err="1" smtClean="0"/>
+                        <a:t>ResourceData</a:t>
+                      </a:r>
+                      <a:r>
+                        <a:rPr lang="en-US" altLang="ko-KR" sz="1200" dirty="0" smtClean="0"/>
+                        <a:t>\</a:t>
+                      </a:r>
+                      <a:r>
+                        <a:rPr lang="en-US" altLang="ko-KR" sz="1200" dirty="0" err="1" smtClean="0"/>
+                        <a:t>SoundData</a:t>
+                      </a:r>
+                      <a:r>
+                        <a:rPr lang="en-US" altLang="ko-KR" sz="1200" dirty="0" smtClean="0"/>
+                        <a:t>”</a:t>
+                      </a:r>
+                    </a:p>
+                    <a:p>
+                      <a:pPr algn="l" latinLnBrk="1"/>
+                      <a:r>
+                        <a:rPr lang="en-US" altLang="ko-KR" sz="1200" dirty="0" smtClean="0"/>
+                        <a:t>( </a:t>
+                      </a:r>
+                      <a:r>
+                        <a:rPr lang="en-US" altLang="ko-KR" sz="1200" baseline="0" dirty="0" err="1" smtClean="0"/>
+                        <a:t>GameOver</a:t>
+                      </a:r>
+                      <a:r>
+                        <a:rPr lang="en-US" altLang="ko-KR" sz="1200" baseline="0" dirty="0" smtClean="0"/>
+                        <a:t>, </a:t>
+                      </a:r>
+                      <a:r>
+                        <a:rPr lang="en-US" altLang="ko-KR" sz="1200" baseline="0" dirty="0" err="1" smtClean="0"/>
+                        <a:t>JumpSound</a:t>
+                      </a:r>
+                      <a:r>
+                        <a:rPr lang="en-US" altLang="ko-KR" sz="1200" baseline="0" dirty="0" smtClean="0"/>
+                        <a:t>, rocket )</a:t>
+                      </a:r>
+                      <a:endParaRPr lang="ko-KR" altLang="en-US" sz="1200" dirty="0"/>
+                    </a:p>
+                  </a:txBody>
+                  <a:tcPr anchor="ctr"/>
+                </a:tc>
+              </a:tr>
+              <a:tr h="2072640">
+                <a:tc>
+                  <a:txBody>
+                    <a:bodyPr/>
+                    <a:lstStyle/>
+                    <a:p>
+                      <a:pPr algn="l"/>
+                      <a:r>
+                        <a:rPr lang="ko-KR" altLang="en-US" sz="1200" b="0" i="0" kern="1200" dirty="0" smtClean="0">
+                          <a:solidFill>
+                            <a:schemeClr val="dk1"/>
+                          </a:solidFill>
+                          <a:effectLst/>
+                          <a:latin typeface="+mn-lt"/>
+                          <a:ea typeface="+mn-ea"/>
+                          <a:cs typeface="+mn-cs"/>
+                        </a:rPr>
+                        <a:t>발판 생성을 위한 알고리즘 계산</a:t>
+                      </a:r>
+                      <a:endParaRPr lang="ko-KR" altLang="en-US" sz="1200" b="0" i="0" kern="1200" dirty="0">
+                        <a:solidFill>
+                          <a:schemeClr val="dk1"/>
+                        </a:solidFill>
+                        <a:effectLst/>
+                        <a:latin typeface="+mn-lt"/>
+                        <a:ea typeface="+mn-ea"/>
+                        <a:cs typeface="+mn-cs"/>
+                      </a:endParaRPr>
+                    </a:p>
+                  </a:txBody>
+                  <a:tcPr anchor="ctr"/>
+                </a:tc>
+                <a:tc>
+                  <a:txBody>
+                    <a:bodyPr/>
+                    <a:lstStyle/>
+                    <a:p>
+                      <a:pPr algn="l" latinLnBrk="1"/>
+                      <a:r>
+                        <a:rPr lang="ko-KR" altLang="en-US" sz="1200" dirty="0" smtClean="0"/>
+                        <a:t>발판은 랜덤으로 한</a:t>
+                      </a:r>
+                      <a:r>
+                        <a:rPr lang="ko-KR" altLang="en-US" sz="1200" baseline="0" dirty="0" smtClean="0"/>
+                        <a:t> 줄씩 생성하면서</a:t>
+                      </a:r>
+                      <a:r>
+                        <a:rPr lang="en-US" altLang="ko-KR" sz="1200" baseline="0" dirty="0" smtClean="0"/>
+                        <a:t>, </a:t>
+                      </a:r>
+                      <a:r>
+                        <a:rPr lang="ko-KR" altLang="en-US" sz="1200" baseline="0" dirty="0" smtClean="0"/>
+                        <a:t>생성할 위치는 무작위 랜덤은 어려울 수 있으니 배열 등으로 미리 칸을 만들어서 생성을 해보자</a:t>
+                      </a:r>
+                      <a:r>
+                        <a:rPr lang="en-US" altLang="ko-KR" sz="1200" baseline="0" dirty="0" smtClean="0"/>
+                        <a:t>.</a:t>
+                      </a:r>
+                    </a:p>
+                    <a:p>
+                      <a:pPr algn="l" latinLnBrk="1"/>
+                      <a:endParaRPr lang="en-US" altLang="ko-KR" sz="1200" dirty="0" smtClean="0"/>
+                    </a:p>
+                    <a:p>
+                      <a:pPr algn="l" latinLnBrk="1"/>
+                      <a:r>
+                        <a:rPr lang="ko-KR" altLang="en-US" sz="1200" dirty="0" smtClean="0"/>
+                        <a:t>발판의 충돌체크 같은 경우 배열로 할 경우 해당 배열 위치를 알 수 있으니 그 위치에 올라 왔을 때 충돌이 된 것으로 처리를 하면 좋을 거 같다</a:t>
+                      </a:r>
+                      <a:r>
+                        <a:rPr lang="en-US" altLang="ko-KR" sz="1200" dirty="0" smtClean="0"/>
+                        <a:t>.</a:t>
+                      </a:r>
+                    </a:p>
+                    <a:p>
+                      <a:pPr algn="l" latinLnBrk="1"/>
+                      <a:endParaRPr lang="en-US" altLang="ko-KR" sz="1200" dirty="0" smtClean="0"/>
+                    </a:p>
+                    <a:p>
+                      <a:pPr algn="l" latinLnBrk="1"/>
+                      <a:r>
+                        <a:rPr lang="ko-KR" altLang="en-US" sz="1200" dirty="0" smtClean="0"/>
+                        <a:t>발판의 거리나 난이도 부분은 배열의 세로부분을 최대한 많이 만들어서 발판거리를 조절하기 쉽게 만들어 보자</a:t>
+                      </a:r>
+                      <a:r>
+                        <a:rPr lang="en-US" altLang="ko-KR" sz="1200" dirty="0" smtClean="0"/>
+                        <a:t>.</a:t>
+                      </a:r>
+                    </a:p>
+                    <a:p>
+                      <a:pPr algn="l" latinLnBrk="1"/>
+                      <a:endParaRPr lang="en-US" altLang="ko-KR" sz="1200" dirty="0" smtClean="0"/>
+                    </a:p>
+                    <a:p>
+                      <a:pPr algn="l" latinLnBrk="1"/>
+                      <a:r>
+                        <a:rPr lang="ko-KR" altLang="en-US" sz="1200" dirty="0" smtClean="0"/>
+                        <a:t>발판이 아래로 내려가 사라지는 부분은 </a:t>
+                      </a:r>
+                      <a:r>
+                        <a:rPr lang="ko-KR" altLang="en-US" sz="1200" dirty="0" err="1" smtClean="0"/>
+                        <a:t>테트리스</a:t>
+                      </a:r>
+                      <a:r>
+                        <a:rPr lang="ko-KR" altLang="en-US" sz="1200" dirty="0" smtClean="0"/>
+                        <a:t> 코드처럼 배열이 제일 아래가 될 경우 자동으로 배열에서 사라지게 만들어 버리자</a:t>
+                      </a:r>
+                      <a:r>
+                        <a:rPr lang="en-US" altLang="ko-KR" sz="1200" dirty="0" smtClean="0"/>
+                        <a:t>.</a:t>
+                      </a:r>
+                      <a:endParaRPr lang="ko-KR" altLang="en-US" sz="1200" dirty="0"/>
+                    </a:p>
+                  </a:txBody>
+                  <a:tcPr anchor="ctr"/>
+                </a:tc>
+              </a:tr>
+            </a:tbl>
+          </a:graphicData>
+        </a:graphic>
+      </p:graphicFrame>
     </p:spTree>
     <p:extLst>
       <p:ext uri="{BB962C8B-B14F-4D97-AF65-F5344CB8AC3E}">
-        <p14:creationId xmlns:p14="http://schemas.microsoft.com/office/powerpoint/2010/main" val="1647179176"/>
+        <p14:creationId xmlns:p14="http://schemas.microsoft.com/office/powerpoint/2010/main" val="2025318182"/>
       </p:ext>
     </p:extLst>
   </p:cSld>

--- a/ProjectPPT/KwonChangHyun_2차발표_준비중.pptx
+++ b/ProjectPPT/KwonChangHyun_2차발표_준비중.pptx
@@ -13,15 +13,11 @@
     <p:sldId id="321" r:id="rId7"/>
     <p:sldId id="326" r:id="rId8"/>
     <p:sldId id="323" r:id="rId9"/>
-    <p:sldId id="324" r:id="rId10"/>
-    <p:sldId id="335" r:id="rId11"/>
-    <p:sldId id="336" r:id="rId12"/>
-    <p:sldId id="337" r:id="rId13"/>
-    <p:sldId id="334" r:id="rId14"/>
-    <p:sldId id="339" r:id="rId15"/>
-    <p:sldId id="338" r:id="rId16"/>
-    <p:sldId id="325" r:id="rId17"/>
-    <p:sldId id="322" r:id="rId18"/>
+    <p:sldId id="334" r:id="rId10"/>
+    <p:sldId id="339" r:id="rId11"/>
+    <p:sldId id="338" r:id="rId12"/>
+    <p:sldId id="325" r:id="rId13"/>
+    <p:sldId id="322" r:id="rId14"/>
   </p:sldIdLst>
   <p:sldSz cx="9144000" cy="6858000" type="screen4x3"/>
   <p:notesSz cx="6858000" cy="9144000"/>
@@ -15586,3618 +15582,6 @@
                 <a:latin typeface="Tahoma" panose="020B0604030504040204" pitchFamily="34" charset="0"/>
                 <a:cs typeface="Tahoma" panose="020B0604030504040204" pitchFamily="34" charset="0"/>
               </a:rPr>
-              <a:t>Development of </a:t>
-            </a:r>
-            <a:r>
-              <a:rPr lang="en-US" altLang="ko-KR" sz="3200" b="1" dirty="0" smtClean="0">
-                <a:latin typeface="Tahoma" panose="020B0604030504040204" pitchFamily="34" charset="0"/>
-                <a:cs typeface="Tahoma" panose="020B0604030504040204" pitchFamily="34" charset="0"/>
-              </a:rPr>
-              <a:t>Schedule</a:t>
-            </a:r>
-            <a:endParaRPr lang="ko-KR" altLang="ko-KR" sz="3200" b="1" dirty="0">
-              <a:latin typeface="Tahoma" panose="020B0604030504040204" pitchFamily="34" charset="0"/>
-              <a:cs typeface="Tahoma" panose="020B0604030504040204" pitchFamily="34" charset="0"/>
-            </a:endParaRPr>
-          </a:p>
-        </p:txBody>
-      </p:sp>
-      <p:graphicFrame>
-        <p:nvGraphicFramePr>
-          <p:cNvPr id="5" name="표 4"/>
-          <p:cNvGraphicFramePr>
-            <a:graphicFrameLocks noGrp="1"/>
-          </p:cNvGraphicFramePr>
-          <p:nvPr>
-            <p:extLst/>
-          </p:nvPr>
-        </p:nvGraphicFramePr>
-        <p:xfrm>
-          <a:off x="577850" y="1124744"/>
-          <a:ext cx="8170614" cy="767080"/>
-        </p:xfrm>
-        <a:graphic>
-          <a:graphicData uri="http://schemas.openxmlformats.org/drawingml/2006/table">
-            <a:tbl>
-              <a:tblPr firstRow="1" bandRow="1">
-                <a:tableStyleId>{073A0DAA-6AF3-43AB-8588-CEC1D06C72B9}</a:tableStyleId>
-              </a:tblPr>
-              <a:tblGrid>
-                <a:gridCol w="1905918"/>
-                <a:gridCol w="936104"/>
-                <a:gridCol w="5328592"/>
-              </a:tblGrid>
-              <a:tr h="370840">
-                <a:tc>
-                  <a:txBody>
-                    <a:bodyPr/>
-                    <a:lstStyle/>
-                    <a:p>
-                      <a:pPr algn="ctr" latinLnBrk="1"/>
-                      <a:r>
-                        <a:rPr lang="ko-KR" altLang="en-US" dirty="0" smtClean="0"/>
-                        <a:t>주</a:t>
-                      </a:r>
-                      <a:endParaRPr lang="ko-KR" altLang="en-US" dirty="0"/>
-                    </a:p>
-                  </a:txBody>
-                  <a:tcPr anchor="ctr">
-                    <a:solidFill>
-                      <a:schemeClr val="bg1">
-                        <a:lumMod val="85000"/>
-                        <a:lumOff val="15000"/>
-                      </a:schemeClr>
-                    </a:solidFill>
-                  </a:tcPr>
-                </a:tc>
-                <a:tc>
-                  <a:txBody>
-                    <a:bodyPr/>
-                    <a:lstStyle/>
-                    <a:p>
-                      <a:pPr algn="ctr" latinLnBrk="1"/>
-                      <a:r>
-                        <a:rPr lang="ko-KR" altLang="en-US" dirty="0" smtClean="0"/>
-                        <a:t>완성도</a:t>
-                      </a:r>
-                      <a:endParaRPr lang="ko-KR" altLang="en-US" dirty="0"/>
-                    </a:p>
-                  </a:txBody>
-                  <a:tcPr anchor="ctr">
-                    <a:solidFill>
-                      <a:schemeClr val="bg1">
-                        <a:lumMod val="85000"/>
-                        <a:lumOff val="15000"/>
-                      </a:schemeClr>
-                    </a:solidFill>
-                  </a:tcPr>
-                </a:tc>
-                <a:tc>
-                  <a:txBody>
-                    <a:bodyPr/>
-                    <a:lstStyle/>
-                    <a:p>
-                      <a:pPr algn="ctr" latinLnBrk="1"/>
-                      <a:r>
-                        <a:rPr lang="ko-KR" altLang="en-US" dirty="0" smtClean="0"/>
-                        <a:t>주제</a:t>
-                      </a:r>
-                      <a:endParaRPr lang="ko-KR" altLang="en-US" dirty="0"/>
-                    </a:p>
-                  </a:txBody>
-                  <a:tcPr anchor="ctr">
-                    <a:solidFill>
-                      <a:schemeClr val="bg1">
-                        <a:lumMod val="85000"/>
-                        <a:lumOff val="15000"/>
-                      </a:schemeClr>
-                    </a:solidFill>
-                  </a:tcPr>
-                </a:tc>
-              </a:tr>
-              <a:tr h="360000">
-                <a:tc>
-                  <a:txBody>
-                    <a:bodyPr/>
-                    <a:lstStyle/>
-                    <a:p>
-                      <a:pPr marL="0" marR="0" lvl="0" indent="0" algn="l" defTabSz="914400" rtl="0" eaLnBrk="1" fontAlgn="auto" latinLnBrk="1" hangingPunct="1">
-                        <a:lnSpc>
-                          <a:spcPct val="100000"/>
-                        </a:lnSpc>
-                        <a:spcBef>
-                          <a:spcPts val="0"/>
-                        </a:spcBef>
-                        <a:spcAft>
-                          <a:spcPts val="0"/>
-                        </a:spcAft>
-                        <a:buClrTx/>
-                        <a:buSzTx/>
-                        <a:buFontTx/>
-                        <a:buNone/>
-                        <a:tabLst/>
-                        <a:defRPr/>
-                      </a:pPr>
-                      <a:r>
-                        <a:rPr lang="en-US" altLang="ko-KR" sz="2000" b="0" dirty="0" smtClean="0"/>
-                        <a:t>3</a:t>
-                      </a:r>
-                      <a:r>
-                        <a:rPr lang="ko-KR" altLang="en-US" sz="2000" b="0" dirty="0" smtClean="0"/>
-                        <a:t>주차 </a:t>
-                      </a:r>
-                      <a:r>
-                        <a:rPr lang="en-US" altLang="ko-KR" sz="2000" b="0" dirty="0" smtClean="0"/>
-                        <a:t>(10/07)</a:t>
-                      </a:r>
-                      <a:endParaRPr lang="ko-KR" altLang="en-US" sz="2000" b="0" dirty="0" smtClean="0"/>
-                    </a:p>
-                  </a:txBody>
-                  <a:tcPr anchor="ctr"/>
-                </a:tc>
-                <a:tc>
-                  <a:txBody>
-                    <a:bodyPr/>
-                    <a:lstStyle/>
-                    <a:p>
-                      <a:pPr lvl="0" algn="ctr" latinLnBrk="1"/>
-                      <a:r>
-                        <a:rPr lang="en-US" altLang="ko-KR" sz="2000" b="0" dirty="0" smtClean="0">
-                          <a:solidFill>
-                            <a:srgbClr val="FFFFFF"/>
-                          </a:solidFill>
-                        </a:rPr>
-                        <a:t>100%</a:t>
-                      </a:r>
-                      <a:endParaRPr lang="ko-KR" altLang="en-US" sz="2000" b="0" dirty="0">
-                        <a:solidFill>
-                          <a:srgbClr val="FFFFFF"/>
-                        </a:solidFill>
-                      </a:endParaRPr>
-                    </a:p>
-                  </a:txBody>
-                  <a:tcPr anchor="ctr"/>
-                </a:tc>
-                <a:tc>
-                  <a:txBody>
-                    <a:bodyPr/>
-                    <a:lstStyle/>
-                    <a:p>
-                      <a:pPr latinLnBrk="1"/>
-                      <a:r>
-                        <a:rPr lang="ko-KR" altLang="en-US" dirty="0" smtClean="0"/>
-                        <a:t>난이도 조절 관련 메뉴 및 시작</a:t>
-                      </a:r>
-                      <a:r>
-                        <a:rPr lang="ko-KR" altLang="en-US" baseline="0" dirty="0" smtClean="0"/>
-                        <a:t> 페이지 </a:t>
-                      </a:r>
-                      <a:r>
-                        <a:rPr lang="ko-KR" altLang="en-US" dirty="0" smtClean="0"/>
-                        <a:t>구성</a:t>
-                      </a:r>
-                      <a:endParaRPr lang="ko-KR" altLang="en-US" dirty="0"/>
-                    </a:p>
-                  </a:txBody>
-                  <a:tcPr anchor="ctr"/>
-                </a:tc>
-              </a:tr>
-            </a:tbl>
-          </a:graphicData>
-        </a:graphic>
-      </p:graphicFrame>
-      <p:pic>
-        <p:nvPicPr>
-          <p:cNvPr id="3" name="그림 2"/>
-          <p:cNvPicPr>
-            <a:picLocks noChangeAspect="1"/>
-          </p:cNvPicPr>
-          <p:nvPr/>
-        </p:nvPicPr>
-        <p:blipFill>
-          <a:blip r:embed="rId3" cstate="screen">
-            <a:extLst>
-              <a:ext uri="{28A0092B-C50C-407E-A947-70E740481C1C}">
-                <a14:useLocalDpi xmlns:a14="http://schemas.microsoft.com/office/drawing/2010/main"/>
-              </a:ext>
-            </a:extLst>
-          </a:blip>
-          <a:stretch>
-            <a:fillRect/>
-          </a:stretch>
-        </p:blipFill>
-        <p:spPr>
-          <a:xfrm>
-            <a:off x="577850" y="1988840"/>
-            <a:ext cx="2550606" cy="4329733"/>
-          </a:xfrm>
-          <a:prstGeom prst="rect">
-            <a:avLst/>
-          </a:prstGeom>
-        </p:spPr>
-      </p:pic>
-      <p:pic>
-        <p:nvPicPr>
-          <p:cNvPr id="4" name="그림 3"/>
-          <p:cNvPicPr>
-            <a:picLocks noChangeAspect="1"/>
-          </p:cNvPicPr>
-          <p:nvPr/>
-        </p:nvPicPr>
-        <p:blipFill>
-          <a:blip r:embed="rId4" cstate="screen">
-            <a:extLst>
-              <a:ext uri="{28A0092B-C50C-407E-A947-70E740481C1C}">
-                <a14:useLocalDpi xmlns:a14="http://schemas.microsoft.com/office/drawing/2010/main"/>
-              </a:ext>
-            </a:extLst>
-          </a:blip>
-          <a:stretch>
-            <a:fillRect/>
-          </a:stretch>
-        </p:blipFill>
-        <p:spPr>
-          <a:xfrm>
-            <a:off x="6197229" y="1988840"/>
-            <a:ext cx="2551235" cy="4330800"/>
-          </a:xfrm>
-          <a:prstGeom prst="rect">
-            <a:avLst/>
-          </a:prstGeom>
-        </p:spPr>
-      </p:pic>
-      <p:pic>
-        <p:nvPicPr>
-          <p:cNvPr id="6" name="YjbxBCIMS4E"/>
-          <p:cNvPicPr>
-            <a:picLocks noRot="1"/>
-          </p:cNvPicPr>
-          <p:nvPr>
-            <a:videoFile r:link="rId1"/>
-          </p:nvPr>
-        </p:nvPicPr>
-        <p:blipFill>
-          <a:blip r:embed="rId5"/>
-          <a:stretch>
-            <a:fillRect/>
-          </a:stretch>
-        </p:blipFill>
-        <p:spPr>
-          <a:xfrm>
-            <a:off x="3387752" y="1988840"/>
-            <a:ext cx="2552400" cy="4330800"/>
-          </a:xfrm>
-          <a:prstGeom prst="rect">
-            <a:avLst/>
-          </a:prstGeom>
-        </p:spPr>
-      </p:pic>
-    </p:spTree>
-    <p:extLst>
-      <p:ext uri="{BB962C8B-B14F-4D97-AF65-F5344CB8AC3E}">
-        <p14:creationId xmlns:p14="http://schemas.microsoft.com/office/powerpoint/2010/main" val="3327043490"/>
-      </p:ext>
-    </p:extLst>
-  </p:cSld>
-  <p:clrMapOvr>
-    <a:masterClrMapping/>
-  </p:clrMapOvr>
-  <p:timing>
-    <p:tnLst>
-      <p:par>
-        <p:cTn id="1" dur="indefinite" restart="never" nodeType="tmRoot">
-          <p:childTnLst>
-            <p:seq concurrent="1" nextAc="seek">
-              <p:cTn id="2" dur="indefinite" nodeType="mainSeq">
-                <p:childTnLst>
-                  <p:par>
-                    <p:cTn id="3" fill="hold">
-                      <p:stCondLst>
-                        <p:cond delay="indefinite"/>
-                        <p:cond evt="onBegin" delay="0">
-                          <p:tn val="2"/>
-                        </p:cond>
-                      </p:stCondLst>
-                      <p:childTnLst>
-                        <p:par>
-                          <p:cTn id="4" fill="hold">
-                            <p:stCondLst>
-                              <p:cond delay="0"/>
-                            </p:stCondLst>
-                            <p:childTnLst>
-                              <p:par>
-                                <p:cTn id="5" presetID="1" presetClass="mediacall" presetSubtype="0" fill="hold" nodeType="afterEffect">
-                                  <p:stCondLst>
-                                    <p:cond delay="0"/>
-                                  </p:stCondLst>
-                                  <p:childTnLst>
-                                    <p:cmd type="call" cmd="playFrom(0.0)">
-                                      <p:cBhvr>
-                                        <p:cTn id="6" dur="1" fill="hold"/>
-                                        <p:tgtEl>
-                                          <p:spTgt spid="6"/>
-                                        </p:tgtEl>
-                                      </p:cBhvr>
-                                    </p:cmd>
-                                  </p:childTnLst>
-                                </p:cTn>
-                              </p:par>
-                            </p:childTnLst>
-                          </p:cTn>
-                        </p:par>
-                      </p:childTnLst>
-                    </p:cTn>
-                  </p:par>
-                </p:childTnLst>
-              </p:cTn>
-              <p:prevCondLst>
-                <p:cond evt="onPrev" delay="0">
-                  <p:tgtEl>
-                    <p:sldTgt/>
-                  </p:tgtEl>
-                </p:cond>
-              </p:prevCondLst>
-              <p:nextCondLst>
-                <p:cond evt="onNext" delay="0">
-                  <p:tgtEl>
-                    <p:sldTgt/>
-                  </p:tgtEl>
-                </p:cond>
-              </p:nextCondLst>
-            </p:seq>
-            <p:video>
-              <p:cMediaNode>
-                <p:cTn id="7" fill="hold" display="0">
-                  <p:stCondLst>
-                    <p:cond delay="indefinite"/>
-                  </p:stCondLst>
-                </p:cTn>
-                <p:tgtEl>
-                  <p:spTgt spid="6"/>
-                </p:tgtEl>
-              </p:cMediaNode>
-            </p:video>
-            <p:seq concurrent="1" nextAc="seek">
-              <p:cTn id="8" restart="whenNotActive" fill="hold" evtFilter="cancelBubble" nodeType="interactiveSeq">
-                <p:stCondLst>
-                  <p:cond evt="onClick" delay="0">
-                    <p:tgtEl>
-                      <p:spTgt spid="6"/>
-                    </p:tgtEl>
-                  </p:cond>
-                </p:stCondLst>
-                <p:endSync evt="end" delay="0">
-                  <p:rtn val="all"/>
-                </p:endSync>
-                <p:childTnLst>
-                  <p:par>
-                    <p:cTn id="9" fill="hold">
-                      <p:stCondLst>
-                        <p:cond delay="0"/>
-                      </p:stCondLst>
-                      <p:childTnLst>
-                        <p:par>
-                          <p:cTn id="10" fill="hold">
-                            <p:stCondLst>
-                              <p:cond delay="0"/>
-                            </p:stCondLst>
-                            <p:childTnLst>
-                              <p:par>
-                                <p:cTn id="11" presetID="2" presetClass="mediacall" presetSubtype="0" fill="hold" nodeType="clickEffect">
-                                  <p:stCondLst>
-                                    <p:cond delay="0"/>
-                                  </p:stCondLst>
-                                  <p:childTnLst>
-                                    <p:cmd type="call" cmd="togglePause">
-                                      <p:cBhvr>
-                                        <p:cTn id="12" dur="1" fill="hold"/>
-                                        <p:tgtEl>
-                                          <p:spTgt spid="6"/>
-                                        </p:tgtEl>
-                                      </p:cBhvr>
-                                    </p:cmd>
-                                  </p:childTnLst>
-                                </p:cTn>
-                              </p:par>
-                            </p:childTnLst>
-                          </p:cTn>
-                        </p:par>
-                      </p:childTnLst>
-                    </p:cTn>
-                  </p:par>
-                </p:childTnLst>
-              </p:cTn>
-              <p:nextCondLst>
-                <p:cond evt="onClick" delay="0">
-                  <p:tgtEl>
-                    <p:spTgt spid="6"/>
-                  </p:tgtEl>
-                </p:cond>
-              </p:nextCondLst>
-            </p:seq>
-          </p:childTnLst>
-        </p:cTn>
-      </p:par>
-    </p:tnLst>
-  </p:timing>
-</p:sld>
-</file>
-
-<file path=ppt/slides/slide11.xml><?xml version="1.0" encoding="utf-8"?>
-<p:sld xmlns:a="http://schemas.openxmlformats.org/drawingml/2006/main" xmlns:r="http://schemas.openxmlformats.org/officeDocument/2006/relationships" xmlns:p="http://schemas.openxmlformats.org/presentationml/2006/main">
-  <p:cSld>
-    <p:spTree>
-      <p:nvGrpSpPr>
-        <p:cNvPr id="1" name=""/>
-        <p:cNvGrpSpPr/>
-        <p:nvPr/>
-      </p:nvGrpSpPr>
-      <p:grpSpPr>
-        <a:xfrm>
-          <a:off x="0" y="0"/>
-          <a:ext cx="0" cy="0"/>
-          <a:chOff x="0" y="0"/>
-          <a:chExt cx="0" cy="0"/>
-        </a:xfrm>
-      </p:grpSpPr>
-      <p:sp>
-        <p:nvSpPr>
-          <p:cNvPr id="13315" name="Text Box 5"/>
-          <p:cNvSpPr txBox="1">
-            <a:spLocks noChangeArrowheads="1"/>
-          </p:cNvSpPr>
-          <p:nvPr/>
-        </p:nvSpPr>
-        <p:spPr bwMode="auto">
-          <a:xfrm>
-            <a:off x="325438" y="120650"/>
-            <a:ext cx="6600825" cy="585788"/>
-          </a:xfrm>
-          <a:prstGeom prst="rect">
-            <a:avLst/>
-          </a:prstGeom>
-          <a:noFill/>
-          <a:ln>
-            <a:noFill/>
-          </a:ln>
-          <a:extLst>
-            <a:ext uri="{909E8E84-426E-40DD-AFC4-6F175D3DCCD1}">
-              <a14:hiddenFill xmlns:a14="http://schemas.microsoft.com/office/drawing/2010/main">
-                <a:solidFill>
-                  <a:srgbClr val="FFFFFF"/>
-                </a:solidFill>
-              </a14:hiddenFill>
-            </a:ext>
-            <a:ext uri="{91240B29-F687-4F45-9708-019B960494DF}">
-              <a14:hiddenLine xmlns:a14="http://schemas.microsoft.com/office/drawing/2010/main" w="9525">
-                <a:solidFill>
-                  <a:srgbClr val="000000"/>
-                </a:solidFill>
-                <a:miter lim="800000"/>
-                <a:headEnd/>
-                <a:tailEnd/>
-              </a14:hiddenLine>
-            </a:ext>
-          </a:extLst>
-        </p:spPr>
-        <p:txBody>
-          <a:bodyPr anchor="ctr">
-            <a:spAutoFit/>
-          </a:bodyPr>
-          <a:lstStyle>
-            <a:lvl1pPr>
-              <a:defRPr kumimoji="1">
-                <a:solidFill>
-                  <a:schemeClr val="tx1"/>
-                </a:solidFill>
-                <a:latin typeface="굴림" panose="020B0600000101010101" pitchFamily="50" charset="-127"/>
-                <a:ea typeface="굴림" panose="020B0600000101010101" pitchFamily="50" charset="-127"/>
-              </a:defRPr>
-            </a:lvl1pPr>
-            <a:lvl2pPr marL="742950" indent="-285750">
-              <a:defRPr kumimoji="1">
-                <a:solidFill>
-                  <a:schemeClr val="tx1"/>
-                </a:solidFill>
-                <a:latin typeface="굴림" panose="020B0600000101010101" pitchFamily="50" charset="-127"/>
-                <a:ea typeface="굴림" panose="020B0600000101010101" pitchFamily="50" charset="-127"/>
-              </a:defRPr>
-            </a:lvl2pPr>
-            <a:lvl3pPr marL="1143000" indent="-228600">
-              <a:defRPr kumimoji="1">
-                <a:solidFill>
-                  <a:schemeClr val="tx1"/>
-                </a:solidFill>
-                <a:latin typeface="굴림" panose="020B0600000101010101" pitchFamily="50" charset="-127"/>
-                <a:ea typeface="굴림" panose="020B0600000101010101" pitchFamily="50" charset="-127"/>
-              </a:defRPr>
-            </a:lvl3pPr>
-            <a:lvl4pPr marL="1600200" indent="-228600">
-              <a:defRPr kumimoji="1">
-                <a:solidFill>
-                  <a:schemeClr val="tx1"/>
-                </a:solidFill>
-                <a:latin typeface="굴림" panose="020B0600000101010101" pitchFamily="50" charset="-127"/>
-                <a:ea typeface="굴림" panose="020B0600000101010101" pitchFamily="50" charset="-127"/>
-              </a:defRPr>
-            </a:lvl4pPr>
-            <a:lvl5pPr marL="2057400" indent="-228600">
-              <a:defRPr kumimoji="1">
-                <a:solidFill>
-                  <a:schemeClr val="tx1"/>
-                </a:solidFill>
-                <a:latin typeface="굴림" panose="020B0600000101010101" pitchFamily="50" charset="-127"/>
-                <a:ea typeface="굴림" panose="020B0600000101010101" pitchFamily="50" charset="-127"/>
-              </a:defRPr>
-            </a:lvl5pPr>
-            <a:lvl6pPr marL="2514600" indent="-228600" eaLnBrk="0" fontAlgn="base" hangingPunct="0">
-              <a:spcBef>
-                <a:spcPct val="0"/>
-              </a:spcBef>
-              <a:spcAft>
-                <a:spcPct val="0"/>
-              </a:spcAft>
-              <a:defRPr kumimoji="1">
-                <a:solidFill>
-                  <a:schemeClr val="tx1"/>
-                </a:solidFill>
-                <a:latin typeface="굴림" panose="020B0600000101010101" pitchFamily="50" charset="-127"/>
-                <a:ea typeface="굴림" panose="020B0600000101010101" pitchFamily="50" charset="-127"/>
-              </a:defRPr>
-            </a:lvl6pPr>
-            <a:lvl7pPr marL="2971800" indent="-228600" eaLnBrk="0" fontAlgn="base" hangingPunct="0">
-              <a:spcBef>
-                <a:spcPct val="0"/>
-              </a:spcBef>
-              <a:spcAft>
-                <a:spcPct val="0"/>
-              </a:spcAft>
-              <a:defRPr kumimoji="1">
-                <a:solidFill>
-                  <a:schemeClr val="tx1"/>
-                </a:solidFill>
-                <a:latin typeface="굴림" panose="020B0600000101010101" pitchFamily="50" charset="-127"/>
-                <a:ea typeface="굴림" panose="020B0600000101010101" pitchFamily="50" charset="-127"/>
-              </a:defRPr>
-            </a:lvl7pPr>
-            <a:lvl8pPr marL="3429000" indent="-228600" eaLnBrk="0" fontAlgn="base" hangingPunct="0">
-              <a:spcBef>
-                <a:spcPct val="0"/>
-              </a:spcBef>
-              <a:spcAft>
-                <a:spcPct val="0"/>
-              </a:spcAft>
-              <a:defRPr kumimoji="1">
-                <a:solidFill>
-                  <a:schemeClr val="tx1"/>
-                </a:solidFill>
-                <a:latin typeface="굴림" panose="020B0600000101010101" pitchFamily="50" charset="-127"/>
-                <a:ea typeface="굴림" panose="020B0600000101010101" pitchFamily="50" charset="-127"/>
-              </a:defRPr>
-            </a:lvl8pPr>
-            <a:lvl9pPr marL="3886200" indent="-228600" eaLnBrk="0" fontAlgn="base" hangingPunct="0">
-              <a:spcBef>
-                <a:spcPct val="0"/>
-              </a:spcBef>
-              <a:spcAft>
-                <a:spcPct val="0"/>
-              </a:spcAft>
-              <a:defRPr kumimoji="1">
-                <a:solidFill>
-                  <a:schemeClr val="tx1"/>
-                </a:solidFill>
-                <a:latin typeface="굴림" panose="020B0600000101010101" pitchFamily="50" charset="-127"/>
-                <a:ea typeface="굴림" panose="020B0600000101010101" pitchFamily="50" charset="-127"/>
-              </a:defRPr>
-            </a:lvl9pPr>
-          </a:lstStyle>
-          <a:p>
-            <a:pPr eaLnBrk="1" latinLnBrk="1" hangingPunct="1"/>
-            <a:r>
-              <a:rPr lang="en-US" altLang="ko-KR" sz="3200" dirty="0" smtClean="0">
-                <a:latin typeface="Tahoma" panose="020B0604030504040204" pitchFamily="34" charset="0"/>
-                <a:cs typeface="Tahoma" panose="020B0604030504040204" pitchFamily="34" charset="0"/>
-              </a:rPr>
-              <a:t>Development of </a:t>
-            </a:r>
-            <a:r>
-              <a:rPr lang="en-US" altLang="ko-KR" sz="3200" b="1" dirty="0" smtClean="0">
-                <a:latin typeface="Tahoma" panose="020B0604030504040204" pitchFamily="34" charset="0"/>
-                <a:cs typeface="Tahoma" panose="020B0604030504040204" pitchFamily="34" charset="0"/>
-              </a:rPr>
-              <a:t>Schedule</a:t>
-            </a:r>
-            <a:endParaRPr lang="ko-KR" altLang="ko-KR" sz="3200" b="1" dirty="0">
-              <a:latin typeface="Tahoma" panose="020B0604030504040204" pitchFamily="34" charset="0"/>
-              <a:cs typeface="Tahoma" panose="020B0604030504040204" pitchFamily="34" charset="0"/>
-            </a:endParaRPr>
-          </a:p>
-        </p:txBody>
-      </p:sp>
-      <p:graphicFrame>
-        <p:nvGraphicFramePr>
-          <p:cNvPr id="5" name="표 4"/>
-          <p:cNvGraphicFramePr>
-            <a:graphicFrameLocks noGrp="1"/>
-          </p:cNvGraphicFramePr>
-          <p:nvPr>
-            <p:extLst>
-              <p:ext uri="{D42A27DB-BD31-4B8C-83A1-F6EECF244321}">
-                <p14:modId xmlns:p14="http://schemas.microsoft.com/office/powerpoint/2010/main" val="492977212"/>
-              </p:ext>
-            </p:extLst>
-          </p:nvPr>
-        </p:nvGraphicFramePr>
-        <p:xfrm>
-          <a:off x="577850" y="1124744"/>
-          <a:ext cx="8170614" cy="767080"/>
-        </p:xfrm>
-        <a:graphic>
-          <a:graphicData uri="http://schemas.openxmlformats.org/drawingml/2006/table">
-            <a:tbl>
-              <a:tblPr firstRow="1" bandRow="1">
-                <a:tableStyleId>{073A0DAA-6AF3-43AB-8588-CEC1D06C72B9}</a:tableStyleId>
-              </a:tblPr>
-              <a:tblGrid>
-                <a:gridCol w="1905918"/>
-                <a:gridCol w="936104"/>
-                <a:gridCol w="5328592"/>
-              </a:tblGrid>
-              <a:tr h="370840">
-                <a:tc>
-                  <a:txBody>
-                    <a:bodyPr/>
-                    <a:lstStyle/>
-                    <a:p>
-                      <a:pPr algn="ctr" latinLnBrk="1"/>
-                      <a:r>
-                        <a:rPr lang="ko-KR" altLang="en-US" dirty="0" smtClean="0"/>
-                        <a:t>주</a:t>
-                      </a:r>
-                      <a:endParaRPr lang="ko-KR" altLang="en-US" dirty="0"/>
-                    </a:p>
-                  </a:txBody>
-                  <a:tcPr anchor="ctr">
-                    <a:solidFill>
-                      <a:schemeClr val="bg1">
-                        <a:lumMod val="85000"/>
-                        <a:lumOff val="15000"/>
-                      </a:schemeClr>
-                    </a:solidFill>
-                  </a:tcPr>
-                </a:tc>
-                <a:tc>
-                  <a:txBody>
-                    <a:bodyPr/>
-                    <a:lstStyle/>
-                    <a:p>
-                      <a:pPr algn="ctr" latinLnBrk="1"/>
-                      <a:r>
-                        <a:rPr lang="ko-KR" altLang="en-US" dirty="0" smtClean="0"/>
-                        <a:t>완성도</a:t>
-                      </a:r>
-                      <a:endParaRPr lang="ko-KR" altLang="en-US" dirty="0"/>
-                    </a:p>
-                  </a:txBody>
-                  <a:tcPr anchor="ctr">
-                    <a:solidFill>
-                      <a:schemeClr val="bg1">
-                        <a:lumMod val="85000"/>
-                        <a:lumOff val="15000"/>
-                      </a:schemeClr>
-                    </a:solidFill>
-                  </a:tcPr>
-                </a:tc>
-                <a:tc>
-                  <a:txBody>
-                    <a:bodyPr/>
-                    <a:lstStyle/>
-                    <a:p>
-                      <a:pPr algn="ctr" latinLnBrk="1"/>
-                      <a:r>
-                        <a:rPr lang="ko-KR" altLang="en-US" dirty="0" smtClean="0"/>
-                        <a:t>주제</a:t>
-                      </a:r>
-                      <a:endParaRPr lang="ko-KR" altLang="en-US" dirty="0"/>
-                    </a:p>
-                  </a:txBody>
-                  <a:tcPr anchor="ctr">
-                    <a:solidFill>
-                      <a:schemeClr val="bg1">
-                        <a:lumMod val="85000"/>
-                        <a:lumOff val="15000"/>
-                      </a:schemeClr>
-                    </a:solidFill>
-                  </a:tcPr>
-                </a:tc>
-              </a:tr>
-              <a:tr h="360000">
-                <a:tc>
-                  <a:txBody>
-                    <a:bodyPr/>
-                    <a:lstStyle/>
-                    <a:p>
-                      <a:pPr marL="0" marR="0" lvl="0" indent="0" algn="l" defTabSz="914400" rtl="0" eaLnBrk="1" fontAlgn="auto" latinLnBrk="1" hangingPunct="1">
-                        <a:lnSpc>
-                          <a:spcPct val="100000"/>
-                        </a:lnSpc>
-                        <a:spcBef>
-                          <a:spcPts val="0"/>
-                        </a:spcBef>
-                        <a:spcAft>
-                          <a:spcPts val="0"/>
-                        </a:spcAft>
-                        <a:buClrTx/>
-                        <a:buSzTx/>
-                        <a:buFontTx/>
-                        <a:buNone/>
-                        <a:tabLst/>
-                        <a:defRPr/>
-                      </a:pPr>
-                      <a:r>
-                        <a:rPr lang="en-US" altLang="ko-KR" sz="2000" b="0" dirty="0" smtClean="0"/>
-                        <a:t>4</a:t>
-                      </a:r>
-                      <a:r>
-                        <a:rPr lang="ko-KR" altLang="en-US" sz="2000" b="0" dirty="0" smtClean="0"/>
-                        <a:t>주차 </a:t>
-                      </a:r>
-                      <a:r>
-                        <a:rPr lang="en-US" altLang="ko-KR" sz="2000" b="0" dirty="0" smtClean="0"/>
-                        <a:t>(10/14)</a:t>
-                      </a:r>
-                      <a:endParaRPr lang="ko-KR" altLang="en-US" sz="2000" b="0" dirty="0" smtClean="0"/>
-                    </a:p>
-                  </a:txBody>
-                  <a:tcPr anchor="ctr"/>
-                </a:tc>
-                <a:tc>
-                  <a:txBody>
-                    <a:bodyPr/>
-                    <a:lstStyle/>
-                    <a:p>
-                      <a:pPr lvl="0" algn="ctr" latinLnBrk="1"/>
-                      <a:r>
-                        <a:rPr lang="en-US" altLang="ko-KR" sz="2000" b="0" dirty="0" smtClean="0">
-                          <a:solidFill>
-                            <a:srgbClr val="FFFFFF"/>
-                          </a:solidFill>
-                        </a:rPr>
-                        <a:t>100%</a:t>
-                      </a:r>
-                      <a:endParaRPr lang="ko-KR" altLang="en-US" sz="2000" b="0" dirty="0">
-                        <a:solidFill>
-                          <a:srgbClr val="FFFFFF"/>
-                        </a:solidFill>
-                      </a:endParaRPr>
-                    </a:p>
-                  </a:txBody>
-                  <a:tcPr anchor="ctr"/>
-                </a:tc>
-                <a:tc>
-                  <a:txBody>
-                    <a:bodyPr/>
-                    <a:lstStyle/>
-                    <a:p>
-                      <a:pPr latinLnBrk="1"/>
-                      <a:r>
-                        <a:rPr lang="ko-KR" altLang="en-US" dirty="0" smtClean="0"/>
-                        <a:t>캐릭터 애니메이션 구현</a:t>
-                      </a:r>
-                      <a:endParaRPr lang="ko-KR" altLang="en-US" dirty="0"/>
-                    </a:p>
-                  </a:txBody>
-                  <a:tcPr anchor="ctr"/>
-                </a:tc>
-              </a:tr>
-            </a:tbl>
-          </a:graphicData>
-        </a:graphic>
-      </p:graphicFrame>
-      <p:sp>
-        <p:nvSpPr>
-          <p:cNvPr id="7" name="제목 2"/>
-          <p:cNvSpPr txBox="1">
-            <a:spLocks/>
-          </p:cNvSpPr>
-          <p:nvPr/>
-        </p:nvSpPr>
-        <p:spPr bwMode="auto">
-          <a:xfrm rot="10800000" flipV="1">
-            <a:off x="3120998" y="2446080"/>
-            <a:ext cx="5536592" cy="3416320"/>
-          </a:xfrm>
-          <a:prstGeom prst="rect">
-            <a:avLst/>
-          </a:prstGeom>
-          <a:noFill/>
-          <a:ln>
-            <a:noFill/>
-          </a:ln>
-          <a:extLst>
-            <a:ext uri="{909E8E84-426E-40DD-AFC4-6F175D3DCCD1}">
-              <a14:hiddenFill xmlns:a14="http://schemas.microsoft.com/office/drawing/2010/main">
-                <a:solidFill>
-                  <a:srgbClr val="FFFFFF"/>
-                </a:solidFill>
-              </a14:hiddenFill>
-            </a:ext>
-            <a:ext uri="{91240B29-F687-4F45-9708-019B960494DF}">
-              <a14:hiddenLine xmlns:a14="http://schemas.microsoft.com/office/drawing/2010/main" w="9525">
-                <a:solidFill>
-                  <a:srgbClr val="000000"/>
-                </a:solidFill>
-                <a:miter lim="800000"/>
-                <a:headEnd/>
-                <a:tailEnd/>
-              </a14:hiddenLine>
-            </a:ext>
-          </a:extLst>
-        </p:spPr>
-        <p:txBody>
-          <a:bodyPr wrap="square">
-            <a:spAutoFit/>
-          </a:bodyPr>
-          <a:lstStyle>
-            <a:lvl1pPr marL="182563" indent="-182563">
-              <a:defRPr kumimoji="1">
-                <a:solidFill>
-                  <a:schemeClr val="tx1"/>
-                </a:solidFill>
-                <a:latin typeface="굴림" panose="020B0600000101010101" pitchFamily="50" charset="-127"/>
-                <a:ea typeface="굴림" panose="020B0600000101010101" pitchFamily="50" charset="-127"/>
-              </a:defRPr>
-            </a:lvl1pPr>
-            <a:lvl2pPr marL="742950" indent="-285750">
-              <a:defRPr kumimoji="1">
-                <a:solidFill>
-                  <a:schemeClr val="tx1"/>
-                </a:solidFill>
-                <a:latin typeface="굴림" panose="020B0600000101010101" pitchFamily="50" charset="-127"/>
-                <a:ea typeface="굴림" panose="020B0600000101010101" pitchFamily="50" charset="-127"/>
-              </a:defRPr>
-            </a:lvl2pPr>
-            <a:lvl3pPr marL="1143000" indent="-228600">
-              <a:defRPr kumimoji="1">
-                <a:solidFill>
-                  <a:schemeClr val="tx1"/>
-                </a:solidFill>
-                <a:latin typeface="굴림" panose="020B0600000101010101" pitchFamily="50" charset="-127"/>
-                <a:ea typeface="굴림" panose="020B0600000101010101" pitchFamily="50" charset="-127"/>
-              </a:defRPr>
-            </a:lvl3pPr>
-            <a:lvl4pPr marL="1600200" indent="-228600">
-              <a:defRPr kumimoji="1">
-                <a:solidFill>
-                  <a:schemeClr val="tx1"/>
-                </a:solidFill>
-                <a:latin typeface="굴림" panose="020B0600000101010101" pitchFamily="50" charset="-127"/>
-                <a:ea typeface="굴림" panose="020B0600000101010101" pitchFamily="50" charset="-127"/>
-              </a:defRPr>
-            </a:lvl4pPr>
-            <a:lvl5pPr marL="2057400" indent="-228600">
-              <a:defRPr kumimoji="1">
-                <a:solidFill>
-                  <a:schemeClr val="tx1"/>
-                </a:solidFill>
-                <a:latin typeface="굴림" panose="020B0600000101010101" pitchFamily="50" charset="-127"/>
-                <a:ea typeface="굴림" panose="020B0600000101010101" pitchFamily="50" charset="-127"/>
-              </a:defRPr>
-            </a:lvl5pPr>
-            <a:lvl6pPr marL="2514600" indent="-228600" eaLnBrk="0" fontAlgn="base" hangingPunct="0">
-              <a:spcBef>
-                <a:spcPct val="0"/>
-              </a:spcBef>
-              <a:spcAft>
-                <a:spcPct val="0"/>
-              </a:spcAft>
-              <a:defRPr kumimoji="1">
-                <a:solidFill>
-                  <a:schemeClr val="tx1"/>
-                </a:solidFill>
-                <a:latin typeface="굴림" panose="020B0600000101010101" pitchFamily="50" charset="-127"/>
-                <a:ea typeface="굴림" panose="020B0600000101010101" pitchFamily="50" charset="-127"/>
-              </a:defRPr>
-            </a:lvl6pPr>
-            <a:lvl7pPr marL="2971800" indent="-228600" eaLnBrk="0" fontAlgn="base" hangingPunct="0">
-              <a:spcBef>
-                <a:spcPct val="0"/>
-              </a:spcBef>
-              <a:spcAft>
-                <a:spcPct val="0"/>
-              </a:spcAft>
-              <a:defRPr kumimoji="1">
-                <a:solidFill>
-                  <a:schemeClr val="tx1"/>
-                </a:solidFill>
-                <a:latin typeface="굴림" panose="020B0600000101010101" pitchFamily="50" charset="-127"/>
-                <a:ea typeface="굴림" panose="020B0600000101010101" pitchFamily="50" charset="-127"/>
-              </a:defRPr>
-            </a:lvl7pPr>
-            <a:lvl8pPr marL="3429000" indent="-228600" eaLnBrk="0" fontAlgn="base" hangingPunct="0">
-              <a:spcBef>
-                <a:spcPct val="0"/>
-              </a:spcBef>
-              <a:spcAft>
-                <a:spcPct val="0"/>
-              </a:spcAft>
-              <a:defRPr kumimoji="1">
-                <a:solidFill>
-                  <a:schemeClr val="tx1"/>
-                </a:solidFill>
-                <a:latin typeface="굴림" panose="020B0600000101010101" pitchFamily="50" charset="-127"/>
-                <a:ea typeface="굴림" panose="020B0600000101010101" pitchFamily="50" charset="-127"/>
-              </a:defRPr>
-            </a:lvl8pPr>
-            <a:lvl9pPr marL="3886200" indent="-228600" eaLnBrk="0" fontAlgn="base" hangingPunct="0">
-              <a:spcBef>
-                <a:spcPct val="0"/>
-              </a:spcBef>
-              <a:spcAft>
-                <a:spcPct val="0"/>
-              </a:spcAft>
-              <a:defRPr kumimoji="1">
-                <a:solidFill>
-                  <a:schemeClr val="tx1"/>
-                </a:solidFill>
-                <a:latin typeface="굴림" panose="020B0600000101010101" pitchFamily="50" charset="-127"/>
-                <a:ea typeface="굴림" panose="020B0600000101010101" pitchFamily="50" charset="-127"/>
-              </a:defRPr>
-            </a:lvl9pPr>
-          </a:lstStyle>
-          <a:p>
-            <a:pPr marL="285750" indent="-285750" latinLnBrk="1">
-              <a:lnSpc>
-                <a:spcPct val="150000"/>
-              </a:lnSpc>
-              <a:buFont typeface="Arial" panose="020B0604020202020204" pitchFamily="34" charset="0"/>
-              <a:buChar char="•"/>
-              <a:defRPr/>
-            </a:pPr>
-            <a:r>
-              <a:rPr lang="ko-KR" altLang="en-US" sz="1600" b="1" dirty="0" smtClean="0">
-                <a:solidFill>
-                  <a:schemeClr val="tx1">
-                    <a:lumMod val="85000"/>
-                  </a:schemeClr>
-                </a:solidFill>
-                <a:latin typeface="HY견고딕" panose="02030600000101010101" pitchFamily="18" charset="-127"/>
-                <a:ea typeface="HY견고딕" panose="02030600000101010101" pitchFamily="18" charset="-127"/>
-                <a:cs typeface="Arial" panose="020B0604020202020204" pitchFamily="34" charset="0"/>
-              </a:rPr>
-              <a:t>캐릭터의 점프 구현</a:t>
-            </a:r>
-            <a:endParaRPr lang="en-US" altLang="ko-KR" sz="1600" b="1" dirty="0" smtClean="0">
-              <a:solidFill>
-                <a:schemeClr val="tx1">
-                  <a:lumMod val="85000"/>
-                </a:schemeClr>
-              </a:solidFill>
-              <a:latin typeface="HY견고딕" panose="02030600000101010101" pitchFamily="18" charset="-127"/>
-              <a:ea typeface="HY견고딕" panose="02030600000101010101" pitchFamily="18" charset="-127"/>
-              <a:cs typeface="Arial" panose="020B0604020202020204" pitchFamily="34" charset="0"/>
-            </a:endParaRPr>
-          </a:p>
-          <a:p>
-            <a:pPr marL="846137" lvl="1" latinLnBrk="1">
-              <a:lnSpc>
-                <a:spcPct val="150000"/>
-              </a:lnSpc>
-              <a:buFont typeface="Arial" panose="020B0604020202020204" pitchFamily="34" charset="0"/>
-              <a:buChar char="•"/>
-              <a:defRPr/>
-            </a:pPr>
-            <a:r>
-              <a:rPr lang="en-US" altLang="ko-KR" sz="1200" b="1" dirty="0" smtClean="0">
-                <a:solidFill>
-                  <a:schemeClr val="tx1">
-                    <a:lumMod val="85000"/>
-                  </a:schemeClr>
-                </a:solidFill>
-                <a:latin typeface="HY견고딕" panose="02030600000101010101" pitchFamily="18" charset="-127"/>
-                <a:ea typeface="HY견고딕" panose="02030600000101010101" pitchFamily="18" charset="-127"/>
-                <a:cs typeface="Arial" panose="020B0604020202020204" pitchFamily="34" charset="0"/>
-              </a:rPr>
-              <a:t>Y</a:t>
-            </a:r>
-            <a:r>
-              <a:rPr lang="ko-KR" altLang="en-US" sz="1200" b="1" dirty="0" smtClean="0">
-                <a:solidFill>
-                  <a:schemeClr val="tx1">
-                    <a:lumMod val="85000"/>
-                  </a:schemeClr>
-                </a:solidFill>
-                <a:latin typeface="HY견고딕" panose="02030600000101010101" pitchFamily="18" charset="-127"/>
-                <a:ea typeface="HY견고딕" panose="02030600000101010101" pitchFamily="18" charset="-127"/>
-                <a:cs typeface="Arial" panose="020B0604020202020204" pitchFamily="34" charset="0"/>
-              </a:rPr>
-              <a:t>값을 올려주면서 점프 이미지 변경으로 하여금 실제로 점프하는 느낌이 들게 구현</a:t>
-            </a:r>
-            <a:r>
-              <a:rPr lang="en-US" altLang="ko-KR" sz="1200" b="1" dirty="0" smtClean="0">
-                <a:solidFill>
-                  <a:schemeClr val="tx1">
-                    <a:lumMod val="85000"/>
-                  </a:schemeClr>
-                </a:solidFill>
-                <a:latin typeface="HY견고딕" panose="02030600000101010101" pitchFamily="18" charset="-127"/>
-                <a:ea typeface="HY견고딕" panose="02030600000101010101" pitchFamily="18" charset="-127"/>
-                <a:cs typeface="Arial" panose="020B0604020202020204" pitchFamily="34" charset="0"/>
-              </a:rPr>
-              <a:t>.</a:t>
-            </a:r>
-          </a:p>
-          <a:p>
-            <a:pPr marL="285750" indent="-285750" latinLnBrk="1">
-              <a:lnSpc>
-                <a:spcPct val="150000"/>
-              </a:lnSpc>
-              <a:buFont typeface="Arial" panose="020B0604020202020204" pitchFamily="34" charset="0"/>
-              <a:buChar char="•"/>
-              <a:defRPr/>
-            </a:pPr>
-            <a:endParaRPr lang="en-US" altLang="ko-KR" sz="800" b="1" dirty="0" smtClean="0">
-              <a:solidFill>
-                <a:schemeClr val="tx1">
-                  <a:lumMod val="85000"/>
-                </a:schemeClr>
-              </a:solidFill>
-              <a:latin typeface="HY견고딕" panose="02030600000101010101" pitchFamily="18" charset="-127"/>
-              <a:ea typeface="HY견고딕" panose="02030600000101010101" pitchFamily="18" charset="-127"/>
-              <a:cs typeface="Arial" panose="020B0604020202020204" pitchFamily="34" charset="0"/>
-            </a:endParaRPr>
-          </a:p>
-          <a:p>
-            <a:pPr marL="285750" indent="-285750" latinLnBrk="1">
-              <a:lnSpc>
-                <a:spcPct val="150000"/>
-              </a:lnSpc>
-              <a:buFont typeface="Arial" panose="020B0604020202020204" pitchFamily="34" charset="0"/>
-              <a:buChar char="•"/>
-              <a:defRPr/>
-            </a:pPr>
-            <a:r>
-              <a:rPr lang="ko-KR" altLang="en-US" sz="1600" dirty="0" smtClean="0">
-                <a:solidFill>
-                  <a:schemeClr val="tx1">
-                    <a:lumMod val="85000"/>
-                  </a:schemeClr>
-                </a:solidFill>
-                <a:latin typeface="HY견고딕" panose="02030600000101010101" pitchFamily="18" charset="-127"/>
-                <a:ea typeface="HY견고딕" panose="02030600000101010101" pitchFamily="18" charset="-127"/>
-                <a:cs typeface="Arial" panose="020B0604020202020204" pitchFamily="34" charset="0"/>
-              </a:rPr>
-              <a:t>캐릭터의 좌우 방향 구현</a:t>
-            </a:r>
-            <a:endParaRPr lang="en-US" altLang="ko-KR" sz="1600" dirty="0" smtClean="0">
-              <a:solidFill>
-                <a:schemeClr val="tx1">
-                  <a:lumMod val="85000"/>
-                </a:schemeClr>
-              </a:solidFill>
-              <a:latin typeface="HY견고딕" panose="02030600000101010101" pitchFamily="18" charset="-127"/>
-              <a:ea typeface="HY견고딕" panose="02030600000101010101" pitchFamily="18" charset="-127"/>
-              <a:cs typeface="Arial" panose="020B0604020202020204" pitchFamily="34" charset="0"/>
-            </a:endParaRPr>
-          </a:p>
-          <a:p>
-            <a:pPr marL="846137" lvl="1" latinLnBrk="1">
-              <a:lnSpc>
-                <a:spcPct val="150000"/>
-              </a:lnSpc>
-              <a:buFont typeface="Arial" panose="020B0604020202020204" pitchFamily="34" charset="0"/>
-              <a:buChar char="•"/>
-              <a:defRPr/>
-            </a:pPr>
-            <a:r>
-              <a:rPr lang="ko-KR" altLang="en-US" sz="1200" dirty="0" smtClean="0">
-                <a:solidFill>
-                  <a:schemeClr val="tx1">
-                    <a:lumMod val="85000"/>
-                  </a:schemeClr>
-                </a:solidFill>
-                <a:latin typeface="HY견고딕" panose="02030600000101010101" pitchFamily="18" charset="-127"/>
-                <a:ea typeface="HY견고딕" panose="02030600000101010101" pitchFamily="18" charset="-127"/>
-                <a:cs typeface="Arial" panose="020B0604020202020204" pitchFamily="34" charset="0"/>
-              </a:rPr>
-              <a:t>캐릭터가 키보드에 따라서 좌우 이미지 가 변경 되며</a:t>
-            </a:r>
-            <a:r>
-              <a:rPr lang="en-US" altLang="ko-KR" sz="1200" dirty="0" smtClean="0">
-                <a:solidFill>
-                  <a:schemeClr val="tx1">
-                    <a:lumMod val="85000"/>
-                  </a:schemeClr>
-                </a:solidFill>
-                <a:latin typeface="HY견고딕" panose="02030600000101010101" pitchFamily="18" charset="-127"/>
-                <a:ea typeface="HY견고딕" panose="02030600000101010101" pitchFamily="18" charset="-127"/>
-                <a:cs typeface="Arial" panose="020B0604020202020204" pitchFamily="34" charset="0"/>
-              </a:rPr>
-              <a:t>, </a:t>
-            </a:r>
-            <a:r>
-              <a:rPr lang="ko-KR" altLang="en-US" sz="1200" dirty="0" smtClean="0">
-                <a:solidFill>
-                  <a:schemeClr val="tx1">
-                    <a:lumMod val="85000"/>
-                  </a:schemeClr>
-                </a:solidFill>
-                <a:latin typeface="HY견고딕" panose="02030600000101010101" pitchFamily="18" charset="-127"/>
-                <a:ea typeface="HY견고딕" panose="02030600000101010101" pitchFamily="18" charset="-127"/>
-                <a:cs typeface="Arial" panose="020B0604020202020204" pitchFamily="34" charset="0"/>
-              </a:rPr>
-              <a:t>점프 </a:t>
-            </a:r>
-            <a:r>
-              <a:rPr lang="en-US" altLang="ko-KR" sz="1200" dirty="0" smtClean="0">
-                <a:solidFill>
-                  <a:schemeClr val="tx1">
-                    <a:lumMod val="85000"/>
-                  </a:schemeClr>
-                </a:solidFill>
-                <a:latin typeface="HY견고딕" panose="02030600000101010101" pitchFamily="18" charset="-127"/>
-                <a:ea typeface="HY견고딕" panose="02030600000101010101" pitchFamily="18" charset="-127"/>
-                <a:cs typeface="Arial" panose="020B0604020202020204" pitchFamily="34" charset="0"/>
-              </a:rPr>
-              <a:t>or </a:t>
-            </a:r>
-            <a:r>
-              <a:rPr lang="ko-KR" altLang="en-US" sz="1200" dirty="0" smtClean="0">
-                <a:solidFill>
-                  <a:schemeClr val="tx1">
-                    <a:lumMod val="85000"/>
-                  </a:schemeClr>
-                </a:solidFill>
-                <a:latin typeface="HY견고딕" panose="02030600000101010101" pitchFamily="18" charset="-127"/>
-                <a:ea typeface="HY견고딕" panose="02030600000101010101" pitchFamily="18" charset="-127"/>
-                <a:cs typeface="Arial" panose="020B0604020202020204" pitchFamily="34" charset="0"/>
-              </a:rPr>
-              <a:t>착륙 또한 좌우 이미지가 같이 변경 된다</a:t>
-            </a:r>
-            <a:r>
-              <a:rPr lang="en-US" altLang="ko-KR" sz="1200" dirty="0" smtClean="0">
-                <a:solidFill>
-                  <a:schemeClr val="tx1">
-                    <a:lumMod val="85000"/>
-                  </a:schemeClr>
-                </a:solidFill>
-                <a:latin typeface="HY견고딕" panose="02030600000101010101" pitchFamily="18" charset="-127"/>
-                <a:ea typeface="HY견고딕" panose="02030600000101010101" pitchFamily="18" charset="-127"/>
-                <a:cs typeface="Arial" panose="020B0604020202020204" pitchFamily="34" charset="0"/>
-              </a:rPr>
-              <a:t>.</a:t>
-            </a:r>
-          </a:p>
-          <a:p>
-            <a:pPr marL="285750" indent="-285750" latinLnBrk="1">
-              <a:lnSpc>
-                <a:spcPct val="150000"/>
-              </a:lnSpc>
-              <a:buFont typeface="Arial" panose="020B0604020202020204" pitchFamily="34" charset="0"/>
-              <a:buChar char="•"/>
-              <a:defRPr/>
-            </a:pPr>
-            <a:endParaRPr lang="en-US" altLang="ko-KR" sz="800" dirty="0" smtClean="0">
-              <a:solidFill>
-                <a:schemeClr val="tx1">
-                  <a:lumMod val="85000"/>
-                </a:schemeClr>
-              </a:solidFill>
-              <a:latin typeface="HY견고딕" panose="02030600000101010101" pitchFamily="18" charset="-127"/>
-              <a:ea typeface="HY견고딕" panose="02030600000101010101" pitchFamily="18" charset="-127"/>
-              <a:cs typeface="Arial" panose="020B0604020202020204" pitchFamily="34" charset="0"/>
-            </a:endParaRPr>
-          </a:p>
-          <a:p>
-            <a:pPr marL="285750" indent="-285750" latinLnBrk="1">
-              <a:lnSpc>
-                <a:spcPct val="150000"/>
-              </a:lnSpc>
-              <a:buFont typeface="Arial" panose="020B0604020202020204" pitchFamily="34" charset="0"/>
-              <a:buChar char="•"/>
-              <a:defRPr/>
-            </a:pPr>
-            <a:r>
-              <a:rPr lang="ko-KR" altLang="en-US" sz="1600" dirty="0" smtClean="0">
-                <a:solidFill>
-                  <a:schemeClr val="tx1">
-                    <a:lumMod val="85000"/>
-                  </a:schemeClr>
-                </a:solidFill>
-                <a:latin typeface="HY견고딕" panose="02030600000101010101" pitchFamily="18" charset="-127"/>
-                <a:ea typeface="HY견고딕" panose="02030600000101010101" pitchFamily="18" charset="-127"/>
-                <a:cs typeface="Arial" panose="020B0604020202020204" pitchFamily="34" charset="0"/>
-              </a:rPr>
-              <a:t>캐릭터가 좌</a:t>
-            </a:r>
-            <a:r>
-              <a:rPr lang="en-US" altLang="ko-KR" sz="1600" dirty="0" smtClean="0">
-                <a:solidFill>
-                  <a:schemeClr val="tx1">
-                    <a:lumMod val="85000"/>
-                  </a:schemeClr>
-                </a:solidFill>
-                <a:latin typeface="HY견고딕" panose="02030600000101010101" pitchFamily="18" charset="-127"/>
-                <a:ea typeface="HY견고딕" panose="02030600000101010101" pitchFamily="18" charset="-127"/>
-                <a:cs typeface="Arial" panose="020B0604020202020204" pitchFamily="34" charset="0"/>
-              </a:rPr>
-              <a:t>,</a:t>
-            </a:r>
-            <a:r>
-              <a:rPr lang="ko-KR" altLang="en-US" sz="1600" dirty="0" smtClean="0">
-                <a:solidFill>
-                  <a:schemeClr val="tx1">
-                    <a:lumMod val="85000"/>
-                  </a:schemeClr>
-                </a:solidFill>
-                <a:latin typeface="HY견고딕" panose="02030600000101010101" pitchFamily="18" charset="-127"/>
-                <a:ea typeface="HY견고딕" panose="02030600000101010101" pitchFamily="18" charset="-127"/>
-                <a:cs typeface="Arial" panose="020B0604020202020204" pitchFamily="34" charset="0"/>
-              </a:rPr>
-              <a:t>우측 끝에 이동 시 반대편 으로 이동 구현</a:t>
-            </a:r>
-            <a:endParaRPr lang="en-US" altLang="ko-KR" sz="1600" dirty="0" smtClean="0">
-              <a:solidFill>
-                <a:schemeClr val="tx1">
-                  <a:lumMod val="85000"/>
-                </a:schemeClr>
-              </a:solidFill>
-              <a:latin typeface="HY견고딕" panose="02030600000101010101" pitchFamily="18" charset="-127"/>
-              <a:ea typeface="HY견고딕" panose="02030600000101010101" pitchFamily="18" charset="-127"/>
-              <a:cs typeface="Arial" panose="020B0604020202020204" pitchFamily="34" charset="0"/>
-            </a:endParaRPr>
-          </a:p>
-          <a:p>
-            <a:pPr marL="846137" lvl="1" latinLnBrk="1">
-              <a:lnSpc>
-                <a:spcPct val="150000"/>
-              </a:lnSpc>
-              <a:buFont typeface="Arial" panose="020B0604020202020204" pitchFamily="34" charset="0"/>
-              <a:buChar char="•"/>
-              <a:defRPr/>
-            </a:pPr>
-            <a:r>
-              <a:rPr lang="ko-KR" altLang="en-US" sz="1200" dirty="0" smtClean="0">
-                <a:solidFill>
-                  <a:schemeClr val="tx1">
-                    <a:lumMod val="85000"/>
-                  </a:schemeClr>
-                </a:solidFill>
-                <a:latin typeface="HY견고딕" panose="02030600000101010101" pitchFamily="18" charset="-127"/>
-                <a:ea typeface="HY견고딕" panose="02030600000101010101" pitchFamily="18" charset="-127"/>
-                <a:cs typeface="Arial" panose="020B0604020202020204" pitchFamily="34" charset="0"/>
-              </a:rPr>
-              <a:t>좌</a:t>
-            </a:r>
-            <a:r>
-              <a:rPr lang="en-US" altLang="ko-KR" sz="1200" dirty="0" smtClean="0">
-                <a:solidFill>
-                  <a:schemeClr val="tx1">
-                    <a:lumMod val="85000"/>
-                  </a:schemeClr>
-                </a:solidFill>
-                <a:latin typeface="HY견고딕" panose="02030600000101010101" pitchFamily="18" charset="-127"/>
-                <a:ea typeface="HY견고딕" panose="02030600000101010101" pitchFamily="18" charset="-127"/>
-                <a:cs typeface="Arial" panose="020B0604020202020204" pitchFamily="34" charset="0"/>
-              </a:rPr>
-              <a:t>,</a:t>
-            </a:r>
-            <a:r>
-              <a:rPr lang="ko-KR" altLang="en-US" sz="1200" dirty="0" smtClean="0">
-                <a:solidFill>
-                  <a:schemeClr val="tx1">
-                    <a:lumMod val="85000"/>
-                  </a:schemeClr>
-                </a:solidFill>
-                <a:latin typeface="HY견고딕" panose="02030600000101010101" pitchFamily="18" charset="-127"/>
-                <a:ea typeface="HY견고딕" panose="02030600000101010101" pitchFamily="18" charset="-127"/>
-                <a:cs typeface="Arial" panose="020B0604020202020204" pitchFamily="34" charset="0"/>
-              </a:rPr>
-              <a:t>우측 으로 이동 시 </a:t>
-            </a:r>
-            <a:r>
-              <a:rPr lang="en-US" altLang="ko-KR" sz="1200" dirty="0" smtClean="0">
-                <a:solidFill>
-                  <a:schemeClr val="tx1">
-                    <a:lumMod val="85000"/>
-                  </a:schemeClr>
-                </a:solidFill>
-                <a:latin typeface="HY견고딕" panose="02030600000101010101" pitchFamily="18" charset="-127"/>
-                <a:ea typeface="HY견고딕" panose="02030600000101010101" pitchFamily="18" charset="-127"/>
-                <a:cs typeface="Arial" panose="020B0604020202020204" pitchFamily="34" charset="0"/>
-              </a:rPr>
-              <a:t>( </a:t>
-            </a:r>
-            <a:r>
-              <a:rPr lang="ko-KR" altLang="en-US" sz="1200" dirty="0" smtClean="0">
-                <a:solidFill>
-                  <a:schemeClr val="tx1">
-                    <a:lumMod val="85000"/>
-                  </a:schemeClr>
-                </a:solidFill>
-                <a:latin typeface="HY견고딕" panose="02030600000101010101" pitchFamily="18" charset="-127"/>
-                <a:ea typeface="HY견고딕" panose="02030600000101010101" pitchFamily="18" charset="-127"/>
-                <a:cs typeface="Arial" panose="020B0604020202020204" pitchFamily="34" charset="0"/>
-              </a:rPr>
-              <a:t>좌 </a:t>
-            </a:r>
-            <a:r>
-              <a:rPr lang="en-US" altLang="ko-KR" sz="1200" dirty="0" smtClean="0">
-                <a:solidFill>
-                  <a:schemeClr val="tx1">
-                    <a:lumMod val="85000"/>
-                  </a:schemeClr>
-                </a:solidFill>
-                <a:latin typeface="HY견고딕" panose="02030600000101010101" pitchFamily="18" charset="-127"/>
-                <a:ea typeface="HY견고딕" panose="02030600000101010101" pitchFamily="18" charset="-127"/>
-                <a:cs typeface="Arial" panose="020B0604020202020204" pitchFamily="34" charset="0"/>
-              </a:rPr>
-              <a:t>-&gt; </a:t>
-            </a:r>
-            <a:r>
-              <a:rPr lang="ko-KR" altLang="en-US" sz="1200" dirty="0" smtClean="0">
-                <a:solidFill>
-                  <a:schemeClr val="tx1">
-                    <a:lumMod val="85000"/>
-                  </a:schemeClr>
-                </a:solidFill>
-                <a:latin typeface="HY견고딕" panose="02030600000101010101" pitchFamily="18" charset="-127"/>
-                <a:ea typeface="HY견고딕" panose="02030600000101010101" pitchFamily="18" charset="-127"/>
-                <a:cs typeface="Arial" panose="020B0604020202020204" pitchFamily="34" charset="0"/>
-              </a:rPr>
-              <a:t>우 </a:t>
-            </a:r>
-            <a:r>
-              <a:rPr lang="en-US" altLang="ko-KR" sz="1200" dirty="0" smtClean="0">
-                <a:solidFill>
-                  <a:schemeClr val="tx1">
-                    <a:lumMod val="85000"/>
-                  </a:schemeClr>
-                </a:solidFill>
-                <a:latin typeface="HY견고딕" panose="02030600000101010101" pitchFamily="18" charset="-127"/>
-                <a:ea typeface="HY견고딕" panose="02030600000101010101" pitchFamily="18" charset="-127"/>
-                <a:cs typeface="Arial" panose="020B0604020202020204" pitchFamily="34" charset="0"/>
-              </a:rPr>
-              <a:t>), ( </a:t>
-            </a:r>
-            <a:r>
-              <a:rPr lang="ko-KR" altLang="en-US" sz="1200" dirty="0" smtClean="0">
-                <a:solidFill>
-                  <a:schemeClr val="tx1">
-                    <a:lumMod val="85000"/>
-                  </a:schemeClr>
-                </a:solidFill>
-                <a:latin typeface="HY견고딕" panose="02030600000101010101" pitchFamily="18" charset="-127"/>
-                <a:ea typeface="HY견고딕" panose="02030600000101010101" pitchFamily="18" charset="-127"/>
-                <a:cs typeface="Arial" panose="020B0604020202020204" pitchFamily="34" charset="0"/>
-              </a:rPr>
-              <a:t>우 </a:t>
-            </a:r>
-            <a:r>
-              <a:rPr lang="en-US" altLang="ko-KR" sz="1200" dirty="0" smtClean="0">
-                <a:solidFill>
-                  <a:schemeClr val="tx1">
-                    <a:lumMod val="85000"/>
-                  </a:schemeClr>
-                </a:solidFill>
-                <a:latin typeface="HY견고딕" panose="02030600000101010101" pitchFamily="18" charset="-127"/>
-                <a:ea typeface="HY견고딕" panose="02030600000101010101" pitchFamily="18" charset="-127"/>
-                <a:cs typeface="Arial" panose="020B0604020202020204" pitchFamily="34" charset="0"/>
-              </a:rPr>
-              <a:t>-&gt; </a:t>
-            </a:r>
-            <a:r>
-              <a:rPr lang="ko-KR" altLang="en-US" sz="1200" dirty="0" smtClean="0">
-                <a:solidFill>
-                  <a:schemeClr val="tx1">
-                    <a:lumMod val="85000"/>
-                  </a:schemeClr>
-                </a:solidFill>
-                <a:latin typeface="HY견고딕" panose="02030600000101010101" pitchFamily="18" charset="-127"/>
-                <a:ea typeface="HY견고딕" panose="02030600000101010101" pitchFamily="18" charset="-127"/>
-                <a:cs typeface="Arial" panose="020B0604020202020204" pitchFamily="34" charset="0"/>
-              </a:rPr>
-              <a:t>좌 </a:t>
-            </a:r>
-            <a:r>
-              <a:rPr lang="en-US" altLang="ko-KR" sz="1200" dirty="0" smtClean="0">
-                <a:solidFill>
-                  <a:schemeClr val="tx1">
-                    <a:lumMod val="85000"/>
-                  </a:schemeClr>
-                </a:solidFill>
-                <a:latin typeface="HY견고딕" panose="02030600000101010101" pitchFamily="18" charset="-127"/>
-                <a:ea typeface="HY견고딕" panose="02030600000101010101" pitchFamily="18" charset="-127"/>
-                <a:cs typeface="Arial" panose="020B0604020202020204" pitchFamily="34" charset="0"/>
-              </a:rPr>
-              <a:t>) </a:t>
-            </a:r>
-            <a:r>
-              <a:rPr lang="ko-KR" altLang="en-US" sz="1200" dirty="0" smtClean="0">
-                <a:solidFill>
-                  <a:schemeClr val="tx1">
-                    <a:lumMod val="85000"/>
-                  </a:schemeClr>
-                </a:solidFill>
-                <a:latin typeface="HY견고딕" panose="02030600000101010101" pitchFamily="18" charset="-127"/>
-                <a:ea typeface="HY견고딕" panose="02030600000101010101" pitchFamily="18" charset="-127"/>
-                <a:cs typeface="Arial" panose="020B0604020202020204" pitchFamily="34" charset="0"/>
-              </a:rPr>
-              <a:t>기능을 추가하여 캐릭터가 좌</a:t>
-            </a:r>
-            <a:r>
-              <a:rPr lang="en-US" altLang="ko-KR" sz="1200" dirty="0" smtClean="0">
-                <a:solidFill>
-                  <a:schemeClr val="tx1">
-                    <a:lumMod val="85000"/>
-                  </a:schemeClr>
-                </a:solidFill>
-                <a:latin typeface="HY견고딕" panose="02030600000101010101" pitchFamily="18" charset="-127"/>
-                <a:ea typeface="HY견고딕" panose="02030600000101010101" pitchFamily="18" charset="-127"/>
-                <a:cs typeface="Arial" panose="020B0604020202020204" pitchFamily="34" charset="0"/>
-              </a:rPr>
-              <a:t>,</a:t>
-            </a:r>
-            <a:r>
-              <a:rPr lang="ko-KR" altLang="en-US" sz="1200" dirty="0" smtClean="0">
-                <a:solidFill>
-                  <a:schemeClr val="tx1">
-                    <a:lumMod val="85000"/>
-                  </a:schemeClr>
-                </a:solidFill>
-                <a:latin typeface="HY견고딕" panose="02030600000101010101" pitchFamily="18" charset="-127"/>
-                <a:ea typeface="HY견고딕" panose="02030600000101010101" pitchFamily="18" charset="-127"/>
-                <a:cs typeface="Arial" panose="020B0604020202020204" pitchFamily="34" charset="0"/>
-              </a:rPr>
-              <a:t>우측 끝으로 가서 사라지는 부분을 수정하였다</a:t>
-            </a:r>
-            <a:r>
-              <a:rPr lang="en-US" altLang="ko-KR" sz="1200" dirty="0" smtClean="0">
-                <a:solidFill>
-                  <a:schemeClr val="tx1">
-                    <a:lumMod val="85000"/>
-                  </a:schemeClr>
-                </a:solidFill>
-                <a:latin typeface="HY견고딕" panose="02030600000101010101" pitchFamily="18" charset="-127"/>
-                <a:ea typeface="HY견고딕" panose="02030600000101010101" pitchFamily="18" charset="-127"/>
-                <a:cs typeface="Arial" panose="020B0604020202020204" pitchFamily="34" charset="0"/>
-              </a:rPr>
-              <a:t>.</a:t>
-            </a:r>
-            <a:endParaRPr lang="en-US" altLang="ko-KR" sz="1600" dirty="0" smtClean="0">
-              <a:solidFill>
-                <a:schemeClr val="tx1">
-                  <a:lumMod val="85000"/>
-                </a:schemeClr>
-              </a:solidFill>
-              <a:latin typeface="HY견고딕" panose="02030600000101010101" pitchFamily="18" charset="-127"/>
-              <a:ea typeface="HY견고딕" panose="02030600000101010101" pitchFamily="18" charset="-127"/>
-              <a:cs typeface="Arial" panose="020B0604020202020204" pitchFamily="34" charset="0"/>
-            </a:endParaRPr>
-          </a:p>
-          <a:p>
-            <a:pPr marL="285750" latinLnBrk="1">
-              <a:lnSpc>
-                <a:spcPct val="150000"/>
-              </a:lnSpc>
-              <a:buFont typeface="Arial" panose="020B0604020202020204" pitchFamily="34" charset="0"/>
-              <a:buChar char="•"/>
-              <a:defRPr/>
-            </a:pPr>
-            <a:endParaRPr lang="en-US" altLang="ko-KR" sz="800" dirty="0">
-              <a:solidFill>
-                <a:schemeClr val="tx1">
-                  <a:lumMod val="85000"/>
-                </a:schemeClr>
-              </a:solidFill>
-              <a:latin typeface="HY견고딕" panose="02030600000101010101" pitchFamily="18" charset="-127"/>
-              <a:ea typeface="HY견고딕" panose="02030600000101010101" pitchFamily="18" charset="-127"/>
-              <a:cs typeface="Arial" panose="020B0604020202020204" pitchFamily="34" charset="0"/>
-            </a:endParaRPr>
-          </a:p>
-        </p:txBody>
-      </p:sp>
-      <p:pic>
-        <p:nvPicPr>
-          <p:cNvPr id="3" name="u_Uc0qF95xo"/>
-          <p:cNvPicPr>
-            <a:picLocks noRot="1"/>
-          </p:cNvPicPr>
-          <p:nvPr>
-            <a:videoFile r:link="rId1"/>
-          </p:nvPr>
-        </p:nvPicPr>
-        <p:blipFill>
-          <a:blip r:embed="rId3"/>
-          <a:stretch>
-            <a:fillRect/>
-          </a:stretch>
-        </p:blipFill>
-        <p:spPr>
-          <a:xfrm>
-            <a:off x="579440" y="2060848"/>
-            <a:ext cx="2552400" cy="4330800"/>
-          </a:xfrm>
-          <a:prstGeom prst="rect">
-            <a:avLst/>
-          </a:prstGeom>
-        </p:spPr>
-      </p:pic>
-    </p:spTree>
-    <p:extLst>
-      <p:ext uri="{BB962C8B-B14F-4D97-AF65-F5344CB8AC3E}">
-        <p14:creationId xmlns:p14="http://schemas.microsoft.com/office/powerpoint/2010/main" val="1433788657"/>
-      </p:ext>
-    </p:extLst>
-  </p:cSld>
-  <p:clrMapOvr>
-    <a:masterClrMapping/>
-  </p:clrMapOvr>
-  <p:timing>
-    <p:tnLst>
-      <p:par>
-        <p:cTn id="1" dur="indefinite" restart="never" nodeType="tmRoot">
-          <p:childTnLst>
-            <p:seq concurrent="1" nextAc="seek">
-              <p:cTn id="2" dur="indefinite" nodeType="mainSeq">
-                <p:childTnLst>
-                  <p:par>
-                    <p:cTn id="3" fill="hold">
-                      <p:stCondLst>
-                        <p:cond delay="indefinite"/>
-                        <p:cond evt="onBegin" delay="0">
-                          <p:tn val="2"/>
-                        </p:cond>
-                      </p:stCondLst>
-                      <p:childTnLst>
-                        <p:par>
-                          <p:cTn id="4" fill="hold">
-                            <p:stCondLst>
-                              <p:cond delay="0"/>
-                            </p:stCondLst>
-                            <p:childTnLst>
-                              <p:par>
-                                <p:cTn id="5" presetID="1" presetClass="mediacall" presetSubtype="0" fill="hold" nodeType="afterEffect">
-                                  <p:stCondLst>
-                                    <p:cond delay="0"/>
-                                  </p:stCondLst>
-                                  <p:childTnLst>
-                                    <p:cmd type="call" cmd="playFrom(0.0)">
-                                      <p:cBhvr>
-                                        <p:cTn id="6" dur="1" fill="hold"/>
-                                        <p:tgtEl>
-                                          <p:spTgt spid="3"/>
-                                        </p:tgtEl>
-                                      </p:cBhvr>
-                                    </p:cmd>
-                                  </p:childTnLst>
-                                </p:cTn>
-                              </p:par>
-                            </p:childTnLst>
-                          </p:cTn>
-                        </p:par>
-                      </p:childTnLst>
-                    </p:cTn>
-                  </p:par>
-                </p:childTnLst>
-              </p:cTn>
-              <p:prevCondLst>
-                <p:cond evt="onPrev" delay="0">
-                  <p:tgtEl>
-                    <p:sldTgt/>
-                  </p:tgtEl>
-                </p:cond>
-              </p:prevCondLst>
-              <p:nextCondLst>
-                <p:cond evt="onNext" delay="0">
-                  <p:tgtEl>
-                    <p:sldTgt/>
-                  </p:tgtEl>
-                </p:cond>
-              </p:nextCondLst>
-            </p:seq>
-            <p:video>
-              <p:cMediaNode>
-                <p:cTn id="7" fill="hold" display="0">
-                  <p:stCondLst>
-                    <p:cond delay="indefinite"/>
-                  </p:stCondLst>
-                </p:cTn>
-                <p:tgtEl>
-                  <p:spTgt spid="3"/>
-                </p:tgtEl>
-              </p:cMediaNode>
-            </p:video>
-            <p:seq concurrent="1" nextAc="seek">
-              <p:cTn id="8" restart="whenNotActive" fill="hold" evtFilter="cancelBubble" nodeType="interactiveSeq">
-                <p:stCondLst>
-                  <p:cond evt="onClick" delay="0">
-                    <p:tgtEl>
-                      <p:spTgt spid="3"/>
-                    </p:tgtEl>
-                  </p:cond>
-                </p:stCondLst>
-                <p:endSync evt="end" delay="0">
-                  <p:rtn val="all"/>
-                </p:endSync>
-                <p:childTnLst>
-                  <p:par>
-                    <p:cTn id="9" fill="hold">
-                      <p:stCondLst>
-                        <p:cond delay="0"/>
-                      </p:stCondLst>
-                      <p:childTnLst>
-                        <p:par>
-                          <p:cTn id="10" fill="hold">
-                            <p:stCondLst>
-                              <p:cond delay="0"/>
-                            </p:stCondLst>
-                            <p:childTnLst>
-                              <p:par>
-                                <p:cTn id="11" presetID="2" presetClass="mediacall" presetSubtype="0" fill="hold" nodeType="clickEffect">
-                                  <p:stCondLst>
-                                    <p:cond delay="0"/>
-                                  </p:stCondLst>
-                                  <p:childTnLst>
-                                    <p:cmd type="call" cmd="togglePause">
-                                      <p:cBhvr>
-                                        <p:cTn id="12" dur="1" fill="hold"/>
-                                        <p:tgtEl>
-                                          <p:spTgt spid="3"/>
-                                        </p:tgtEl>
-                                      </p:cBhvr>
-                                    </p:cmd>
-                                  </p:childTnLst>
-                                </p:cTn>
-                              </p:par>
-                            </p:childTnLst>
-                          </p:cTn>
-                        </p:par>
-                      </p:childTnLst>
-                    </p:cTn>
-                  </p:par>
-                </p:childTnLst>
-              </p:cTn>
-              <p:nextCondLst>
-                <p:cond evt="onClick" delay="0">
-                  <p:tgtEl>
-                    <p:spTgt spid="3"/>
-                  </p:tgtEl>
-                </p:cond>
-              </p:nextCondLst>
-            </p:seq>
-          </p:childTnLst>
-        </p:cTn>
-      </p:par>
-    </p:tnLst>
-  </p:timing>
-</p:sld>
-</file>
-
-<file path=ppt/slides/slide12.xml><?xml version="1.0" encoding="utf-8"?>
-<p:sld xmlns:a="http://schemas.openxmlformats.org/drawingml/2006/main" xmlns:r="http://schemas.openxmlformats.org/officeDocument/2006/relationships" xmlns:p="http://schemas.openxmlformats.org/presentationml/2006/main">
-  <p:cSld>
-    <p:spTree>
-      <p:nvGrpSpPr>
-        <p:cNvPr id="1" name=""/>
-        <p:cNvGrpSpPr/>
-        <p:nvPr/>
-      </p:nvGrpSpPr>
-      <p:grpSpPr>
-        <a:xfrm>
-          <a:off x="0" y="0"/>
-          <a:ext cx="0" cy="0"/>
-          <a:chOff x="0" y="0"/>
-          <a:chExt cx="0" cy="0"/>
-        </a:xfrm>
-      </p:grpSpPr>
-      <p:sp>
-        <p:nvSpPr>
-          <p:cNvPr id="13315" name="Text Box 5"/>
-          <p:cNvSpPr txBox="1">
-            <a:spLocks noChangeArrowheads="1"/>
-          </p:cNvSpPr>
-          <p:nvPr/>
-        </p:nvSpPr>
-        <p:spPr bwMode="auto">
-          <a:xfrm>
-            <a:off x="325438" y="120650"/>
-            <a:ext cx="6600825" cy="585788"/>
-          </a:xfrm>
-          <a:prstGeom prst="rect">
-            <a:avLst/>
-          </a:prstGeom>
-          <a:noFill/>
-          <a:ln>
-            <a:noFill/>
-          </a:ln>
-          <a:extLst>
-            <a:ext uri="{909E8E84-426E-40DD-AFC4-6F175D3DCCD1}">
-              <a14:hiddenFill xmlns:a14="http://schemas.microsoft.com/office/drawing/2010/main">
-                <a:solidFill>
-                  <a:srgbClr val="FFFFFF"/>
-                </a:solidFill>
-              </a14:hiddenFill>
-            </a:ext>
-            <a:ext uri="{91240B29-F687-4F45-9708-019B960494DF}">
-              <a14:hiddenLine xmlns:a14="http://schemas.microsoft.com/office/drawing/2010/main" w="9525">
-                <a:solidFill>
-                  <a:srgbClr val="000000"/>
-                </a:solidFill>
-                <a:miter lim="800000"/>
-                <a:headEnd/>
-                <a:tailEnd/>
-              </a14:hiddenLine>
-            </a:ext>
-          </a:extLst>
-        </p:spPr>
-        <p:txBody>
-          <a:bodyPr anchor="ctr">
-            <a:spAutoFit/>
-          </a:bodyPr>
-          <a:lstStyle>
-            <a:lvl1pPr>
-              <a:defRPr kumimoji="1">
-                <a:solidFill>
-                  <a:schemeClr val="tx1"/>
-                </a:solidFill>
-                <a:latin typeface="굴림" panose="020B0600000101010101" pitchFamily="50" charset="-127"/>
-                <a:ea typeface="굴림" panose="020B0600000101010101" pitchFamily="50" charset="-127"/>
-              </a:defRPr>
-            </a:lvl1pPr>
-            <a:lvl2pPr marL="742950" indent="-285750">
-              <a:defRPr kumimoji="1">
-                <a:solidFill>
-                  <a:schemeClr val="tx1"/>
-                </a:solidFill>
-                <a:latin typeface="굴림" panose="020B0600000101010101" pitchFamily="50" charset="-127"/>
-                <a:ea typeface="굴림" panose="020B0600000101010101" pitchFamily="50" charset="-127"/>
-              </a:defRPr>
-            </a:lvl2pPr>
-            <a:lvl3pPr marL="1143000" indent="-228600">
-              <a:defRPr kumimoji="1">
-                <a:solidFill>
-                  <a:schemeClr val="tx1"/>
-                </a:solidFill>
-                <a:latin typeface="굴림" panose="020B0600000101010101" pitchFamily="50" charset="-127"/>
-                <a:ea typeface="굴림" panose="020B0600000101010101" pitchFamily="50" charset="-127"/>
-              </a:defRPr>
-            </a:lvl3pPr>
-            <a:lvl4pPr marL="1600200" indent="-228600">
-              <a:defRPr kumimoji="1">
-                <a:solidFill>
-                  <a:schemeClr val="tx1"/>
-                </a:solidFill>
-                <a:latin typeface="굴림" panose="020B0600000101010101" pitchFamily="50" charset="-127"/>
-                <a:ea typeface="굴림" panose="020B0600000101010101" pitchFamily="50" charset="-127"/>
-              </a:defRPr>
-            </a:lvl4pPr>
-            <a:lvl5pPr marL="2057400" indent="-228600">
-              <a:defRPr kumimoji="1">
-                <a:solidFill>
-                  <a:schemeClr val="tx1"/>
-                </a:solidFill>
-                <a:latin typeface="굴림" panose="020B0600000101010101" pitchFamily="50" charset="-127"/>
-                <a:ea typeface="굴림" panose="020B0600000101010101" pitchFamily="50" charset="-127"/>
-              </a:defRPr>
-            </a:lvl5pPr>
-            <a:lvl6pPr marL="2514600" indent="-228600" eaLnBrk="0" fontAlgn="base" hangingPunct="0">
-              <a:spcBef>
-                <a:spcPct val="0"/>
-              </a:spcBef>
-              <a:spcAft>
-                <a:spcPct val="0"/>
-              </a:spcAft>
-              <a:defRPr kumimoji="1">
-                <a:solidFill>
-                  <a:schemeClr val="tx1"/>
-                </a:solidFill>
-                <a:latin typeface="굴림" panose="020B0600000101010101" pitchFamily="50" charset="-127"/>
-                <a:ea typeface="굴림" panose="020B0600000101010101" pitchFamily="50" charset="-127"/>
-              </a:defRPr>
-            </a:lvl6pPr>
-            <a:lvl7pPr marL="2971800" indent="-228600" eaLnBrk="0" fontAlgn="base" hangingPunct="0">
-              <a:spcBef>
-                <a:spcPct val="0"/>
-              </a:spcBef>
-              <a:spcAft>
-                <a:spcPct val="0"/>
-              </a:spcAft>
-              <a:defRPr kumimoji="1">
-                <a:solidFill>
-                  <a:schemeClr val="tx1"/>
-                </a:solidFill>
-                <a:latin typeface="굴림" panose="020B0600000101010101" pitchFamily="50" charset="-127"/>
-                <a:ea typeface="굴림" panose="020B0600000101010101" pitchFamily="50" charset="-127"/>
-              </a:defRPr>
-            </a:lvl7pPr>
-            <a:lvl8pPr marL="3429000" indent="-228600" eaLnBrk="0" fontAlgn="base" hangingPunct="0">
-              <a:spcBef>
-                <a:spcPct val="0"/>
-              </a:spcBef>
-              <a:spcAft>
-                <a:spcPct val="0"/>
-              </a:spcAft>
-              <a:defRPr kumimoji="1">
-                <a:solidFill>
-                  <a:schemeClr val="tx1"/>
-                </a:solidFill>
-                <a:latin typeface="굴림" panose="020B0600000101010101" pitchFamily="50" charset="-127"/>
-                <a:ea typeface="굴림" panose="020B0600000101010101" pitchFamily="50" charset="-127"/>
-              </a:defRPr>
-            </a:lvl8pPr>
-            <a:lvl9pPr marL="3886200" indent="-228600" eaLnBrk="0" fontAlgn="base" hangingPunct="0">
-              <a:spcBef>
-                <a:spcPct val="0"/>
-              </a:spcBef>
-              <a:spcAft>
-                <a:spcPct val="0"/>
-              </a:spcAft>
-              <a:defRPr kumimoji="1">
-                <a:solidFill>
-                  <a:schemeClr val="tx1"/>
-                </a:solidFill>
-                <a:latin typeface="굴림" panose="020B0600000101010101" pitchFamily="50" charset="-127"/>
-                <a:ea typeface="굴림" panose="020B0600000101010101" pitchFamily="50" charset="-127"/>
-              </a:defRPr>
-            </a:lvl9pPr>
-          </a:lstStyle>
-          <a:p>
-            <a:pPr eaLnBrk="1" latinLnBrk="1" hangingPunct="1"/>
-            <a:r>
-              <a:rPr lang="en-US" altLang="ko-KR" sz="3200" dirty="0" smtClean="0">
-                <a:latin typeface="Tahoma" panose="020B0604030504040204" pitchFamily="34" charset="0"/>
-                <a:cs typeface="Tahoma" panose="020B0604030504040204" pitchFamily="34" charset="0"/>
-              </a:rPr>
-              <a:t>Development of </a:t>
-            </a:r>
-            <a:r>
-              <a:rPr lang="en-US" altLang="ko-KR" sz="3200" b="1" dirty="0" smtClean="0">
-                <a:latin typeface="Tahoma" panose="020B0604030504040204" pitchFamily="34" charset="0"/>
-                <a:cs typeface="Tahoma" panose="020B0604030504040204" pitchFamily="34" charset="0"/>
-              </a:rPr>
-              <a:t>Schedule</a:t>
-            </a:r>
-            <a:endParaRPr lang="ko-KR" altLang="ko-KR" sz="3200" b="1" dirty="0">
-              <a:latin typeface="Tahoma" panose="020B0604030504040204" pitchFamily="34" charset="0"/>
-              <a:cs typeface="Tahoma" panose="020B0604030504040204" pitchFamily="34" charset="0"/>
-            </a:endParaRPr>
-          </a:p>
-        </p:txBody>
-      </p:sp>
-      <p:graphicFrame>
-        <p:nvGraphicFramePr>
-          <p:cNvPr id="5" name="표 4"/>
-          <p:cNvGraphicFramePr>
-            <a:graphicFrameLocks noGrp="1"/>
-          </p:cNvGraphicFramePr>
-          <p:nvPr>
-            <p:extLst>
-              <p:ext uri="{D42A27DB-BD31-4B8C-83A1-F6EECF244321}">
-                <p14:modId xmlns:p14="http://schemas.microsoft.com/office/powerpoint/2010/main" val="2707130652"/>
-              </p:ext>
-            </p:extLst>
-          </p:nvPr>
-        </p:nvGraphicFramePr>
-        <p:xfrm>
-          <a:off x="577850" y="1124744"/>
-          <a:ext cx="8170614" cy="4729480"/>
-        </p:xfrm>
-        <a:graphic>
-          <a:graphicData uri="http://schemas.openxmlformats.org/drawingml/2006/table">
-            <a:tbl>
-              <a:tblPr firstRow="1" bandRow="1">
-                <a:tableStyleId>{073A0DAA-6AF3-43AB-8588-CEC1D06C72B9}</a:tableStyleId>
-              </a:tblPr>
-              <a:tblGrid>
-                <a:gridCol w="1905918"/>
-                <a:gridCol w="936104"/>
-                <a:gridCol w="5328592"/>
-              </a:tblGrid>
-              <a:tr h="370840">
-                <a:tc>
-                  <a:txBody>
-                    <a:bodyPr/>
-                    <a:lstStyle/>
-                    <a:p>
-                      <a:pPr algn="ctr" latinLnBrk="1"/>
-                      <a:r>
-                        <a:rPr lang="ko-KR" altLang="en-US" dirty="0" smtClean="0"/>
-                        <a:t>주</a:t>
-                      </a:r>
-                      <a:endParaRPr lang="ko-KR" altLang="en-US" dirty="0"/>
-                    </a:p>
-                  </a:txBody>
-                  <a:tcPr anchor="ctr">
-                    <a:solidFill>
-                      <a:schemeClr val="bg1">
-                        <a:lumMod val="85000"/>
-                        <a:lumOff val="15000"/>
-                      </a:schemeClr>
-                    </a:solidFill>
-                  </a:tcPr>
-                </a:tc>
-                <a:tc>
-                  <a:txBody>
-                    <a:bodyPr/>
-                    <a:lstStyle/>
-                    <a:p>
-                      <a:pPr algn="ctr" latinLnBrk="1"/>
-                      <a:r>
-                        <a:rPr lang="ko-KR" altLang="en-US" dirty="0" smtClean="0"/>
-                        <a:t>완성도</a:t>
-                      </a:r>
-                      <a:endParaRPr lang="ko-KR" altLang="en-US" dirty="0"/>
-                    </a:p>
-                  </a:txBody>
-                  <a:tcPr anchor="ctr">
-                    <a:solidFill>
-                      <a:schemeClr val="bg1">
-                        <a:lumMod val="85000"/>
-                        <a:lumOff val="15000"/>
-                      </a:schemeClr>
-                    </a:solidFill>
-                  </a:tcPr>
-                </a:tc>
-                <a:tc>
-                  <a:txBody>
-                    <a:bodyPr/>
-                    <a:lstStyle/>
-                    <a:p>
-                      <a:pPr algn="ctr" latinLnBrk="1"/>
-                      <a:r>
-                        <a:rPr lang="ko-KR" altLang="en-US" dirty="0" smtClean="0"/>
-                        <a:t>주제</a:t>
-                      </a:r>
-                      <a:endParaRPr lang="ko-KR" altLang="en-US" dirty="0"/>
-                    </a:p>
-                  </a:txBody>
-                  <a:tcPr anchor="ctr">
-                    <a:solidFill>
-                      <a:schemeClr val="bg1">
-                        <a:lumMod val="85000"/>
-                        <a:lumOff val="15000"/>
-                      </a:schemeClr>
-                    </a:solidFill>
-                  </a:tcPr>
-                </a:tc>
-              </a:tr>
-              <a:tr h="360000">
-                <a:tc>
-                  <a:txBody>
-                    <a:bodyPr/>
-                    <a:lstStyle/>
-                    <a:p>
-                      <a:pPr lvl="0" algn="l" latinLnBrk="1"/>
-                      <a:r>
-                        <a:rPr lang="en-US" altLang="ko-KR" sz="2000" b="0" dirty="0" smtClean="0"/>
-                        <a:t>1</a:t>
-                      </a:r>
-                      <a:r>
-                        <a:rPr lang="ko-KR" altLang="en-US" sz="2000" b="0" dirty="0" smtClean="0"/>
-                        <a:t>주차 </a:t>
-                      </a:r>
-                      <a:r>
-                        <a:rPr lang="en-US" altLang="ko-KR" sz="2000" b="0" dirty="0" smtClean="0"/>
-                        <a:t>(09/23)</a:t>
-                      </a:r>
-                      <a:endParaRPr lang="ko-KR" altLang="en-US" sz="2000" b="0" dirty="0"/>
-                    </a:p>
-                  </a:txBody>
-                  <a:tcPr anchor="ctr"/>
-                </a:tc>
-                <a:tc>
-                  <a:txBody>
-                    <a:bodyPr/>
-                    <a:lstStyle/>
-                    <a:p>
-                      <a:pPr lvl="0" algn="ctr" latinLnBrk="1"/>
-                      <a:r>
-                        <a:rPr lang="en-US" altLang="ko-KR" sz="2000" b="0" dirty="0" smtClean="0">
-                          <a:solidFill>
-                            <a:srgbClr val="101614"/>
-                          </a:solidFill>
-                        </a:rPr>
-                        <a:t>100%</a:t>
-                      </a:r>
-                      <a:endParaRPr lang="ko-KR" altLang="en-US" sz="2000" b="0" dirty="0">
-                        <a:solidFill>
-                          <a:srgbClr val="101614"/>
-                        </a:solidFill>
-                      </a:endParaRPr>
-                    </a:p>
-                  </a:txBody>
-                  <a:tcPr anchor="ctr"/>
-                </a:tc>
-                <a:tc>
-                  <a:txBody>
-                    <a:bodyPr/>
-                    <a:lstStyle/>
-                    <a:p>
-                      <a:pPr latinLnBrk="1"/>
-                      <a:r>
-                        <a:rPr lang="ko-KR" altLang="en-US" dirty="0" smtClean="0"/>
-                        <a:t>전체적인 </a:t>
-                      </a:r>
-                      <a:r>
-                        <a:rPr lang="ko-KR" altLang="en-US" dirty="0" err="1" smtClean="0"/>
-                        <a:t>맵</a:t>
-                      </a:r>
-                      <a:r>
-                        <a:rPr lang="ko-KR" altLang="en-US" baseline="0" dirty="0" smtClean="0"/>
-                        <a:t> 틀 및 게임 스토리 구성</a:t>
-                      </a:r>
-                      <a:endParaRPr lang="ko-KR" altLang="en-US" dirty="0"/>
-                    </a:p>
-                  </a:txBody>
-                  <a:tcPr anchor="ctr"/>
-                </a:tc>
-              </a:tr>
-              <a:tr h="360000">
-                <a:tc>
-                  <a:txBody>
-                    <a:bodyPr/>
-                    <a:lstStyle/>
-                    <a:p>
-                      <a:pPr marL="0" marR="0" lvl="0" indent="0" algn="l" defTabSz="914400" rtl="0" eaLnBrk="1" fontAlgn="auto" latinLnBrk="1" hangingPunct="1">
-                        <a:lnSpc>
-                          <a:spcPct val="100000"/>
-                        </a:lnSpc>
-                        <a:spcBef>
-                          <a:spcPts val="0"/>
-                        </a:spcBef>
-                        <a:spcAft>
-                          <a:spcPts val="0"/>
-                        </a:spcAft>
-                        <a:buClrTx/>
-                        <a:buSzTx/>
-                        <a:buFontTx/>
-                        <a:buNone/>
-                        <a:tabLst/>
-                        <a:defRPr/>
-                      </a:pPr>
-                      <a:r>
-                        <a:rPr lang="en-US" altLang="ko-KR" sz="2000" b="0" dirty="0" smtClean="0"/>
-                        <a:t>2</a:t>
-                      </a:r>
-                      <a:r>
-                        <a:rPr lang="ko-KR" altLang="en-US" sz="2000" b="0" dirty="0" smtClean="0"/>
-                        <a:t>주차 </a:t>
-                      </a:r>
-                      <a:r>
-                        <a:rPr lang="en-US" altLang="ko-KR" sz="2000" b="0" dirty="0" smtClean="0"/>
-                        <a:t>(09/30)</a:t>
-                      </a:r>
-                      <a:endParaRPr lang="ko-KR" altLang="en-US" sz="2000" b="0" dirty="0" smtClean="0"/>
-                    </a:p>
-                  </a:txBody>
-                  <a:tcPr anchor="ctr"/>
-                </a:tc>
-                <a:tc>
-                  <a:txBody>
-                    <a:bodyPr/>
-                    <a:lstStyle/>
-                    <a:p>
-                      <a:pPr marL="0" marR="0" lvl="0" indent="0" algn="ctr" defTabSz="914400" rtl="0" eaLnBrk="1" fontAlgn="auto" latinLnBrk="1" hangingPunct="1">
-                        <a:lnSpc>
-                          <a:spcPct val="100000"/>
-                        </a:lnSpc>
-                        <a:spcBef>
-                          <a:spcPts val="0"/>
-                        </a:spcBef>
-                        <a:spcAft>
-                          <a:spcPts val="0"/>
-                        </a:spcAft>
-                        <a:buClrTx/>
-                        <a:buSzTx/>
-                        <a:buFontTx/>
-                        <a:buNone/>
-                        <a:tabLst/>
-                        <a:defRPr/>
-                      </a:pPr>
-                      <a:r>
-                        <a:rPr lang="en-US" altLang="ko-KR" sz="2000" b="0" dirty="0" smtClean="0">
-                          <a:solidFill>
-                            <a:srgbClr val="101614"/>
-                          </a:solidFill>
-                        </a:rPr>
-                        <a:t>100%</a:t>
-                      </a:r>
-                      <a:endParaRPr lang="ko-KR" altLang="en-US" sz="2000" b="0" dirty="0" smtClean="0">
-                        <a:solidFill>
-                          <a:srgbClr val="101614"/>
-                        </a:solidFill>
-                      </a:endParaRPr>
-                    </a:p>
-                  </a:txBody>
-                  <a:tcPr anchor="ctr"/>
-                </a:tc>
-                <a:tc>
-                  <a:txBody>
-                    <a:bodyPr/>
-                    <a:lstStyle/>
-                    <a:p>
-                      <a:pPr latinLnBrk="1"/>
-                      <a:r>
-                        <a:rPr lang="ko-KR" altLang="en-US" dirty="0" smtClean="0"/>
-                        <a:t>리소스 및 사운드 와 알고리즘 계산</a:t>
-                      </a:r>
-                      <a:endParaRPr lang="ko-KR" altLang="en-US" dirty="0"/>
-                    </a:p>
-                  </a:txBody>
-                  <a:tcPr anchor="ctr"/>
-                </a:tc>
-              </a:tr>
-              <a:tr h="360000">
-                <a:tc>
-                  <a:txBody>
-                    <a:bodyPr/>
-                    <a:lstStyle/>
-                    <a:p>
-                      <a:pPr marL="0" marR="0" lvl="0" indent="0" algn="l" defTabSz="914400" rtl="0" eaLnBrk="1" fontAlgn="auto" latinLnBrk="1" hangingPunct="1">
-                        <a:lnSpc>
-                          <a:spcPct val="100000"/>
-                        </a:lnSpc>
-                        <a:spcBef>
-                          <a:spcPts val="0"/>
-                        </a:spcBef>
-                        <a:spcAft>
-                          <a:spcPts val="0"/>
-                        </a:spcAft>
-                        <a:buClrTx/>
-                        <a:buSzTx/>
-                        <a:buFontTx/>
-                        <a:buNone/>
-                        <a:tabLst/>
-                        <a:defRPr/>
-                      </a:pPr>
-                      <a:r>
-                        <a:rPr lang="en-US" altLang="ko-KR" sz="2000" b="0" dirty="0" smtClean="0"/>
-                        <a:t>3</a:t>
-                      </a:r>
-                      <a:r>
-                        <a:rPr lang="ko-KR" altLang="en-US" sz="2000" b="0" dirty="0" smtClean="0"/>
-                        <a:t>주차 </a:t>
-                      </a:r>
-                      <a:r>
-                        <a:rPr lang="en-US" altLang="ko-KR" sz="2000" b="0" dirty="0" smtClean="0"/>
-                        <a:t>(10/07)</a:t>
-                      </a:r>
-                      <a:endParaRPr lang="ko-KR" altLang="en-US" sz="2000" b="0" dirty="0" smtClean="0"/>
-                    </a:p>
-                  </a:txBody>
-                  <a:tcPr anchor="ctr"/>
-                </a:tc>
-                <a:tc>
-                  <a:txBody>
-                    <a:bodyPr/>
-                    <a:lstStyle/>
-                    <a:p>
-                      <a:pPr marL="0" marR="0" lvl="0" indent="0" algn="ctr" defTabSz="914400" rtl="0" eaLnBrk="1" fontAlgn="auto" latinLnBrk="1" hangingPunct="1">
-                        <a:lnSpc>
-                          <a:spcPct val="100000"/>
-                        </a:lnSpc>
-                        <a:spcBef>
-                          <a:spcPts val="0"/>
-                        </a:spcBef>
-                        <a:spcAft>
-                          <a:spcPts val="0"/>
-                        </a:spcAft>
-                        <a:buClrTx/>
-                        <a:buSzTx/>
-                        <a:buFontTx/>
-                        <a:buNone/>
-                        <a:tabLst/>
-                        <a:defRPr/>
-                      </a:pPr>
-                      <a:r>
-                        <a:rPr lang="en-US" altLang="ko-KR" sz="2000" b="0" dirty="0" smtClean="0">
-                          <a:solidFill>
-                            <a:srgbClr val="101614"/>
-                          </a:solidFill>
-                        </a:rPr>
-                        <a:t>100%</a:t>
-                      </a:r>
-                      <a:endParaRPr lang="ko-KR" altLang="en-US" sz="2000" b="0" dirty="0" smtClean="0">
-                        <a:solidFill>
-                          <a:srgbClr val="101614"/>
-                        </a:solidFill>
-                      </a:endParaRPr>
-                    </a:p>
-                  </a:txBody>
-                  <a:tcPr anchor="ctr"/>
-                </a:tc>
-                <a:tc>
-                  <a:txBody>
-                    <a:bodyPr/>
-                    <a:lstStyle/>
-                    <a:p>
-                      <a:pPr latinLnBrk="1"/>
-                      <a:r>
-                        <a:rPr lang="ko-KR" altLang="en-US" dirty="0" smtClean="0"/>
-                        <a:t>난이도 조절 관련 메뉴 및 시작</a:t>
-                      </a:r>
-                      <a:r>
-                        <a:rPr lang="ko-KR" altLang="en-US" baseline="0" dirty="0" smtClean="0"/>
-                        <a:t> 페이지 </a:t>
-                      </a:r>
-                      <a:r>
-                        <a:rPr lang="ko-KR" altLang="en-US" dirty="0" smtClean="0"/>
-                        <a:t>구성</a:t>
-                      </a:r>
-                      <a:endParaRPr lang="ko-KR" altLang="en-US" dirty="0"/>
-                    </a:p>
-                  </a:txBody>
-                  <a:tcPr anchor="ctr"/>
-                </a:tc>
-              </a:tr>
-              <a:tr h="360000">
-                <a:tc>
-                  <a:txBody>
-                    <a:bodyPr/>
-                    <a:lstStyle/>
-                    <a:p>
-                      <a:pPr marL="0" marR="0" lvl="0" indent="0" algn="l" defTabSz="914400" rtl="0" eaLnBrk="1" fontAlgn="auto" latinLnBrk="1" hangingPunct="1">
-                        <a:lnSpc>
-                          <a:spcPct val="100000"/>
-                        </a:lnSpc>
-                        <a:spcBef>
-                          <a:spcPts val="0"/>
-                        </a:spcBef>
-                        <a:spcAft>
-                          <a:spcPts val="0"/>
-                        </a:spcAft>
-                        <a:buClrTx/>
-                        <a:buSzTx/>
-                        <a:buFontTx/>
-                        <a:buNone/>
-                        <a:tabLst/>
-                        <a:defRPr/>
-                      </a:pPr>
-                      <a:r>
-                        <a:rPr lang="en-US" altLang="ko-KR" sz="2000" b="0" dirty="0" smtClean="0"/>
-                        <a:t>4</a:t>
-                      </a:r>
-                      <a:r>
-                        <a:rPr lang="ko-KR" altLang="en-US" sz="2000" b="0" dirty="0" smtClean="0"/>
-                        <a:t>주차 </a:t>
-                      </a:r>
-                      <a:r>
-                        <a:rPr lang="en-US" altLang="ko-KR" sz="2000" b="0" dirty="0" smtClean="0"/>
-                        <a:t>(10/14)</a:t>
-                      </a:r>
-                      <a:endParaRPr lang="ko-KR" altLang="en-US" sz="2000" b="0" dirty="0" smtClean="0"/>
-                    </a:p>
-                  </a:txBody>
-                  <a:tcPr anchor="ctr"/>
-                </a:tc>
-                <a:tc>
-                  <a:txBody>
-                    <a:bodyPr/>
-                    <a:lstStyle/>
-                    <a:p>
-                      <a:pPr marL="0" marR="0" lvl="0" indent="0" algn="ctr" defTabSz="914400" rtl="0" eaLnBrk="1" fontAlgn="auto" latinLnBrk="1" hangingPunct="1">
-                        <a:lnSpc>
-                          <a:spcPct val="100000"/>
-                        </a:lnSpc>
-                        <a:spcBef>
-                          <a:spcPts val="0"/>
-                        </a:spcBef>
-                        <a:spcAft>
-                          <a:spcPts val="0"/>
-                        </a:spcAft>
-                        <a:buClrTx/>
-                        <a:buSzTx/>
-                        <a:buFontTx/>
-                        <a:buNone/>
-                        <a:tabLst/>
-                        <a:defRPr/>
-                      </a:pPr>
-                      <a:r>
-                        <a:rPr lang="en-US" altLang="ko-KR" sz="2000" b="0" dirty="0" smtClean="0">
-                          <a:solidFill>
-                            <a:srgbClr val="101614"/>
-                          </a:solidFill>
-                        </a:rPr>
-                        <a:t>100%</a:t>
-                      </a:r>
-                      <a:endParaRPr lang="ko-KR" altLang="en-US" sz="2000" b="0" dirty="0" smtClean="0">
-                        <a:solidFill>
-                          <a:srgbClr val="101614"/>
-                        </a:solidFill>
-                      </a:endParaRPr>
-                    </a:p>
-                  </a:txBody>
-                  <a:tcPr anchor="ctr"/>
-                </a:tc>
-                <a:tc>
-                  <a:txBody>
-                    <a:bodyPr/>
-                    <a:lstStyle/>
-                    <a:p>
-                      <a:pPr latinLnBrk="1"/>
-                      <a:r>
-                        <a:rPr lang="ko-KR" altLang="en-US" dirty="0" smtClean="0"/>
-                        <a:t>캐릭터 애니메이션 구현</a:t>
-                      </a:r>
-                      <a:endParaRPr lang="ko-KR" altLang="en-US" dirty="0"/>
-                    </a:p>
-                  </a:txBody>
-                  <a:tcPr anchor="ctr"/>
-                </a:tc>
-              </a:tr>
-              <a:tr h="360000">
-                <a:tc>
-                  <a:txBody>
-                    <a:bodyPr/>
-                    <a:lstStyle/>
-                    <a:p>
-                      <a:pPr marL="0" marR="0" lvl="0" indent="0" algn="l" defTabSz="914400" rtl="0" eaLnBrk="1" fontAlgn="auto" latinLnBrk="1" hangingPunct="1">
-                        <a:lnSpc>
-                          <a:spcPct val="100000"/>
-                        </a:lnSpc>
-                        <a:spcBef>
-                          <a:spcPts val="0"/>
-                        </a:spcBef>
-                        <a:spcAft>
-                          <a:spcPts val="0"/>
-                        </a:spcAft>
-                        <a:buClrTx/>
-                        <a:buSzTx/>
-                        <a:buFontTx/>
-                        <a:buNone/>
-                        <a:tabLst/>
-                        <a:defRPr/>
-                      </a:pPr>
-                      <a:r>
-                        <a:rPr lang="en-US" altLang="ko-KR" sz="2000" b="1" dirty="0" smtClean="0"/>
-                        <a:t>5</a:t>
-                      </a:r>
-                      <a:r>
-                        <a:rPr lang="ko-KR" altLang="en-US" sz="2000" b="1" dirty="0" smtClean="0"/>
-                        <a:t>주차 </a:t>
-                      </a:r>
-                      <a:r>
-                        <a:rPr lang="en-US" altLang="ko-KR" sz="2000" b="1" dirty="0" smtClean="0"/>
-                        <a:t>(10/28)</a:t>
-                      </a:r>
-                      <a:endParaRPr lang="ko-KR" altLang="en-US" sz="2000" b="1" dirty="0" smtClean="0"/>
-                    </a:p>
-                  </a:txBody>
-                  <a:tcPr anchor="ctr"/>
-                </a:tc>
-                <a:tc>
-                  <a:txBody>
-                    <a:bodyPr/>
-                    <a:lstStyle/>
-                    <a:p>
-                      <a:pPr marL="0" marR="0" lvl="0" indent="0" algn="ctr" defTabSz="914400" rtl="0" eaLnBrk="1" fontAlgn="auto" latinLnBrk="1" hangingPunct="1">
-                        <a:lnSpc>
-                          <a:spcPct val="100000"/>
-                        </a:lnSpc>
-                        <a:spcBef>
-                          <a:spcPts val="0"/>
-                        </a:spcBef>
-                        <a:spcAft>
-                          <a:spcPts val="0"/>
-                        </a:spcAft>
-                        <a:buClrTx/>
-                        <a:buSzTx/>
-                        <a:buFontTx/>
-                        <a:buNone/>
-                        <a:tabLst/>
-                        <a:defRPr/>
-                      </a:pPr>
-                      <a:r>
-                        <a:rPr lang="en-US" altLang="ko-KR" sz="2000" b="0" dirty="0" smtClean="0">
-                          <a:solidFill>
-                            <a:srgbClr val="101614"/>
-                          </a:solidFill>
-                        </a:rPr>
-                        <a:t>100%</a:t>
-                      </a:r>
-                      <a:endParaRPr lang="ko-KR" altLang="en-US" sz="2000" b="0" dirty="0" smtClean="0">
-                        <a:solidFill>
-                          <a:srgbClr val="101614"/>
-                        </a:solidFill>
-                      </a:endParaRPr>
-                    </a:p>
-                  </a:txBody>
-                  <a:tcPr anchor="ctr"/>
-                </a:tc>
-                <a:tc>
-                  <a:txBody>
-                    <a:bodyPr/>
-                    <a:lstStyle/>
-                    <a:p>
-                      <a:pPr marL="0" marR="0" indent="0" algn="l" defTabSz="914400" rtl="0" eaLnBrk="1" fontAlgn="auto" latinLnBrk="1" hangingPunct="1">
-                        <a:lnSpc>
-                          <a:spcPct val="100000"/>
-                        </a:lnSpc>
-                        <a:spcBef>
-                          <a:spcPts val="0"/>
-                        </a:spcBef>
-                        <a:spcAft>
-                          <a:spcPts val="0"/>
-                        </a:spcAft>
-                        <a:buClrTx/>
-                        <a:buSzTx/>
-                        <a:buFontTx/>
-                        <a:buNone/>
-                        <a:tabLst/>
-                        <a:defRPr/>
-                      </a:pPr>
-                      <a:r>
-                        <a:rPr lang="ko-KR" altLang="en-US" b="1" dirty="0" smtClean="0"/>
-                        <a:t>프로젝트 </a:t>
-                      </a:r>
-                      <a:r>
-                        <a:rPr lang="en-US" altLang="ko-KR" b="1" dirty="0" smtClean="0"/>
-                        <a:t>2</a:t>
-                      </a:r>
-                      <a:r>
-                        <a:rPr lang="ko-KR" altLang="en-US" b="1" dirty="0" smtClean="0"/>
-                        <a:t>차 발표를 위한 정리</a:t>
-                      </a:r>
-                      <a:r>
-                        <a:rPr lang="en-US" altLang="ko-KR" b="1" dirty="0" smtClean="0"/>
-                        <a:t>.</a:t>
-                      </a:r>
-                      <a:endParaRPr lang="ko-KR" altLang="en-US" b="1" dirty="0" smtClean="0"/>
-                    </a:p>
-                  </a:txBody>
-                  <a:tcPr anchor="ctr"/>
-                </a:tc>
-              </a:tr>
-              <a:tr h="360000">
-                <a:tc>
-                  <a:txBody>
-                    <a:bodyPr/>
-                    <a:lstStyle/>
-                    <a:p>
-                      <a:pPr marL="0" marR="0" lvl="0" indent="0" algn="l" defTabSz="914400" rtl="0" eaLnBrk="1" fontAlgn="auto" latinLnBrk="1" hangingPunct="1">
-                        <a:lnSpc>
-                          <a:spcPct val="100000"/>
-                        </a:lnSpc>
-                        <a:spcBef>
-                          <a:spcPts val="0"/>
-                        </a:spcBef>
-                        <a:spcAft>
-                          <a:spcPts val="0"/>
-                        </a:spcAft>
-                        <a:buClrTx/>
-                        <a:buSzTx/>
-                        <a:buFontTx/>
-                        <a:buNone/>
-                        <a:tabLst/>
-                        <a:defRPr/>
-                      </a:pPr>
-                      <a:r>
-                        <a:rPr lang="en-US" altLang="ko-KR" sz="2000" b="0" dirty="0" smtClean="0"/>
-                        <a:t>6</a:t>
-                      </a:r>
-                      <a:r>
-                        <a:rPr lang="ko-KR" altLang="en-US" sz="2000" b="0" dirty="0" smtClean="0"/>
-                        <a:t>주차 </a:t>
-                      </a:r>
-                      <a:r>
-                        <a:rPr lang="en-US" altLang="ko-KR" sz="2000" b="0" dirty="0" smtClean="0"/>
-                        <a:t>(11/04)</a:t>
-                      </a:r>
-                      <a:endParaRPr lang="ko-KR" altLang="en-US" sz="2000" b="0" dirty="0" smtClean="0"/>
-                    </a:p>
-                  </a:txBody>
-                  <a:tcPr anchor="ctr"/>
-                </a:tc>
-                <a:tc>
-                  <a:txBody>
-                    <a:bodyPr/>
-                    <a:lstStyle/>
-                    <a:p>
-                      <a:pPr marL="0" marR="0" lvl="0" indent="0" algn="ctr" defTabSz="914400" rtl="0" eaLnBrk="1" fontAlgn="auto" latinLnBrk="1" hangingPunct="1">
-                        <a:lnSpc>
-                          <a:spcPct val="100000"/>
-                        </a:lnSpc>
-                        <a:spcBef>
-                          <a:spcPts val="0"/>
-                        </a:spcBef>
-                        <a:spcAft>
-                          <a:spcPts val="0"/>
-                        </a:spcAft>
-                        <a:buClrTx/>
-                        <a:buSzTx/>
-                        <a:buFontTx/>
-                        <a:buNone/>
-                        <a:tabLst/>
-                        <a:defRPr/>
-                      </a:pPr>
-                      <a:r>
-                        <a:rPr lang="en-US" altLang="ko-KR" sz="2000" b="0" dirty="0" smtClean="0">
-                          <a:solidFill>
-                            <a:srgbClr val="101614"/>
-                          </a:solidFill>
-                        </a:rPr>
-                        <a:t>7</a:t>
-                      </a:r>
-                      <a:r>
-                        <a:rPr lang="en-US" altLang="ko-KR" sz="2000" b="0" smtClean="0">
-                          <a:solidFill>
-                            <a:srgbClr val="101614"/>
-                          </a:solidFill>
-                        </a:rPr>
-                        <a:t>%</a:t>
-                      </a:r>
-                      <a:endParaRPr lang="ko-KR" altLang="en-US" sz="2000" b="0" dirty="0" smtClean="0">
-                        <a:solidFill>
-                          <a:srgbClr val="101614"/>
-                        </a:solidFill>
-                      </a:endParaRPr>
-                    </a:p>
-                  </a:txBody>
-                  <a:tcPr anchor="ctr"/>
-                </a:tc>
-                <a:tc>
-                  <a:txBody>
-                    <a:bodyPr/>
-                    <a:lstStyle/>
-                    <a:p>
-                      <a:pPr marL="0" marR="0" indent="0" algn="l" defTabSz="914400" rtl="0" eaLnBrk="1" fontAlgn="auto" latinLnBrk="1" hangingPunct="1">
-                        <a:lnSpc>
-                          <a:spcPct val="100000"/>
-                        </a:lnSpc>
-                        <a:spcBef>
-                          <a:spcPts val="0"/>
-                        </a:spcBef>
-                        <a:spcAft>
-                          <a:spcPts val="0"/>
-                        </a:spcAft>
-                        <a:buClrTx/>
-                        <a:buSzTx/>
-                        <a:buFontTx/>
-                        <a:buNone/>
-                        <a:tabLst/>
-                        <a:defRPr/>
-                      </a:pPr>
-                      <a:r>
-                        <a:rPr lang="ko-KR" altLang="en-US" dirty="0" smtClean="0"/>
-                        <a:t>발판 등 의</a:t>
-                      </a:r>
-                      <a:r>
-                        <a:rPr lang="ko-KR" altLang="en-US" baseline="0" dirty="0" smtClean="0"/>
-                        <a:t> 생성 부분 알고리즘 추가</a:t>
-                      </a:r>
-                      <a:endParaRPr lang="ko-KR" altLang="en-US" dirty="0" smtClean="0"/>
-                    </a:p>
-                  </a:txBody>
-                  <a:tcPr anchor="ctr"/>
-                </a:tc>
-              </a:tr>
-              <a:tr h="360000">
-                <a:tc>
-                  <a:txBody>
-                    <a:bodyPr/>
-                    <a:lstStyle/>
-                    <a:p>
-                      <a:pPr marL="0" marR="0" lvl="0" indent="0" algn="l" defTabSz="914400" rtl="0" eaLnBrk="1" fontAlgn="auto" latinLnBrk="1" hangingPunct="1">
-                        <a:lnSpc>
-                          <a:spcPct val="100000"/>
-                        </a:lnSpc>
-                        <a:spcBef>
-                          <a:spcPts val="0"/>
-                        </a:spcBef>
-                        <a:spcAft>
-                          <a:spcPts val="0"/>
-                        </a:spcAft>
-                        <a:buClrTx/>
-                        <a:buSzTx/>
-                        <a:buFontTx/>
-                        <a:buNone/>
-                        <a:tabLst/>
-                        <a:defRPr/>
-                      </a:pPr>
-                      <a:r>
-                        <a:rPr lang="en-US" altLang="ko-KR" sz="2000" b="0" dirty="0" smtClean="0"/>
-                        <a:t>7</a:t>
-                      </a:r>
-                      <a:r>
-                        <a:rPr lang="ko-KR" altLang="en-US" sz="2000" b="0" dirty="0" smtClean="0"/>
-                        <a:t>주차 </a:t>
-                      </a:r>
-                      <a:r>
-                        <a:rPr lang="en-US" altLang="ko-KR" sz="2000" b="0" dirty="0" smtClean="0"/>
-                        <a:t>(11/11)</a:t>
-                      </a:r>
-                      <a:endParaRPr lang="ko-KR" altLang="en-US" sz="2000" b="0" dirty="0" smtClean="0"/>
-                    </a:p>
-                  </a:txBody>
-                  <a:tcPr anchor="ctr"/>
-                </a:tc>
-                <a:tc>
-                  <a:txBody>
-                    <a:bodyPr/>
-                    <a:lstStyle/>
-                    <a:p>
-                      <a:pPr marL="0" marR="0" lvl="0" indent="0" algn="ctr" defTabSz="914400" rtl="0" eaLnBrk="1" fontAlgn="auto" latinLnBrk="1" hangingPunct="1">
-                        <a:lnSpc>
-                          <a:spcPct val="100000"/>
-                        </a:lnSpc>
-                        <a:spcBef>
-                          <a:spcPts val="0"/>
-                        </a:spcBef>
-                        <a:spcAft>
-                          <a:spcPts val="0"/>
-                        </a:spcAft>
-                        <a:buClrTx/>
-                        <a:buSzTx/>
-                        <a:buFontTx/>
-                        <a:buNone/>
-                        <a:tabLst/>
-                        <a:defRPr/>
-                      </a:pPr>
-                      <a:r>
-                        <a:rPr lang="en-US" altLang="ko-KR" sz="2000" b="0" dirty="0" smtClean="0">
-                          <a:solidFill>
-                            <a:srgbClr val="101614"/>
-                          </a:solidFill>
-                        </a:rPr>
-                        <a:t>0%</a:t>
-                      </a:r>
-                      <a:endParaRPr lang="ko-KR" altLang="en-US" sz="2000" b="0" dirty="0" smtClean="0">
-                        <a:solidFill>
-                          <a:srgbClr val="101614"/>
-                        </a:solidFill>
-                      </a:endParaRPr>
-                    </a:p>
-                  </a:txBody>
-                  <a:tcPr anchor="ctr"/>
-                </a:tc>
-                <a:tc>
-                  <a:txBody>
-                    <a:bodyPr/>
-                    <a:lstStyle/>
-                    <a:p>
-                      <a:pPr latinLnBrk="1"/>
-                      <a:r>
-                        <a:rPr lang="ko-KR" altLang="en-US" dirty="0" smtClean="0"/>
-                        <a:t>발판과 캐릭터의 충돌 체크 작업</a:t>
-                      </a:r>
-                      <a:endParaRPr lang="ko-KR" altLang="en-US" dirty="0"/>
-                    </a:p>
-                  </a:txBody>
-                  <a:tcPr anchor="ctr"/>
-                </a:tc>
-              </a:tr>
-              <a:tr h="360000">
-                <a:tc>
-                  <a:txBody>
-                    <a:bodyPr/>
-                    <a:lstStyle/>
-                    <a:p>
-                      <a:pPr marL="0" marR="0" lvl="0" indent="0" algn="l" defTabSz="914400" rtl="0" eaLnBrk="1" fontAlgn="auto" latinLnBrk="1" hangingPunct="1">
-                        <a:lnSpc>
-                          <a:spcPct val="100000"/>
-                        </a:lnSpc>
-                        <a:spcBef>
-                          <a:spcPts val="0"/>
-                        </a:spcBef>
-                        <a:spcAft>
-                          <a:spcPts val="0"/>
-                        </a:spcAft>
-                        <a:buClrTx/>
-                        <a:buSzTx/>
-                        <a:buFontTx/>
-                        <a:buNone/>
-                        <a:tabLst/>
-                        <a:defRPr/>
-                      </a:pPr>
-                      <a:r>
-                        <a:rPr lang="en-US" altLang="ko-KR" sz="2000" b="0" dirty="0" smtClean="0"/>
-                        <a:t>8</a:t>
-                      </a:r>
-                      <a:r>
-                        <a:rPr lang="ko-KR" altLang="en-US" sz="2000" b="0" dirty="0" smtClean="0"/>
-                        <a:t>주차 </a:t>
-                      </a:r>
-                      <a:r>
-                        <a:rPr lang="en-US" altLang="ko-KR" sz="2000" b="0" dirty="0" smtClean="0"/>
-                        <a:t>(11/18)</a:t>
-                      </a:r>
-                      <a:endParaRPr lang="ko-KR" altLang="en-US" sz="2000" b="0" dirty="0" smtClean="0"/>
-                    </a:p>
-                  </a:txBody>
-                  <a:tcPr anchor="ctr"/>
-                </a:tc>
-                <a:tc>
-                  <a:txBody>
-                    <a:bodyPr/>
-                    <a:lstStyle/>
-                    <a:p>
-                      <a:pPr marL="0" marR="0" lvl="0" indent="0" algn="ctr" defTabSz="914400" rtl="0" eaLnBrk="1" fontAlgn="auto" latinLnBrk="1" hangingPunct="1">
-                        <a:lnSpc>
-                          <a:spcPct val="100000"/>
-                        </a:lnSpc>
-                        <a:spcBef>
-                          <a:spcPts val="0"/>
-                        </a:spcBef>
-                        <a:spcAft>
-                          <a:spcPts val="0"/>
-                        </a:spcAft>
-                        <a:buClrTx/>
-                        <a:buSzTx/>
-                        <a:buFontTx/>
-                        <a:buNone/>
-                        <a:tabLst/>
-                        <a:defRPr/>
-                      </a:pPr>
-                      <a:r>
-                        <a:rPr lang="en-US" altLang="ko-KR" sz="2000" b="0" dirty="0" smtClean="0">
-                          <a:solidFill>
-                            <a:srgbClr val="101614"/>
-                          </a:solidFill>
-                        </a:rPr>
-                        <a:t>0%</a:t>
-                      </a:r>
-                      <a:endParaRPr lang="ko-KR" altLang="en-US" sz="2000" b="0" dirty="0" smtClean="0">
-                        <a:solidFill>
-                          <a:srgbClr val="101614"/>
-                        </a:solidFill>
-                      </a:endParaRPr>
-                    </a:p>
-                  </a:txBody>
-                  <a:tcPr anchor="ctr"/>
-                </a:tc>
-                <a:tc>
-                  <a:txBody>
-                    <a:bodyPr/>
-                    <a:lstStyle/>
-                    <a:p>
-                      <a:pPr latinLnBrk="1"/>
-                      <a:r>
-                        <a:rPr lang="ko-KR" altLang="en-US" dirty="0" smtClean="0"/>
-                        <a:t>발판을 올라가면서 점수체크 기능 작업</a:t>
-                      </a:r>
-                      <a:endParaRPr lang="ko-KR" altLang="en-US" dirty="0"/>
-                    </a:p>
-                  </a:txBody>
-                  <a:tcPr anchor="ctr"/>
-                </a:tc>
-              </a:tr>
-              <a:tr h="360000">
-                <a:tc>
-                  <a:txBody>
-                    <a:bodyPr/>
-                    <a:lstStyle/>
-                    <a:p>
-                      <a:pPr marL="0" marR="0" lvl="0" indent="0" algn="l" defTabSz="914400" rtl="0" eaLnBrk="1" fontAlgn="auto" latinLnBrk="1" hangingPunct="1">
-                        <a:lnSpc>
-                          <a:spcPct val="100000"/>
-                        </a:lnSpc>
-                        <a:spcBef>
-                          <a:spcPts val="0"/>
-                        </a:spcBef>
-                        <a:spcAft>
-                          <a:spcPts val="0"/>
-                        </a:spcAft>
-                        <a:buClrTx/>
-                        <a:buSzTx/>
-                        <a:buFontTx/>
-                        <a:buNone/>
-                        <a:tabLst/>
-                        <a:defRPr/>
-                      </a:pPr>
-                      <a:r>
-                        <a:rPr lang="en-US" altLang="ko-KR" sz="2000" b="1" dirty="0" smtClean="0"/>
-                        <a:t>9</a:t>
-                      </a:r>
-                      <a:r>
-                        <a:rPr lang="ko-KR" altLang="en-US" sz="2000" b="1" dirty="0" smtClean="0"/>
-                        <a:t>주차 </a:t>
-                      </a:r>
-                      <a:r>
-                        <a:rPr lang="en-US" altLang="ko-KR" sz="2000" b="1" dirty="0" smtClean="0"/>
-                        <a:t>(11/25)</a:t>
-                      </a:r>
-                      <a:endParaRPr lang="ko-KR" altLang="en-US" sz="2000" b="1" dirty="0" smtClean="0"/>
-                    </a:p>
-                  </a:txBody>
-                  <a:tcPr anchor="ctr"/>
-                </a:tc>
-                <a:tc>
-                  <a:txBody>
-                    <a:bodyPr/>
-                    <a:lstStyle/>
-                    <a:p>
-                      <a:pPr marL="0" marR="0" lvl="0" indent="0" algn="ctr" defTabSz="914400" rtl="0" eaLnBrk="1" fontAlgn="auto" latinLnBrk="1" hangingPunct="1">
-                        <a:lnSpc>
-                          <a:spcPct val="100000"/>
-                        </a:lnSpc>
-                        <a:spcBef>
-                          <a:spcPts val="0"/>
-                        </a:spcBef>
-                        <a:spcAft>
-                          <a:spcPts val="0"/>
-                        </a:spcAft>
-                        <a:buClrTx/>
-                        <a:buSzTx/>
-                        <a:buFontTx/>
-                        <a:buNone/>
-                        <a:tabLst/>
-                        <a:defRPr/>
-                      </a:pPr>
-                      <a:r>
-                        <a:rPr lang="en-US" altLang="ko-KR" sz="2000" b="0" dirty="0" smtClean="0">
-                          <a:solidFill>
-                            <a:srgbClr val="101614"/>
-                          </a:solidFill>
-                        </a:rPr>
-                        <a:t>0%</a:t>
-                      </a:r>
-                      <a:endParaRPr lang="ko-KR" altLang="en-US" sz="2000" b="1" dirty="0" smtClean="0">
-                        <a:solidFill>
-                          <a:srgbClr val="101614"/>
-                        </a:solidFill>
-                      </a:endParaRPr>
-                    </a:p>
-                  </a:txBody>
-                  <a:tcPr anchor="ctr"/>
-                </a:tc>
-                <a:tc>
-                  <a:txBody>
-                    <a:bodyPr/>
-                    <a:lstStyle/>
-                    <a:p>
-                      <a:pPr latinLnBrk="1"/>
-                      <a:r>
-                        <a:rPr lang="ko-KR" altLang="en-US" b="1" dirty="0" smtClean="0"/>
-                        <a:t>프로젝트 </a:t>
-                      </a:r>
-                      <a:r>
-                        <a:rPr lang="en-US" altLang="ko-KR" b="1" dirty="0" smtClean="0"/>
-                        <a:t>3</a:t>
-                      </a:r>
-                      <a:r>
-                        <a:rPr lang="ko-KR" altLang="en-US" b="1" dirty="0" smtClean="0"/>
-                        <a:t>차 발표를 위한 정리</a:t>
-                      </a:r>
-                      <a:r>
-                        <a:rPr lang="en-US" altLang="ko-KR" b="1" dirty="0" smtClean="0"/>
-                        <a:t>.</a:t>
-                      </a:r>
-                      <a:endParaRPr lang="ko-KR" altLang="en-US" b="1" dirty="0"/>
-                    </a:p>
-                  </a:txBody>
-                  <a:tcPr anchor="ctr"/>
-                </a:tc>
-              </a:tr>
-              <a:tr h="360000">
-                <a:tc>
-                  <a:txBody>
-                    <a:bodyPr/>
-                    <a:lstStyle/>
-                    <a:p>
-                      <a:pPr marL="0" marR="0" lvl="0" indent="0" algn="l" defTabSz="914400" rtl="0" eaLnBrk="1" fontAlgn="auto" latinLnBrk="1" hangingPunct="1">
-                        <a:lnSpc>
-                          <a:spcPct val="100000"/>
-                        </a:lnSpc>
-                        <a:spcBef>
-                          <a:spcPts val="0"/>
-                        </a:spcBef>
-                        <a:spcAft>
-                          <a:spcPts val="0"/>
-                        </a:spcAft>
-                        <a:buClrTx/>
-                        <a:buSzTx/>
-                        <a:buFontTx/>
-                        <a:buNone/>
-                        <a:tabLst/>
-                        <a:defRPr/>
-                      </a:pPr>
-                      <a:r>
-                        <a:rPr lang="en-US" altLang="ko-KR" sz="2000" b="0" dirty="0" smtClean="0"/>
-                        <a:t>10</a:t>
-                      </a:r>
-                      <a:r>
-                        <a:rPr lang="ko-KR" altLang="en-US" sz="2000" b="0" dirty="0" smtClean="0"/>
-                        <a:t>주차 </a:t>
-                      </a:r>
-                      <a:r>
-                        <a:rPr lang="en-US" altLang="ko-KR" sz="2000" b="0" dirty="0" smtClean="0"/>
-                        <a:t>(12/02)</a:t>
-                      </a:r>
-                      <a:endParaRPr lang="ko-KR" altLang="en-US" sz="2000" b="0" dirty="0" smtClean="0"/>
-                    </a:p>
-                  </a:txBody>
-                  <a:tcPr anchor="ctr"/>
-                </a:tc>
-                <a:tc>
-                  <a:txBody>
-                    <a:bodyPr/>
-                    <a:lstStyle/>
-                    <a:p>
-                      <a:pPr marL="0" marR="0" lvl="0" indent="0" algn="ctr" defTabSz="914400" rtl="0" eaLnBrk="1" fontAlgn="auto" latinLnBrk="1" hangingPunct="1">
-                        <a:lnSpc>
-                          <a:spcPct val="100000"/>
-                        </a:lnSpc>
-                        <a:spcBef>
-                          <a:spcPts val="0"/>
-                        </a:spcBef>
-                        <a:spcAft>
-                          <a:spcPts val="0"/>
-                        </a:spcAft>
-                        <a:buClrTx/>
-                        <a:buSzTx/>
-                        <a:buFontTx/>
-                        <a:buNone/>
-                        <a:tabLst/>
-                        <a:defRPr/>
-                      </a:pPr>
-                      <a:r>
-                        <a:rPr lang="en-US" altLang="ko-KR" sz="2000" b="0" dirty="0" smtClean="0">
-                          <a:solidFill>
-                            <a:srgbClr val="101614"/>
-                          </a:solidFill>
-                        </a:rPr>
-                        <a:t>0%</a:t>
-                      </a:r>
-                      <a:endParaRPr lang="ko-KR" altLang="en-US" sz="2000" b="0" dirty="0" smtClean="0">
-                        <a:solidFill>
-                          <a:srgbClr val="101614"/>
-                        </a:solidFill>
-                      </a:endParaRPr>
-                    </a:p>
-                  </a:txBody>
-                  <a:tcPr anchor="ctr"/>
-                </a:tc>
-                <a:tc>
-                  <a:txBody>
-                    <a:bodyPr/>
-                    <a:lstStyle/>
-                    <a:p>
-                      <a:pPr latinLnBrk="1"/>
-                      <a:r>
-                        <a:rPr lang="ko-KR" altLang="en-US" dirty="0" smtClean="0"/>
-                        <a:t>전체적인 완성도 작업을 위한 마지막 작업</a:t>
-                      </a:r>
-                      <a:endParaRPr lang="ko-KR" altLang="en-US" dirty="0"/>
-                    </a:p>
-                  </a:txBody>
-                  <a:tcPr anchor="ctr"/>
-                </a:tc>
-              </a:tr>
-              <a:tr h="360000">
-                <a:tc>
-                  <a:txBody>
-                    <a:bodyPr/>
-                    <a:lstStyle/>
-                    <a:p>
-                      <a:pPr marL="0" marR="0" lvl="0" indent="0" algn="l" defTabSz="914400" rtl="0" eaLnBrk="1" fontAlgn="auto" latinLnBrk="1" hangingPunct="1">
-                        <a:lnSpc>
-                          <a:spcPct val="100000"/>
-                        </a:lnSpc>
-                        <a:spcBef>
-                          <a:spcPts val="0"/>
-                        </a:spcBef>
-                        <a:spcAft>
-                          <a:spcPts val="0"/>
-                        </a:spcAft>
-                        <a:buClrTx/>
-                        <a:buSzTx/>
-                        <a:buFontTx/>
-                        <a:buNone/>
-                        <a:tabLst/>
-                        <a:defRPr/>
-                      </a:pPr>
-                      <a:r>
-                        <a:rPr lang="en-US" altLang="ko-KR" sz="2000" b="1" dirty="0" smtClean="0"/>
-                        <a:t>11</a:t>
-                      </a:r>
-                      <a:r>
-                        <a:rPr lang="ko-KR" altLang="en-US" sz="2000" b="1" dirty="0" smtClean="0"/>
-                        <a:t>주차 </a:t>
-                      </a:r>
-                      <a:r>
-                        <a:rPr lang="en-US" altLang="ko-KR" sz="2000" b="1" dirty="0" smtClean="0"/>
-                        <a:t>(12/16)</a:t>
-                      </a:r>
-                      <a:endParaRPr lang="ko-KR" altLang="en-US" sz="2000" b="1" dirty="0" smtClean="0"/>
-                    </a:p>
-                  </a:txBody>
-                  <a:tcPr anchor="ctr"/>
-                </a:tc>
-                <a:tc>
-                  <a:txBody>
-                    <a:bodyPr/>
-                    <a:lstStyle/>
-                    <a:p>
-                      <a:pPr marL="0" marR="0" lvl="0" indent="0" algn="ctr" defTabSz="914400" rtl="0" eaLnBrk="1" fontAlgn="auto" latinLnBrk="1" hangingPunct="1">
-                        <a:lnSpc>
-                          <a:spcPct val="100000"/>
-                        </a:lnSpc>
-                        <a:spcBef>
-                          <a:spcPts val="0"/>
-                        </a:spcBef>
-                        <a:spcAft>
-                          <a:spcPts val="0"/>
-                        </a:spcAft>
-                        <a:buClrTx/>
-                        <a:buSzTx/>
-                        <a:buFontTx/>
-                        <a:buNone/>
-                        <a:tabLst/>
-                        <a:defRPr/>
-                      </a:pPr>
-                      <a:r>
-                        <a:rPr lang="en-US" altLang="ko-KR" sz="2000" b="0" dirty="0" smtClean="0">
-                          <a:solidFill>
-                            <a:srgbClr val="101614"/>
-                          </a:solidFill>
-                        </a:rPr>
-                        <a:t>0%</a:t>
-                      </a:r>
-                      <a:endParaRPr lang="ko-KR" altLang="en-US" sz="2000" b="1" dirty="0" smtClean="0">
-                        <a:solidFill>
-                          <a:srgbClr val="101614"/>
-                        </a:solidFill>
-                      </a:endParaRPr>
-                    </a:p>
-                  </a:txBody>
-                  <a:tcPr anchor="ctr"/>
-                </a:tc>
-                <a:tc>
-                  <a:txBody>
-                    <a:bodyPr/>
-                    <a:lstStyle/>
-                    <a:p>
-                      <a:pPr latinLnBrk="1"/>
-                      <a:r>
-                        <a:rPr lang="ko-KR" altLang="en-US" b="1" dirty="0" smtClean="0"/>
-                        <a:t>프로젝트 최종 발표를 위한 정리</a:t>
-                      </a:r>
-                      <a:r>
-                        <a:rPr lang="en-US" altLang="ko-KR" b="1" dirty="0" smtClean="0"/>
-                        <a:t>.</a:t>
-                      </a:r>
-                      <a:endParaRPr lang="ko-KR" altLang="en-US" b="1" dirty="0"/>
-                    </a:p>
-                  </a:txBody>
-                  <a:tcPr anchor="ctr"/>
-                </a:tc>
-              </a:tr>
-            </a:tbl>
-          </a:graphicData>
-        </a:graphic>
-      </p:graphicFrame>
-    </p:spTree>
-    <p:extLst>
-      <p:ext uri="{BB962C8B-B14F-4D97-AF65-F5344CB8AC3E}">
-        <p14:creationId xmlns:p14="http://schemas.microsoft.com/office/powerpoint/2010/main" val="695069274"/>
-      </p:ext>
-    </p:extLst>
-  </p:cSld>
-  <p:clrMapOvr>
-    <a:masterClrMapping/>
-  </p:clrMapOvr>
-  <p:timing>
-    <p:tnLst>
-      <p:par>
-        <p:cTn id="1" dur="indefinite" restart="never" nodeType="tmRoot"/>
-      </p:par>
-    </p:tnLst>
-  </p:timing>
-</p:sld>
-</file>
-
-<file path=ppt/slides/slide13.xml><?xml version="1.0" encoding="utf-8"?>
-<p:sld xmlns:a="http://schemas.openxmlformats.org/drawingml/2006/main" xmlns:r="http://schemas.openxmlformats.org/officeDocument/2006/relationships" xmlns:p="http://schemas.openxmlformats.org/presentationml/2006/main">
-  <p:cSld>
-    <p:spTree>
-      <p:nvGrpSpPr>
-        <p:cNvPr id="1" name=""/>
-        <p:cNvGrpSpPr/>
-        <p:nvPr/>
-      </p:nvGrpSpPr>
-      <p:grpSpPr>
-        <a:xfrm>
-          <a:off x="0" y="0"/>
-          <a:ext cx="0" cy="0"/>
-          <a:chOff x="0" y="0"/>
-          <a:chExt cx="0" cy="0"/>
-        </a:xfrm>
-      </p:grpSpPr>
-      <p:grpSp>
-        <p:nvGrpSpPr>
-          <p:cNvPr id="12290" name="그룹 1"/>
-          <p:cNvGrpSpPr>
-            <a:grpSpLocks/>
-          </p:cNvGrpSpPr>
-          <p:nvPr/>
-        </p:nvGrpSpPr>
-        <p:grpSpPr bwMode="auto">
-          <a:xfrm>
-            <a:off x="3122613" y="3143250"/>
-            <a:ext cx="5164137" cy="1149350"/>
-            <a:chOff x="3177925" y="2002967"/>
-            <a:chExt cx="5164787" cy="1150543"/>
-          </a:xfrm>
-        </p:grpSpPr>
-        <p:sp>
-          <p:nvSpPr>
-            <p:cNvPr id="3" name="TextBox 2"/>
-            <p:cNvSpPr txBox="1">
-              <a:spLocks noChangeArrowheads="1"/>
-            </p:cNvSpPr>
-            <p:nvPr/>
-          </p:nvSpPr>
-          <p:spPr bwMode="auto">
-            <a:xfrm>
-              <a:off x="3177925" y="2002967"/>
-              <a:ext cx="5164787" cy="785644"/>
-            </a:xfrm>
-            <a:prstGeom prst="rect">
-              <a:avLst/>
-            </a:prstGeom>
-            <a:noFill/>
-            <a:ln w="9525">
-              <a:noFill/>
-              <a:miter lim="800000"/>
-              <a:headEnd/>
-              <a:tailEnd/>
-            </a:ln>
-          </p:spPr>
-          <p:txBody>
-            <a:bodyPr>
-              <a:spAutoFit/>
-              <a:scene3d>
-                <a:camera prst="orthographicFront">
-                  <a:rot lat="0" lon="0" rev="0"/>
-                </a:camera>
-                <a:lightRig rig="glow" dir="t">
-                  <a:rot lat="0" lon="0" rev="3600000"/>
-                </a:lightRig>
-              </a:scene3d>
-              <a:sp3d prstMaterial="softEdge">
-                <a:bevelT w="0" h="0"/>
-                <a:contourClr>
-                  <a:schemeClr val="tx1">
-                    <a:lumMod val="75000"/>
-                    <a:lumOff val="25000"/>
-                  </a:schemeClr>
-                </a:contourClr>
-              </a:sp3d>
-            </a:bodyPr>
-            <a:lstStyle/>
-            <a:p>
-              <a:pPr eaLnBrk="1" fontAlgn="auto" latinLnBrk="1" hangingPunct="1">
-                <a:lnSpc>
-                  <a:spcPct val="90000"/>
-                </a:lnSpc>
-                <a:spcBef>
-                  <a:spcPts val="0"/>
-                </a:spcBef>
-                <a:spcAft>
-                  <a:spcPts val="0"/>
-                </a:spcAft>
-                <a:defRPr/>
-              </a:pPr>
-              <a:r>
-                <a:rPr kumimoji="0" lang="en-US" altLang="ko-KR" sz="5000" b="1" spc="-150" dirty="0" err="1">
-                  <a:ln>
-                    <a:prstDash val="solid"/>
-                  </a:ln>
-                  <a:solidFill>
-                    <a:srgbClr val="B9E02D"/>
-                  </a:solidFill>
-                  <a:effectLst>
-                    <a:outerShdw blurRad="38100" dist="38100" dir="2700000" algn="tl">
-                      <a:srgbClr val="000000">
-                        <a:alpha val="43137"/>
-                      </a:srgbClr>
-                    </a:outerShdw>
-                  </a:effectLst>
-                  <a:latin typeface="나눔고딕 ExtraBold" pitchFamily="50" charset="-127"/>
-                  <a:ea typeface="나눔고딕 ExtraBold" pitchFamily="50" charset="-127"/>
-                  <a:cs typeface="Tahoma" pitchFamily="34" charset="0"/>
-                </a:rPr>
-                <a:t>Github</a:t>
-              </a:r>
-              <a:r>
-                <a:rPr kumimoji="0" lang="en-US" altLang="ko-KR" sz="5000" b="1" spc="-150" dirty="0">
-                  <a:ln>
-                    <a:prstDash val="solid"/>
-                  </a:ln>
-                  <a:solidFill>
-                    <a:srgbClr val="B9E02D"/>
-                  </a:solidFill>
-                  <a:effectLst>
-                    <a:outerShdw blurRad="38100" dist="38100" dir="2700000" algn="tl">
-                      <a:srgbClr val="000000">
-                        <a:alpha val="43137"/>
-                      </a:srgbClr>
-                    </a:outerShdw>
-                  </a:effectLst>
-                  <a:latin typeface="나눔고딕 ExtraBold" pitchFamily="50" charset="-127"/>
-                  <a:ea typeface="나눔고딕 ExtraBold" pitchFamily="50" charset="-127"/>
-                  <a:cs typeface="Tahoma" pitchFamily="34" charset="0"/>
-                </a:rPr>
-                <a:t> Commits</a:t>
-              </a:r>
-            </a:p>
-          </p:txBody>
-        </p:sp>
-        <p:sp>
-          <p:nvSpPr>
-            <p:cNvPr id="12292" name="Text Box 5"/>
-            <p:cNvSpPr txBox="1">
-              <a:spLocks noChangeArrowheads="1"/>
-            </p:cNvSpPr>
-            <p:nvPr/>
-          </p:nvSpPr>
-          <p:spPr bwMode="auto">
-            <a:xfrm>
-              <a:off x="3177925" y="2814956"/>
-              <a:ext cx="4703675" cy="338554"/>
-            </a:xfrm>
-            <a:prstGeom prst="rect">
-              <a:avLst/>
-            </a:prstGeom>
-            <a:noFill/>
-            <a:ln>
-              <a:noFill/>
-            </a:ln>
-            <a:extLst>
-              <a:ext uri="{909E8E84-426E-40DD-AFC4-6F175D3DCCD1}">
-                <a14:hiddenFill xmlns:a14="http://schemas.microsoft.com/office/drawing/2010/main">
-                  <a:solidFill>
-                    <a:srgbClr val="FFFFFF"/>
-                  </a:solidFill>
-                </a14:hiddenFill>
-              </a:ext>
-              <a:ext uri="{91240B29-F687-4F45-9708-019B960494DF}">
-                <a14:hiddenLine xmlns:a14="http://schemas.microsoft.com/office/drawing/2010/main" w="9525">
-                  <a:solidFill>
-                    <a:srgbClr val="000000"/>
-                  </a:solidFill>
-                  <a:miter lim="800000"/>
-                  <a:headEnd/>
-                  <a:tailEnd/>
-                </a14:hiddenLine>
-              </a:ext>
-            </a:extLst>
-          </p:spPr>
-          <p:txBody>
-            <a:bodyPr anchor="ctr">
-              <a:spAutoFit/>
-            </a:bodyPr>
-            <a:lstStyle>
-              <a:lvl1pPr>
-                <a:defRPr kumimoji="1">
-                  <a:solidFill>
-                    <a:schemeClr val="tx1"/>
-                  </a:solidFill>
-                  <a:latin typeface="굴림" panose="020B0600000101010101" pitchFamily="50" charset="-127"/>
-                  <a:ea typeface="굴림" panose="020B0600000101010101" pitchFamily="50" charset="-127"/>
-                </a:defRPr>
-              </a:lvl1pPr>
-              <a:lvl2pPr marL="742950" indent="-285750">
-                <a:defRPr kumimoji="1">
-                  <a:solidFill>
-                    <a:schemeClr val="tx1"/>
-                  </a:solidFill>
-                  <a:latin typeface="굴림" panose="020B0600000101010101" pitchFamily="50" charset="-127"/>
-                  <a:ea typeface="굴림" panose="020B0600000101010101" pitchFamily="50" charset="-127"/>
-                </a:defRPr>
-              </a:lvl2pPr>
-              <a:lvl3pPr marL="1143000" indent="-228600">
-                <a:defRPr kumimoji="1">
-                  <a:solidFill>
-                    <a:schemeClr val="tx1"/>
-                  </a:solidFill>
-                  <a:latin typeface="굴림" panose="020B0600000101010101" pitchFamily="50" charset="-127"/>
-                  <a:ea typeface="굴림" panose="020B0600000101010101" pitchFamily="50" charset="-127"/>
-                </a:defRPr>
-              </a:lvl3pPr>
-              <a:lvl4pPr marL="1600200" indent="-228600">
-                <a:defRPr kumimoji="1">
-                  <a:solidFill>
-                    <a:schemeClr val="tx1"/>
-                  </a:solidFill>
-                  <a:latin typeface="굴림" panose="020B0600000101010101" pitchFamily="50" charset="-127"/>
-                  <a:ea typeface="굴림" panose="020B0600000101010101" pitchFamily="50" charset="-127"/>
-                </a:defRPr>
-              </a:lvl4pPr>
-              <a:lvl5pPr marL="2057400" indent="-228600">
-                <a:defRPr kumimoji="1">
-                  <a:solidFill>
-                    <a:schemeClr val="tx1"/>
-                  </a:solidFill>
-                  <a:latin typeface="굴림" panose="020B0600000101010101" pitchFamily="50" charset="-127"/>
-                  <a:ea typeface="굴림" panose="020B0600000101010101" pitchFamily="50" charset="-127"/>
-                </a:defRPr>
-              </a:lvl5pPr>
-              <a:lvl6pPr marL="2514600" indent="-228600" eaLnBrk="0" fontAlgn="base" hangingPunct="0">
-                <a:spcBef>
-                  <a:spcPct val="0"/>
-                </a:spcBef>
-                <a:spcAft>
-                  <a:spcPct val="0"/>
-                </a:spcAft>
-                <a:defRPr kumimoji="1">
-                  <a:solidFill>
-                    <a:schemeClr val="tx1"/>
-                  </a:solidFill>
-                  <a:latin typeface="굴림" panose="020B0600000101010101" pitchFamily="50" charset="-127"/>
-                  <a:ea typeface="굴림" panose="020B0600000101010101" pitchFamily="50" charset="-127"/>
-                </a:defRPr>
-              </a:lvl6pPr>
-              <a:lvl7pPr marL="2971800" indent="-228600" eaLnBrk="0" fontAlgn="base" hangingPunct="0">
-                <a:spcBef>
-                  <a:spcPct val="0"/>
-                </a:spcBef>
-                <a:spcAft>
-                  <a:spcPct val="0"/>
-                </a:spcAft>
-                <a:defRPr kumimoji="1">
-                  <a:solidFill>
-                    <a:schemeClr val="tx1"/>
-                  </a:solidFill>
-                  <a:latin typeface="굴림" panose="020B0600000101010101" pitchFamily="50" charset="-127"/>
-                  <a:ea typeface="굴림" panose="020B0600000101010101" pitchFamily="50" charset="-127"/>
-                </a:defRPr>
-              </a:lvl7pPr>
-              <a:lvl8pPr marL="3429000" indent="-228600" eaLnBrk="0" fontAlgn="base" hangingPunct="0">
-                <a:spcBef>
-                  <a:spcPct val="0"/>
-                </a:spcBef>
-                <a:spcAft>
-                  <a:spcPct val="0"/>
-                </a:spcAft>
-                <a:defRPr kumimoji="1">
-                  <a:solidFill>
-                    <a:schemeClr val="tx1"/>
-                  </a:solidFill>
-                  <a:latin typeface="굴림" panose="020B0600000101010101" pitchFamily="50" charset="-127"/>
-                  <a:ea typeface="굴림" panose="020B0600000101010101" pitchFamily="50" charset="-127"/>
-                </a:defRPr>
-              </a:lvl8pPr>
-              <a:lvl9pPr marL="3886200" indent="-228600" eaLnBrk="0" fontAlgn="base" hangingPunct="0">
-                <a:spcBef>
-                  <a:spcPct val="0"/>
-                </a:spcBef>
-                <a:spcAft>
-                  <a:spcPct val="0"/>
-                </a:spcAft>
-                <a:defRPr kumimoji="1">
-                  <a:solidFill>
-                    <a:schemeClr val="tx1"/>
-                  </a:solidFill>
-                  <a:latin typeface="굴림" panose="020B0600000101010101" pitchFamily="50" charset="-127"/>
-                  <a:ea typeface="굴림" panose="020B0600000101010101" pitchFamily="50" charset="-127"/>
-                </a:defRPr>
-              </a:lvl9pPr>
-            </a:lstStyle>
-            <a:p>
-              <a:pPr eaLnBrk="1" latinLnBrk="1" hangingPunct="1"/>
-              <a:r>
-                <a:rPr kumimoji="0" lang="en-US" altLang="ko-KR" sz="1600" dirty="0" err="1">
-                  <a:solidFill>
-                    <a:prstClr val="white"/>
-                  </a:solidFill>
-                  <a:latin typeface="Arial" panose="020B0604020202020204" pitchFamily="34" charset="0"/>
-                  <a:ea typeface="맑은 고딕" panose="020B0503020000020004" pitchFamily="50" charset="-127"/>
-                  <a:cs typeface="Arial" panose="020B0604020202020204" pitchFamily="34" charset="0"/>
-                </a:rPr>
-                <a:t>Github</a:t>
-              </a:r>
-              <a:r>
-                <a:rPr kumimoji="0" lang="en-US" altLang="ko-KR" sz="1600" dirty="0">
-                  <a:solidFill>
-                    <a:prstClr val="white"/>
-                  </a:solidFill>
-                  <a:latin typeface="Arial" panose="020B0604020202020204" pitchFamily="34" charset="0"/>
-                  <a:ea typeface="맑은 고딕" panose="020B0503020000020004" pitchFamily="50" charset="-127"/>
-                  <a:cs typeface="Arial" panose="020B0604020202020204" pitchFamily="34" charset="0"/>
-                </a:rPr>
-                <a:t> History Information</a:t>
-              </a:r>
-            </a:p>
-          </p:txBody>
-        </p:sp>
-      </p:grpSp>
-    </p:spTree>
-    <p:extLst>
-      <p:ext uri="{BB962C8B-B14F-4D97-AF65-F5344CB8AC3E}">
-        <p14:creationId xmlns:p14="http://schemas.microsoft.com/office/powerpoint/2010/main" val="1943815268"/>
-      </p:ext>
-    </p:extLst>
-  </p:cSld>
-  <p:clrMapOvr>
-    <a:masterClrMapping/>
-  </p:clrMapOvr>
-  <p:timing>
-    <p:tnLst>
-      <p:par>
-        <p:cTn id="1" dur="indefinite" restart="never" nodeType="tmRoot"/>
-      </p:par>
-    </p:tnLst>
-  </p:timing>
-</p:sld>
-</file>
-
-<file path=ppt/slides/slide14.xml><?xml version="1.0" encoding="utf-8"?>
-<p:sld xmlns:a="http://schemas.openxmlformats.org/drawingml/2006/main" xmlns:r="http://schemas.openxmlformats.org/officeDocument/2006/relationships" xmlns:p="http://schemas.openxmlformats.org/presentationml/2006/main">
-  <p:cSld>
-    <p:spTree>
-      <p:nvGrpSpPr>
-        <p:cNvPr id="1" name=""/>
-        <p:cNvGrpSpPr/>
-        <p:nvPr/>
-      </p:nvGrpSpPr>
-      <p:grpSpPr>
-        <a:xfrm>
-          <a:off x="0" y="0"/>
-          <a:ext cx="0" cy="0"/>
-          <a:chOff x="0" y="0"/>
-          <a:chExt cx="0" cy="0"/>
-        </a:xfrm>
-      </p:grpSpPr>
-      <p:sp>
-        <p:nvSpPr>
-          <p:cNvPr id="13315" name="Text Box 5"/>
-          <p:cNvSpPr txBox="1">
-            <a:spLocks noChangeArrowheads="1"/>
-          </p:cNvSpPr>
-          <p:nvPr/>
-        </p:nvSpPr>
-        <p:spPr bwMode="auto">
-          <a:xfrm>
-            <a:off x="325438" y="120650"/>
-            <a:ext cx="6600825" cy="585788"/>
-          </a:xfrm>
-          <a:prstGeom prst="rect">
-            <a:avLst/>
-          </a:prstGeom>
-          <a:noFill/>
-          <a:ln>
-            <a:noFill/>
-          </a:ln>
-          <a:extLst>
-            <a:ext uri="{909E8E84-426E-40DD-AFC4-6F175D3DCCD1}">
-              <a14:hiddenFill xmlns:a14="http://schemas.microsoft.com/office/drawing/2010/main">
-                <a:solidFill>
-                  <a:srgbClr val="FFFFFF"/>
-                </a:solidFill>
-              </a14:hiddenFill>
-            </a:ext>
-            <a:ext uri="{91240B29-F687-4F45-9708-019B960494DF}">
-              <a14:hiddenLine xmlns:a14="http://schemas.microsoft.com/office/drawing/2010/main" w="9525">
-                <a:solidFill>
-                  <a:srgbClr val="000000"/>
-                </a:solidFill>
-                <a:miter lim="800000"/>
-                <a:headEnd/>
-                <a:tailEnd/>
-              </a14:hiddenLine>
-            </a:ext>
-          </a:extLst>
-        </p:spPr>
-        <p:txBody>
-          <a:bodyPr anchor="ctr">
-            <a:spAutoFit/>
-          </a:bodyPr>
-          <a:lstStyle>
-            <a:lvl1pPr>
-              <a:defRPr kumimoji="1">
-                <a:solidFill>
-                  <a:schemeClr val="tx1"/>
-                </a:solidFill>
-                <a:latin typeface="굴림" panose="020B0600000101010101" pitchFamily="50" charset="-127"/>
-                <a:ea typeface="굴림" panose="020B0600000101010101" pitchFamily="50" charset="-127"/>
-              </a:defRPr>
-            </a:lvl1pPr>
-            <a:lvl2pPr marL="742950" indent="-285750">
-              <a:defRPr kumimoji="1">
-                <a:solidFill>
-                  <a:schemeClr val="tx1"/>
-                </a:solidFill>
-                <a:latin typeface="굴림" panose="020B0600000101010101" pitchFamily="50" charset="-127"/>
-                <a:ea typeface="굴림" panose="020B0600000101010101" pitchFamily="50" charset="-127"/>
-              </a:defRPr>
-            </a:lvl2pPr>
-            <a:lvl3pPr marL="1143000" indent="-228600">
-              <a:defRPr kumimoji="1">
-                <a:solidFill>
-                  <a:schemeClr val="tx1"/>
-                </a:solidFill>
-                <a:latin typeface="굴림" panose="020B0600000101010101" pitchFamily="50" charset="-127"/>
-                <a:ea typeface="굴림" panose="020B0600000101010101" pitchFamily="50" charset="-127"/>
-              </a:defRPr>
-            </a:lvl3pPr>
-            <a:lvl4pPr marL="1600200" indent="-228600">
-              <a:defRPr kumimoji="1">
-                <a:solidFill>
-                  <a:schemeClr val="tx1"/>
-                </a:solidFill>
-                <a:latin typeface="굴림" panose="020B0600000101010101" pitchFamily="50" charset="-127"/>
-                <a:ea typeface="굴림" panose="020B0600000101010101" pitchFamily="50" charset="-127"/>
-              </a:defRPr>
-            </a:lvl4pPr>
-            <a:lvl5pPr marL="2057400" indent="-228600">
-              <a:defRPr kumimoji="1">
-                <a:solidFill>
-                  <a:schemeClr val="tx1"/>
-                </a:solidFill>
-                <a:latin typeface="굴림" panose="020B0600000101010101" pitchFamily="50" charset="-127"/>
-                <a:ea typeface="굴림" panose="020B0600000101010101" pitchFamily="50" charset="-127"/>
-              </a:defRPr>
-            </a:lvl5pPr>
-            <a:lvl6pPr marL="2514600" indent="-228600" eaLnBrk="0" fontAlgn="base" hangingPunct="0">
-              <a:spcBef>
-                <a:spcPct val="0"/>
-              </a:spcBef>
-              <a:spcAft>
-                <a:spcPct val="0"/>
-              </a:spcAft>
-              <a:defRPr kumimoji="1">
-                <a:solidFill>
-                  <a:schemeClr val="tx1"/>
-                </a:solidFill>
-                <a:latin typeface="굴림" panose="020B0600000101010101" pitchFamily="50" charset="-127"/>
-                <a:ea typeface="굴림" panose="020B0600000101010101" pitchFamily="50" charset="-127"/>
-              </a:defRPr>
-            </a:lvl6pPr>
-            <a:lvl7pPr marL="2971800" indent="-228600" eaLnBrk="0" fontAlgn="base" hangingPunct="0">
-              <a:spcBef>
-                <a:spcPct val="0"/>
-              </a:spcBef>
-              <a:spcAft>
-                <a:spcPct val="0"/>
-              </a:spcAft>
-              <a:defRPr kumimoji="1">
-                <a:solidFill>
-                  <a:schemeClr val="tx1"/>
-                </a:solidFill>
-                <a:latin typeface="굴림" panose="020B0600000101010101" pitchFamily="50" charset="-127"/>
-                <a:ea typeface="굴림" panose="020B0600000101010101" pitchFamily="50" charset="-127"/>
-              </a:defRPr>
-            </a:lvl7pPr>
-            <a:lvl8pPr marL="3429000" indent="-228600" eaLnBrk="0" fontAlgn="base" hangingPunct="0">
-              <a:spcBef>
-                <a:spcPct val="0"/>
-              </a:spcBef>
-              <a:spcAft>
-                <a:spcPct val="0"/>
-              </a:spcAft>
-              <a:defRPr kumimoji="1">
-                <a:solidFill>
-                  <a:schemeClr val="tx1"/>
-                </a:solidFill>
-                <a:latin typeface="굴림" panose="020B0600000101010101" pitchFamily="50" charset="-127"/>
-                <a:ea typeface="굴림" panose="020B0600000101010101" pitchFamily="50" charset="-127"/>
-              </a:defRPr>
-            </a:lvl8pPr>
-            <a:lvl9pPr marL="3886200" indent="-228600" eaLnBrk="0" fontAlgn="base" hangingPunct="0">
-              <a:spcBef>
-                <a:spcPct val="0"/>
-              </a:spcBef>
-              <a:spcAft>
-                <a:spcPct val="0"/>
-              </a:spcAft>
-              <a:defRPr kumimoji="1">
-                <a:solidFill>
-                  <a:schemeClr val="tx1"/>
-                </a:solidFill>
-                <a:latin typeface="굴림" panose="020B0600000101010101" pitchFamily="50" charset="-127"/>
-                <a:ea typeface="굴림" panose="020B0600000101010101" pitchFamily="50" charset="-127"/>
-              </a:defRPr>
-            </a:lvl9pPr>
-          </a:lstStyle>
-          <a:p>
-            <a:pPr eaLnBrk="1" latinLnBrk="1" hangingPunct="1"/>
-            <a:r>
-              <a:rPr lang="en-US" altLang="ko-KR" sz="3200" dirty="0" smtClean="0">
-                <a:latin typeface="Tahoma" panose="020B0604030504040204" pitchFamily="34" charset="0"/>
-                <a:cs typeface="Tahoma" panose="020B0604030504040204" pitchFamily="34" charset="0"/>
-              </a:rPr>
               <a:t>GitHub </a:t>
             </a:r>
             <a:r>
@@ -19258,7 +15642,7 @@
 </p:sld>
 </file>
 
-<file path=ppt/slides/slide15.xml><?xml version="1.0" encoding="utf-8"?>
+<file path=ppt/slides/slide11.xml><?xml version="1.0" encoding="utf-8"?>
 <p:sld xmlns:a="http://schemas.openxmlformats.org/drawingml/2006/main" xmlns:r="http://schemas.openxmlformats.org/officeDocument/2006/relationships" xmlns:p="http://schemas.openxmlformats.org/presentationml/2006/main">
   <p:cSld>
     <p:spTree>
@@ -19581,7 +15965,7 @@
 </p:sld>
 </file>
 
-<file path=ppt/slides/slide16.xml><?xml version="1.0" encoding="utf-8"?>
+<file path=ppt/slides/slide12.xml><?xml version="1.0" encoding="utf-8"?>
 <p:sld xmlns:a="http://schemas.openxmlformats.org/drawingml/2006/main" xmlns:r="http://schemas.openxmlformats.org/officeDocument/2006/relationships" xmlns:p="http://schemas.openxmlformats.org/presentationml/2006/main">
   <p:cSld>
     <p:spTree>
@@ -25240,14 +21624,14 @@
           <p:nvPr>
             <p:extLst>
               <p:ext uri="{D42A27DB-BD31-4B8C-83A1-F6EECF244321}">
-                <p14:modId xmlns:p14="http://schemas.microsoft.com/office/powerpoint/2010/main" val="2885555207"/>
+                <p14:modId xmlns:p14="http://schemas.microsoft.com/office/powerpoint/2010/main" val="2648641161"/>
               </p:ext>
             </p:extLst>
           </p:nvPr>
         </p:nvGraphicFramePr>
         <p:xfrm>
-          <a:off x="577850" y="1124744"/>
-          <a:ext cx="8170614" cy="767080"/>
+          <a:off x="577850" y="836712"/>
+          <a:ext cx="8170614" cy="5486400"/>
         </p:xfrm>
         <a:graphic>
           <a:graphicData uri="http://schemas.openxmlformats.org/drawingml/2006/table">
@@ -25260,7 +21644,7 @@
                 <a:gridCol w="936104"/>
                 <a:gridCol w="5328592"/>
               </a:tblGrid>
-              <a:tr h="370840">
+              <a:tr h="304800">
                 <a:tc>
                   <a:txBody>
                     <a:bodyPr/>
@@ -25268,10 +21652,10 @@
                     <a:p>
                       <a:pPr algn="ctr" latinLnBrk="1"/>
                       <a:r>
-                        <a:rPr lang="ko-KR" altLang="en-US" dirty="0" smtClean="0"/>
+                        <a:rPr lang="ko-KR" altLang="en-US" sz="1200" dirty="0" smtClean="0"/>
                         <a:t>주</a:t>
                       </a:r>
-                      <a:endParaRPr lang="ko-KR" altLang="en-US" dirty="0"/>
+                      <a:endParaRPr lang="ko-KR" altLang="en-US" sz="1200" dirty="0"/>
                     </a:p>
                   </a:txBody>
                   <a:tcPr anchor="ctr">
@@ -25290,10 +21674,10 @@
                     <a:p>
                       <a:pPr algn="ctr" latinLnBrk="1"/>
                       <a:r>
-                        <a:rPr lang="ko-KR" altLang="en-US" dirty="0" smtClean="0"/>
+                        <a:rPr lang="ko-KR" altLang="en-US" sz="1200" dirty="0" smtClean="0"/>
                         <a:t>완성도</a:t>
                       </a:r>
-                      <a:endParaRPr lang="ko-KR" altLang="en-US" dirty="0"/>
+                      <a:endParaRPr lang="ko-KR" altLang="en-US" sz="1200" dirty="0"/>
                     </a:p>
                   </a:txBody>
                   <a:tcPr anchor="ctr">
@@ -25312,10 +21696,10 @@
                     <a:p>
                       <a:pPr algn="ctr" latinLnBrk="1"/>
                       <a:r>
-                        <a:rPr lang="ko-KR" altLang="en-US" dirty="0" smtClean="0"/>
+                        <a:rPr lang="ko-KR" altLang="en-US" sz="1200" dirty="0" smtClean="0"/>
                         <a:t>주제</a:t>
                       </a:r>
-                      <a:endParaRPr lang="ko-KR" altLang="en-US" dirty="0"/>
+                      <a:endParaRPr lang="ko-KR" altLang="en-US" sz="1200" dirty="0"/>
                     </a:p>
                   </a:txBody>
                   <a:tcPr anchor="ctr">
@@ -25328,47 +21712,47 @@
                   </a:tcPr>
                 </a:tc>
               </a:tr>
-              <a:tr h="360000">
-                <a:tc>
+              <a:tr h="304800">
+                <a:tc rowSpan="2">
                   <a:txBody>
                     <a:bodyPr/>
                     <a:lstStyle/>
                     <a:p>
                       <a:pPr lvl="0" algn="l" latinLnBrk="1"/>
                       <a:r>
-                        <a:rPr lang="en-US" altLang="ko-KR" sz="2000" b="0" dirty="0" smtClean="0"/>
+                        <a:rPr lang="en-US" altLang="ko-KR" sz="1400" b="0" dirty="0" smtClean="0"/>
                         <a:t>1</a:t>
                       </a:r>
                       <a:r>
-                        <a:rPr lang="ko-KR" altLang="en-US" sz="2000" b="0" dirty="0" smtClean="0"/>
+                        <a:rPr lang="ko-KR" altLang="en-US" sz="1400" b="0" dirty="0" smtClean="0"/>
                         <a:t>주차 </a:t>
                       </a:r>
                       <a:r>
-                        <a:rPr lang="en-US" altLang="ko-KR" sz="2000" b="0" dirty="0" smtClean="0"/>
+                        <a:rPr lang="en-US" altLang="ko-KR" sz="1400" b="0" dirty="0" smtClean="0"/>
                         <a:t>(09/23)</a:t>
                       </a:r>
-                      <a:endParaRPr lang="ko-KR" altLang="en-US" sz="2000" b="0" dirty="0"/>
+                      <a:endParaRPr lang="ko-KR" altLang="en-US" sz="1400" b="0" dirty="0"/>
                     </a:p>
                   </a:txBody>
                   <a:tcPr anchor="ctr"/>
                 </a:tc>
-                <a:tc>
+                <a:tc rowSpan="2">
                   <a:txBody>
                     <a:bodyPr/>
                     <a:lstStyle/>
                     <a:p>
                       <a:pPr lvl="0" algn="ctr" latinLnBrk="1"/>
                       <a:r>
-                        <a:rPr lang="en-US" altLang="ko-KR" sz="2000" b="0" dirty="0" smtClean="0">
+                        <a:rPr lang="en-US" altLang="ko-KR" sz="1400" b="0" dirty="0" smtClean="0">
                           <a:solidFill>
-                            <a:srgbClr val="FFFFFF"/>
+                            <a:srgbClr val="101614"/>
                           </a:solidFill>
                         </a:rPr>
                         <a:t>100%</a:t>
                       </a:r>
-                      <a:endParaRPr lang="ko-KR" altLang="en-US" sz="2000" b="0" dirty="0">
+                      <a:endParaRPr lang="ko-KR" altLang="en-US" sz="1400" b="0" dirty="0">
                         <a:solidFill>
-                          <a:srgbClr val="FFFFFF"/>
+                          <a:srgbClr val="101614"/>
                         </a:solidFill>
                       </a:endParaRPr>
                     </a:p>
@@ -25382,178 +21766,16 @@
                     <a:p>
                       <a:pPr latinLnBrk="1"/>
                       <a:r>
-                        <a:rPr lang="ko-KR" altLang="en-US" dirty="0" smtClean="0"/>
+                        <a:rPr lang="ko-KR" altLang="en-US" sz="1200" dirty="0" smtClean="0"/>
                         <a:t>전체적인 </a:t>
-                      </a:r>
-                      <a:r>
-                        <a:rPr lang="ko-KR" altLang="en-US" dirty="0" err="1" smtClean="0"/>
-                        <a:t>맵</a:t>
-                      </a:r>
-                      <a:r>
-                        <a:rPr lang="ko-KR" altLang="en-US" baseline="0" dirty="0" smtClean="0"/>
-                        <a:t> 틀 및 게임 스토리 구성</a:t>
-                      </a:r>
-                      <a:endParaRPr lang="ko-KR" altLang="en-US" dirty="0"/>
-                    </a:p>
-                  </a:txBody>
-                  <a:tcPr anchor="ctr"/>
-                </a:tc>
-              </a:tr>
-            </a:tbl>
-          </a:graphicData>
-        </a:graphic>
-      </p:graphicFrame>
-      <p:graphicFrame>
-        <p:nvGraphicFramePr>
-          <p:cNvPr id="2" name="표 1"/>
-          <p:cNvGraphicFramePr>
-            <a:graphicFrameLocks noGrp="1"/>
-          </p:cNvGraphicFramePr>
-          <p:nvPr>
-            <p:extLst>
-              <p:ext uri="{D42A27DB-BD31-4B8C-83A1-F6EECF244321}">
-                <p14:modId xmlns:p14="http://schemas.microsoft.com/office/powerpoint/2010/main" val="3130684031"/>
-              </p:ext>
-            </p:extLst>
-          </p:nvPr>
-        </p:nvGraphicFramePr>
-        <p:xfrm>
-          <a:off x="577850" y="1926590"/>
-          <a:ext cx="8170614" cy="4516120"/>
-        </p:xfrm>
-        <a:graphic>
-          <a:graphicData uri="http://schemas.openxmlformats.org/drawingml/2006/table">
-            <a:tbl>
-              <a:tblPr firstRow="1" bandRow="1">
-                <a:tableStyleId>{073A0DAA-6AF3-43AB-8588-CEC1D06C72B9}</a:tableStyleId>
-              </a:tblPr>
-              <a:tblGrid>
-                <a:gridCol w="2842022"/>
-                <a:gridCol w="5328592"/>
-              </a:tblGrid>
-              <a:tr h="370840">
-                <a:tc>
-                  <a:txBody>
-                    <a:bodyPr/>
-                    <a:lstStyle/>
-                    <a:p>
-                      <a:pPr algn="ctr" latinLnBrk="1"/>
-                      <a:r>
-                        <a:rPr lang="ko-KR" altLang="en-US" dirty="0" smtClean="0"/>
-                        <a:t>세부적인 작업 내용</a:t>
-                      </a:r>
-                      <a:endParaRPr lang="ko-KR" altLang="en-US" dirty="0"/>
-                    </a:p>
-                  </a:txBody>
-                  <a:tcPr anchor="ctr">
-                    <a:solidFill>
-                      <a:schemeClr val="bg1">
-                        <a:lumMod val="85000"/>
-                        <a:lumOff val="15000"/>
-                      </a:schemeClr>
-                    </a:solidFill>
-                  </a:tcPr>
-                </a:tc>
-                <a:tc>
-                  <a:txBody>
-                    <a:bodyPr/>
-                    <a:lstStyle/>
-                    <a:p>
-                      <a:pPr algn="ctr" latinLnBrk="1"/>
-                      <a:r>
-                        <a:rPr lang="ko-KR" altLang="en-US" dirty="0" smtClean="0"/>
-                        <a:t>작업 결과</a:t>
-                      </a:r>
-                      <a:endParaRPr lang="ko-KR" altLang="en-US" dirty="0"/>
-                    </a:p>
-                  </a:txBody>
-                  <a:tcPr anchor="ctr">
-                    <a:solidFill>
-                      <a:schemeClr val="bg1">
-                        <a:lumMod val="85000"/>
-                        <a:lumOff val="15000"/>
-                      </a:schemeClr>
-                    </a:solidFill>
-                  </a:tcPr>
-                </a:tc>
-              </a:tr>
-              <a:tr h="518160">
-                <a:tc>
-                  <a:txBody>
-                    <a:bodyPr/>
-                    <a:lstStyle/>
-                    <a:p>
-                      <a:pPr algn="l"/>
-                      <a:r>
-                        <a:rPr lang="ko-KR" altLang="en-US" sz="1200" b="0" i="0" kern="1200" dirty="0" smtClean="0">
-                          <a:solidFill>
-                            <a:schemeClr val="dk1"/>
-                          </a:solidFill>
-                          <a:effectLst/>
-                          <a:latin typeface="+mn-lt"/>
-                          <a:ea typeface="+mn-ea"/>
-                          <a:cs typeface="+mn-cs"/>
-                        </a:rPr>
-                        <a:t>백그라운드 </a:t>
-                      </a:r>
-                      <a:r>
-                        <a:rPr lang="ko-KR" altLang="en-US" sz="1200" b="0" i="0" kern="1200" dirty="0" err="1" smtClean="0">
-                          <a:solidFill>
-                            <a:schemeClr val="dk1"/>
-                          </a:solidFill>
-                          <a:effectLst/>
-                          <a:latin typeface="+mn-lt"/>
-                          <a:ea typeface="+mn-ea"/>
-                          <a:cs typeface="+mn-cs"/>
-                        </a:rPr>
-                        <a:t>맵</a:t>
-                      </a:r>
-                      <a:r>
-                        <a:rPr lang="ko-KR" altLang="en-US" sz="1200" b="0" i="0" kern="1200" dirty="0" smtClean="0">
-                          <a:solidFill>
-                            <a:schemeClr val="dk1"/>
-                          </a:solidFill>
-                          <a:effectLst/>
-                          <a:latin typeface="+mn-lt"/>
-                          <a:ea typeface="+mn-ea"/>
-                          <a:cs typeface="+mn-cs"/>
-                        </a:rPr>
-                        <a:t> 이미지 구상</a:t>
-                      </a:r>
-                      <a:endParaRPr lang="ko-KR" altLang="en-US" sz="1200" b="0" i="0" kern="1200" dirty="0">
-                        <a:solidFill>
-                          <a:schemeClr val="dk1"/>
-                        </a:solidFill>
-                        <a:effectLst/>
-                        <a:latin typeface="+mn-lt"/>
-                        <a:ea typeface="+mn-ea"/>
-                        <a:cs typeface="+mn-cs"/>
-                      </a:endParaRPr>
-                    </a:p>
-                  </a:txBody>
-                  <a:tcPr anchor="ctr"/>
-                </a:tc>
-                <a:tc>
-                  <a:txBody>
-                    <a:bodyPr/>
-                    <a:lstStyle/>
-                    <a:p>
-                      <a:pPr algn="l" latinLnBrk="1"/>
-                      <a:r>
-                        <a:rPr lang="ko-KR" altLang="en-US" sz="1200" dirty="0" smtClean="0"/>
-                        <a:t>하늘 </a:t>
                       </a:r>
                       <a:r>
                         <a:rPr lang="ko-KR" altLang="en-US" sz="1200" dirty="0" err="1" smtClean="0"/>
                         <a:t>맵</a:t>
                       </a:r>
                       <a:r>
-                        <a:rPr lang="ko-KR" altLang="en-US" sz="1200" dirty="0" smtClean="0"/>
-                        <a:t> 혹은 그 외 반복되는 느낌이 드는 이미지 사용하자</a:t>
-                      </a:r>
-                      <a:r>
-                        <a:rPr lang="en-US" altLang="ko-KR" sz="1200" dirty="0" smtClean="0"/>
-                        <a:t>.</a:t>
+                        <a:rPr lang="ko-KR" altLang="en-US" sz="1200" baseline="0" dirty="0" smtClean="0"/>
+                        <a:t> 틀 및 게임 스토리 구성</a:t>
                       </a:r>
                       <a:endParaRPr lang="ko-KR" altLang="en-US" sz="1200" dirty="0"/>
                     </a:p>
@@ -25561,51 +21783,50 @@
                   <a:tcPr anchor="ctr"/>
                 </a:tc>
               </a:tr>
-              <a:tr h="518160">
-                <a:tc>
+              <a:tr h="304800">
+                <a:tc vMerge="1">
                   <a:txBody>
                     <a:bodyPr/>
                     <a:lstStyle/>
                     <a:p>
-                      <a:pPr algn="l"/>
-                      <a:r>
-                        <a:rPr lang="ko-KR" altLang="en-US" sz="1200" b="0" i="0" kern="1200" dirty="0" smtClean="0">
-                          <a:solidFill>
-                            <a:schemeClr val="dk1"/>
-                          </a:solidFill>
-                          <a:effectLst/>
-                          <a:latin typeface="+mn-lt"/>
-                          <a:ea typeface="+mn-ea"/>
-                          <a:cs typeface="+mn-cs"/>
-                        </a:rPr>
-                        <a:t>게임 시작 시 어떻게 해야 할 지 구상</a:t>
-                      </a:r>
-                      <a:endParaRPr lang="ko-KR" altLang="en-US" sz="1200" b="0" i="0" kern="1200" dirty="0">
-                        <a:solidFill>
-                          <a:schemeClr val="dk1"/>
-                        </a:solidFill>
-                        <a:effectLst/>
-                        <a:latin typeface="+mn-lt"/>
-                        <a:ea typeface="+mn-ea"/>
-                        <a:cs typeface="+mn-cs"/>
-                      </a:endParaRPr>
+                      <a:pPr latinLnBrk="1"/>
+                      <a:endParaRPr lang="ko-KR" altLang="en-US"/>
                     </a:p>
                   </a:txBody>
-                  <a:tcPr anchor="ctr"/>
+                  <a:tcPr/>
+                </a:tc>
+                <a:tc vMerge="1">
+                  <a:txBody>
+                    <a:bodyPr/>
+                    <a:lstStyle/>
+                    <a:p>
+                      <a:pPr latinLnBrk="1"/>
+                      <a:endParaRPr lang="ko-KR" altLang="en-US"/>
+                    </a:p>
+                  </a:txBody>
+                  <a:tcPr/>
                 </a:tc>
                 <a:tc>
                   <a:txBody>
                     <a:bodyPr/>
                     <a:lstStyle/>
                     <a:p>
-                      <a:pPr algn="l" latinLnBrk="1"/>
+                      <a:pPr latinLnBrk="1"/>
                       <a:r>
                         <a:rPr lang="ko-KR" altLang="en-US" sz="1200" dirty="0" smtClean="0"/>
-                        <a:t>메뉴는 </a:t>
+                        <a:t>스토리 구상 완료</a:t>
                       </a:r>
                       <a:r>
                         <a:rPr lang="en-US" altLang="ko-KR" sz="1200" dirty="0" smtClean="0"/>
-                        <a:t>Play</a:t>
+                        <a:t>, </a:t>
+                      </a:r>
+                      <a:r>
+                        <a:rPr lang="ko-KR" altLang="en-US" sz="1200" dirty="0" smtClean="0"/>
+                        <a:t>백그라운드</a:t>
+                      </a:r>
+                      <a:r>
+                        <a:rPr lang="en-US" altLang="ko-KR" sz="1200" dirty="0" smtClean="0"/>
+                        <a:t>,</a:t>
                       </a:r>
                       <a:r>
                         <a:rPr lang="en-US" altLang="ko-KR" sz="1200" baseline="0" dirty="0" smtClean="0"/>
@@ -25613,7 +21834,15 @@
                       </a:r>
                       <a:r>
                         <a:rPr lang="ko-KR" altLang="en-US" sz="1200" baseline="0" dirty="0" smtClean="0"/>
-                        <a:t>버튼으로 진입</a:t>
+                        <a:t>게임시작</a:t>
+                      </a:r>
+                      <a:r>
+                        <a:rPr lang="en-US" altLang="ko-KR" sz="1200" baseline="0" dirty="0" smtClean="0"/>
+                        <a:t>/</a:t>
+                      </a:r>
+                      <a:r>
+                        <a:rPr lang="ko-KR" altLang="en-US" sz="1200" baseline="0" dirty="0" smtClean="0"/>
+                        <a:t>오버</a:t>
                       </a:r>
                       <a:r>
                         <a:rPr lang="en-US" altLang="ko-KR" sz="1200" baseline="0" dirty="0" smtClean="0"/>
@@ -25621,7 +21850,7 @@
                       </a:r>
                       <a:r>
                         <a:rPr lang="ko-KR" altLang="en-US" sz="1200" baseline="0" dirty="0" smtClean="0"/>
-                        <a:t>처음시작하자 마자 죽는 것 을 방지 하기 위한 안전 발판 설치</a:t>
+                        <a:t>스코어</a:t>
                       </a:r>
                       <a:r>
                         <a:rPr lang="en-US" altLang="ko-KR" sz="1200" baseline="0" dirty="0" smtClean="0"/>
@@ -25629,7 +21858,7 @@
                       </a:r>
                       <a:r>
                         <a:rPr lang="ko-KR" altLang="en-US" sz="1200" baseline="0" dirty="0" smtClean="0"/>
-                        <a:t>난이도에 따른 안전 발판 제거 하자</a:t>
+                        <a:t>난이도 구상 완료</a:t>
                       </a:r>
                       <a:r>
                         <a:rPr lang="en-US" altLang="ko-KR" sz="1200" baseline="0" dirty="0" smtClean="0"/>
@@ -25641,33 +21870,80 @@
                   <a:tcPr anchor="ctr"/>
                 </a:tc>
               </a:tr>
-              <a:tr h="518160">
-                <a:tc>
+              <a:tr h="304800">
+                <a:tc rowSpan="2">
                   <a:txBody>
                     <a:bodyPr/>
                     <a:lstStyle/>
                     <a:p>
-                      <a:pPr algn="l"/>
+                      <a:pPr marL="0" marR="0" lvl="0" indent="0" algn="l" defTabSz="914400" rtl="0" eaLnBrk="1" fontAlgn="auto" latinLnBrk="1" hangingPunct="1">
+                        <a:lnSpc>
+                          <a:spcPct val="100000"/>
+                        </a:lnSpc>
+                        <a:spcBef>
+                          <a:spcPts val="0"/>
+                        </a:spcBef>
+                        <a:spcAft>
+                          <a:spcPts val="0"/>
+                        </a:spcAft>
+                        <a:buClrTx/>
+                        <a:buSzTx/>
+                        <a:buFontTx/>
+                        <a:buNone/>
+                        <a:tabLst/>
+                        <a:defRPr/>
+                      </a:pPr>
                       <a:r>
-                        <a:rPr lang="ko-KR" altLang="en-US" sz="1200" b="0" i="0" kern="1200" dirty="0" smtClean="0">
+                        <a:rPr lang="en-US" altLang="ko-KR" sz="1400" b="0" dirty="0" smtClean="0"/>
+                        <a:t>2</a:t>
+                      </a:r>
+                      <a:r>
+                        <a:rPr lang="ko-KR" altLang="en-US" sz="1400" b="0" dirty="0" smtClean="0"/>
+                        <a:t>주차 </a:t>
+                      </a:r>
+                      <a:r>
+                        <a:rPr lang="en-US" altLang="ko-KR" sz="1400" b="0" dirty="0" smtClean="0"/>
+                        <a:t>(09/30)</a:t>
+                      </a:r>
+                      <a:endParaRPr lang="ko-KR" altLang="en-US" sz="1400" b="0" dirty="0" smtClean="0"/>
+                    </a:p>
+                  </a:txBody>
+                  <a:tcPr anchor="ctr"/>
+                </a:tc>
+                <a:tc rowSpan="2">
+                  <a:txBody>
+                    <a:bodyPr/>
+                    <a:lstStyle/>
+                    <a:p>
+                      <a:pPr marL="0" marR="0" lvl="0" indent="0" algn="ctr" defTabSz="914400" rtl="0" eaLnBrk="1" fontAlgn="auto" latinLnBrk="1" hangingPunct="1">
+                        <a:lnSpc>
+                          <a:spcPct val="100000"/>
+                        </a:lnSpc>
+                        <a:spcBef>
+                          <a:spcPts val="0"/>
+                        </a:spcBef>
+                        <a:spcAft>
+                          <a:spcPts val="0"/>
+                        </a:spcAft>
+                        <a:buClrTx/>
+                        <a:buSzTx/>
+                        <a:buFontTx/>
+                        <a:buNone/>
+                        <a:tabLst/>
+                        <a:defRPr/>
+                      </a:pPr>
+                      <a:r>
+                        <a:rPr lang="en-US" altLang="ko-KR" sz="1400" b="0" dirty="0" smtClean="0">
                           <a:solidFill>
-                            <a:schemeClr val="dk1"/>
+                            <a:srgbClr val="101614"/>
                           </a:solidFill>
-                          <a:effectLst/>
-                          <a:latin typeface="+mn-lt"/>
-                          <a:ea typeface="+mn-ea"/>
-                          <a:cs typeface="+mn-cs"/>
                         </a:rPr>
-                        <a:t>게임 오버 시 어떻게 해야 할 지 구상</a:t>
+                        <a:t>100%</a:t>
                       </a:r>
-                      <a:endParaRPr lang="ko-KR" altLang="en-US" sz="1200" b="0" i="0" kern="1200" dirty="0">
+                      <a:endParaRPr lang="ko-KR" altLang="en-US" sz="1400" b="0" dirty="0" smtClean="0">
                         <a:solidFill>
-                          <a:schemeClr val="dk1"/>
+                          <a:srgbClr val="101614"/>
                         </a:solidFill>
-                        <a:effectLst/>
-                        <a:latin typeface="+mn-lt"/>
-                        <a:ea typeface="+mn-ea"/>
-                        <a:cs typeface="+mn-cs"/>
                       </a:endParaRPr>
                     </a:p>
                   </a:txBody>
@@ -25678,10 +21954,81 @@
                     <a:bodyPr/>
                     <a:lstStyle/>
                     <a:p>
-                      <a:pPr algn="l" latinLnBrk="1"/>
+                      <a:pPr latinLnBrk="1"/>
                       <a:r>
                         <a:rPr lang="ko-KR" altLang="en-US" sz="1200" dirty="0" smtClean="0"/>
-                        <a:t>게임오버 사운드 추가를 해보자</a:t>
+                        <a:t>리소스 및 사운드 와 알고리즘 계산</a:t>
+                      </a:r>
+                      <a:endParaRPr lang="ko-KR" altLang="en-US" sz="1200" dirty="0"/>
+                    </a:p>
+                  </a:txBody>
+                  <a:tcPr anchor="ctr"/>
+                </a:tc>
+              </a:tr>
+              <a:tr h="304800">
+                <a:tc vMerge="1">
+                  <a:txBody>
+                    <a:bodyPr/>
+                    <a:lstStyle/>
+                    <a:p>
+                      <a:pPr latinLnBrk="1"/>
+                      <a:endParaRPr lang="ko-KR" altLang="en-US"/>
+                    </a:p>
+                  </a:txBody>
+                  <a:tcPr/>
+                </a:tc>
+                <a:tc vMerge="1">
+                  <a:txBody>
+                    <a:bodyPr/>
+                    <a:lstStyle/>
+                    <a:p>
+                      <a:pPr latinLnBrk="1"/>
+                      <a:endParaRPr lang="ko-KR" altLang="en-US"/>
+                    </a:p>
+                  </a:txBody>
+                  <a:tcPr/>
+                </a:tc>
+                <a:tc>
+                  <a:txBody>
+                    <a:bodyPr/>
+                    <a:lstStyle/>
+                    <a:p>
+                      <a:pPr latinLnBrk="1"/>
+                      <a:r>
+                        <a:rPr lang="ko-KR" altLang="en-US" sz="1200" dirty="0" smtClean="0"/>
+                        <a:t>캐릭터</a:t>
+                      </a:r>
+                      <a:r>
+                        <a:rPr lang="en-US" altLang="ko-KR" sz="1200" dirty="0" smtClean="0"/>
+                        <a:t>, </a:t>
+                      </a:r>
+                      <a:r>
+                        <a:rPr lang="ko-KR" altLang="en-US" sz="1200" dirty="0" smtClean="0"/>
+                        <a:t>배경</a:t>
+                      </a:r>
+                      <a:r>
+                        <a:rPr lang="en-US" altLang="ko-KR" sz="1200" dirty="0" smtClean="0"/>
+                        <a:t>, </a:t>
+                      </a:r>
+                      <a:r>
+                        <a:rPr lang="ko-KR" altLang="en-US" sz="1200" dirty="0" smtClean="0"/>
+                        <a:t>함정</a:t>
+                      </a:r>
+                      <a:r>
+                        <a:rPr lang="en-US" altLang="ko-KR" sz="1200" dirty="0" smtClean="0"/>
+                        <a:t>, </a:t>
+                      </a:r>
+                      <a:r>
+                        <a:rPr lang="ko-KR" altLang="en-US" sz="1200" dirty="0" smtClean="0"/>
+                        <a:t>발판</a:t>
+                      </a:r>
+                      <a:r>
+                        <a:rPr lang="en-US" altLang="ko-KR" sz="1200" dirty="0" smtClean="0"/>
+                        <a:t>, </a:t>
+                      </a:r>
+                      <a:r>
+                        <a:rPr lang="ko-KR" altLang="en-US" sz="1200" dirty="0" smtClean="0"/>
+                        <a:t>사운드 리소스 수집</a:t>
                       </a:r>
                       <a:r>
                         <a:rPr lang="en-US" altLang="ko-KR" sz="1200" dirty="0" smtClean="0"/>
@@ -25693,23 +22040,11 @@
                       </a:r>
                       <a:r>
                         <a:rPr lang="ko-KR" altLang="en-US" sz="1200" baseline="0" dirty="0" smtClean="0"/>
-                        <a:t>떨어지고 </a:t>
+                        <a:t>발판생성 알고리즘 계산 완료</a:t>
                       </a:r>
                       <a:r>
                         <a:rPr lang="en-US" altLang="ko-KR" sz="1200" baseline="0" dirty="0" smtClean="0"/>
-                        <a:t>1~2</a:t>
-                      </a:r>
-                      <a:r>
-                        <a:rPr lang="ko-KR" altLang="en-US" sz="1200" baseline="0" dirty="0" smtClean="0"/>
-                        <a:t>초 이내 스코어가 나오게 하자</a:t>
-                      </a:r>
-                      <a:r>
-                        <a:rPr lang="en-US" altLang="ko-KR" sz="1200" baseline="0" dirty="0" smtClean="0"/>
-                        <a:t>, </a:t>
-                      </a:r>
-                      <a:r>
-                        <a:rPr lang="ko-KR" altLang="en-US" sz="1200" baseline="0" dirty="0" smtClean="0"/>
-                        <a:t>함정에 접근 하였을 때 게임 오버 하자</a:t>
+                        <a:t>!</a:t>
                       </a:r>
                       <a:endParaRPr lang="ko-KR" altLang="en-US" sz="1200" dirty="0"/>
                     </a:p>
@@ -25717,33 +22052,80 @@
                   <a:tcPr anchor="ctr"/>
                 </a:tc>
               </a:tr>
-              <a:tr h="518160">
-                <a:tc>
+              <a:tr h="304800">
+                <a:tc rowSpan="2">
                   <a:txBody>
                     <a:bodyPr/>
                     <a:lstStyle/>
                     <a:p>
-                      <a:pPr algn="l"/>
+                      <a:pPr marL="0" marR="0" lvl="0" indent="0" algn="l" defTabSz="914400" rtl="0" eaLnBrk="1" fontAlgn="auto" latinLnBrk="1" hangingPunct="1">
+                        <a:lnSpc>
+                          <a:spcPct val="100000"/>
+                        </a:lnSpc>
+                        <a:spcBef>
+                          <a:spcPts val="0"/>
+                        </a:spcBef>
+                        <a:spcAft>
+                          <a:spcPts val="0"/>
+                        </a:spcAft>
+                        <a:buClrTx/>
+                        <a:buSzTx/>
+                        <a:buFontTx/>
+                        <a:buNone/>
+                        <a:tabLst/>
+                        <a:defRPr/>
+                      </a:pPr>
                       <a:r>
-                        <a:rPr lang="ko-KR" altLang="en-US" sz="1200" b="0" i="0" kern="1200" dirty="0" smtClean="0">
+                        <a:rPr lang="en-US" altLang="ko-KR" sz="1400" b="0" dirty="0" smtClean="0"/>
+                        <a:t>3</a:t>
+                      </a:r>
+                      <a:r>
+                        <a:rPr lang="ko-KR" altLang="en-US" sz="1400" b="0" dirty="0" smtClean="0"/>
+                        <a:t>주차 </a:t>
+                      </a:r>
+                      <a:r>
+                        <a:rPr lang="en-US" altLang="ko-KR" sz="1400" b="0" dirty="0" smtClean="0"/>
+                        <a:t>(10/07)</a:t>
+                      </a:r>
+                      <a:endParaRPr lang="ko-KR" altLang="en-US" sz="1400" b="0" dirty="0" smtClean="0"/>
+                    </a:p>
+                  </a:txBody>
+                  <a:tcPr anchor="ctr"/>
+                </a:tc>
+                <a:tc rowSpan="2">
+                  <a:txBody>
+                    <a:bodyPr/>
+                    <a:lstStyle/>
+                    <a:p>
+                      <a:pPr marL="0" marR="0" lvl="0" indent="0" algn="ctr" defTabSz="914400" rtl="0" eaLnBrk="1" fontAlgn="auto" latinLnBrk="1" hangingPunct="1">
+                        <a:lnSpc>
+                          <a:spcPct val="100000"/>
+                        </a:lnSpc>
+                        <a:spcBef>
+                          <a:spcPts val="0"/>
+                        </a:spcBef>
+                        <a:spcAft>
+                          <a:spcPts val="0"/>
+                        </a:spcAft>
+                        <a:buClrTx/>
+                        <a:buSzTx/>
+                        <a:buFontTx/>
+                        <a:buNone/>
+                        <a:tabLst/>
+                        <a:defRPr/>
+                      </a:pPr>
+                      <a:r>
+                        <a:rPr lang="en-US" altLang="ko-KR" sz="1400" b="0" dirty="0" smtClean="0">
                           <a:solidFill>
-                            <a:schemeClr val="dk1"/>
+                            <a:srgbClr val="101614"/>
                           </a:solidFill>
-                          <a:effectLst/>
-                          <a:latin typeface="+mn-lt"/>
-                          <a:ea typeface="+mn-ea"/>
-                          <a:cs typeface="+mn-cs"/>
                         </a:rPr>
-                        <a:t>게임 스코어를 어떻게 계산할지 구상</a:t>
+                        <a:t>100%</a:t>
                       </a:r>
-                      <a:endParaRPr lang="ko-KR" altLang="en-US" sz="1200" b="0" i="0" kern="1200" dirty="0">
+                      <a:endParaRPr lang="ko-KR" altLang="en-US" sz="1400" b="0" dirty="0" smtClean="0">
                         <a:solidFill>
-                          <a:schemeClr val="dk1"/>
+                          <a:srgbClr val="101614"/>
                         </a:solidFill>
-                        <a:effectLst/>
-                        <a:latin typeface="+mn-lt"/>
-                        <a:ea typeface="+mn-ea"/>
-                        <a:cs typeface="+mn-cs"/>
                       </a:endParaRPr>
                     </a:p>
                   </a:txBody>
@@ -25754,10 +22136,215 @@
                     <a:bodyPr/>
                     <a:lstStyle/>
                     <a:p>
-                      <a:pPr algn="l" latinLnBrk="1"/>
+                      <a:pPr latinLnBrk="1"/>
                       <a:r>
                         <a:rPr lang="ko-KR" altLang="en-US" sz="1200" dirty="0" smtClean="0"/>
-                        <a:t>발판을 밟고 올라가거나</a:t>
+                        <a:t>난이도 조절 관련 메뉴 및 시작</a:t>
+                      </a:r>
+                      <a:r>
+                        <a:rPr lang="ko-KR" altLang="en-US" sz="1200" baseline="0" dirty="0" smtClean="0"/>
+                        <a:t> 페이지 </a:t>
+                      </a:r>
+                      <a:r>
+                        <a:rPr lang="ko-KR" altLang="en-US" sz="1200" dirty="0" smtClean="0"/>
+                        <a:t>구성</a:t>
+                      </a:r>
+                      <a:endParaRPr lang="ko-KR" altLang="en-US" sz="1200" dirty="0"/>
+                    </a:p>
+                  </a:txBody>
+                  <a:tcPr anchor="ctr"/>
+                </a:tc>
+              </a:tr>
+              <a:tr h="304800">
+                <a:tc vMerge="1">
+                  <a:txBody>
+                    <a:bodyPr/>
+                    <a:lstStyle/>
+                    <a:p>
+                      <a:pPr latinLnBrk="1"/>
+                      <a:endParaRPr lang="ko-KR" altLang="en-US"/>
+                    </a:p>
+                  </a:txBody>
+                  <a:tcPr/>
+                </a:tc>
+                <a:tc vMerge="1">
+                  <a:txBody>
+                    <a:bodyPr/>
+                    <a:lstStyle/>
+                    <a:p>
+                      <a:pPr latinLnBrk="1"/>
+                      <a:endParaRPr lang="ko-KR" altLang="en-US"/>
+                    </a:p>
+                  </a:txBody>
+                  <a:tcPr/>
+                </a:tc>
+                <a:tc>
+                  <a:txBody>
+                    <a:bodyPr/>
+                    <a:lstStyle/>
+                    <a:p>
+                      <a:pPr latinLnBrk="1"/>
+                      <a:r>
+                        <a:rPr lang="ko-KR" altLang="en-US" sz="1200" dirty="0" smtClean="0"/>
+                        <a:t>시작</a:t>
+                      </a:r>
+                      <a:r>
+                        <a:rPr lang="ko-KR" altLang="en-US" sz="1200" baseline="0" dirty="0" smtClean="0"/>
+                        <a:t> 시 메뉴</a:t>
+                      </a:r>
+                      <a:r>
+                        <a:rPr lang="en-US" altLang="ko-KR" sz="1200" baseline="0" dirty="0" smtClean="0"/>
+                        <a:t>, </a:t>
+                      </a:r>
+                      <a:r>
+                        <a:rPr lang="ko-KR" altLang="en-US" sz="1200" baseline="0" dirty="0" smtClean="0"/>
+                        <a:t>난이도</a:t>
+                      </a:r>
+                      <a:r>
+                        <a:rPr lang="en-US" altLang="ko-KR" sz="1200" baseline="0" dirty="0" smtClean="0"/>
+                        <a:t>, </a:t>
+                      </a:r>
+                      <a:r>
+                        <a:rPr lang="ko-KR" altLang="en-US" sz="1200" baseline="0" dirty="0" smtClean="0"/>
+                        <a:t>스코어 메뉴 구성 및 클릭 충돌체크 완료</a:t>
+                      </a:r>
+                      <a:r>
+                        <a:rPr lang="en-US" altLang="ko-KR" sz="1200" baseline="0" dirty="0" smtClean="0"/>
+                        <a:t>.</a:t>
+                      </a:r>
+                      <a:endParaRPr lang="ko-KR" altLang="en-US" sz="1200" dirty="0"/>
+                    </a:p>
+                  </a:txBody>
+                  <a:tcPr anchor="ctr"/>
+                </a:tc>
+              </a:tr>
+              <a:tr h="304800">
+                <a:tc rowSpan="2">
+                  <a:txBody>
+                    <a:bodyPr/>
+                    <a:lstStyle/>
+                    <a:p>
+                      <a:pPr marL="0" marR="0" lvl="0" indent="0" algn="l" defTabSz="914400" rtl="0" eaLnBrk="1" fontAlgn="auto" latinLnBrk="1" hangingPunct="1">
+                        <a:lnSpc>
+                          <a:spcPct val="100000"/>
+                        </a:lnSpc>
+                        <a:spcBef>
+                          <a:spcPts val="0"/>
+                        </a:spcBef>
+                        <a:spcAft>
+                          <a:spcPts val="0"/>
+                        </a:spcAft>
+                        <a:buClrTx/>
+                        <a:buSzTx/>
+                        <a:buFontTx/>
+                        <a:buNone/>
+                        <a:tabLst/>
+                        <a:defRPr/>
+                      </a:pPr>
+                      <a:r>
+                        <a:rPr lang="en-US" altLang="ko-KR" sz="1400" b="0" dirty="0" smtClean="0"/>
+                        <a:t>4</a:t>
+                      </a:r>
+                      <a:r>
+                        <a:rPr lang="ko-KR" altLang="en-US" sz="1400" b="0" dirty="0" smtClean="0"/>
+                        <a:t>주차 </a:t>
+                      </a:r>
+                      <a:r>
+                        <a:rPr lang="en-US" altLang="ko-KR" sz="1400" b="0" dirty="0" smtClean="0"/>
+                        <a:t>(10/14)</a:t>
+                      </a:r>
+                      <a:endParaRPr lang="ko-KR" altLang="en-US" sz="1400" b="0" dirty="0" smtClean="0"/>
+                    </a:p>
+                  </a:txBody>
+                  <a:tcPr anchor="ctr"/>
+                </a:tc>
+                <a:tc rowSpan="2">
+                  <a:txBody>
+                    <a:bodyPr/>
+                    <a:lstStyle/>
+                    <a:p>
+                      <a:pPr marL="0" marR="0" lvl="0" indent="0" algn="ctr" defTabSz="914400" rtl="0" eaLnBrk="1" fontAlgn="auto" latinLnBrk="1" hangingPunct="1">
+                        <a:lnSpc>
+                          <a:spcPct val="100000"/>
+                        </a:lnSpc>
+                        <a:spcBef>
+                          <a:spcPts val="0"/>
+                        </a:spcBef>
+                        <a:spcAft>
+                          <a:spcPts val="0"/>
+                        </a:spcAft>
+                        <a:buClrTx/>
+                        <a:buSzTx/>
+                        <a:buFontTx/>
+                        <a:buNone/>
+                        <a:tabLst/>
+                        <a:defRPr/>
+                      </a:pPr>
+                      <a:r>
+                        <a:rPr lang="en-US" altLang="ko-KR" sz="1400" b="0" dirty="0" smtClean="0">
+                          <a:solidFill>
+                            <a:srgbClr val="101614"/>
+                          </a:solidFill>
+                        </a:rPr>
+                        <a:t>100%</a:t>
+                      </a:r>
+                      <a:endParaRPr lang="ko-KR" altLang="en-US" sz="1400" b="0" dirty="0" smtClean="0">
+                        <a:solidFill>
+                          <a:srgbClr val="101614"/>
+                        </a:solidFill>
+                      </a:endParaRPr>
+                    </a:p>
+                  </a:txBody>
+                  <a:tcPr anchor="ctr"/>
+                </a:tc>
+                <a:tc>
+                  <a:txBody>
+                    <a:bodyPr/>
+                    <a:lstStyle/>
+                    <a:p>
+                      <a:pPr latinLnBrk="1"/>
+                      <a:r>
+                        <a:rPr lang="ko-KR" altLang="en-US" sz="1200" dirty="0" smtClean="0"/>
+                        <a:t>캐릭터 애니메이션 구현</a:t>
+                      </a:r>
+                      <a:endParaRPr lang="ko-KR" altLang="en-US" sz="1200" dirty="0"/>
+                    </a:p>
+                  </a:txBody>
+                  <a:tcPr anchor="ctr"/>
+                </a:tc>
+              </a:tr>
+              <a:tr h="304800">
+                <a:tc vMerge="1">
+                  <a:txBody>
+                    <a:bodyPr/>
+                    <a:lstStyle/>
+                    <a:p>
+                      <a:pPr latinLnBrk="1"/>
+                      <a:endParaRPr lang="ko-KR" altLang="en-US"/>
+                    </a:p>
+                  </a:txBody>
+                  <a:tcPr/>
+                </a:tc>
+                <a:tc vMerge="1">
+                  <a:txBody>
+                    <a:bodyPr/>
+                    <a:lstStyle/>
+                    <a:p>
+                      <a:pPr latinLnBrk="1"/>
+                      <a:endParaRPr lang="ko-KR" altLang="en-US"/>
+                    </a:p>
+                  </a:txBody>
+                  <a:tcPr/>
+                </a:tc>
+                <a:tc>
+                  <a:txBody>
+                    <a:bodyPr/>
+                    <a:lstStyle/>
+                    <a:p>
+                      <a:pPr latinLnBrk="1"/>
+                      <a:r>
+                        <a:rPr lang="ko-KR" altLang="en-US" sz="1200" dirty="0" smtClean="0"/>
+                        <a:t>점프</a:t>
                       </a:r>
                       <a:r>
                         <a:rPr lang="en-US" altLang="ko-KR" sz="1200" dirty="0" smtClean="0"/>
@@ -25769,7 +22356,15 @@
                       </a:r>
                       <a:r>
                         <a:rPr lang="ko-KR" altLang="en-US" sz="1200" baseline="0" dirty="0" smtClean="0"/>
-                        <a:t>캐릭터 모션에 따라서나</a:t>
+                        <a:t>좌</a:t>
+                      </a:r>
+                      <a:r>
+                        <a:rPr lang="en-US" altLang="ko-KR" sz="1200" baseline="0" dirty="0" smtClean="0"/>
+                        <a:t>/</a:t>
+                      </a:r>
+                      <a:r>
+                        <a:rPr lang="ko-KR" altLang="en-US" sz="1200" baseline="0" dirty="0" smtClean="0"/>
+                        <a:t>우 이동</a:t>
                       </a:r>
                       <a:r>
                         <a:rPr lang="en-US" altLang="ko-KR" sz="1200" baseline="0" dirty="0" smtClean="0"/>
@@ -25777,7 +22372,7 @@
                       </a:r>
                       <a:r>
                         <a:rPr lang="ko-KR" altLang="en-US" sz="1200" baseline="0" dirty="0" smtClean="0"/>
-                        <a:t>높이에 따라서 점수를 주게 하자</a:t>
+                        <a:t>각 모서리 이동 시 반대편으로 나타나게 하는 부분 완료</a:t>
                       </a:r>
                       <a:r>
                         <a:rPr lang="en-US" altLang="ko-KR" sz="1200" baseline="0" dirty="0" smtClean="0"/>
@@ -25789,45 +22384,80 @@
                   <a:tcPr anchor="ctr"/>
                 </a:tc>
               </a:tr>
-              <a:tr h="518160">
-                <a:tc>
+              <a:tr h="304800">
+                <a:tc rowSpan="2">
                   <a:txBody>
                     <a:bodyPr/>
                     <a:lstStyle/>
                     <a:p>
-                      <a:pPr algn="l"/>
+                      <a:pPr marL="0" marR="0" lvl="0" indent="0" algn="l" defTabSz="914400" rtl="0" eaLnBrk="1" fontAlgn="auto" latinLnBrk="1" hangingPunct="1">
+                        <a:lnSpc>
+                          <a:spcPct val="100000"/>
+                        </a:lnSpc>
+                        <a:spcBef>
+                          <a:spcPts val="0"/>
+                        </a:spcBef>
+                        <a:spcAft>
+                          <a:spcPts val="0"/>
+                        </a:spcAft>
+                        <a:buClrTx/>
+                        <a:buSzTx/>
+                        <a:buFontTx/>
+                        <a:buNone/>
+                        <a:tabLst/>
+                        <a:defRPr/>
+                      </a:pPr>
                       <a:r>
-                        <a:rPr lang="ko-KR" altLang="en-US" sz="1200" b="0" i="0" kern="1200" dirty="0" smtClean="0">
-                          <a:solidFill>
-                            <a:schemeClr val="dk1"/>
-                          </a:solidFill>
-                          <a:effectLst/>
-                          <a:latin typeface="+mn-lt"/>
-                          <a:ea typeface="+mn-ea"/>
-                          <a:cs typeface="+mn-cs"/>
-                        </a:rPr>
-                        <a:t>올라가는 높이라고 한다면 어떻게 측정을 할 것인가</a:t>
+                        <a:rPr lang="en-US" altLang="ko-KR" sz="1400" b="1" dirty="0" smtClean="0"/>
+                        <a:t>5</a:t>
                       </a:r>
                       <a:r>
-                        <a:rPr lang="en-US" altLang="ko-KR" sz="1200" b="0" i="0" kern="1200" dirty="0" smtClean="0">
+                        <a:rPr lang="ko-KR" altLang="en-US" sz="1400" b="1" dirty="0" smtClean="0"/>
+                        <a:t>주차 </a:t>
+                      </a:r>
+                      <a:r>
+                        <a:rPr lang="en-US" altLang="ko-KR" sz="1400" b="1" dirty="0" smtClean="0"/>
+                        <a:t>(10/28)</a:t>
+                      </a:r>
+                      <a:endParaRPr lang="ko-KR" altLang="en-US" sz="1400" b="1" dirty="0" smtClean="0"/>
+                    </a:p>
+                  </a:txBody>
+                  <a:tcPr anchor="ctr"/>
+                </a:tc>
+                <a:tc rowSpan="2">
+                  <a:txBody>
+                    <a:bodyPr/>
+                    <a:lstStyle/>
+                    <a:p>
+                      <a:pPr marL="0" marR="0" lvl="0" indent="0" algn="ctr" defTabSz="914400" rtl="0" eaLnBrk="1" fontAlgn="auto" latinLnBrk="1" hangingPunct="1">
+                        <a:lnSpc>
+                          <a:spcPct val="100000"/>
+                        </a:lnSpc>
+                        <a:spcBef>
+                          <a:spcPts val="0"/>
+                        </a:spcBef>
+                        <a:spcAft>
+                          <a:spcPts val="0"/>
+                        </a:spcAft>
+                        <a:buClrTx/>
+                        <a:buSzTx/>
+                        <a:buFontTx/>
+                        <a:buNone/>
+                        <a:tabLst/>
+                        <a:defRPr/>
+                      </a:pPr>
+                      <a:r>
+                        <a:rPr lang="en-US" altLang="ko-KR" sz="1400" b="0" dirty="0" smtClean="0">
                           <a:solidFill>
-                            <a:schemeClr val="dk1"/>
+                            <a:srgbClr val="101614"/>
                           </a:solidFill>
-                          <a:effectLst/>
-                          <a:latin typeface="+mn-lt"/>
-                          <a:ea typeface="+mn-ea"/>
-                          <a:cs typeface="+mn-cs"/>
                         </a:rPr>
-                        <a:t>?</a:t>
+                        <a:t>100%</a:t>
                       </a:r>
-                      <a:endParaRPr lang="ko-KR" altLang="en-US" sz="1200" b="0" i="0" kern="1200" dirty="0">
+                      <a:endParaRPr lang="ko-KR" altLang="en-US" sz="1400" b="0" dirty="0" smtClean="0">
                         <a:solidFill>
-                          <a:schemeClr val="dk1"/>
+                          <a:srgbClr val="101614"/>
                         </a:solidFill>
-                        <a:effectLst/>
-                        <a:latin typeface="+mn-lt"/>
-                        <a:ea typeface="+mn-ea"/>
-                        <a:cs typeface="+mn-cs"/>
                       </a:endParaRPr>
                     </a:p>
                   </a:txBody>
@@ -25838,68 +22468,214 @@
                     <a:bodyPr/>
                     <a:lstStyle/>
                     <a:p>
-                      <a:pPr algn="l" latinLnBrk="1"/>
+                      <a:pPr marL="0" marR="0" indent="0" algn="l" defTabSz="914400" rtl="0" eaLnBrk="1" fontAlgn="auto" latinLnBrk="1" hangingPunct="1">
+                        <a:lnSpc>
+                          <a:spcPct val="100000"/>
+                        </a:lnSpc>
+                        <a:spcBef>
+                          <a:spcPts val="0"/>
+                        </a:spcBef>
+                        <a:spcAft>
+                          <a:spcPts val="0"/>
+                        </a:spcAft>
+                        <a:buClrTx/>
+                        <a:buSzTx/>
+                        <a:buFontTx/>
+                        <a:buNone/>
+                        <a:tabLst/>
+                        <a:defRPr/>
+                      </a:pPr>
                       <a:r>
-                        <a:rPr lang="ko-KR" altLang="en-US" sz="1200" dirty="0" smtClean="0"/>
-                        <a:t>발판이 사라지는 횟수나</a:t>
+                        <a:rPr lang="ko-KR" altLang="en-US" sz="1200" b="1" dirty="0" smtClean="0"/>
+                        <a:t>프로젝트 </a:t>
                       </a:r>
                       <a:r>
-                        <a:rPr lang="en-US" altLang="ko-KR" sz="1200" dirty="0" smtClean="0"/>
-                        <a:t>,</a:t>
+                        <a:rPr lang="en-US" altLang="ko-KR" sz="1200" b="1" dirty="0" smtClean="0"/>
+                        <a:t>2</a:t>
                       </a:r>
                       <a:r>
-                        <a:rPr lang="en-US" altLang="ko-KR" sz="1200" baseline="0" dirty="0" smtClean="0"/>
-                        <a:t> </a:t>
+                        <a:rPr lang="ko-KR" altLang="en-US" sz="1200" b="1" dirty="0" smtClean="0"/>
+                        <a:t>차 발표를 위한 정리</a:t>
                       </a:r>
                       <a:r>
-                        <a:rPr lang="ko-KR" altLang="en-US" sz="1200" baseline="0" dirty="0" smtClean="0"/>
-                        <a:t>발판이 추가되거나</a:t>
-                      </a:r>
-                      <a:r>
-                        <a:rPr lang="en-US" altLang="ko-KR" sz="1200" baseline="0" dirty="0" smtClean="0"/>
-                        <a:t>, </a:t>
-                      </a:r>
-                      <a:r>
-                        <a:rPr lang="ko-KR" altLang="en-US" sz="1200" baseline="0" dirty="0" smtClean="0"/>
-                        <a:t>백그라운드 이미지가 내려 올 때마다 측정을 해보자</a:t>
-                      </a:r>
-                      <a:r>
-                        <a:rPr lang="en-US" altLang="ko-KR" sz="1200" baseline="0" dirty="0" smtClean="0"/>
+                        <a:rPr lang="en-US" altLang="ko-KR" sz="1200" b="1" dirty="0" smtClean="0"/>
                         <a:t>.</a:t>
                       </a:r>
-                      <a:endParaRPr lang="ko-KR" altLang="en-US" sz="1200" dirty="0"/>
+                      <a:endParaRPr lang="ko-KR" altLang="en-US" sz="1200" b="1" dirty="0" smtClean="0"/>
                     </a:p>
                   </a:txBody>
                   <a:tcPr anchor="ctr"/>
                 </a:tc>
               </a:tr>
-              <a:tr h="518160">
+              <a:tr h="304800">
+                <a:tc vMerge="1">
+                  <a:txBody>
+                    <a:bodyPr/>
+                    <a:lstStyle/>
+                    <a:p>
+                      <a:pPr latinLnBrk="1"/>
+                      <a:endParaRPr lang="ko-KR" altLang="en-US"/>
+                    </a:p>
+                  </a:txBody>
+                  <a:tcPr/>
+                </a:tc>
+                <a:tc vMerge="1">
+                  <a:txBody>
+                    <a:bodyPr/>
+                    <a:lstStyle/>
+                    <a:p>
+                      <a:pPr latinLnBrk="1"/>
+                      <a:endParaRPr lang="ko-KR" altLang="en-US"/>
+                    </a:p>
+                  </a:txBody>
+                  <a:tcPr/>
+                </a:tc>
                 <a:tc>
                   <a:txBody>
                     <a:bodyPr/>
                     <a:lstStyle/>
                     <a:p>
-                      <a:pPr algn="l"/>
+                      <a:pPr marL="0" marR="0" indent="0" algn="l" defTabSz="914400" rtl="0" eaLnBrk="1" fontAlgn="auto" latinLnBrk="1" hangingPunct="1">
+                        <a:lnSpc>
+                          <a:spcPct val="100000"/>
+                        </a:lnSpc>
+                        <a:spcBef>
+                          <a:spcPts val="0"/>
+                        </a:spcBef>
+                        <a:spcAft>
+                          <a:spcPts val="0"/>
+                        </a:spcAft>
+                        <a:buClrTx/>
+                        <a:buSzTx/>
+                        <a:buFontTx/>
+                        <a:buNone/>
+                        <a:tabLst/>
+                        <a:defRPr/>
+                      </a:pPr>
                       <a:r>
-                        <a:rPr lang="ko-KR" altLang="en-US" sz="1200" b="0" i="0" kern="1200" dirty="0" smtClean="0">
+                        <a:rPr lang="en-US" altLang="ko-KR" sz="1200" b="1" dirty="0" smtClean="0"/>
+                        <a:t>PPT</a:t>
+                      </a:r>
+                      <a:r>
+                        <a:rPr lang="en-US" altLang="ko-KR" sz="1200" b="1" baseline="0" dirty="0" smtClean="0"/>
+                        <a:t> </a:t>
+                      </a:r>
+                      <a:r>
+                        <a:rPr lang="ko-KR" altLang="en-US" sz="1200" b="1" baseline="0" dirty="0" smtClean="0"/>
+                        <a:t>작성 완료</a:t>
+                      </a:r>
+                      <a:r>
+                        <a:rPr lang="en-US" altLang="ko-KR" sz="1200" b="1" baseline="0" dirty="0" smtClean="0"/>
+                        <a:t>, </a:t>
+                      </a:r>
+                      <a:r>
+                        <a:rPr lang="ko-KR" altLang="en-US" sz="1200" b="1" baseline="0" dirty="0" err="1" smtClean="0"/>
+                        <a:t>깃허브</a:t>
+                      </a:r>
+                      <a:r>
+                        <a:rPr lang="ko-KR" altLang="en-US" sz="1200" b="1" baseline="0" dirty="0" smtClean="0"/>
+                        <a:t> </a:t>
+                      </a:r>
+                      <a:r>
+                        <a:rPr lang="ko-KR" altLang="en-US" sz="1200" b="1" baseline="0" dirty="0" err="1" smtClean="0"/>
+                        <a:t>커밋</a:t>
+                      </a:r>
+                      <a:r>
+                        <a:rPr lang="ko-KR" altLang="en-US" sz="1200" b="1" baseline="0" dirty="0" smtClean="0"/>
+                        <a:t> 완료</a:t>
+                      </a:r>
+                      <a:r>
+                        <a:rPr lang="en-US" altLang="ko-KR" sz="1200" b="1" baseline="0" dirty="0" smtClean="0"/>
+                        <a:t>, Readme.MD </a:t>
+                      </a:r>
+                      <a:r>
+                        <a:rPr lang="ko-KR" altLang="en-US" sz="1200" b="1" baseline="0" dirty="0" smtClean="0"/>
+                        <a:t>최종 정리</a:t>
+                      </a:r>
+                      <a:r>
+                        <a:rPr lang="en-US" altLang="ko-KR" sz="1200" b="1" baseline="0" dirty="0" smtClean="0"/>
+                        <a:t>.</a:t>
+                      </a:r>
+                      <a:endParaRPr lang="ko-KR" altLang="en-US" sz="1200" b="1" dirty="0" smtClean="0"/>
+                    </a:p>
+                  </a:txBody>
+                  <a:tcPr anchor="ctr"/>
+                </a:tc>
+              </a:tr>
+              <a:tr h="304800">
+                <a:tc rowSpan="2">
+                  <a:txBody>
+                    <a:bodyPr/>
+                    <a:lstStyle/>
+                    <a:p>
+                      <a:pPr marL="0" marR="0" lvl="0" indent="0" algn="l" defTabSz="914400" rtl="0" eaLnBrk="1" fontAlgn="auto" latinLnBrk="1" hangingPunct="1">
+                        <a:lnSpc>
+                          <a:spcPct val="100000"/>
+                        </a:lnSpc>
+                        <a:spcBef>
+                          <a:spcPts val="0"/>
+                        </a:spcBef>
+                        <a:spcAft>
+                          <a:spcPts val="0"/>
+                        </a:spcAft>
+                        <a:buClrTx/>
+                        <a:buSzTx/>
+                        <a:buFontTx/>
+                        <a:buNone/>
+                        <a:tabLst/>
+                        <a:defRPr/>
+                      </a:pPr>
+                      <a:r>
+                        <a:rPr lang="en-US" altLang="ko-KR" sz="1400" b="0" dirty="0" smtClean="0"/>
+                        <a:t>6</a:t>
+                      </a:r>
+                      <a:r>
+                        <a:rPr lang="ko-KR" altLang="en-US" sz="1400" b="0" dirty="0" smtClean="0"/>
+                        <a:t>주차 </a:t>
+                      </a:r>
+                      <a:r>
+                        <a:rPr lang="en-US" altLang="ko-KR" sz="1400" b="0" dirty="0" smtClean="0"/>
+                        <a:t>(11/04)</a:t>
+                      </a:r>
+                      <a:endParaRPr lang="ko-KR" altLang="en-US" sz="1400" b="0" dirty="0" smtClean="0"/>
+                    </a:p>
+                  </a:txBody>
+                  <a:tcPr anchor="ctr"/>
+                </a:tc>
+                <a:tc rowSpan="2">
+                  <a:txBody>
+                    <a:bodyPr/>
+                    <a:lstStyle/>
+                    <a:p>
+                      <a:pPr marL="0" marR="0" lvl="0" indent="0" algn="ctr" defTabSz="914400" rtl="0" eaLnBrk="1" fontAlgn="auto" latinLnBrk="1" hangingPunct="1">
+                        <a:lnSpc>
+                          <a:spcPct val="100000"/>
+                        </a:lnSpc>
+                        <a:spcBef>
+                          <a:spcPts val="0"/>
+                        </a:spcBef>
+                        <a:spcAft>
+                          <a:spcPts val="0"/>
+                        </a:spcAft>
+                        <a:buClrTx/>
+                        <a:buSzTx/>
+                        <a:buFontTx/>
+                        <a:buNone/>
+                        <a:tabLst/>
+                        <a:defRPr/>
+                      </a:pPr>
+                      <a:r>
+                        <a:rPr lang="en-US" altLang="ko-KR" sz="1400" b="0" dirty="0" smtClean="0">
                           <a:solidFill>
-                            <a:schemeClr val="dk1"/>
+                            <a:srgbClr val="101614"/>
                           </a:solidFill>
-                          <a:effectLst/>
-                          <a:latin typeface="+mn-lt"/>
-                          <a:ea typeface="+mn-ea"/>
-                          <a:cs typeface="+mn-cs"/>
                         </a:rPr>
-                        <a:t>게임 스코어를 어떻게 저장하고 기록할지 구상</a:t>
+                        <a:t>7%</a:t>
                       </a:r>
-                      <a:endParaRPr lang="ko-KR" altLang="en-US" sz="1200" b="0" i="0" kern="1200" dirty="0">
+                      <a:endParaRPr lang="ko-KR" altLang="en-US" sz="1400" b="0" dirty="0" smtClean="0">
                         <a:solidFill>
-                          <a:schemeClr val="dk1"/>
+                          <a:srgbClr val="101614"/>
                         </a:solidFill>
-                        <a:effectLst/>
-                        <a:latin typeface="+mn-lt"/>
-                        <a:ea typeface="+mn-ea"/>
-                        <a:cs typeface="+mn-cs"/>
                       </a:endParaRPr>
                     </a:p>
                   </a:txBody>
@@ -25910,80 +22686,186 @@
                     <a:bodyPr/>
                     <a:lstStyle/>
                     <a:p>
-                      <a:pPr algn="l" latinLnBrk="1"/>
+                      <a:pPr marL="0" marR="0" indent="0" algn="l" defTabSz="914400" rtl="0" eaLnBrk="1" fontAlgn="auto" latinLnBrk="1" hangingPunct="1">
+                        <a:lnSpc>
+                          <a:spcPct val="100000"/>
+                        </a:lnSpc>
+                        <a:spcBef>
+                          <a:spcPts val="0"/>
+                        </a:spcBef>
+                        <a:spcAft>
+                          <a:spcPts val="0"/>
+                        </a:spcAft>
+                        <a:buClrTx/>
+                        <a:buSzTx/>
+                        <a:buFontTx/>
+                        <a:buNone/>
+                        <a:tabLst/>
+                        <a:defRPr/>
+                      </a:pPr>
                       <a:r>
                         <a:rPr lang="ko-KR" altLang="en-US" sz="1200" dirty="0" smtClean="0"/>
-                        <a:t>파일 입출력으로 저장을 해보자</a:t>
+                        <a:t>발판 등 의</a:t>
                       </a:r>
                       <a:r>
-                        <a:rPr lang="en-US" altLang="ko-KR" sz="1200" dirty="0" smtClean="0"/>
-                        <a:t>, </a:t>
+                        <a:rPr lang="ko-KR" altLang="en-US" sz="1200" baseline="0" dirty="0" smtClean="0"/>
+                        <a:t> 생성 부분 알고리즘 추가</a:t>
                       </a:r>
-                      <a:r>
-                        <a:rPr lang="ko-KR" altLang="en-US" sz="1200" dirty="0" smtClean="0"/>
-                        <a:t>조작이 가능하니 암호화를 해볼까</a:t>
-                      </a:r>
-                      <a:r>
-                        <a:rPr lang="en-US" altLang="ko-KR" sz="1200" dirty="0" smtClean="0"/>
-                        <a:t>? </a:t>
-                      </a:r>
-                      <a:r>
-                        <a:rPr lang="ko-KR" altLang="en-US" sz="1200" dirty="0" smtClean="0"/>
-                        <a:t>높이 </a:t>
-                      </a:r>
-                      <a:r>
-                        <a:rPr lang="en-US" altLang="ko-KR" sz="1200" dirty="0" smtClean="0"/>
-                        <a:t>+ </a:t>
-                      </a:r>
-                      <a:r>
-                        <a:rPr lang="ko-KR" altLang="en-US" sz="1200" dirty="0" smtClean="0"/>
-                        <a:t>발판 </a:t>
-                      </a:r>
-                      <a:r>
-                        <a:rPr lang="en-US" altLang="ko-KR" sz="1200" dirty="0" smtClean="0"/>
-                        <a:t>+ </a:t>
-                      </a:r>
-                      <a:r>
-                        <a:rPr lang="ko-KR" altLang="en-US" sz="1200" dirty="0" smtClean="0"/>
-                        <a:t>백그라운드 내려온 수로 저장을 해보자</a:t>
-                      </a:r>
-                      <a:r>
-                        <a:rPr lang="en-US" altLang="ko-KR" sz="1200" dirty="0" smtClean="0"/>
-                        <a:t>.</a:t>
-                      </a:r>
-                      <a:endParaRPr lang="ko-KR" altLang="en-US" sz="1200" dirty="0"/>
+                      <a:endParaRPr lang="ko-KR" altLang="en-US" sz="1200" dirty="0" smtClean="0"/>
                     </a:p>
                   </a:txBody>
                   <a:tcPr anchor="ctr"/>
                 </a:tc>
               </a:tr>
-              <a:tr h="518160">
+              <a:tr h="304800">
+                <a:tc vMerge="1">
+                  <a:txBody>
+                    <a:bodyPr/>
+                    <a:lstStyle/>
+                    <a:p>
+                      <a:pPr latinLnBrk="1"/>
+                      <a:endParaRPr lang="ko-KR" altLang="en-US"/>
+                    </a:p>
+                  </a:txBody>
+                  <a:tcPr/>
+                </a:tc>
+                <a:tc vMerge="1">
+                  <a:txBody>
+                    <a:bodyPr/>
+                    <a:lstStyle/>
+                    <a:p>
+                      <a:pPr latinLnBrk="1"/>
+                      <a:endParaRPr lang="ko-KR" altLang="en-US"/>
+                    </a:p>
+                  </a:txBody>
+                  <a:tcPr/>
+                </a:tc>
                 <a:tc>
                   <a:txBody>
                     <a:bodyPr/>
                     <a:lstStyle/>
                     <a:p>
-                      <a:pPr algn="l"/>
+                      <a:pPr marL="0" marR="0" indent="0" algn="l" defTabSz="914400" rtl="0" eaLnBrk="1" fontAlgn="auto" latinLnBrk="1" hangingPunct="1">
+                        <a:lnSpc>
+                          <a:spcPct val="100000"/>
+                        </a:lnSpc>
+                        <a:spcBef>
+                          <a:spcPts val="0"/>
+                        </a:spcBef>
+                        <a:spcAft>
+                          <a:spcPts val="0"/>
+                        </a:spcAft>
+                        <a:buClrTx/>
+                        <a:buSzTx/>
+                        <a:buFontTx/>
+                        <a:buNone/>
+                        <a:tabLst/>
+                        <a:defRPr/>
+                      </a:pPr>
                       <a:r>
-                        <a:rPr lang="ko-KR" altLang="en-US" sz="1200" b="0" i="0" kern="1200" dirty="0" smtClean="0">
+                        <a:rPr lang="ko-KR" altLang="en-US" sz="1200" dirty="0" smtClean="0"/>
+                        <a:t>특정 위치에 발판이 나오게 하는 부분 완료</a:t>
+                      </a:r>
+                      <a:r>
+                        <a:rPr lang="en-US" altLang="ko-KR" sz="1200" dirty="0" smtClean="0"/>
+                        <a:t>. ( </a:t>
+                      </a:r>
+                      <a:r>
+                        <a:rPr lang="ko-KR" altLang="en-US" sz="1200" dirty="0" smtClean="0"/>
+                        <a:t>그</a:t>
+                      </a:r>
+                      <a:r>
+                        <a:rPr lang="ko-KR" altLang="en-US" sz="1200" baseline="0" dirty="0" smtClean="0"/>
+                        <a:t> 외 추가 생성 </a:t>
+                      </a:r>
+                      <a:r>
+                        <a:rPr lang="ko-KR" altLang="en-US" sz="1200" baseline="0" dirty="0" err="1" smtClean="0"/>
+                        <a:t>안함</a:t>
+                      </a:r>
+                      <a:r>
+                        <a:rPr lang="en-US" altLang="ko-KR" sz="1200" baseline="0" dirty="0" smtClean="0"/>
+                        <a:t> )</a:t>
+                      </a:r>
+                      <a:endParaRPr lang="ko-KR" altLang="en-US" sz="1200" dirty="0" smtClean="0"/>
+                    </a:p>
+                  </a:txBody>
+                  <a:tcPr anchor="ctr"/>
+                </a:tc>
+              </a:tr>
+              <a:tr h="304800">
+                <a:tc>
+                  <a:txBody>
+                    <a:bodyPr/>
+                    <a:lstStyle/>
+                    <a:p>
+                      <a:pPr marL="0" marR="0" lvl="0" indent="0" algn="l" defTabSz="914400" rtl="0" eaLnBrk="1" fontAlgn="auto" latinLnBrk="1" hangingPunct="1">
+                        <a:lnSpc>
+                          <a:spcPct val="100000"/>
+                        </a:lnSpc>
+                        <a:spcBef>
+                          <a:spcPts val="0"/>
+                        </a:spcBef>
+                        <a:spcAft>
+                          <a:spcPts val="0"/>
+                        </a:spcAft>
+                        <a:buClrTx/>
+                        <a:buSzTx/>
+                        <a:buFontTx/>
+                        <a:buNone/>
+                        <a:tabLst/>
+                        <a:defRPr/>
+                      </a:pPr>
+                      <a:r>
+                        <a:rPr lang="en-US" altLang="ko-KR" sz="1400" b="0" dirty="0" smtClean="0"/>
+                        <a:t>7</a:t>
+                      </a:r>
+                      <a:r>
+                        <a:rPr lang="ko-KR" altLang="en-US" sz="1400" b="0" dirty="0" smtClean="0"/>
+                        <a:t>주차 </a:t>
+                      </a:r>
+                      <a:r>
+                        <a:rPr lang="en-US" altLang="ko-KR" sz="1400" b="0" dirty="0" smtClean="0"/>
+                        <a:t>(11/11)</a:t>
+                      </a:r>
+                      <a:endParaRPr lang="ko-KR" altLang="en-US" sz="1400" b="0" dirty="0" smtClean="0"/>
+                    </a:p>
+                  </a:txBody>
+                  <a:tcPr anchor="ctr"/>
+                </a:tc>
+                <a:tc>
+                  <a:txBody>
+                    <a:bodyPr/>
+                    <a:lstStyle/>
+                    <a:p>
+                      <a:pPr marL="0" marR="0" lvl="0" indent="0" algn="ctr" defTabSz="914400" rtl="0" eaLnBrk="1" fontAlgn="auto" latinLnBrk="1" hangingPunct="1">
+                        <a:lnSpc>
+                          <a:spcPct val="100000"/>
+                        </a:lnSpc>
+                        <a:spcBef>
+                          <a:spcPts val="0"/>
+                        </a:spcBef>
+                        <a:spcAft>
+                          <a:spcPts val="0"/>
+                        </a:spcAft>
+                        <a:buClrTx/>
+                        <a:buSzTx/>
+                        <a:buFontTx/>
+                        <a:buNone/>
+                        <a:tabLst/>
+                        <a:defRPr/>
+                      </a:pPr>
+                      <a:r>
+                        <a:rPr lang="en-US" altLang="ko-KR" sz="1400" b="0" dirty="0" smtClean="0">
                           <a:solidFill>
-                            <a:schemeClr val="dk1"/>
+                            <a:srgbClr val="101614"/>
                           </a:solidFill>
-                          <a:effectLst/>
-                          <a:latin typeface="+mn-lt"/>
-                          <a:ea typeface="+mn-ea"/>
-                          <a:cs typeface="+mn-cs"/>
                         </a:rPr>
-                        <a:t>게임 스토리 구상</a:t>
+                        <a:t>0%</a:t>
                       </a:r>
-                      <a:endParaRPr lang="ko-KR" altLang="en-US" sz="1200" b="0" i="0" kern="1200" dirty="0">
+                      <a:endParaRPr lang="ko-KR" altLang="en-US" sz="1400" b="0" dirty="0" smtClean="0">
                         <a:solidFill>
-                          <a:schemeClr val="dk1"/>
+                          <a:srgbClr val="101614"/>
                         </a:solidFill>
-                        <a:effectLst/>
-                        <a:latin typeface="+mn-lt"/>
-                        <a:ea typeface="+mn-ea"/>
-                        <a:cs typeface="+mn-cs"/>
                       </a:endParaRPr>
                     </a:p>
                   </a:txBody>
@@ -25994,14 +22876,10 @@
                     <a:bodyPr/>
                     <a:lstStyle/>
                     <a:p>
-                      <a:pPr algn="l" latinLnBrk="1"/>
+                      <a:pPr latinLnBrk="1"/>
                       <a:r>
                         <a:rPr lang="ko-KR" altLang="en-US" sz="1200" dirty="0" smtClean="0"/>
-                        <a:t>스토리 라기 보다는 토끼가 행성을 향해 계속 올라가는 것처럼 끝이 없는 끝을 향해 올라가도록 만들어 보자</a:t>
-                      </a:r>
-                      <a:r>
-                        <a:rPr lang="en-US" altLang="ko-KR" sz="1200" dirty="0" smtClean="0"/>
-                        <a:t>.</a:t>
+                        <a:t>발판과 캐릭터의 충돌 체크 작업</a:t>
                       </a:r>
                       <a:endParaRPr lang="ko-KR" altLang="en-US" sz="1200" dirty="0"/>
                     </a:p>
@@ -26009,33 +22887,80 @@
                   <a:tcPr anchor="ctr"/>
                 </a:tc>
               </a:tr>
-              <a:tr h="518160">
+              <a:tr h="304800">
                 <a:tc>
                   <a:txBody>
                     <a:bodyPr/>
                     <a:lstStyle/>
                     <a:p>
-                      <a:pPr algn="l"/>
+                      <a:pPr marL="0" marR="0" lvl="0" indent="0" algn="l" defTabSz="914400" rtl="0" eaLnBrk="1" fontAlgn="auto" latinLnBrk="1" hangingPunct="1">
+                        <a:lnSpc>
+                          <a:spcPct val="100000"/>
+                        </a:lnSpc>
+                        <a:spcBef>
+                          <a:spcPts val="0"/>
+                        </a:spcBef>
+                        <a:spcAft>
+                          <a:spcPts val="0"/>
+                        </a:spcAft>
+                        <a:buClrTx/>
+                        <a:buSzTx/>
+                        <a:buFontTx/>
+                        <a:buNone/>
+                        <a:tabLst/>
+                        <a:defRPr/>
+                      </a:pPr>
                       <a:r>
-                        <a:rPr lang="ko-KR" altLang="en-US" sz="1200" b="0" i="0" kern="1200" dirty="0" smtClean="0">
+                        <a:rPr lang="en-US" altLang="ko-KR" sz="1400" b="0" dirty="0" smtClean="0"/>
+                        <a:t>8</a:t>
+                      </a:r>
+                      <a:r>
+                        <a:rPr lang="ko-KR" altLang="en-US" sz="1400" b="0" dirty="0" smtClean="0"/>
+                        <a:t>주차 </a:t>
+                      </a:r>
+                      <a:r>
+                        <a:rPr lang="en-US" altLang="ko-KR" sz="1400" b="0" dirty="0" smtClean="0"/>
+                        <a:t>(11/18)</a:t>
+                      </a:r>
+                      <a:endParaRPr lang="ko-KR" altLang="en-US" sz="1400" b="0" dirty="0" smtClean="0"/>
+                    </a:p>
+                  </a:txBody>
+                  <a:tcPr anchor="ctr"/>
+                </a:tc>
+                <a:tc>
+                  <a:txBody>
+                    <a:bodyPr/>
+                    <a:lstStyle/>
+                    <a:p>
+                      <a:pPr marL="0" marR="0" lvl="0" indent="0" algn="ctr" defTabSz="914400" rtl="0" eaLnBrk="1" fontAlgn="auto" latinLnBrk="1" hangingPunct="1">
+                        <a:lnSpc>
+                          <a:spcPct val="100000"/>
+                        </a:lnSpc>
+                        <a:spcBef>
+                          <a:spcPts val="0"/>
+                        </a:spcBef>
+                        <a:spcAft>
+                          <a:spcPts val="0"/>
+                        </a:spcAft>
+                        <a:buClrTx/>
+                        <a:buSzTx/>
+                        <a:buFontTx/>
+                        <a:buNone/>
+                        <a:tabLst/>
+                        <a:defRPr/>
+                      </a:pPr>
+                      <a:r>
+                        <a:rPr lang="en-US" altLang="ko-KR" sz="1400" b="0" dirty="0" smtClean="0">
                           <a:solidFill>
-                            <a:schemeClr val="dk1"/>
+                            <a:srgbClr val="101614"/>
                           </a:solidFill>
-                          <a:effectLst/>
-                          <a:latin typeface="+mn-lt"/>
-                          <a:ea typeface="+mn-ea"/>
-                          <a:cs typeface="+mn-cs"/>
                         </a:rPr>
-                        <a:t>발판에 대한 구상</a:t>
+                        <a:t>0%</a:t>
                       </a:r>
-                      <a:endParaRPr lang="ko-KR" altLang="en-US" sz="1200" b="0" i="0" kern="1200" dirty="0">
+                      <a:endParaRPr lang="ko-KR" altLang="en-US" sz="1400" b="0" dirty="0" smtClean="0">
                         <a:solidFill>
-                          <a:schemeClr val="dk1"/>
+                          <a:srgbClr val="101614"/>
                         </a:solidFill>
-                        <a:effectLst/>
-                        <a:latin typeface="+mn-lt"/>
-                        <a:ea typeface="+mn-ea"/>
-                        <a:cs typeface="+mn-cs"/>
                       </a:endParaRPr>
                     </a:p>
                   </a:txBody>
@@ -26046,28 +22971,313 @@
                     <a:bodyPr/>
                     <a:lstStyle/>
                     <a:p>
-                      <a:pPr algn="l" latinLnBrk="1"/>
+                      <a:pPr latinLnBrk="1"/>
                       <a:r>
                         <a:rPr lang="ko-KR" altLang="en-US" sz="1200" dirty="0" smtClean="0"/>
-                        <a:t>발판을 여러</a:t>
+                        <a:t>발판을 올라가면서 점수체크 기능 작업</a:t>
+                      </a:r>
+                      <a:endParaRPr lang="ko-KR" altLang="en-US" sz="1200" dirty="0"/>
+                    </a:p>
+                  </a:txBody>
+                  <a:tcPr anchor="ctr"/>
+                </a:tc>
+              </a:tr>
+              <a:tr h="304800">
+                <a:tc>
+                  <a:txBody>
+                    <a:bodyPr/>
+                    <a:lstStyle/>
+                    <a:p>
+                      <a:pPr marL="0" marR="0" lvl="0" indent="0" algn="l" defTabSz="914400" rtl="0" eaLnBrk="1" fontAlgn="auto" latinLnBrk="1" hangingPunct="1">
+                        <a:lnSpc>
+                          <a:spcPct val="100000"/>
+                        </a:lnSpc>
+                        <a:spcBef>
+                          <a:spcPts val="0"/>
+                        </a:spcBef>
+                        <a:spcAft>
+                          <a:spcPts val="0"/>
+                        </a:spcAft>
+                        <a:buClrTx/>
+                        <a:buSzTx/>
+                        <a:buFontTx/>
+                        <a:buNone/>
+                        <a:tabLst/>
+                        <a:defRPr/>
+                      </a:pPr>
+                      <a:r>
+                        <a:rPr lang="en-US" altLang="ko-KR" sz="1400" b="1" dirty="0" smtClean="0"/>
+                        <a:t>9</a:t>
                       </a:r>
                       <a:r>
-                        <a:rPr lang="ko-KR" altLang="en-US" sz="1200" baseline="0" dirty="0" smtClean="0"/>
-                        <a:t> 가지 방법으로 생성을 해보고</a:t>
+                        <a:rPr lang="ko-KR" altLang="en-US" sz="1400" b="1" dirty="0" smtClean="0"/>
+                        <a:t>주차 </a:t>
                       </a:r>
                       <a:r>
-                        <a:rPr lang="en-US" altLang="ko-KR" sz="1200" baseline="0" dirty="0" smtClean="0"/>
-                        <a:t>, </a:t>
+                        <a:rPr lang="en-US" altLang="ko-KR" sz="1400" b="1" dirty="0" smtClean="0"/>
+                        <a:t>(11/25)</a:t>
+                      </a:r>
+                      <a:endParaRPr lang="ko-KR" altLang="en-US" sz="1400" b="1" dirty="0" smtClean="0"/>
+                    </a:p>
+                  </a:txBody>
+                  <a:tcPr anchor="ctr"/>
+                </a:tc>
+                <a:tc>
+                  <a:txBody>
+                    <a:bodyPr/>
+                    <a:lstStyle/>
+                    <a:p>
+                      <a:pPr marL="0" marR="0" lvl="0" indent="0" algn="ctr" defTabSz="914400" rtl="0" eaLnBrk="1" fontAlgn="auto" latinLnBrk="1" hangingPunct="1">
+                        <a:lnSpc>
+                          <a:spcPct val="100000"/>
+                        </a:lnSpc>
+                        <a:spcBef>
+                          <a:spcPts val="0"/>
+                        </a:spcBef>
+                        <a:spcAft>
+                          <a:spcPts val="0"/>
+                        </a:spcAft>
+                        <a:buClrTx/>
+                        <a:buSzTx/>
+                        <a:buFontTx/>
+                        <a:buNone/>
+                        <a:tabLst/>
+                        <a:defRPr/>
+                      </a:pPr>
+                      <a:r>
+                        <a:rPr lang="en-US" altLang="ko-KR" sz="1400" b="0" dirty="0" smtClean="0">
+                          <a:solidFill>
+                            <a:srgbClr val="101614"/>
+                          </a:solidFill>
+                        </a:rPr>
+                        <a:t>0%</a:t>
+                      </a:r>
+                      <a:endParaRPr lang="ko-KR" altLang="en-US" sz="1400" b="1" dirty="0" smtClean="0">
+                        <a:solidFill>
+                          <a:srgbClr val="101614"/>
+                        </a:solidFill>
+                      </a:endParaRPr>
+                    </a:p>
+                  </a:txBody>
+                  <a:tcPr anchor="ctr"/>
+                </a:tc>
+                <a:tc>
+                  <a:txBody>
+                    <a:bodyPr/>
+                    <a:lstStyle/>
+                    <a:p>
+                      <a:pPr latinLnBrk="1"/>
+                      <a:r>
+                        <a:rPr lang="ko-KR" altLang="en-US" sz="1200" b="1" dirty="0" smtClean="0"/>
+                        <a:t>프로젝트 </a:t>
                       </a:r>
                       <a:r>
-                        <a:rPr lang="ko-KR" altLang="en-US" sz="1200" baseline="0" dirty="0" smtClean="0"/>
-                        <a:t>발판 종류에 따라서 발판 특성이 다르게 만들어 지도록 해보자</a:t>
+                        <a:rPr lang="en-US" altLang="ko-KR" sz="1200" b="1" dirty="0" smtClean="0"/>
+                        <a:t>3</a:t>
                       </a:r>
                       <a:r>
-                        <a:rPr lang="en-US" altLang="ko-KR" sz="1200" baseline="0" dirty="0" smtClean="0"/>
+                        <a:rPr lang="ko-KR" altLang="en-US" sz="1200" b="1" dirty="0" smtClean="0"/>
+                        <a:t>차 발표를 위한 정리</a:t>
+                      </a:r>
+                      <a:r>
+                        <a:rPr lang="en-US" altLang="ko-KR" sz="1200" b="1" dirty="0" smtClean="0"/>
                         <a:t>.</a:t>
                       </a:r>
+                      <a:endParaRPr lang="ko-KR" altLang="en-US" sz="1200" b="1" dirty="0"/>
+                    </a:p>
+                  </a:txBody>
+                  <a:tcPr anchor="ctr"/>
+                </a:tc>
+              </a:tr>
+              <a:tr h="304800">
+                <a:tc>
+                  <a:txBody>
+                    <a:bodyPr/>
+                    <a:lstStyle/>
+                    <a:p>
+                      <a:pPr marL="0" marR="0" lvl="0" indent="0" algn="l" defTabSz="914400" rtl="0" eaLnBrk="1" fontAlgn="auto" latinLnBrk="1" hangingPunct="1">
+                        <a:lnSpc>
+                          <a:spcPct val="100000"/>
+                        </a:lnSpc>
+                        <a:spcBef>
+                          <a:spcPts val="0"/>
+                        </a:spcBef>
+                        <a:spcAft>
+                          <a:spcPts val="0"/>
+                        </a:spcAft>
+                        <a:buClrTx/>
+                        <a:buSzTx/>
+                        <a:buFontTx/>
+                        <a:buNone/>
+                        <a:tabLst/>
+                        <a:defRPr/>
+                      </a:pPr>
+                      <a:r>
+                        <a:rPr lang="en-US" altLang="ko-KR" sz="1400" b="0" dirty="0" smtClean="0"/>
+                        <a:t>10</a:t>
+                      </a:r>
+                      <a:r>
+                        <a:rPr lang="ko-KR" altLang="en-US" sz="1400" b="0" dirty="0" smtClean="0"/>
+                        <a:t>주차 </a:t>
+                      </a:r>
+                      <a:r>
+                        <a:rPr lang="en-US" altLang="ko-KR" sz="1400" b="0" dirty="0" smtClean="0"/>
+                        <a:t>(12/02)</a:t>
+                      </a:r>
+                      <a:endParaRPr lang="ko-KR" altLang="en-US" sz="1400" b="0" dirty="0" smtClean="0"/>
+                    </a:p>
+                  </a:txBody>
+                  <a:tcPr anchor="ctr"/>
+                </a:tc>
+                <a:tc>
+                  <a:txBody>
+                    <a:bodyPr/>
+                    <a:lstStyle/>
+                    <a:p>
+                      <a:pPr marL="0" marR="0" lvl="0" indent="0" algn="ctr" defTabSz="914400" rtl="0" eaLnBrk="1" fontAlgn="auto" latinLnBrk="1" hangingPunct="1">
+                        <a:lnSpc>
+                          <a:spcPct val="100000"/>
+                        </a:lnSpc>
+                        <a:spcBef>
+                          <a:spcPts val="0"/>
+                        </a:spcBef>
+                        <a:spcAft>
+                          <a:spcPts val="0"/>
+                        </a:spcAft>
+                        <a:buClrTx/>
+                        <a:buSzTx/>
+                        <a:buFontTx/>
+                        <a:buNone/>
+                        <a:tabLst/>
+                        <a:defRPr/>
+                      </a:pPr>
+                      <a:r>
+                        <a:rPr lang="en-US" altLang="ko-KR" sz="1400" b="0" dirty="0" smtClean="0">
+                          <a:solidFill>
+                            <a:srgbClr val="101614"/>
+                          </a:solidFill>
+                        </a:rPr>
+                        <a:t>0%</a:t>
+                      </a:r>
+                      <a:endParaRPr lang="ko-KR" altLang="en-US" sz="1400" b="0" dirty="0" smtClean="0">
+                        <a:solidFill>
+                          <a:srgbClr val="101614"/>
+                        </a:solidFill>
+                      </a:endParaRPr>
+                    </a:p>
+                  </a:txBody>
+                  <a:tcPr anchor="ctr"/>
+                </a:tc>
+                <a:tc>
+                  <a:txBody>
+                    <a:bodyPr/>
+                    <a:lstStyle/>
+                    <a:p>
+                      <a:pPr latinLnBrk="1"/>
+                      <a:r>
+                        <a:rPr lang="ko-KR" altLang="en-US" sz="1200" dirty="0" smtClean="0"/>
+                        <a:t>전체적인 완성도 작업을 위한 마지막 작업</a:t>
+                      </a:r>
                       <a:endParaRPr lang="ko-KR" altLang="en-US" sz="1200" dirty="0"/>
+                    </a:p>
+                  </a:txBody>
+                  <a:tcPr anchor="ctr"/>
+                </a:tc>
+              </a:tr>
+              <a:tr h="304800">
+                <a:tc>
+                  <a:txBody>
+                    <a:bodyPr/>
+                    <a:lstStyle/>
+                    <a:p>
+                      <a:pPr marL="0" marR="0" lvl="0" indent="0" algn="l" defTabSz="914400" rtl="0" eaLnBrk="1" fontAlgn="auto" latinLnBrk="1" hangingPunct="1">
+                        <a:lnSpc>
+                          <a:spcPct val="100000"/>
+                        </a:lnSpc>
+                        <a:spcBef>
+                          <a:spcPts val="0"/>
+                        </a:spcBef>
+                        <a:spcAft>
+                          <a:spcPts val="0"/>
+                        </a:spcAft>
+                        <a:buClrTx/>
+                        <a:buSzTx/>
+                        <a:buFontTx/>
+                        <a:buNone/>
+                        <a:tabLst/>
+                        <a:defRPr/>
+                      </a:pPr>
+                      <a:r>
+                        <a:rPr lang="en-US" altLang="ko-KR" sz="1400" b="1" dirty="0" smtClean="0"/>
+                        <a:t>11</a:t>
+                      </a:r>
+                      <a:r>
+                        <a:rPr lang="ko-KR" altLang="en-US" sz="1400" b="1" dirty="0" smtClean="0"/>
+                        <a:t>주차 </a:t>
+                      </a:r>
+                      <a:r>
+                        <a:rPr lang="en-US" altLang="ko-KR" sz="1400" b="1" dirty="0" smtClean="0"/>
+                        <a:t>(12/16)</a:t>
+                      </a:r>
+                      <a:endParaRPr lang="ko-KR" altLang="en-US" sz="1400" b="1" dirty="0" smtClean="0"/>
+                    </a:p>
+                  </a:txBody>
+                  <a:tcPr anchor="ctr"/>
+                </a:tc>
+                <a:tc>
+                  <a:txBody>
+                    <a:bodyPr/>
+                    <a:lstStyle/>
+                    <a:p>
+                      <a:pPr marL="0" marR="0" lvl="0" indent="0" algn="ctr" defTabSz="914400" rtl="0" eaLnBrk="1" fontAlgn="auto" latinLnBrk="1" hangingPunct="1">
+                        <a:lnSpc>
+                          <a:spcPct val="100000"/>
+                        </a:lnSpc>
+                        <a:spcBef>
+                          <a:spcPts val="0"/>
+                        </a:spcBef>
+                        <a:spcAft>
+                          <a:spcPts val="0"/>
+                        </a:spcAft>
+                        <a:buClrTx/>
+                        <a:buSzTx/>
+                        <a:buFontTx/>
+                        <a:buNone/>
+                        <a:tabLst/>
+                        <a:defRPr/>
+                      </a:pPr>
+                      <a:r>
+                        <a:rPr lang="en-US" altLang="ko-KR" sz="1400" b="0" dirty="0" smtClean="0">
+                          <a:solidFill>
+                            <a:srgbClr val="101614"/>
+                          </a:solidFill>
+                        </a:rPr>
+                        <a:t>0%</a:t>
+                      </a:r>
+                      <a:endParaRPr lang="ko-KR" altLang="en-US" sz="1400" b="1" dirty="0" smtClean="0">
+                        <a:solidFill>
+                          <a:srgbClr val="101614"/>
+                        </a:solidFill>
+                      </a:endParaRPr>
+                    </a:p>
+                  </a:txBody>
+                  <a:tcPr anchor="ctr"/>
+                </a:tc>
+                <a:tc>
+                  <a:txBody>
+                    <a:bodyPr/>
+                    <a:lstStyle/>
+                    <a:p>
+                      <a:pPr latinLnBrk="1"/>
+                      <a:r>
+                        <a:rPr lang="ko-KR" altLang="en-US" sz="1200" b="1" dirty="0" smtClean="0"/>
+                        <a:t>프로젝트 최종 발표를 위한 정리</a:t>
+                      </a:r>
+                      <a:r>
+                        <a:rPr lang="en-US" altLang="ko-KR" sz="1200" b="1" dirty="0" smtClean="0"/>
+                        <a:t>.</a:t>
+                      </a:r>
+                      <a:endParaRPr lang="ko-KR" altLang="en-US" sz="1200" b="1" dirty="0"/>
                     </a:p>
                   </a:txBody>
                   <a:tcPr anchor="ctr"/>
@@ -26080,7 +23290,7 @@
     </p:spTree>
     <p:extLst>
       <p:ext uri="{BB962C8B-B14F-4D97-AF65-F5344CB8AC3E}">
-        <p14:creationId xmlns:p14="http://schemas.microsoft.com/office/powerpoint/2010/main" val="1372358549"/>
+        <p14:creationId xmlns:p14="http://schemas.microsoft.com/office/powerpoint/2010/main" val="695069274"/>
       </p:ext>
     </p:extLst>
   </p:cSld>
@@ -26114,1279 +23324,309 @@
           <a:chExt cx="0" cy="0"/>
         </a:xfrm>
       </p:grpSpPr>
-      <p:sp>
-        <p:nvSpPr>
-          <p:cNvPr id="13315" name="Text Box 5"/>
-          <p:cNvSpPr txBox="1">
-            <a:spLocks noChangeArrowheads="1"/>
-          </p:cNvSpPr>
+      <p:grpSp>
+        <p:nvGrpSpPr>
+          <p:cNvPr id="12290" name="그룹 1"/>
+          <p:cNvGrpSpPr>
+            <a:grpSpLocks/>
+          </p:cNvGrpSpPr>
           <p:nvPr/>
-        </p:nvSpPr>
-        <p:spPr bwMode="auto">
+        </p:nvGrpSpPr>
+        <p:grpSpPr bwMode="auto">
           <a:xfrm>
-            <a:off x="325438" y="120650"/>
-            <a:ext cx="6600825" cy="585788"/>
+            <a:off x="3122613" y="3143250"/>
+            <a:ext cx="5164137" cy="1149350"/>
+            <a:chOff x="3177925" y="2002967"/>
+            <a:chExt cx="5164787" cy="1150543"/>
           </a:xfrm>
-          <a:prstGeom prst="rect">
-            <a:avLst/>
-          </a:prstGeom>
-          <a:noFill/>
-          <a:ln>
+        </p:grpSpPr>
+        <p:sp>
+          <p:nvSpPr>
+            <p:cNvPr id="3" name="TextBox 2"/>
+            <p:cNvSpPr txBox="1">
+              <a:spLocks noChangeArrowheads="1"/>
+            </p:cNvSpPr>
+            <p:nvPr/>
+          </p:nvSpPr>
+          <p:spPr bwMode="auto">
+            <a:xfrm>
+              <a:off x="3177925" y="2002967"/>
+              <a:ext cx="5164787" cy="785644"/>
+            </a:xfrm>
+            <a:prstGeom prst="rect">
+              <a:avLst/>
+            </a:prstGeom>
             <a:noFill/>
-          </a:ln>
-          <a:extLst>
-            <a:ext uri="{909E8E84-426E-40DD-AFC4-6F175D3DCCD1}">
-              <a14:hiddenFill xmlns:a14="http://schemas.microsoft.com/office/drawing/2010/main">
-                <a:solidFill>
-                  <a:srgbClr val="FFFFFF"/>
-                </a:solidFill>
-              </a14:hiddenFill>
-            </a:ext>
-            <a:ext uri="{91240B29-F687-4F45-9708-019B960494DF}">
-              <a14:hiddenLine xmlns:a14="http://schemas.microsoft.com/office/drawing/2010/main" w="9525">
-                <a:solidFill>
-                  <a:srgbClr val="000000"/>
-                </a:solidFill>
-                <a:miter lim="800000"/>
-                <a:headEnd/>
-                <a:tailEnd/>
-              </a14:hiddenLine>
-            </a:ext>
-          </a:extLst>
-        </p:spPr>
-        <p:txBody>
-          <a:bodyPr anchor="ctr">
-            <a:spAutoFit/>
-          </a:bodyPr>
-          <a:lstStyle>
-            <a:lvl1pPr>
-              <a:defRPr kumimoji="1">
-                <a:solidFill>
-                  <a:schemeClr val="tx1"/>
-                </a:solidFill>
-                <a:latin typeface="굴림" panose="020B0600000101010101" pitchFamily="50" charset="-127"/>
-                <a:ea typeface="굴림" panose="020B0600000101010101" pitchFamily="50" charset="-127"/>
-              </a:defRPr>
-            </a:lvl1pPr>
-            <a:lvl2pPr marL="742950" indent="-285750">
-              <a:defRPr kumimoji="1">
-                <a:solidFill>
-                  <a:schemeClr val="tx1"/>
-                </a:solidFill>
-                <a:latin typeface="굴림" panose="020B0600000101010101" pitchFamily="50" charset="-127"/>
-                <a:ea typeface="굴림" panose="020B0600000101010101" pitchFamily="50" charset="-127"/>
-              </a:defRPr>
-            </a:lvl2pPr>
-            <a:lvl3pPr marL="1143000" indent="-228600">
-              <a:defRPr kumimoji="1">
-                <a:solidFill>
-                  <a:schemeClr val="tx1"/>
-                </a:solidFill>
-                <a:latin typeface="굴림" panose="020B0600000101010101" pitchFamily="50" charset="-127"/>
-                <a:ea typeface="굴림" panose="020B0600000101010101" pitchFamily="50" charset="-127"/>
-              </a:defRPr>
-            </a:lvl3pPr>
-            <a:lvl4pPr marL="1600200" indent="-228600">
-              <a:defRPr kumimoji="1">
-                <a:solidFill>
-                  <a:schemeClr val="tx1"/>
-                </a:solidFill>
-                <a:latin typeface="굴림" panose="020B0600000101010101" pitchFamily="50" charset="-127"/>
-                <a:ea typeface="굴림" panose="020B0600000101010101" pitchFamily="50" charset="-127"/>
-              </a:defRPr>
-            </a:lvl4pPr>
-            <a:lvl5pPr marL="2057400" indent="-228600">
-              <a:defRPr kumimoji="1">
-                <a:solidFill>
-                  <a:schemeClr val="tx1"/>
-                </a:solidFill>
-                <a:latin typeface="굴림" panose="020B0600000101010101" pitchFamily="50" charset="-127"/>
-                <a:ea typeface="굴림" panose="020B0600000101010101" pitchFamily="50" charset="-127"/>
-              </a:defRPr>
-            </a:lvl5pPr>
-            <a:lvl6pPr marL="2514600" indent="-228600" eaLnBrk="0" fontAlgn="base" hangingPunct="0">
-              <a:spcBef>
-                <a:spcPct val="0"/>
-              </a:spcBef>
-              <a:spcAft>
-                <a:spcPct val="0"/>
-              </a:spcAft>
-              <a:defRPr kumimoji="1">
-                <a:solidFill>
-                  <a:schemeClr val="tx1"/>
-                </a:solidFill>
-                <a:latin typeface="굴림" panose="020B0600000101010101" pitchFamily="50" charset="-127"/>
-                <a:ea typeface="굴림" panose="020B0600000101010101" pitchFamily="50" charset="-127"/>
-              </a:defRPr>
-            </a:lvl6pPr>
-            <a:lvl7pPr marL="2971800" indent="-228600" eaLnBrk="0" fontAlgn="base" hangingPunct="0">
-              <a:spcBef>
-                <a:spcPct val="0"/>
-              </a:spcBef>
-              <a:spcAft>
-                <a:spcPct val="0"/>
-              </a:spcAft>
-              <a:defRPr kumimoji="1">
-                <a:solidFill>
-                  <a:schemeClr val="tx1"/>
-                </a:solidFill>
-                <a:latin typeface="굴림" panose="020B0600000101010101" pitchFamily="50" charset="-127"/>
-                <a:ea typeface="굴림" panose="020B0600000101010101" pitchFamily="50" charset="-127"/>
-              </a:defRPr>
-            </a:lvl7pPr>
-            <a:lvl8pPr marL="3429000" indent="-228600" eaLnBrk="0" fontAlgn="base" hangingPunct="0">
-              <a:spcBef>
-                <a:spcPct val="0"/>
-              </a:spcBef>
-              <a:spcAft>
-                <a:spcPct val="0"/>
-              </a:spcAft>
-              <a:defRPr kumimoji="1">
-                <a:solidFill>
-                  <a:schemeClr val="tx1"/>
-                </a:solidFill>
-                <a:latin typeface="굴림" panose="020B0600000101010101" pitchFamily="50" charset="-127"/>
-                <a:ea typeface="굴림" panose="020B0600000101010101" pitchFamily="50" charset="-127"/>
-              </a:defRPr>
-            </a:lvl8pPr>
-            <a:lvl9pPr marL="3886200" indent="-228600" eaLnBrk="0" fontAlgn="base" hangingPunct="0">
-              <a:spcBef>
-                <a:spcPct val="0"/>
-              </a:spcBef>
-              <a:spcAft>
-                <a:spcPct val="0"/>
-              </a:spcAft>
-              <a:defRPr kumimoji="1">
-                <a:solidFill>
-                  <a:schemeClr val="tx1"/>
-                </a:solidFill>
-                <a:latin typeface="굴림" panose="020B0600000101010101" pitchFamily="50" charset="-127"/>
-                <a:ea typeface="굴림" panose="020B0600000101010101" pitchFamily="50" charset="-127"/>
-              </a:defRPr>
-            </a:lvl9pPr>
-          </a:lstStyle>
-          <a:p>
-            <a:pPr eaLnBrk="1" latinLnBrk="1" hangingPunct="1"/>
-            <a:r>
-              <a:rPr lang="en-US" altLang="ko-KR" sz="3200" dirty="0" smtClean="0">
-                <a:latin typeface="Tahoma" panose="020B0604030504040204" pitchFamily="34" charset="0"/>
-                <a:cs typeface="Tahoma" panose="020B0604030504040204" pitchFamily="34" charset="0"/>
-              </a:rPr>
-              <a:t>Development of </a:t>
-            </a:r>
-            <a:r>
-              <a:rPr lang="en-US" altLang="ko-KR" sz="3200" b="1" dirty="0" smtClean="0">
-                <a:latin typeface="Tahoma" panose="020B0604030504040204" pitchFamily="34" charset="0"/>
-                <a:cs typeface="Tahoma" panose="020B0604030504040204" pitchFamily="34" charset="0"/>
-              </a:rPr>
-              <a:t>Schedule</a:t>
-            </a:r>
-            <a:endParaRPr lang="ko-KR" altLang="ko-KR" sz="3200" b="1" dirty="0">
-              <a:latin typeface="Tahoma" panose="020B0604030504040204" pitchFamily="34" charset="0"/>
-              <a:cs typeface="Tahoma" panose="020B0604030504040204" pitchFamily="34" charset="0"/>
-            </a:endParaRPr>
-          </a:p>
-        </p:txBody>
-      </p:sp>
-      <p:graphicFrame>
-        <p:nvGraphicFramePr>
-          <p:cNvPr id="5" name="표 4"/>
-          <p:cNvGraphicFramePr>
-            <a:graphicFrameLocks noGrp="1"/>
-          </p:cNvGraphicFramePr>
-          <p:nvPr>
-            <p:extLst>
-              <p:ext uri="{D42A27DB-BD31-4B8C-83A1-F6EECF244321}">
-                <p14:modId xmlns:p14="http://schemas.microsoft.com/office/powerpoint/2010/main" val="469923562"/>
-              </p:ext>
-            </p:extLst>
-          </p:nvPr>
-        </p:nvGraphicFramePr>
-        <p:xfrm>
-          <a:off x="577850" y="1124744"/>
-          <a:ext cx="8170614" cy="767080"/>
-        </p:xfrm>
-        <a:graphic>
-          <a:graphicData uri="http://schemas.openxmlformats.org/drawingml/2006/table">
-            <a:tbl>
-              <a:tblPr firstRow="1" bandRow="1">
-                <a:tableStyleId>{073A0DAA-6AF3-43AB-8588-CEC1D06C72B9}</a:tableStyleId>
-              </a:tblPr>
-              <a:tblGrid>
-                <a:gridCol w="1905918"/>
-                <a:gridCol w="936104"/>
-                <a:gridCol w="5328592"/>
-              </a:tblGrid>
-              <a:tr h="370840">
-                <a:tc>
-                  <a:txBody>
-                    <a:bodyPr/>
-                    <a:lstStyle/>
-                    <a:p>
-                      <a:pPr algn="ctr" latinLnBrk="1"/>
-                      <a:r>
-                        <a:rPr lang="ko-KR" altLang="en-US" dirty="0" smtClean="0"/>
-                        <a:t>주</a:t>
-                      </a:r>
-                      <a:endParaRPr lang="ko-KR" altLang="en-US" dirty="0"/>
-                    </a:p>
-                  </a:txBody>
-                  <a:tcPr anchor="ctr">
-                    <a:solidFill>
-                      <a:schemeClr val="bg1">
-                        <a:lumMod val="85000"/>
-                        <a:lumOff val="15000"/>
-                      </a:schemeClr>
-                    </a:solidFill>
-                  </a:tcPr>
-                </a:tc>
-                <a:tc>
-                  <a:txBody>
-                    <a:bodyPr/>
-                    <a:lstStyle/>
-                    <a:p>
-                      <a:pPr algn="ctr" latinLnBrk="1"/>
-                      <a:r>
-                        <a:rPr lang="ko-KR" altLang="en-US" dirty="0" smtClean="0"/>
-                        <a:t>완성도</a:t>
-                      </a:r>
-                      <a:endParaRPr lang="ko-KR" altLang="en-US" dirty="0"/>
-                    </a:p>
-                  </a:txBody>
-                  <a:tcPr anchor="ctr">
-                    <a:solidFill>
-                      <a:schemeClr val="bg1">
-                        <a:lumMod val="85000"/>
-                        <a:lumOff val="15000"/>
-                      </a:schemeClr>
-                    </a:solidFill>
-                  </a:tcPr>
-                </a:tc>
-                <a:tc>
-                  <a:txBody>
-                    <a:bodyPr/>
-                    <a:lstStyle/>
-                    <a:p>
-                      <a:pPr algn="ctr" latinLnBrk="1"/>
-                      <a:r>
-                        <a:rPr lang="ko-KR" altLang="en-US" dirty="0" smtClean="0"/>
-                        <a:t>주제</a:t>
-                      </a:r>
-                      <a:endParaRPr lang="ko-KR" altLang="en-US" dirty="0"/>
-                    </a:p>
-                  </a:txBody>
-                  <a:tcPr anchor="ctr">
-                    <a:solidFill>
-                      <a:schemeClr val="bg1">
-                        <a:lumMod val="85000"/>
-                        <a:lumOff val="15000"/>
-                      </a:schemeClr>
-                    </a:solidFill>
-                  </a:tcPr>
-                </a:tc>
-              </a:tr>
-              <a:tr h="360000">
-                <a:tc>
-                  <a:txBody>
-                    <a:bodyPr/>
-                    <a:lstStyle/>
-                    <a:p>
-                      <a:pPr marL="0" marR="0" lvl="0" indent="0" algn="l" defTabSz="914400" rtl="0" eaLnBrk="1" fontAlgn="auto" latinLnBrk="1" hangingPunct="1">
-                        <a:lnSpc>
-                          <a:spcPct val="100000"/>
-                        </a:lnSpc>
-                        <a:spcBef>
-                          <a:spcPts val="0"/>
-                        </a:spcBef>
-                        <a:spcAft>
-                          <a:spcPts val="0"/>
-                        </a:spcAft>
-                        <a:buClrTx/>
-                        <a:buSzTx/>
-                        <a:buFontTx/>
-                        <a:buNone/>
-                        <a:tabLst/>
-                        <a:defRPr/>
-                      </a:pPr>
-                      <a:r>
-                        <a:rPr lang="en-US" altLang="ko-KR" sz="2000" b="0" dirty="0" smtClean="0"/>
-                        <a:t>2</a:t>
-                      </a:r>
-                      <a:r>
-                        <a:rPr lang="ko-KR" altLang="en-US" sz="2000" b="0" dirty="0" smtClean="0"/>
-                        <a:t>주차 </a:t>
-                      </a:r>
-                      <a:r>
-                        <a:rPr lang="en-US" altLang="ko-KR" sz="2000" b="0" dirty="0" smtClean="0"/>
-                        <a:t>(09/30)</a:t>
-                      </a:r>
-                      <a:endParaRPr lang="ko-KR" altLang="en-US" sz="2000" b="0" dirty="0" smtClean="0"/>
-                    </a:p>
-                  </a:txBody>
-                  <a:tcPr anchor="ctr"/>
-                </a:tc>
-                <a:tc>
-                  <a:txBody>
-                    <a:bodyPr/>
-                    <a:lstStyle/>
-                    <a:p>
-                      <a:pPr lvl="0" algn="ctr" latinLnBrk="1"/>
-                      <a:r>
-                        <a:rPr lang="en-US" altLang="ko-KR" sz="2000" b="0" dirty="0" smtClean="0">
-                          <a:solidFill>
-                            <a:srgbClr val="FFFFFF"/>
-                          </a:solidFill>
-                        </a:rPr>
-                        <a:t>100%</a:t>
-                      </a:r>
-                      <a:endParaRPr lang="ko-KR" altLang="en-US" sz="2000" b="0" dirty="0">
-                        <a:solidFill>
-                          <a:srgbClr val="FFFFFF"/>
-                        </a:solidFill>
-                      </a:endParaRPr>
-                    </a:p>
-                  </a:txBody>
-                  <a:tcPr anchor="ctr"/>
-                </a:tc>
-                <a:tc>
-                  <a:txBody>
-                    <a:bodyPr/>
-                    <a:lstStyle/>
-                    <a:p>
-                      <a:pPr latinLnBrk="1"/>
-                      <a:r>
-                        <a:rPr lang="ko-KR" altLang="en-US" dirty="0" smtClean="0"/>
-                        <a:t>리소스 및 사운드 와 알고리즘 계산</a:t>
-                      </a:r>
-                      <a:endParaRPr lang="ko-KR" altLang="en-US" dirty="0"/>
-                    </a:p>
-                  </a:txBody>
-                  <a:tcPr anchor="ctr"/>
-                </a:tc>
-              </a:tr>
-            </a:tbl>
-          </a:graphicData>
-        </a:graphic>
-      </p:graphicFrame>
-      <p:graphicFrame>
-        <p:nvGraphicFramePr>
-          <p:cNvPr id="2" name="표 1"/>
-          <p:cNvGraphicFramePr>
-            <a:graphicFrameLocks noGrp="1"/>
-          </p:cNvGraphicFramePr>
-          <p:nvPr>
-            <p:extLst>
-              <p:ext uri="{D42A27DB-BD31-4B8C-83A1-F6EECF244321}">
-                <p14:modId xmlns:p14="http://schemas.microsoft.com/office/powerpoint/2010/main" val="1152763589"/>
-              </p:ext>
-            </p:extLst>
-          </p:nvPr>
-        </p:nvGraphicFramePr>
-        <p:xfrm>
-          <a:off x="577850" y="1926590"/>
-          <a:ext cx="8170614" cy="4546600"/>
-        </p:xfrm>
-        <a:graphic>
-          <a:graphicData uri="http://schemas.openxmlformats.org/drawingml/2006/table">
-            <a:tbl>
-              <a:tblPr firstRow="1" bandRow="1">
-                <a:tableStyleId>{073A0DAA-6AF3-43AB-8588-CEC1D06C72B9}</a:tableStyleId>
-              </a:tblPr>
-              <a:tblGrid>
-                <a:gridCol w="2842022"/>
-                <a:gridCol w="5328592"/>
-              </a:tblGrid>
-              <a:tr h="370840">
-                <a:tc>
-                  <a:txBody>
-                    <a:bodyPr/>
-                    <a:lstStyle/>
-                    <a:p>
-                      <a:pPr algn="ctr" latinLnBrk="1"/>
-                      <a:r>
-                        <a:rPr lang="ko-KR" altLang="en-US" dirty="0" smtClean="0"/>
-                        <a:t>세부적인 작업 내용</a:t>
-                      </a:r>
-                      <a:endParaRPr lang="ko-KR" altLang="en-US" dirty="0"/>
-                    </a:p>
-                  </a:txBody>
-                  <a:tcPr anchor="ctr">
-                    <a:solidFill>
-                      <a:schemeClr val="bg1">
-                        <a:lumMod val="85000"/>
-                        <a:lumOff val="15000"/>
-                      </a:schemeClr>
-                    </a:solidFill>
-                  </a:tcPr>
-                </a:tc>
-                <a:tc>
-                  <a:txBody>
-                    <a:bodyPr/>
-                    <a:lstStyle/>
-                    <a:p>
-                      <a:pPr algn="ctr" latinLnBrk="1"/>
-                      <a:r>
-                        <a:rPr lang="ko-KR" altLang="en-US" dirty="0" smtClean="0"/>
-                        <a:t>작업 결과</a:t>
-                      </a:r>
-                      <a:endParaRPr lang="ko-KR" altLang="en-US" dirty="0"/>
-                    </a:p>
-                  </a:txBody>
-                  <a:tcPr anchor="ctr">
-                    <a:solidFill>
-                      <a:schemeClr val="bg1">
-                        <a:lumMod val="85000"/>
-                        <a:lumOff val="15000"/>
-                      </a:schemeClr>
-                    </a:solidFill>
-                  </a:tcPr>
-                </a:tc>
-              </a:tr>
-              <a:tr h="518160">
-                <a:tc>
-                  <a:txBody>
-                    <a:bodyPr/>
-                    <a:lstStyle/>
-                    <a:p>
-                      <a:pPr algn="l"/>
-                      <a:r>
-                        <a:rPr lang="ko-KR" altLang="en-US" sz="1200" b="0" i="0" kern="1200" dirty="0" smtClean="0">
-                          <a:solidFill>
-                            <a:schemeClr val="dk1"/>
-                          </a:solidFill>
-                          <a:effectLst/>
-                          <a:latin typeface="+mn-lt"/>
-                          <a:ea typeface="+mn-ea"/>
-                          <a:cs typeface="+mn-cs"/>
-                        </a:rPr>
-                        <a:t>메인 이미지</a:t>
-                      </a:r>
-                      <a:endParaRPr lang="en-US" altLang="ko-KR" sz="1200" b="0" i="0" kern="1200" dirty="0" smtClean="0">
-                        <a:solidFill>
-                          <a:schemeClr val="dk1"/>
-                        </a:solidFill>
-                        <a:effectLst/>
-                        <a:latin typeface="+mn-lt"/>
-                        <a:ea typeface="+mn-ea"/>
-                        <a:cs typeface="+mn-cs"/>
-                      </a:endParaRPr>
-                    </a:p>
-                    <a:p>
-                      <a:pPr algn="l"/>
-                      <a:r>
-                        <a:rPr lang="en-US" altLang="ko-KR" sz="1200" b="0" i="0" kern="1200" dirty="0" smtClean="0">
-                          <a:solidFill>
-                            <a:schemeClr val="dk1"/>
-                          </a:solidFill>
-                          <a:effectLst/>
-                          <a:latin typeface="+mn-lt"/>
-                          <a:ea typeface="+mn-ea"/>
-                          <a:cs typeface="+mn-cs"/>
-                        </a:rPr>
-                        <a:t>( </a:t>
-                      </a:r>
-                      <a:r>
-                        <a:rPr lang="ko-KR" altLang="en-US" sz="1200" b="0" i="0" kern="1200" dirty="0" smtClean="0">
-                          <a:solidFill>
-                            <a:schemeClr val="dk1"/>
-                          </a:solidFill>
-                          <a:effectLst/>
-                          <a:latin typeface="+mn-lt"/>
-                          <a:ea typeface="+mn-ea"/>
-                          <a:cs typeface="+mn-cs"/>
-                        </a:rPr>
-                        <a:t>토끼 관련 및 배경 이미지 </a:t>
-                      </a:r>
-                      <a:r>
-                        <a:rPr lang="en-US" altLang="ko-KR" sz="1200" b="0" i="0" kern="1200" dirty="0" smtClean="0">
-                          <a:solidFill>
-                            <a:schemeClr val="dk1"/>
-                          </a:solidFill>
-                          <a:effectLst/>
-                          <a:latin typeface="+mn-lt"/>
-                          <a:ea typeface="+mn-ea"/>
-                          <a:cs typeface="+mn-cs"/>
-                        </a:rPr>
-                        <a:t>)</a:t>
-                      </a:r>
-                      <a:endParaRPr lang="ko-KR" altLang="en-US" sz="1200" b="0" i="0" kern="1200" dirty="0">
-                        <a:solidFill>
-                          <a:schemeClr val="dk1"/>
-                        </a:solidFill>
-                        <a:effectLst/>
-                        <a:latin typeface="+mn-lt"/>
-                        <a:ea typeface="+mn-ea"/>
-                        <a:cs typeface="+mn-cs"/>
-                      </a:endParaRPr>
-                    </a:p>
-                  </a:txBody>
-                  <a:tcPr anchor="ctr"/>
-                </a:tc>
-                <a:tc>
-                  <a:txBody>
-                    <a:bodyPr/>
-                    <a:lstStyle/>
-                    <a:p>
-                      <a:pPr algn="l" latinLnBrk="1"/>
-                      <a:r>
-                        <a:rPr lang="ko-KR" altLang="en-US" sz="1200" dirty="0" smtClean="0"/>
-                        <a:t>총 </a:t>
-                      </a:r>
-                      <a:r>
-                        <a:rPr lang="en-US" altLang="ko-KR" sz="1200" dirty="0" smtClean="0"/>
-                        <a:t>6</a:t>
-                      </a:r>
-                      <a:r>
-                        <a:rPr lang="ko-KR" altLang="en-US" sz="1200" dirty="0" smtClean="0"/>
-                        <a:t>가지 이미지 </a:t>
-                      </a:r>
-                      <a:r>
-                        <a:rPr lang="en-US" altLang="ko-KR" sz="1200" dirty="0" smtClean="0"/>
-                        <a:t>“</a:t>
-                      </a:r>
-                      <a:r>
-                        <a:rPr lang="en-US" altLang="ko-KR" sz="1200" dirty="0" err="1" smtClean="0"/>
-                        <a:t>Github</a:t>
-                      </a:r>
-                      <a:r>
-                        <a:rPr lang="en-US" altLang="ko-KR" sz="1200" dirty="0" smtClean="0"/>
-                        <a:t>://2DGraphics\</a:t>
-                      </a:r>
-                      <a:r>
-                        <a:rPr lang="en-US" altLang="ko-KR" sz="1200" dirty="0" err="1" smtClean="0"/>
-                        <a:t>ResourceData</a:t>
-                      </a:r>
-                      <a:r>
-                        <a:rPr lang="en-US" altLang="ko-KR" sz="1200" dirty="0" smtClean="0"/>
-                        <a:t>\</a:t>
-                      </a:r>
-                      <a:r>
-                        <a:rPr lang="en-US" altLang="ko-KR" sz="1200" dirty="0" err="1" smtClean="0"/>
-                        <a:t>CharacterImage</a:t>
-                      </a:r>
-                      <a:r>
-                        <a:rPr lang="en-US" altLang="ko-KR" sz="1200" dirty="0" smtClean="0"/>
-                        <a:t>”</a:t>
-                      </a:r>
-                    </a:p>
-                    <a:p>
-                      <a:pPr algn="l" latinLnBrk="1"/>
-                      <a:r>
-                        <a:rPr lang="en-US" altLang="ko-KR" sz="1200" dirty="0" smtClean="0"/>
-                        <a:t>( Rabbit-Left, Rabbit-Right, Rabbit-Up, Rabbit-</a:t>
-                      </a:r>
-                      <a:r>
-                        <a:rPr lang="en-US" altLang="ko-KR" sz="1200" dirty="0" err="1" smtClean="0"/>
-                        <a:t>UpHand</a:t>
-                      </a:r>
-                      <a:r>
-                        <a:rPr lang="en-US" altLang="ko-KR" sz="1200" dirty="0" smtClean="0"/>
-                        <a:t>, </a:t>
-                      </a:r>
-                      <a:r>
-                        <a:rPr lang="en-US" altLang="ko-KR" sz="1200" dirty="0" smtClean="0">
-                          <a:solidFill>
-                            <a:srgbClr val="FF0000"/>
-                          </a:solidFill>
-                        </a:rPr>
-                        <a:t>SBT</a:t>
-                      </a:r>
-                      <a:r>
-                        <a:rPr lang="en-US" altLang="ko-KR" sz="1200" dirty="0" smtClean="0"/>
-                        <a:t> )</a:t>
-                      </a:r>
-                      <a:endParaRPr lang="ko-KR" altLang="en-US" sz="1200" dirty="0"/>
-                    </a:p>
-                  </a:txBody>
-                  <a:tcPr anchor="ctr"/>
-                </a:tc>
-              </a:tr>
-              <a:tr h="518160">
-                <a:tc>
-                  <a:txBody>
-                    <a:bodyPr/>
-                    <a:lstStyle/>
-                    <a:p>
-                      <a:pPr algn="l"/>
-                      <a:r>
-                        <a:rPr lang="ko-KR" altLang="en-US" sz="1200" b="0" i="0" kern="1200" dirty="0" smtClean="0">
-                          <a:solidFill>
-                            <a:schemeClr val="dk1"/>
-                          </a:solidFill>
-                          <a:effectLst/>
-                          <a:latin typeface="+mn-lt"/>
-                          <a:ea typeface="+mn-ea"/>
-                          <a:cs typeface="+mn-cs"/>
-                        </a:rPr>
-                        <a:t>함정 이미지</a:t>
-                      </a:r>
-                      <a:endParaRPr lang="en-US" altLang="ko-KR" sz="1200" b="0" i="0" kern="1200" dirty="0" smtClean="0">
-                        <a:solidFill>
-                          <a:schemeClr val="dk1"/>
-                        </a:solidFill>
-                        <a:effectLst/>
-                        <a:latin typeface="+mn-lt"/>
-                        <a:ea typeface="+mn-ea"/>
-                        <a:cs typeface="+mn-cs"/>
-                      </a:endParaRPr>
-                    </a:p>
-                    <a:p>
-                      <a:pPr algn="l"/>
-                      <a:r>
-                        <a:rPr lang="en-US" altLang="ko-KR" sz="1200" b="0" i="0" kern="1200" dirty="0" smtClean="0">
-                          <a:solidFill>
-                            <a:schemeClr val="dk1"/>
-                          </a:solidFill>
-                          <a:effectLst/>
-                          <a:latin typeface="+mn-lt"/>
-                          <a:ea typeface="+mn-ea"/>
-                          <a:cs typeface="+mn-cs"/>
-                        </a:rPr>
-                        <a:t>( </a:t>
-                      </a:r>
-                      <a:r>
-                        <a:rPr lang="ko-KR" altLang="en-US" sz="1200" b="0" i="0" kern="1200" dirty="0" smtClean="0">
-                          <a:solidFill>
-                            <a:schemeClr val="dk1"/>
-                          </a:solidFill>
-                          <a:effectLst/>
-                          <a:latin typeface="+mn-lt"/>
-                          <a:ea typeface="+mn-ea"/>
-                          <a:cs typeface="+mn-cs"/>
-                        </a:rPr>
-                        <a:t>중간 중간 랜덤으로 출연할 함정 </a:t>
-                      </a:r>
-                      <a:r>
-                        <a:rPr lang="en-US" altLang="ko-KR" sz="1200" b="0" i="0" kern="1200" dirty="0" smtClean="0">
-                          <a:solidFill>
-                            <a:schemeClr val="dk1"/>
-                          </a:solidFill>
-                          <a:effectLst/>
-                          <a:latin typeface="+mn-lt"/>
-                          <a:ea typeface="+mn-ea"/>
-                          <a:cs typeface="+mn-cs"/>
-                        </a:rPr>
-                        <a:t>)</a:t>
-                      </a:r>
-                      <a:endParaRPr lang="ko-KR" altLang="en-US" sz="1200" b="0" i="0" kern="1200" dirty="0">
-                        <a:solidFill>
-                          <a:schemeClr val="dk1"/>
-                        </a:solidFill>
-                        <a:effectLst/>
-                        <a:latin typeface="+mn-lt"/>
-                        <a:ea typeface="+mn-ea"/>
-                        <a:cs typeface="+mn-cs"/>
-                      </a:endParaRPr>
-                    </a:p>
-                  </a:txBody>
-                  <a:tcPr anchor="ctr"/>
-                </a:tc>
-                <a:tc>
-                  <a:txBody>
-                    <a:bodyPr/>
-                    <a:lstStyle/>
-                    <a:p>
-                      <a:pPr marL="0" marR="0" indent="0" algn="l" defTabSz="914400" rtl="0" eaLnBrk="1" fontAlgn="auto" latinLnBrk="1" hangingPunct="1">
-                        <a:lnSpc>
-                          <a:spcPct val="100000"/>
-                        </a:lnSpc>
-                        <a:spcBef>
-                          <a:spcPts val="0"/>
-                        </a:spcBef>
-                        <a:spcAft>
-                          <a:spcPts val="0"/>
-                        </a:spcAft>
-                        <a:buClrTx/>
-                        <a:buSzTx/>
-                        <a:buFontTx/>
-                        <a:buNone/>
-                        <a:tabLst/>
-                        <a:defRPr/>
-                      </a:pPr>
-                      <a:r>
-                        <a:rPr lang="ko-KR" altLang="en-US" sz="1200" dirty="0" smtClean="0"/>
-                        <a:t>총</a:t>
-                      </a:r>
-                      <a:r>
-                        <a:rPr lang="en-US" altLang="ko-KR" sz="1200" dirty="0" smtClean="0"/>
-                        <a:t> 5</a:t>
-                      </a:r>
-                      <a:r>
-                        <a:rPr lang="ko-KR" altLang="en-US" sz="1200" dirty="0" smtClean="0"/>
-                        <a:t>가지 이미지 </a:t>
-                      </a:r>
-                      <a:r>
-                        <a:rPr lang="en-US" altLang="ko-KR" sz="1200" dirty="0" smtClean="0"/>
-                        <a:t>“</a:t>
-                      </a:r>
-                      <a:r>
-                        <a:rPr lang="en-US" altLang="ko-KR" sz="1200" dirty="0" err="1" smtClean="0"/>
-                        <a:t>Github</a:t>
-                      </a:r>
-                      <a:r>
-                        <a:rPr lang="en-US" altLang="ko-KR" sz="1200" dirty="0" smtClean="0"/>
-                        <a:t>://2DGraphics\</a:t>
-                      </a:r>
-                      <a:r>
-                        <a:rPr lang="en-US" altLang="ko-KR" sz="1200" dirty="0" err="1" smtClean="0"/>
-                        <a:t>ResourceData</a:t>
-                      </a:r>
-                      <a:r>
-                        <a:rPr lang="en-US" altLang="ko-KR" sz="1200" dirty="0" smtClean="0"/>
-                        <a:t>\</a:t>
-                      </a:r>
-                      <a:r>
-                        <a:rPr lang="en-US" altLang="ko-KR" sz="1200" dirty="0" err="1" smtClean="0"/>
-                        <a:t>GeneralImage</a:t>
-                      </a:r>
-                      <a:r>
-                        <a:rPr lang="en-US" altLang="ko-KR" sz="1200" dirty="0" smtClean="0"/>
-                        <a:t>”</a:t>
-                      </a:r>
-                    </a:p>
-                    <a:p>
-                      <a:pPr algn="l" latinLnBrk="1"/>
-                      <a:r>
-                        <a:rPr lang="en-US" altLang="ko-KR" sz="1200" dirty="0" smtClean="0"/>
-                        <a:t>( </a:t>
-                      </a:r>
-                      <a:r>
-                        <a:rPr lang="en-US" altLang="ko-KR" sz="1200" dirty="0" err="1" smtClean="0"/>
-                        <a:t>blackhole</a:t>
-                      </a:r>
-                      <a:r>
-                        <a:rPr lang="en-US" altLang="ko-KR" sz="1200" dirty="0" smtClean="0"/>
-                        <a:t>, hole, hole-x2, </a:t>
-                      </a:r>
-                      <a:r>
-                        <a:rPr lang="en-US" altLang="ko-KR" sz="1200" dirty="0" err="1" smtClean="0"/>
-                        <a:t>SpaceshipBlue</a:t>
-                      </a:r>
-                      <a:r>
-                        <a:rPr lang="en-US" altLang="ko-KR" sz="1200" dirty="0" smtClean="0"/>
-                        <a:t>, </a:t>
-                      </a:r>
-                      <a:r>
-                        <a:rPr lang="en-US" altLang="ko-KR" sz="1200" dirty="0" err="1" smtClean="0"/>
-                        <a:t>SpaceshipYellow</a:t>
-                      </a:r>
-                      <a:r>
-                        <a:rPr lang="en-US" altLang="ko-KR" sz="1200" dirty="0" smtClean="0"/>
-                        <a:t> )</a:t>
-                      </a:r>
-                      <a:endParaRPr lang="ko-KR" altLang="en-US" sz="1200" dirty="0"/>
-                    </a:p>
-                  </a:txBody>
-                  <a:tcPr anchor="ctr"/>
-                </a:tc>
-              </a:tr>
-              <a:tr h="518160">
-                <a:tc>
-                  <a:txBody>
-                    <a:bodyPr/>
-                    <a:lstStyle/>
-                    <a:p>
-                      <a:pPr algn="l"/>
-                      <a:r>
-                        <a:rPr lang="ko-KR" altLang="en-US" sz="1200" b="0" i="0" kern="1200" dirty="0" smtClean="0">
-                          <a:solidFill>
-                            <a:schemeClr val="dk1"/>
-                          </a:solidFill>
-                          <a:effectLst/>
-                          <a:latin typeface="+mn-lt"/>
-                          <a:ea typeface="+mn-ea"/>
-                          <a:cs typeface="+mn-cs"/>
-                        </a:rPr>
-                        <a:t>발판 이미지</a:t>
-                      </a:r>
-                      <a:endParaRPr lang="en-US" altLang="ko-KR" sz="1200" b="0" i="0" kern="1200" dirty="0" smtClean="0">
-                        <a:solidFill>
-                          <a:schemeClr val="dk1"/>
-                        </a:solidFill>
-                        <a:effectLst/>
-                        <a:latin typeface="+mn-lt"/>
-                        <a:ea typeface="+mn-ea"/>
-                        <a:cs typeface="+mn-cs"/>
-                      </a:endParaRPr>
-                    </a:p>
-                    <a:p>
-                      <a:pPr algn="l"/>
-                      <a:r>
-                        <a:rPr lang="en-US" altLang="ko-KR" sz="1200" b="0" i="0" kern="1200" dirty="0" smtClean="0">
-                          <a:solidFill>
-                            <a:schemeClr val="dk1"/>
-                          </a:solidFill>
-                          <a:effectLst/>
-                          <a:latin typeface="+mn-lt"/>
-                          <a:ea typeface="+mn-ea"/>
-                          <a:cs typeface="+mn-cs"/>
-                        </a:rPr>
-                        <a:t>( </a:t>
-                      </a:r>
-                      <a:r>
-                        <a:rPr lang="ko-KR" altLang="en-US" sz="1200" b="0" i="0" kern="1200" dirty="0" smtClean="0">
-                          <a:solidFill>
-                            <a:schemeClr val="dk1"/>
-                          </a:solidFill>
-                          <a:effectLst/>
-                          <a:latin typeface="+mn-lt"/>
-                          <a:ea typeface="+mn-ea"/>
-                          <a:cs typeface="+mn-cs"/>
-                        </a:rPr>
-                        <a:t>토끼가 밟고 올라갈 수 있는 발판 </a:t>
-                      </a:r>
-                      <a:r>
-                        <a:rPr lang="en-US" altLang="ko-KR" sz="1200" b="0" i="0" kern="1200" dirty="0" smtClean="0">
-                          <a:solidFill>
-                            <a:schemeClr val="dk1"/>
-                          </a:solidFill>
-                          <a:effectLst/>
-                          <a:latin typeface="+mn-lt"/>
-                          <a:ea typeface="+mn-ea"/>
-                          <a:cs typeface="+mn-cs"/>
-                        </a:rPr>
-                        <a:t>)</a:t>
-                      </a:r>
-                      <a:endParaRPr lang="ko-KR" altLang="en-US" sz="1200" b="0" i="0" kern="1200" dirty="0">
-                        <a:solidFill>
-                          <a:schemeClr val="dk1"/>
-                        </a:solidFill>
-                        <a:effectLst/>
-                        <a:latin typeface="+mn-lt"/>
-                        <a:ea typeface="+mn-ea"/>
-                        <a:cs typeface="+mn-cs"/>
-                      </a:endParaRPr>
-                    </a:p>
-                  </a:txBody>
-                  <a:tcPr anchor="ctr"/>
-                </a:tc>
-                <a:tc>
-                  <a:txBody>
-                    <a:bodyPr/>
-                    <a:lstStyle/>
-                    <a:p>
-                      <a:pPr marL="0" marR="0" indent="0" algn="l" defTabSz="914400" rtl="0" eaLnBrk="1" fontAlgn="auto" latinLnBrk="1" hangingPunct="1">
-                        <a:lnSpc>
-                          <a:spcPct val="100000"/>
-                        </a:lnSpc>
-                        <a:spcBef>
-                          <a:spcPts val="0"/>
-                        </a:spcBef>
-                        <a:spcAft>
-                          <a:spcPts val="0"/>
-                        </a:spcAft>
-                        <a:buClrTx/>
-                        <a:buSzTx/>
-                        <a:buFontTx/>
-                        <a:buNone/>
-                        <a:tabLst/>
-                        <a:defRPr/>
-                      </a:pPr>
-                      <a:r>
-                        <a:rPr lang="ko-KR" altLang="en-US" sz="1200" dirty="0" smtClean="0"/>
-                        <a:t>총 </a:t>
-                      </a:r>
-                      <a:r>
-                        <a:rPr lang="en-US" altLang="ko-KR" sz="1200" dirty="0" smtClean="0"/>
-                        <a:t>1</a:t>
-                      </a:r>
-                      <a:r>
-                        <a:rPr lang="ko-KR" altLang="en-US" sz="1200" dirty="0" smtClean="0"/>
-                        <a:t>가지 이미지 </a:t>
-                      </a:r>
-                      <a:r>
-                        <a:rPr lang="en-US" altLang="ko-KR" sz="1200" dirty="0" smtClean="0"/>
-                        <a:t>“</a:t>
-                      </a:r>
-                      <a:r>
-                        <a:rPr lang="en-US" altLang="ko-KR" sz="1200" dirty="0" err="1" smtClean="0"/>
-                        <a:t>Github</a:t>
-                      </a:r>
-                      <a:r>
-                        <a:rPr lang="en-US" altLang="ko-KR" sz="1200" dirty="0" smtClean="0"/>
-                        <a:t>://2DGraphics\</a:t>
-                      </a:r>
-                      <a:r>
-                        <a:rPr lang="en-US" altLang="ko-KR" sz="1200" dirty="0" err="1" smtClean="0"/>
-                        <a:t>ResourceData</a:t>
-                      </a:r>
-                      <a:r>
-                        <a:rPr lang="en-US" altLang="ko-KR" sz="1200" dirty="0" smtClean="0"/>
-                        <a:t>\</a:t>
-                      </a:r>
-                      <a:r>
-                        <a:rPr lang="en-US" altLang="ko-KR" sz="1200" dirty="0" err="1" smtClean="0"/>
-                        <a:t>GeneralImage</a:t>
-                      </a:r>
-                      <a:r>
-                        <a:rPr lang="en-US" altLang="ko-KR" sz="1200" dirty="0" smtClean="0"/>
-                        <a:t>”</a:t>
-                      </a:r>
-                    </a:p>
-                    <a:p>
-                      <a:pPr algn="l" latinLnBrk="1"/>
-                      <a:r>
-                        <a:rPr lang="en-US" altLang="ko-KR" sz="1200" dirty="0" smtClean="0"/>
-                        <a:t>( </a:t>
-                      </a:r>
-                      <a:r>
-                        <a:rPr lang="en-US" altLang="ko-KR" sz="1200" dirty="0" err="1" smtClean="0"/>
-                        <a:t>newscaffolding</a:t>
-                      </a:r>
-                      <a:r>
-                        <a:rPr lang="en-US" altLang="ko-KR" sz="1200" dirty="0" smtClean="0"/>
-                        <a:t> )</a:t>
-                      </a:r>
-                      <a:endParaRPr lang="ko-KR" altLang="en-US" sz="1200" dirty="0"/>
-                    </a:p>
-                  </a:txBody>
-                  <a:tcPr anchor="ctr"/>
-                </a:tc>
-              </a:tr>
-              <a:tr h="518160">
-                <a:tc>
-                  <a:txBody>
-                    <a:bodyPr/>
-                    <a:lstStyle/>
-                    <a:p>
-                      <a:pPr algn="l"/>
-                      <a:r>
-                        <a:rPr lang="ko-KR" altLang="en-US" sz="1200" b="0" i="0" kern="1200" dirty="0" smtClean="0">
-                          <a:solidFill>
-                            <a:schemeClr val="dk1"/>
-                          </a:solidFill>
-                          <a:effectLst/>
-                          <a:latin typeface="+mn-lt"/>
-                          <a:ea typeface="+mn-ea"/>
-                          <a:cs typeface="+mn-cs"/>
-                        </a:rPr>
-                        <a:t>사운드</a:t>
-                      </a:r>
-                      <a:endParaRPr lang="en-US" altLang="ko-KR" sz="1200" b="0" i="0" kern="1200" dirty="0" smtClean="0">
-                        <a:solidFill>
-                          <a:schemeClr val="dk1"/>
-                        </a:solidFill>
-                        <a:effectLst/>
-                        <a:latin typeface="+mn-lt"/>
-                        <a:ea typeface="+mn-ea"/>
-                        <a:cs typeface="+mn-cs"/>
-                      </a:endParaRPr>
-                    </a:p>
-                    <a:p>
-                      <a:pPr algn="l"/>
-                      <a:r>
-                        <a:rPr lang="en-US" altLang="ko-KR" sz="1200" b="0" i="0" kern="1200" dirty="0" smtClean="0">
-                          <a:solidFill>
-                            <a:schemeClr val="dk1"/>
-                          </a:solidFill>
-                          <a:effectLst/>
-                          <a:latin typeface="+mn-lt"/>
-                          <a:ea typeface="+mn-ea"/>
-                          <a:cs typeface="+mn-cs"/>
-                        </a:rPr>
-                        <a:t>( </a:t>
-                      </a:r>
-                      <a:r>
-                        <a:rPr lang="ko-KR" altLang="en-US" sz="1200" b="0" i="0" kern="1200" dirty="0" smtClean="0">
-                          <a:solidFill>
-                            <a:schemeClr val="dk1"/>
-                          </a:solidFill>
-                          <a:effectLst/>
-                          <a:latin typeface="+mn-lt"/>
-                          <a:ea typeface="+mn-ea"/>
-                          <a:cs typeface="+mn-cs"/>
-                        </a:rPr>
-                        <a:t>점프</a:t>
-                      </a:r>
-                      <a:r>
-                        <a:rPr lang="en-US" altLang="ko-KR" sz="1200" b="0" i="0" kern="1200" dirty="0" smtClean="0">
-                          <a:solidFill>
-                            <a:schemeClr val="dk1"/>
-                          </a:solidFill>
-                          <a:effectLst/>
-                          <a:latin typeface="+mn-lt"/>
-                          <a:ea typeface="+mn-ea"/>
-                          <a:cs typeface="+mn-cs"/>
-                        </a:rPr>
-                        <a:t>, </a:t>
-                      </a:r>
-                      <a:r>
-                        <a:rPr lang="ko-KR" altLang="en-US" sz="1200" b="0" i="0" kern="1200" dirty="0" smtClean="0">
-                          <a:solidFill>
-                            <a:schemeClr val="dk1"/>
-                          </a:solidFill>
-                          <a:effectLst/>
-                          <a:latin typeface="+mn-lt"/>
-                          <a:ea typeface="+mn-ea"/>
-                          <a:cs typeface="+mn-cs"/>
-                        </a:rPr>
-                        <a:t>게임오버</a:t>
-                      </a:r>
-                      <a:r>
-                        <a:rPr lang="en-US" altLang="ko-KR" sz="1200" b="0" i="0" kern="1200" baseline="0" dirty="0" smtClean="0">
-                          <a:solidFill>
-                            <a:schemeClr val="dk1"/>
-                          </a:solidFill>
-                          <a:effectLst/>
-                          <a:latin typeface="+mn-lt"/>
-                          <a:ea typeface="+mn-ea"/>
-                          <a:cs typeface="+mn-cs"/>
-                        </a:rPr>
-                        <a:t> </a:t>
-                      </a:r>
-                      <a:r>
-                        <a:rPr lang="ko-KR" altLang="en-US" sz="1200" b="0" i="0" kern="1200" baseline="0" dirty="0" smtClean="0">
-                          <a:solidFill>
-                            <a:schemeClr val="dk1"/>
-                          </a:solidFill>
-                          <a:effectLst/>
-                          <a:latin typeface="+mn-lt"/>
-                          <a:ea typeface="+mn-ea"/>
-                          <a:cs typeface="+mn-cs"/>
-                        </a:rPr>
-                        <a:t>등등</a:t>
-                      </a:r>
-                      <a:r>
-                        <a:rPr lang="en-US" altLang="ko-KR" sz="1200" b="0" i="0" kern="1200" baseline="0" dirty="0" smtClean="0">
-                          <a:solidFill>
-                            <a:schemeClr val="dk1"/>
-                          </a:solidFill>
-                          <a:effectLst/>
-                          <a:latin typeface="+mn-lt"/>
-                          <a:ea typeface="+mn-ea"/>
-                          <a:cs typeface="+mn-cs"/>
-                        </a:rPr>
-                        <a:t>… )</a:t>
-                      </a:r>
-                      <a:endParaRPr lang="ko-KR" altLang="en-US" sz="1200" b="0" i="0" kern="1200" dirty="0">
-                        <a:solidFill>
-                          <a:schemeClr val="dk1"/>
-                        </a:solidFill>
-                        <a:effectLst/>
-                        <a:latin typeface="+mn-lt"/>
-                        <a:ea typeface="+mn-ea"/>
-                        <a:cs typeface="+mn-cs"/>
-                      </a:endParaRPr>
-                    </a:p>
-                  </a:txBody>
-                  <a:tcPr anchor="ctr"/>
-                </a:tc>
-                <a:tc>
-                  <a:txBody>
-                    <a:bodyPr/>
-                    <a:lstStyle/>
-                    <a:p>
-                      <a:pPr marL="0" marR="0" indent="0" algn="l" defTabSz="914400" rtl="0" eaLnBrk="1" fontAlgn="auto" latinLnBrk="1" hangingPunct="1">
-                        <a:lnSpc>
-                          <a:spcPct val="100000"/>
-                        </a:lnSpc>
-                        <a:spcBef>
-                          <a:spcPts val="0"/>
-                        </a:spcBef>
-                        <a:spcAft>
-                          <a:spcPts val="0"/>
-                        </a:spcAft>
-                        <a:buClrTx/>
-                        <a:buSzTx/>
-                        <a:buFontTx/>
-                        <a:buNone/>
-                        <a:tabLst/>
-                        <a:defRPr/>
-                      </a:pPr>
-                      <a:r>
-                        <a:rPr lang="ko-KR" altLang="en-US" sz="1200" dirty="0" smtClean="0"/>
-                        <a:t>총 </a:t>
-                      </a:r>
-                      <a:r>
-                        <a:rPr lang="en-US" altLang="ko-KR" sz="1200" dirty="0" smtClean="0"/>
-                        <a:t>3</a:t>
-                      </a:r>
-                      <a:r>
-                        <a:rPr lang="ko-KR" altLang="en-US" sz="1200" dirty="0" smtClean="0"/>
-                        <a:t>가지 사운드 </a:t>
-                      </a:r>
-                      <a:r>
-                        <a:rPr lang="en-US" altLang="ko-KR" sz="1200" dirty="0" smtClean="0"/>
-                        <a:t>“</a:t>
-                      </a:r>
-                      <a:r>
-                        <a:rPr lang="en-US" altLang="ko-KR" sz="1200" dirty="0" err="1" smtClean="0"/>
-                        <a:t>Github</a:t>
-                      </a:r>
-                      <a:r>
-                        <a:rPr lang="en-US" altLang="ko-KR" sz="1200" dirty="0" smtClean="0"/>
-                        <a:t>://2DGraphics\</a:t>
-                      </a:r>
-                      <a:r>
-                        <a:rPr lang="en-US" altLang="ko-KR" sz="1200" dirty="0" err="1" smtClean="0"/>
-                        <a:t>ResourceData</a:t>
-                      </a:r>
-                      <a:r>
-                        <a:rPr lang="en-US" altLang="ko-KR" sz="1200" dirty="0" smtClean="0"/>
-                        <a:t>\</a:t>
-                      </a:r>
-                      <a:r>
-                        <a:rPr lang="en-US" altLang="ko-KR" sz="1200" dirty="0" err="1" smtClean="0"/>
-                        <a:t>SoundData</a:t>
-                      </a:r>
-                      <a:r>
-                        <a:rPr lang="en-US" altLang="ko-KR" sz="1200" dirty="0" smtClean="0"/>
-                        <a:t>”</a:t>
-                      </a:r>
-                    </a:p>
-                    <a:p>
-                      <a:pPr algn="l" latinLnBrk="1"/>
-                      <a:r>
-                        <a:rPr lang="en-US" altLang="ko-KR" sz="1200" dirty="0" smtClean="0"/>
-                        <a:t>( </a:t>
-                      </a:r>
-                      <a:r>
-                        <a:rPr lang="en-US" altLang="ko-KR" sz="1200" baseline="0" dirty="0" err="1" smtClean="0"/>
-                        <a:t>GameOver</a:t>
-                      </a:r>
-                      <a:r>
-                        <a:rPr lang="en-US" altLang="ko-KR" sz="1200" baseline="0" dirty="0" smtClean="0"/>
-                        <a:t>, </a:t>
-                      </a:r>
-                      <a:r>
-                        <a:rPr lang="en-US" altLang="ko-KR" sz="1200" baseline="0" dirty="0" err="1" smtClean="0"/>
-                        <a:t>JumpSound</a:t>
-                      </a:r>
-                      <a:r>
-                        <a:rPr lang="en-US" altLang="ko-KR" sz="1200" baseline="0" dirty="0" smtClean="0"/>
-                        <a:t>, rocket )</a:t>
-                      </a:r>
-                      <a:endParaRPr lang="ko-KR" altLang="en-US" sz="1200" dirty="0"/>
-                    </a:p>
-                  </a:txBody>
-                  <a:tcPr anchor="ctr"/>
-                </a:tc>
-              </a:tr>
-              <a:tr h="2072640">
-                <a:tc>
-                  <a:txBody>
-                    <a:bodyPr/>
-                    <a:lstStyle/>
-                    <a:p>
-                      <a:pPr algn="l"/>
-                      <a:r>
-                        <a:rPr lang="ko-KR" altLang="en-US" sz="1200" b="0" i="0" kern="1200" dirty="0" smtClean="0">
-                          <a:solidFill>
-                            <a:schemeClr val="dk1"/>
-                          </a:solidFill>
-                          <a:effectLst/>
-                          <a:latin typeface="+mn-lt"/>
-                          <a:ea typeface="+mn-ea"/>
-                          <a:cs typeface="+mn-cs"/>
-                        </a:rPr>
-                        <a:t>발판 생성을 위한 알고리즘 계산</a:t>
-                      </a:r>
-                      <a:endParaRPr lang="ko-KR" altLang="en-US" sz="1200" b="0" i="0" kern="1200" dirty="0">
-                        <a:solidFill>
-                          <a:schemeClr val="dk1"/>
-                        </a:solidFill>
-                        <a:effectLst/>
-                        <a:latin typeface="+mn-lt"/>
-                        <a:ea typeface="+mn-ea"/>
-                        <a:cs typeface="+mn-cs"/>
-                      </a:endParaRPr>
-                    </a:p>
-                  </a:txBody>
-                  <a:tcPr anchor="ctr"/>
-                </a:tc>
-                <a:tc>
-                  <a:txBody>
-                    <a:bodyPr/>
-                    <a:lstStyle/>
-                    <a:p>
-                      <a:pPr algn="l" latinLnBrk="1"/>
-                      <a:r>
-                        <a:rPr lang="ko-KR" altLang="en-US" sz="1200" dirty="0" smtClean="0"/>
-                        <a:t>발판은 랜덤으로 한</a:t>
-                      </a:r>
-                      <a:r>
-                        <a:rPr lang="ko-KR" altLang="en-US" sz="1200" baseline="0" dirty="0" smtClean="0"/>
-                        <a:t> 줄씩 생성하면서</a:t>
-                      </a:r>
-                      <a:r>
-                        <a:rPr lang="en-US" altLang="ko-KR" sz="1200" baseline="0" dirty="0" smtClean="0"/>
-                        <a:t>, </a:t>
-                      </a:r>
-                      <a:r>
-                        <a:rPr lang="ko-KR" altLang="en-US" sz="1200" baseline="0" dirty="0" smtClean="0"/>
-                        <a:t>생성할 위치는 무작위 랜덤은 어려울 수 있으니 배열 등으로 미리 칸을 만들어서 생성을 해보자</a:t>
-                      </a:r>
-                      <a:r>
-                        <a:rPr lang="en-US" altLang="ko-KR" sz="1200" baseline="0" dirty="0" smtClean="0"/>
-                        <a:t>.</a:t>
-                      </a:r>
-                    </a:p>
-                    <a:p>
-                      <a:pPr algn="l" latinLnBrk="1"/>
-                      <a:endParaRPr lang="en-US" altLang="ko-KR" sz="1200" dirty="0" smtClean="0"/>
-                    </a:p>
-                    <a:p>
-                      <a:pPr algn="l" latinLnBrk="1"/>
-                      <a:r>
-                        <a:rPr lang="ko-KR" altLang="en-US" sz="1200" dirty="0" smtClean="0"/>
-                        <a:t>발판의 충돌체크 같은 경우 배열로 할 경우 해당 배열 위치를 알 수 있으니 그 위치에 올라 왔을 때 충돌이 된 것으로 처리를 하면 좋을 거 같다</a:t>
-                      </a:r>
-                      <a:r>
-                        <a:rPr lang="en-US" altLang="ko-KR" sz="1200" dirty="0" smtClean="0"/>
-                        <a:t>.</a:t>
-                      </a:r>
-                    </a:p>
-                    <a:p>
-                      <a:pPr algn="l" latinLnBrk="1"/>
-                      <a:endParaRPr lang="en-US" altLang="ko-KR" sz="1200" dirty="0" smtClean="0"/>
-                    </a:p>
-                    <a:p>
-                      <a:pPr algn="l" latinLnBrk="1"/>
-                      <a:r>
-                        <a:rPr lang="ko-KR" altLang="en-US" sz="1200" dirty="0" smtClean="0"/>
-                        <a:t>발판의 거리나 난이도 부분은 배열의 세로부분을 최대한 많이 만들어서 발판거리를 조절하기 쉽게 만들어 보자</a:t>
-                      </a:r>
-                      <a:r>
-                        <a:rPr lang="en-US" altLang="ko-KR" sz="1200" dirty="0" smtClean="0"/>
-                        <a:t>.</a:t>
-                      </a:r>
-                    </a:p>
-                    <a:p>
-                      <a:pPr algn="l" latinLnBrk="1"/>
-                      <a:endParaRPr lang="en-US" altLang="ko-KR" sz="1200" dirty="0" smtClean="0"/>
-                    </a:p>
-                    <a:p>
-                      <a:pPr algn="l" latinLnBrk="1"/>
-                      <a:r>
-                        <a:rPr lang="ko-KR" altLang="en-US" sz="1200" dirty="0" smtClean="0"/>
-                        <a:t>발판이 아래로 내려가 사라지는 부분은 </a:t>
-                      </a:r>
-                      <a:r>
-                        <a:rPr lang="ko-KR" altLang="en-US" sz="1200" dirty="0" err="1" smtClean="0"/>
-                        <a:t>테트리스</a:t>
-                      </a:r>
-                      <a:r>
-                        <a:rPr lang="ko-KR" altLang="en-US" sz="1200" dirty="0" smtClean="0"/>
-                        <a:t> 코드처럼 배열이 제일 아래가 될 경우 자동으로 배열에서 사라지게 만들어 버리자</a:t>
-                      </a:r>
-                      <a:r>
-                        <a:rPr lang="en-US" altLang="ko-KR" sz="1200" dirty="0" smtClean="0"/>
-                        <a:t>.</a:t>
-                      </a:r>
-                      <a:endParaRPr lang="ko-KR" altLang="en-US" sz="1200" dirty="0"/>
-                    </a:p>
-                  </a:txBody>
-                  <a:tcPr anchor="ctr"/>
-                </a:tc>
-              </a:tr>
-            </a:tbl>
-          </a:graphicData>
-        </a:graphic>
-      </p:graphicFrame>
+            <a:ln w="9525">
+              <a:noFill/>
+              <a:miter lim="800000"/>
+              <a:headEnd/>
+              <a:tailEnd/>
+            </a:ln>
+          </p:spPr>
+          <p:txBody>
+            <a:bodyPr>
+              <a:spAutoFit/>
+              <a:scene3d>
+                <a:camera prst="orthographicFront">
+                  <a:rot lat="0" lon="0" rev="0"/>
+                </a:camera>
+                <a:lightRig rig="glow" dir="t">
+                  <a:rot lat="0" lon="0" rev="3600000"/>
+                </a:lightRig>
+              </a:scene3d>
+              <a:sp3d prstMaterial="softEdge">
+                <a:bevelT w="0" h="0"/>
+                <a:contourClr>
+                  <a:schemeClr val="tx1">
+                    <a:lumMod val="75000"/>
+                    <a:lumOff val="25000"/>
+                  </a:schemeClr>
+                </a:contourClr>
+              </a:sp3d>
+            </a:bodyPr>
+            <a:lstStyle/>
+            <a:p>
+              <a:pPr eaLnBrk="1" fontAlgn="auto" latinLnBrk="1" hangingPunct="1">
+                <a:lnSpc>
+                  <a:spcPct val="90000"/>
+                </a:lnSpc>
+                <a:spcBef>
+                  <a:spcPts val="0"/>
+                </a:spcBef>
+                <a:spcAft>
+                  <a:spcPts val="0"/>
+                </a:spcAft>
+                <a:defRPr/>
+              </a:pPr>
+              <a:r>
+                <a:rPr kumimoji="0" lang="en-US" altLang="ko-KR" sz="5000" b="1" spc="-150" dirty="0" err="1">
+                  <a:ln>
+                    <a:prstDash val="solid"/>
+                  </a:ln>
+                  <a:solidFill>
+                    <a:srgbClr val="B9E02D"/>
+                  </a:solidFill>
+                  <a:effectLst>
+                    <a:outerShdw blurRad="38100" dist="38100" dir="2700000" algn="tl">
+                      <a:srgbClr val="000000">
+                        <a:alpha val="43137"/>
+                      </a:srgbClr>
+                    </a:outerShdw>
+                  </a:effectLst>
+                  <a:latin typeface="나눔고딕 ExtraBold" pitchFamily="50" charset="-127"/>
+                  <a:ea typeface="나눔고딕 ExtraBold" pitchFamily="50" charset="-127"/>
+                  <a:cs typeface="Tahoma" pitchFamily="34" charset="0"/>
+                </a:rPr>
+                <a:t>Github</a:t>
+              </a:r>
+              <a:r>
+                <a:rPr kumimoji="0" lang="en-US" altLang="ko-KR" sz="5000" b="1" spc="-150" dirty="0">
+                  <a:ln>
+                    <a:prstDash val="solid"/>
+                  </a:ln>
+                  <a:solidFill>
+                    <a:srgbClr val="B9E02D"/>
+                  </a:solidFill>
+                  <a:effectLst>
+                    <a:outerShdw blurRad="38100" dist="38100" dir="2700000" algn="tl">
+                      <a:srgbClr val="000000">
+                        <a:alpha val="43137"/>
+                      </a:srgbClr>
+                    </a:outerShdw>
+                  </a:effectLst>
+                  <a:latin typeface="나눔고딕 ExtraBold" pitchFamily="50" charset="-127"/>
+                  <a:ea typeface="나눔고딕 ExtraBold" pitchFamily="50" charset="-127"/>
+                  <a:cs typeface="Tahoma" pitchFamily="34" charset="0"/>
+                </a:rPr>
+                <a:t> Commits</a:t>
+              </a:r>
+            </a:p>
+          </p:txBody>
+        </p:sp>
+        <p:sp>
+          <p:nvSpPr>
+            <p:cNvPr id="12292" name="Text Box 5"/>
+            <p:cNvSpPr txBox="1">
+              <a:spLocks noChangeArrowheads="1"/>
+            </p:cNvSpPr>
+            <p:nvPr/>
+          </p:nvSpPr>
+          <p:spPr bwMode="auto">
+            <a:xfrm>
+              <a:off x="3177925" y="2814956"/>
+              <a:ext cx="4703675" cy="338554"/>
+            </a:xfrm>
+            <a:prstGeom prst="rect">
+              <a:avLst/>
+            </a:prstGeom>
+            <a:noFill/>
+            <a:ln>
+              <a:noFill/>
+            </a:ln>
+            <a:extLst>
+              <a:ext uri="{909E8E84-426E-40DD-AFC4-6F175D3DCCD1}">
+                <a14:hiddenFill xmlns:a14="http://schemas.microsoft.com/office/drawing/2010/main">
+                  <a:solidFill>
+                    <a:srgbClr val="FFFFFF"/>
+                  </a:solidFill>
+                </a14:hiddenFill>
+              </a:ext>
+              <a:ext uri="{91240B29-F687-4F45-9708-019B960494DF}">
+                <a14:hiddenLine xmlns:a14="http://schemas.microsoft.com/office/drawing/2010/main" w="9525">
+                  <a:solidFill>
+                    <a:srgbClr val="000000"/>
+                  </a:solidFill>
+                  <a:miter lim="800000"/>
+                  <a:headEnd/>
+                  <a:tailEnd/>
+                </a14:hiddenLine>
+              </a:ext>
+            </a:extLst>
+          </p:spPr>
+          <p:txBody>
+            <a:bodyPr anchor="ctr">
+              <a:spAutoFit/>
+            </a:bodyPr>
+            <a:lstStyle>
+              <a:lvl1pPr>
+                <a:defRPr kumimoji="1">
+                  <a:solidFill>
+                    <a:schemeClr val="tx1"/>
+                  </a:solidFill>
+                  <a:latin typeface="굴림" panose="020B0600000101010101" pitchFamily="50" charset="-127"/>
+                  <a:ea typeface="굴림" panose="020B0600000101010101" pitchFamily="50" charset="-127"/>
+                </a:defRPr>
+              </a:lvl1pPr>
+              <a:lvl2pPr marL="742950" indent="-285750">
+                <a:defRPr kumimoji="1">
+                  <a:solidFill>
+                    <a:schemeClr val="tx1"/>
+                  </a:solidFill>
+                  <a:latin typeface="굴림" panose="020B0600000101010101" pitchFamily="50" charset="-127"/>
+                  <a:ea typeface="굴림" panose="020B0600000101010101" pitchFamily="50" charset="-127"/>
+                </a:defRPr>
+              </a:lvl2pPr>
+              <a:lvl3pPr marL="1143000" indent="-228600">
+                <a:defRPr kumimoji="1">
+                  <a:solidFill>
+                    <a:schemeClr val="tx1"/>
+                  </a:solidFill>
+                  <a:latin typeface="굴림" panose="020B0600000101010101" pitchFamily="50" charset="-127"/>
+                  <a:ea typeface="굴림" panose="020B0600000101010101" pitchFamily="50" charset="-127"/>
+                </a:defRPr>
+              </a:lvl3pPr>
+              <a:lvl4pPr marL="1600200" indent="-228600">
+                <a:defRPr kumimoji="1">
+                  <a:solidFill>
+                    <a:schemeClr val="tx1"/>
+                  </a:solidFill>
+                  <a:latin typeface="굴림" panose="020B0600000101010101" pitchFamily="50" charset="-127"/>
+                  <a:ea typeface="굴림" panose="020B0600000101010101" pitchFamily="50" charset="-127"/>
+                </a:defRPr>
+              </a:lvl4pPr>
+              <a:lvl5pPr marL="2057400" indent="-228600">
+                <a:defRPr kumimoji="1">
+                  <a:solidFill>
+                    <a:schemeClr val="tx1"/>
+                  </a:solidFill>
+                  <a:latin typeface="굴림" panose="020B0600000101010101" pitchFamily="50" charset="-127"/>
+                  <a:ea typeface="굴림" panose="020B0600000101010101" pitchFamily="50" charset="-127"/>
+                </a:defRPr>
+              </a:lvl5pPr>
+              <a:lvl6pPr marL="2514600" indent="-228600" eaLnBrk="0" fontAlgn="base" hangingPunct="0">
+                <a:spcBef>
+                  <a:spcPct val="0"/>
+                </a:spcBef>
+                <a:spcAft>
+                  <a:spcPct val="0"/>
+                </a:spcAft>
+                <a:defRPr kumimoji="1">
+                  <a:solidFill>
+                    <a:schemeClr val="tx1"/>
+                  </a:solidFill>
+                  <a:latin typeface="굴림" panose="020B0600000101010101" pitchFamily="50" charset="-127"/>
+                  <a:ea typeface="굴림" panose="020B0600000101010101" pitchFamily="50" charset="-127"/>
+                </a:defRPr>
+              </a:lvl6pPr>
+              <a:lvl7pPr marL="2971800" indent="-228600" eaLnBrk="0" fontAlgn="base" hangingPunct="0">
+                <a:spcBef>
+                  <a:spcPct val="0"/>
+                </a:spcBef>
+                <a:spcAft>
+                  <a:spcPct val="0"/>
+                </a:spcAft>
+                <a:defRPr kumimoji="1">
+                  <a:solidFill>
+                    <a:schemeClr val="tx1"/>
+                  </a:solidFill>
+                  <a:latin typeface="굴림" panose="020B0600000101010101" pitchFamily="50" charset="-127"/>
+                  <a:ea typeface="굴림" panose="020B0600000101010101" pitchFamily="50" charset="-127"/>
+                </a:defRPr>
+              </a:lvl7pPr>
+              <a:lvl8pPr marL="3429000" indent="-228600" eaLnBrk="0" fontAlgn="base" hangingPunct="0">
+                <a:spcBef>
+                  <a:spcPct val="0"/>
+                </a:spcBef>
+                <a:spcAft>
+                  <a:spcPct val="0"/>
+                </a:spcAft>
+                <a:defRPr kumimoji="1">
+                  <a:solidFill>
+                    <a:schemeClr val="tx1"/>
+                  </a:solidFill>
+                  <a:latin typeface="굴림" panose="020B0600000101010101" pitchFamily="50" charset="-127"/>
+                  <a:ea typeface="굴림" panose="020B0600000101010101" pitchFamily="50" charset="-127"/>
+                </a:defRPr>
+              </a:lvl8pPr>
+              <a:lvl9pPr marL="3886200" indent="-228600" eaLnBrk="0" fontAlgn="base" hangingPunct="0">
+                <a:spcBef>
+                  <a:spcPct val="0"/>
+                </a:spcBef>
+                <a:spcAft>
+                  <a:spcPct val="0"/>
+                </a:spcAft>
+                <a:defRPr kumimoji="1">
+                  <a:solidFill>
+                    <a:schemeClr val="tx1"/>
+                  </a:solidFill>
+                  <a:latin typeface="굴림" panose="020B0600000101010101" pitchFamily="50" charset="-127"/>
+                  <a:ea typeface="굴림" panose="020B0600000101010101" pitchFamily="50" charset="-127"/>
+                </a:defRPr>
+              </a:lvl9pPr>
+            </a:lstStyle>
+            <a:p>
+              <a:pPr eaLnBrk="1" latinLnBrk="1" hangingPunct="1"/>
+              <a:r>
+                <a:rPr kumimoji="0" lang="en-US" altLang="ko-KR" sz="1600" dirty="0" err="1">
+                  <a:solidFill>
+                    <a:prstClr val="white"/>
+                  </a:solidFill>
+                  <a:latin typeface="Arial" panose="020B0604020202020204" pitchFamily="34" charset="0"/>
+                  <a:ea typeface="맑은 고딕" panose="020B0503020000020004" pitchFamily="50" charset="-127"/>
+                  <a:cs typeface="Arial" panose="020B0604020202020204" pitchFamily="34" charset="0"/>
+                </a:rPr>
+                <a:t>Github</a:t>
+              </a:r>
+              <a:r>
+                <a:rPr kumimoji="0" lang="en-US" altLang="ko-KR" sz="1600" dirty="0">
+                  <a:solidFill>
+                    <a:prstClr val="white"/>
+                  </a:solidFill>
+                  <a:latin typeface="Arial" panose="020B0604020202020204" pitchFamily="34" charset="0"/>
+                  <a:ea typeface="맑은 고딕" panose="020B0503020000020004" pitchFamily="50" charset="-127"/>
+                  <a:cs typeface="Arial" panose="020B0604020202020204" pitchFamily="34" charset="0"/>
+                </a:rPr>
+                <a:t> History Information</a:t>
+              </a:r>
+            </a:p>
+          </p:txBody>
+        </p:sp>
+      </p:grpSp>
     </p:spTree>
     <p:extLst>
       <p:ext uri="{BB962C8B-B14F-4D97-AF65-F5344CB8AC3E}">
-        <p14:creationId xmlns:p14="http://schemas.microsoft.com/office/powerpoint/2010/main" val="2025318182"/>
+        <p14:creationId xmlns:p14="http://schemas.microsoft.com/office/powerpoint/2010/main" val="1943815268"/>
       </p:ext>
     </p:extLst>
   </p:cSld>

--- a/ProjectPPT/KwonChangHyun_2차발표_준비중.pptx
+++ b/ProjectPPT/KwonChangHyun_2차발표_준비중.pptx
@@ -148,7 +148,7 @@
   </p:defaultTextStyle>
   <p:extLst>
     <p:ext uri="{EFAFB233-063F-42B5-8137-9DF3F51BA10A}">
-      <p15:sldGuideLst xmlns:p15="http://schemas.microsoft.com/office/powerpoint/2012/main">
+      <p15:sldGuideLst xmlns:p15="http://schemas.microsoft.com/office/powerpoint/2012/main" xmlns="">
         <p15:guide id="1" orient="horz" pos="2160">
           <p15:clr>
             <a:srgbClr val="A4A3A4"/>
@@ -19136,7 +19136,7 @@
               <a:t>를 </a:t>
             </a:r>
             <a:r>
-              <a:rPr lang="ko-KR" altLang="en-US" sz="1400" dirty="0" err="1">
+              <a:rPr lang="ko-KR" altLang="en-US" sz="1400" dirty="0" smtClean="0">
                 <a:solidFill>
                   <a:schemeClr val="tx1">
                     <a:lumMod val="85000"/>
@@ -19146,101 +19146,10 @@
                 <a:ea typeface="HY견고딕" panose="02030600000101010101" pitchFamily="18" charset="-127"/>
                 <a:cs typeface="Arial" panose="020B0604020202020204" pitchFamily="34" charset="0"/>
               </a:rPr>
-              <a:t>미친의</a:t>
+              <a:t>합쳐서 </a:t>
             </a:r>
             <a:r>
-              <a:rPr lang="ko-KR" altLang="en-US" sz="1400" dirty="0">
-                <a:solidFill>
-                  <a:schemeClr val="tx1">
-                    <a:lumMod val="85000"/>
-                  </a:schemeClr>
-                </a:solidFill>
-                <a:latin typeface="HY견고딕" panose="02030600000101010101" pitchFamily="18" charset="-127"/>
-                <a:ea typeface="HY견고딕" panose="02030600000101010101" pitchFamily="18" charset="-127"/>
-                <a:cs typeface="Arial" panose="020B0604020202020204" pitchFamily="34" charset="0"/>
-              </a:rPr>
-              <a:t> 뜻을 가진 </a:t>
-            </a:r>
-            <a:r>
-              <a:rPr lang="en-US" altLang="ko-KR" sz="1400" dirty="0">
-                <a:solidFill>
-                  <a:schemeClr val="tx1">
-                    <a:lumMod val="85000"/>
-                  </a:schemeClr>
-                </a:solidFill>
-                <a:latin typeface="HY견고딕" panose="02030600000101010101" pitchFamily="18" charset="-127"/>
-                <a:ea typeface="HY견고딕" panose="02030600000101010101" pitchFamily="18" charset="-127"/>
-                <a:cs typeface="Arial" panose="020B0604020202020204" pitchFamily="34" charset="0"/>
-              </a:rPr>
-              <a:t>Crazy</a:t>
-            </a:r>
-            <a:r>
-              <a:rPr lang="ko-KR" altLang="en-US" sz="1400" dirty="0">
-                <a:solidFill>
-                  <a:schemeClr val="tx1">
-                    <a:lumMod val="85000"/>
-                  </a:schemeClr>
-                </a:solidFill>
-                <a:latin typeface="HY견고딕" panose="02030600000101010101" pitchFamily="18" charset="-127"/>
-                <a:ea typeface="HY견고딕" panose="02030600000101010101" pitchFamily="18" charset="-127"/>
-                <a:cs typeface="Arial" panose="020B0604020202020204" pitchFamily="34" charset="0"/>
-              </a:rPr>
-              <a:t>와</a:t>
-            </a:r>
-            <a:r>
-              <a:rPr lang="en-US" altLang="ko-KR" sz="1400" dirty="0">
-                <a:solidFill>
-                  <a:schemeClr val="tx1">
-                    <a:lumMod val="85000"/>
-                  </a:schemeClr>
-                </a:solidFill>
-                <a:latin typeface="HY견고딕" panose="02030600000101010101" pitchFamily="18" charset="-127"/>
-                <a:ea typeface="HY견고딕" panose="02030600000101010101" pitchFamily="18" charset="-127"/>
-                <a:cs typeface="Arial" panose="020B0604020202020204" pitchFamily="34" charset="0"/>
-              </a:rPr>
-              <a:t> </a:t>
-            </a:r>
-            <a:r>
-              <a:rPr lang="ko-KR" altLang="en-US" sz="1400" dirty="0">
-                <a:solidFill>
-                  <a:schemeClr val="tx1">
-                    <a:lumMod val="85000"/>
-                  </a:schemeClr>
-                </a:solidFill>
-                <a:latin typeface="HY견고딕" panose="02030600000101010101" pitchFamily="18" charset="-127"/>
-                <a:ea typeface="HY견고딕" panose="02030600000101010101" pitchFamily="18" charset="-127"/>
-                <a:cs typeface="Arial" panose="020B0604020202020204" pitchFamily="34" charset="0"/>
-              </a:rPr>
-              <a:t>유전자의 뜻을 가진 </a:t>
-            </a:r>
-            <a:r>
-              <a:rPr lang="en-US" altLang="ko-KR" sz="1400" dirty="0">
-                <a:solidFill>
-                  <a:schemeClr val="tx1">
-                    <a:lumMod val="85000"/>
-                  </a:schemeClr>
-                </a:solidFill>
-                <a:latin typeface="HY견고딕" panose="02030600000101010101" pitchFamily="18" charset="-127"/>
-                <a:ea typeface="HY견고딕" panose="02030600000101010101" pitchFamily="18" charset="-127"/>
-                <a:cs typeface="Arial" panose="020B0604020202020204" pitchFamily="34" charset="0"/>
-              </a:rPr>
-              <a:t>Gene</a:t>
-            </a:r>
-            <a:r>
-              <a:rPr lang="ko-KR" altLang="en-US" sz="1400" dirty="0">
-                <a:solidFill>
-                  <a:schemeClr val="tx1">
-                    <a:lumMod val="85000"/>
-                  </a:schemeClr>
-                </a:solidFill>
-                <a:latin typeface="HY견고딕" panose="02030600000101010101" pitchFamily="18" charset="-127"/>
-                <a:ea typeface="HY견고딕" panose="02030600000101010101" pitchFamily="18" charset="-127"/>
-                <a:cs typeface="Arial" panose="020B0604020202020204" pitchFamily="34" charset="0"/>
-              </a:rPr>
-              <a:t>을 합쳐서 </a:t>
-            </a:r>
-            <a:r>
-              <a:rPr lang="en-US" altLang="ko-KR" sz="1400" dirty="0" err="1">
+              <a:rPr lang="en-US" altLang="ko-KR" sz="1400" dirty="0" err="1" smtClean="0">
                 <a:solidFill>
                   <a:schemeClr val="tx1">
                     <a:lumMod val="85000"/>
@@ -19253,7 +19162,7 @@
               <a:t>Cragene</a:t>
             </a:r>
             <a:r>
-              <a:rPr lang="en-US" altLang="ko-KR" sz="1400" dirty="0">
+              <a:rPr lang="en-US" altLang="ko-KR" sz="1400" dirty="0" smtClean="0">
                 <a:solidFill>
                   <a:schemeClr val="tx1">
                     <a:lumMod val="85000"/>
@@ -19266,7 +19175,7 @@
               <a:t> Rabbit</a:t>
             </a:r>
             <a:r>
-              <a:rPr lang="ko-KR" altLang="en-US" sz="1400" dirty="0">
+              <a:rPr lang="ko-KR" altLang="en-US" sz="1400" dirty="0" smtClean="0">
                 <a:solidFill>
                   <a:schemeClr val="tx1">
                     <a:lumMod val="85000"/>
@@ -19276,7 +19185,33 @@
                 <a:ea typeface="HY견고딕" panose="02030600000101010101" pitchFamily="18" charset="-127"/>
                 <a:cs typeface="Arial" panose="020B0604020202020204" pitchFamily="34" charset="0"/>
               </a:rPr>
-              <a:t>으로 이름을 정함</a:t>
+              <a:t>로 </a:t>
+            </a:r>
+            <a:r>
+              <a:rPr lang="ko-KR" altLang="en-US" sz="1400" dirty="0" err="1" smtClean="0">
+                <a:solidFill>
+                  <a:schemeClr val="tx1">
+                    <a:lumMod val="85000"/>
+                  </a:schemeClr>
+                </a:solidFill>
+                <a:latin typeface="HY견고딕" panose="02030600000101010101" pitchFamily="18" charset="-127"/>
+                <a:ea typeface="HY견고딕" panose="02030600000101010101" pitchFamily="18" charset="-127"/>
+                <a:cs typeface="Arial" panose="020B0604020202020204" pitchFamily="34" charset="0"/>
+              </a:rPr>
+              <a:t>게임명을</a:t>
+            </a:r>
+            <a:r>
+              <a:rPr lang="ko-KR" altLang="en-US" sz="1400" dirty="0" smtClean="0">
+                <a:solidFill>
+                  <a:schemeClr val="tx1">
+                    <a:lumMod val="85000"/>
+                  </a:schemeClr>
+                </a:solidFill>
+                <a:latin typeface="HY견고딕" panose="02030600000101010101" pitchFamily="18" charset="-127"/>
+                <a:ea typeface="HY견고딕" panose="02030600000101010101" pitchFamily="18" charset="-127"/>
+                <a:cs typeface="Arial" panose="020B0604020202020204" pitchFamily="34" charset="0"/>
+              </a:rPr>
+              <a:t> 정하였습니다</a:t>
             </a:r>
             <a:r>
               <a:rPr lang="en-US" altLang="ko-KR" sz="1400" dirty="0" smtClean="0">
@@ -19293,7 +19228,7 @@
             </a:r>
           </a:p>
           <a:p>
-            <a:pPr latinLnBrk="1">
+            <a:pPr lvl="1" latinLnBrk="1">
               <a:lnSpc>
                 <a:spcPct val="150000"/>
               </a:lnSpc>

--- a/ProjectPPT/KwonChangHyun_2차발표_준비중.pptx
+++ b/ProjectPPT/KwonChangHyun_2차발표_준비중.pptx
@@ -148,7 +148,7 @@
   </p:defaultTextStyle>
   <p:extLst>
     <p:ext uri="{EFAFB233-063F-42B5-8137-9DF3F51BA10A}">
-      <p15:sldGuideLst xmlns:p15="http://schemas.microsoft.com/office/powerpoint/2012/main" xmlns="">
+      <p15:sldGuideLst xmlns:p15="http://schemas.microsoft.com/office/powerpoint/2012/main">
         <p15:guide id="1" orient="horz" pos="2160">
           <p15:clr>
             <a:srgbClr val="A4A3A4"/>
@@ -19872,98 +19872,112 @@
       </p:sp>
       <p:grpSp>
         <p:nvGrpSpPr>
-          <p:cNvPr id="7" name="그룹 6"/>
+          <p:cNvPr id="10" name="그룹 9"/>
           <p:cNvGrpSpPr/>
           <p:nvPr/>
         </p:nvGrpSpPr>
         <p:grpSpPr>
           <a:xfrm>
-            <a:off x="325438" y="4437112"/>
-            <a:ext cx="8362950" cy="2065271"/>
-            <a:chOff x="325438" y="1340768"/>
-            <a:chExt cx="8362950" cy="2065271"/>
+            <a:off x="325438" y="4432161"/>
+            <a:ext cx="8362950" cy="2070220"/>
+            <a:chOff x="325438" y="4432161"/>
+            <a:chExt cx="8362950" cy="2070220"/>
           </a:xfrm>
         </p:grpSpPr>
         <p:pic>
           <p:nvPicPr>
-            <p:cNvPr id="8" name="Picture 2" descr="http://app.chosun.com/site/data/img_dir/2010/11/12/2010111200622_1.jpg"/>
+            <p:cNvPr id="2" name="그림 1"/>
             <p:cNvPicPr>
-              <a:picLocks noChangeAspect="1" noChangeArrowheads="1"/>
+              <a:picLocks noChangeAspect="1"/>
             </p:cNvPicPr>
             <p:nvPr/>
           </p:nvPicPr>
           <p:blipFill>
-            <a:blip r:embed="rId2">
-              <a:extLst>
-                <a:ext uri="{28A0092B-C50C-407E-A947-70E740481C1C}">
-                  <a14:useLocalDpi xmlns:a14="http://schemas.microsoft.com/office/drawing/2010/main"/>
-                </a:ext>
-              </a:extLst>
-            </a:blip>
-            <a:srcRect/>
+            <a:blip r:embed="rId2"/>
             <a:stretch>
               <a:fillRect/>
             </a:stretch>
           </p:blipFill>
-          <p:spPr bwMode="auto">
+          <p:spPr>
             <a:xfrm>
-              <a:off x="325438" y="1340768"/>
-              <a:ext cx="6356550" cy="2065271"/>
+              <a:off x="325438" y="4436121"/>
+              <a:ext cx="2175075" cy="2066260"/>
             </a:xfrm>
             <a:prstGeom prst="rect">
               <a:avLst/>
             </a:prstGeom>
-            <a:noFill/>
-            <a:extLst>
-              <a:ext uri="{909E8E84-426E-40DD-AFC4-6F175D3DCCD1}">
-                <a14:hiddenFill xmlns:a14="http://schemas.microsoft.com/office/drawing/2010/main">
-                  <a:solidFill>
-                    <a:srgbClr val="FFFFFF"/>
-                  </a:solidFill>
-                </a14:hiddenFill>
-              </a:ext>
-            </a:extLst>
           </p:spPr>
         </p:pic>
         <p:pic>
           <p:nvPicPr>
-            <p:cNvPr id="9" name="Picture 4" descr="http://cfile29.uf.tistory.com/image/1966AE194BCD159969D8AD"/>
+            <p:cNvPr id="3" name="그림 2"/>
             <p:cNvPicPr>
-              <a:picLocks noChangeAspect="1" noChangeArrowheads="1"/>
+              <a:picLocks noChangeAspect="1"/>
             </p:cNvPicPr>
             <p:nvPr/>
           </p:nvPicPr>
           <p:blipFill>
-            <a:blip r:embed="rId3" cstate="email">
-              <a:extLst>
-                <a:ext uri="{28A0092B-C50C-407E-A947-70E740481C1C}">
-                  <a14:useLocalDpi xmlns:a14="http://schemas.microsoft.com/office/drawing/2010/main"/>
-                </a:ext>
-              </a:extLst>
-            </a:blip>
-            <a:srcRect/>
+            <a:blip r:embed="rId3"/>
             <a:stretch>
               <a:fillRect/>
             </a:stretch>
           </p:blipFill>
-          <p:spPr bwMode="auto">
+          <p:spPr>
             <a:xfrm>
-              <a:off x="6681988" y="1340975"/>
-              <a:ext cx="2006400" cy="2065063"/>
+              <a:off x="2561014" y="4432161"/>
+              <a:ext cx="2006400" cy="2066260"/>
             </a:xfrm>
             <a:prstGeom prst="rect">
               <a:avLst/>
             </a:prstGeom>
-            <a:noFill/>
-            <a:extLst>
-              <a:ext uri="{909E8E84-426E-40DD-AFC4-6F175D3DCCD1}">
-                <a14:hiddenFill xmlns:a14="http://schemas.microsoft.com/office/drawing/2010/main">
-                  <a:solidFill>
-                    <a:srgbClr val="FFFFFF"/>
-                  </a:solidFill>
-                </a14:hiddenFill>
-              </a:ext>
-            </a:extLst>
+          </p:spPr>
+        </p:pic>
+        <p:pic>
+          <p:nvPicPr>
+            <p:cNvPr id="5" name="그림 4"/>
+            <p:cNvPicPr>
+              <a:picLocks noChangeAspect="1"/>
+            </p:cNvPicPr>
+            <p:nvPr/>
+          </p:nvPicPr>
+          <p:blipFill>
+            <a:blip r:embed="rId4"/>
+            <a:stretch>
+              <a:fillRect/>
+            </a:stretch>
+          </p:blipFill>
+          <p:spPr>
+            <a:xfrm>
+              <a:off x="6681988" y="4432161"/>
+              <a:ext cx="2006400" cy="2066260"/>
+            </a:xfrm>
+            <a:prstGeom prst="rect">
+              <a:avLst/>
+            </a:prstGeom>
+          </p:spPr>
+        </p:pic>
+        <p:pic>
+          <p:nvPicPr>
+            <p:cNvPr id="6" name="그림 5"/>
+            <p:cNvPicPr>
+              <a:picLocks noChangeAspect="1"/>
+            </p:cNvPicPr>
+            <p:nvPr/>
+          </p:nvPicPr>
+          <p:blipFill>
+            <a:blip r:embed="rId5"/>
+            <a:stretch>
+              <a:fillRect/>
+            </a:stretch>
+          </p:blipFill>
+          <p:spPr>
+            <a:xfrm>
+              <a:off x="4615087" y="4435766"/>
+              <a:ext cx="2006400" cy="2066260"/>
+            </a:xfrm>
+            <a:prstGeom prst="rect">
+              <a:avLst/>
+            </a:prstGeom>
           </p:spPr>
         </p:pic>
       </p:grpSp>
